--- a/lect-7/卡方检验.pptx
+++ b/lect-7/卡方检验.pptx
@@ -6,6 +6,11 @@
   </p:sldMasterIdLst>
   <p:sldIdLst>
     <p:sldId id="256" r:id="rId2"/>
+    <p:sldId id="258" r:id="rId3"/>
+    <p:sldId id="257" r:id="rId4"/>
+    <p:sldId id="259" r:id="rId5"/>
+    <p:sldId id="260" r:id="rId6"/>
+    <p:sldId id="261" r:id="rId7"/>
   </p:sldIdLst>
   <p:sldSz cx="12192000" cy="6858000"/>
   <p:notesSz cx="6858000" cy="9144000"/>
@@ -281,7 +286,7 @@
           <a:p>
             <a:fld id="{D8E0950C-EF3C-4712-8EE4-5F7FAA755B56}" type="datetimeFigureOut">
               <a:rPr lang="zh-CN" altLang="en-US" smtClean="0"/>
-              <a:t>2019-3-27</a:t>
+              <a:t>2019-3-29</a:t>
             </a:fld>
             <a:endParaRPr lang="zh-CN" altLang="en-US"/>
           </a:p>
@@ -611,7 +616,7 @@
           <a:p>
             <a:fld id="{D8E0950C-EF3C-4712-8EE4-5F7FAA755B56}" type="datetimeFigureOut">
               <a:rPr lang="zh-CN" altLang="en-US" smtClean="0"/>
-              <a:t>2019-3-27</a:t>
+              <a:t>2019-3-29</a:t>
             </a:fld>
             <a:endParaRPr lang="zh-CN" altLang="en-US"/>
           </a:p>
@@ -791,7 +796,7 @@
           <a:p>
             <a:fld id="{D8E0950C-EF3C-4712-8EE4-5F7FAA755B56}" type="datetimeFigureOut">
               <a:rPr lang="zh-CN" altLang="en-US" smtClean="0"/>
-              <a:t>2019-3-27</a:t>
+              <a:t>2019-3-29</a:t>
             </a:fld>
             <a:endParaRPr lang="zh-CN" altLang="en-US"/>
           </a:p>
@@ -989,7 +994,7 @@
           <a:p>
             <a:fld id="{D8E0950C-EF3C-4712-8EE4-5F7FAA755B56}" type="datetimeFigureOut">
               <a:rPr lang="zh-CN" altLang="en-US" smtClean="0"/>
-              <a:t>2019-3-27</a:t>
+              <a:t>2019-3-29</a:t>
             </a:fld>
             <a:endParaRPr lang="zh-CN" altLang="en-US"/>
           </a:p>
@@ -1266,7 +1271,7 @@
           <a:p>
             <a:fld id="{D8E0950C-EF3C-4712-8EE4-5F7FAA755B56}" type="datetimeFigureOut">
               <a:rPr lang="zh-CN" altLang="en-US" smtClean="0"/>
-              <a:t>2019-3-27</a:t>
+              <a:t>2019-3-29</a:t>
             </a:fld>
             <a:endParaRPr lang="zh-CN" altLang="en-US"/>
           </a:p>
@@ -1660,7 +1665,7 @@
           <a:p>
             <a:fld id="{D8E0950C-EF3C-4712-8EE4-5F7FAA755B56}" type="datetimeFigureOut">
               <a:rPr lang="zh-CN" altLang="en-US" smtClean="0"/>
-              <a:t>2019-3-27</a:t>
+              <a:t>2019-3-29</a:t>
             </a:fld>
             <a:endParaRPr lang="zh-CN" altLang="en-US"/>
           </a:p>
@@ -2137,7 +2142,7 @@
           <a:p>
             <a:fld id="{D8E0950C-EF3C-4712-8EE4-5F7FAA755B56}" type="datetimeFigureOut">
               <a:rPr lang="zh-CN" altLang="en-US" smtClean="0"/>
-              <a:t>2019-3-27</a:t>
+              <a:t>2019-3-29</a:t>
             </a:fld>
             <a:endParaRPr lang="zh-CN" altLang="en-US"/>
           </a:p>
@@ -2255,7 +2260,7 @@
           <a:p>
             <a:fld id="{D8E0950C-EF3C-4712-8EE4-5F7FAA755B56}" type="datetimeFigureOut">
               <a:rPr lang="zh-CN" altLang="en-US" smtClean="0"/>
-              <a:t>2019-3-27</a:t>
+              <a:t>2019-3-29</a:t>
             </a:fld>
             <a:endParaRPr lang="zh-CN" altLang="en-US"/>
           </a:p>
@@ -2350,7 +2355,7 @@
           <a:p>
             <a:fld id="{D8E0950C-EF3C-4712-8EE4-5F7FAA755B56}" type="datetimeFigureOut">
               <a:rPr lang="zh-CN" altLang="en-US" smtClean="0"/>
-              <a:t>2019-3-27</a:t>
+              <a:t>2019-3-29</a:t>
             </a:fld>
             <a:endParaRPr lang="zh-CN" altLang="en-US"/>
           </a:p>
@@ -2696,7 +2701,7 @@
           <a:p>
             <a:fld id="{D8E0950C-EF3C-4712-8EE4-5F7FAA755B56}" type="datetimeFigureOut">
               <a:rPr lang="zh-CN" altLang="en-US" smtClean="0"/>
-              <a:t>2019-3-27</a:t>
+              <a:t>2019-3-29</a:t>
             </a:fld>
             <a:endParaRPr lang="zh-CN" altLang="en-US"/>
           </a:p>
@@ -3084,7 +3089,7 @@
           <a:p>
             <a:fld id="{D8E0950C-EF3C-4712-8EE4-5F7FAA755B56}" type="datetimeFigureOut">
               <a:rPr lang="zh-CN" altLang="en-US" smtClean="0"/>
-              <a:t>2019-3-27</a:t>
+              <a:t>2019-3-29</a:t>
             </a:fld>
             <a:endParaRPr lang="zh-CN" altLang="en-US"/>
           </a:p>
@@ -3362,7 +3367,7 @@
           <a:p>
             <a:fld id="{D8E0950C-EF3C-4712-8EE4-5F7FAA755B56}" type="datetimeFigureOut">
               <a:rPr lang="zh-CN" altLang="en-US" smtClean="0"/>
-              <a:t>2019-3-27</a:t>
+              <a:t>2019-3-29</a:t>
             </a:fld>
             <a:endParaRPr lang="zh-CN" altLang="en-US"/>
           </a:p>
@@ -3937,6 +3942,939 @@
 </p:sld>
 </file>
 
+<file path=ppt/slides/slide2.xml><?xml version="1.0" encoding="utf-8"?>
+<p:sld xmlns:a="http://schemas.openxmlformats.org/drawingml/2006/main" xmlns:r="http://schemas.openxmlformats.org/officeDocument/2006/relationships" xmlns:p="http://schemas.openxmlformats.org/presentationml/2006/main">
+  <p:cSld>
+    <p:spTree>
+      <p:nvGrpSpPr>
+        <p:cNvPr id="1" name=""/>
+        <p:cNvGrpSpPr/>
+        <p:nvPr/>
+      </p:nvGrpSpPr>
+      <p:grpSpPr>
+        <a:xfrm>
+          <a:off x="0" y="0"/>
+          <a:ext cx="0" cy="0"/>
+          <a:chOff x="0" y="0"/>
+          <a:chExt cx="0" cy="0"/>
+        </a:xfrm>
+      </p:grpSpPr>
+      <p:sp>
+        <p:nvSpPr>
+          <p:cNvPr id="2" name="标题 1"/>
+          <p:cNvSpPr>
+            <a:spLocks noGrp="1"/>
+          </p:cNvSpPr>
+          <p:nvPr>
+            <p:ph type="title"/>
+          </p:nvPr>
+        </p:nvSpPr>
+        <p:spPr/>
+        <p:txBody>
+          <a:bodyPr/>
+          <a:lstStyle/>
+          <a:p>
+            <a:r>
+              <a:rPr lang="zh-CN" altLang="en-US" dirty="0" smtClean="0"/>
+              <a:t>计数资料的统计检验</a:t>
+            </a:r>
+            <a:endParaRPr lang="zh-CN" altLang="en-US" dirty="0"/>
+          </a:p>
+        </p:txBody>
+      </p:sp>
+      <p:sp>
+        <p:nvSpPr>
+          <p:cNvPr id="3" name="内容占位符 2"/>
+          <p:cNvSpPr>
+            <a:spLocks noGrp="1"/>
+          </p:cNvSpPr>
+          <p:nvPr>
+            <p:ph idx="1"/>
+          </p:nvPr>
+        </p:nvSpPr>
+        <p:spPr/>
+        <p:txBody>
+          <a:bodyPr/>
+          <a:lstStyle/>
+          <a:p>
+            <a:r>
+              <a:rPr lang="zh-CN" altLang="en-US" dirty="0" smtClean="0"/>
+              <a:t>上次课讲了二分类变量的统计（单样本，</a:t>
+            </a:r>
+            <a:r>
+              <a:rPr lang="en-US" altLang="zh-CN" dirty="0" smtClean="0"/>
+              <a:t>2</a:t>
+            </a:r>
+            <a:r>
+              <a:rPr lang="zh-CN" altLang="en-US" dirty="0" smtClean="0"/>
+              <a:t>独立样本）</a:t>
+            </a:r>
+            <a:endParaRPr lang="en-US" altLang="zh-CN" dirty="0" smtClean="0"/>
+          </a:p>
+          <a:p>
+            <a:r>
+              <a:rPr lang="en-US" altLang="zh-CN" dirty="0" smtClean="0"/>
+              <a:t>3</a:t>
+            </a:r>
+            <a:r>
+              <a:rPr lang="zh-CN" altLang="en-US" dirty="0" smtClean="0"/>
+              <a:t>分类怎么办？多组怎么办？</a:t>
+            </a:r>
+            <a:r>
+              <a:rPr lang="en-US" altLang="zh-CN" dirty="0" smtClean="0"/>
+              <a:t>2</a:t>
+            </a:r>
+            <a:r>
+              <a:rPr lang="zh-CN" altLang="en-US" dirty="0" smtClean="0"/>
+              <a:t>分类</a:t>
+            </a:r>
+            <a:r>
+              <a:rPr lang="en-US" altLang="zh-CN" dirty="0" smtClean="0"/>
+              <a:t>2</a:t>
+            </a:r>
+            <a:r>
+              <a:rPr lang="zh-CN" altLang="en-US" dirty="0" smtClean="0"/>
+              <a:t>组配对怎么办？</a:t>
+            </a:r>
+            <a:endParaRPr lang="en-US" altLang="zh-CN" dirty="0" smtClean="0"/>
+          </a:p>
+          <a:p>
+            <a:r>
+              <a:rPr lang="zh-CN" altLang="en-US" dirty="0" smtClean="0"/>
+              <a:t>有没有一个适用更广的方法？</a:t>
+            </a:r>
+            <a:endParaRPr lang="zh-CN" altLang="en-US" dirty="0"/>
+          </a:p>
+        </p:txBody>
+      </p:sp>
+    </p:spTree>
+    <p:extLst>
+      <p:ext uri="{BB962C8B-B14F-4D97-AF65-F5344CB8AC3E}">
+        <p14:creationId xmlns:p14="http://schemas.microsoft.com/office/powerpoint/2010/main" val="3818546022"/>
+      </p:ext>
+    </p:extLst>
+  </p:cSld>
+  <p:clrMapOvr>
+    <a:masterClrMapping/>
+  </p:clrMapOvr>
+</p:sld>
+</file>
+
+<file path=ppt/slides/slide3.xml><?xml version="1.0" encoding="utf-8"?>
+<p:sld xmlns:a="http://schemas.openxmlformats.org/drawingml/2006/main" xmlns:r="http://schemas.openxmlformats.org/officeDocument/2006/relationships" xmlns:p="http://schemas.openxmlformats.org/presentationml/2006/main">
+  <p:cSld>
+    <p:spTree>
+      <p:nvGrpSpPr>
+        <p:cNvPr id="1" name=""/>
+        <p:cNvGrpSpPr/>
+        <p:nvPr/>
+      </p:nvGrpSpPr>
+      <p:grpSpPr>
+        <a:xfrm>
+          <a:off x="0" y="0"/>
+          <a:ext cx="0" cy="0"/>
+          <a:chOff x="0" y="0"/>
+          <a:chExt cx="0" cy="0"/>
+        </a:xfrm>
+      </p:grpSpPr>
+      <p:sp>
+        <p:nvSpPr>
+          <p:cNvPr id="2" name="标题 1"/>
+          <p:cNvSpPr>
+            <a:spLocks noGrp="1"/>
+          </p:cNvSpPr>
+          <p:nvPr>
+            <p:ph type="title"/>
+          </p:nvPr>
+        </p:nvSpPr>
+        <p:spPr/>
+        <p:txBody>
+          <a:bodyPr/>
+          <a:lstStyle/>
+          <a:p>
+            <a:r>
+              <a:rPr lang="zh-CN" altLang="en-US" dirty="0" smtClean="0"/>
+              <a:t>目标</a:t>
+            </a:r>
+            <a:endParaRPr lang="zh-CN" altLang="en-US" dirty="0"/>
+          </a:p>
+        </p:txBody>
+      </p:sp>
+      <p:sp>
+        <p:nvSpPr>
+          <p:cNvPr id="3" name="内容占位符 2"/>
+          <p:cNvSpPr>
+            <a:spLocks noGrp="1"/>
+          </p:cNvSpPr>
+          <p:nvPr>
+            <p:ph idx="1"/>
+          </p:nvPr>
+        </p:nvSpPr>
+        <p:spPr/>
+        <p:txBody>
+          <a:bodyPr/>
+          <a:lstStyle/>
+          <a:p>
+            <a:r>
+              <a:rPr lang="zh-CN" altLang="en-US" dirty="0" smtClean="0"/>
+              <a:t>手工计算卡方检验</a:t>
+            </a:r>
+            <a:endParaRPr lang="en-US" altLang="zh-CN" dirty="0" smtClean="0"/>
+          </a:p>
+          <a:p>
+            <a:r>
+              <a:rPr lang="zh-CN" altLang="en-US" dirty="0" smtClean="0"/>
+              <a:t>知道如何解释卡方检验的结果</a:t>
+            </a:r>
+            <a:endParaRPr lang="en-US" altLang="zh-CN" dirty="0" smtClean="0"/>
+          </a:p>
+          <a:p>
+            <a:r>
+              <a:rPr lang="zh-CN" altLang="en-US" dirty="0" smtClean="0"/>
+              <a:t>选择合适的检验方式</a:t>
+            </a:r>
+            <a:endParaRPr lang="zh-CN" altLang="en-US" dirty="0"/>
+          </a:p>
+        </p:txBody>
+      </p:sp>
+    </p:spTree>
+    <p:extLst>
+      <p:ext uri="{BB962C8B-B14F-4D97-AF65-F5344CB8AC3E}">
+        <p14:creationId xmlns:p14="http://schemas.microsoft.com/office/powerpoint/2010/main" val="4015686334"/>
+      </p:ext>
+    </p:extLst>
+  </p:cSld>
+  <p:clrMapOvr>
+    <a:masterClrMapping/>
+  </p:clrMapOvr>
+  <p:timing>
+    <p:tnLst>
+      <p:par>
+        <p:cTn id="1" dur="indefinite" restart="never" nodeType="tmRoot"/>
+      </p:par>
+    </p:tnLst>
+  </p:timing>
+</p:sld>
+</file>
+
+<file path=ppt/slides/slide4.xml><?xml version="1.0" encoding="utf-8"?>
+<p:sld xmlns:a="http://schemas.openxmlformats.org/drawingml/2006/main" xmlns:r="http://schemas.openxmlformats.org/officeDocument/2006/relationships" xmlns:p="http://schemas.openxmlformats.org/presentationml/2006/main">
+  <p:cSld>
+    <p:spTree>
+      <p:nvGrpSpPr>
+        <p:cNvPr id="1" name=""/>
+        <p:cNvGrpSpPr/>
+        <p:nvPr/>
+      </p:nvGrpSpPr>
+      <p:grpSpPr>
+        <a:xfrm>
+          <a:off x="0" y="0"/>
+          <a:ext cx="0" cy="0"/>
+          <a:chOff x="0" y="0"/>
+          <a:chExt cx="0" cy="0"/>
+        </a:xfrm>
+      </p:grpSpPr>
+      <p:sp>
+        <p:nvSpPr>
+          <p:cNvPr id="2" name="标题 1"/>
+          <p:cNvSpPr>
+            <a:spLocks noGrp="1"/>
+          </p:cNvSpPr>
+          <p:nvPr>
+            <p:ph type="title"/>
+          </p:nvPr>
+        </p:nvSpPr>
+        <p:spPr/>
+        <p:txBody>
+          <a:bodyPr/>
+          <a:lstStyle/>
+          <a:p>
+            <a:r>
+              <a:rPr lang="zh-CN" altLang="en-US" dirty="0"/>
+              <a:t>单</a:t>
+            </a:r>
+            <a:r>
+              <a:rPr lang="zh-CN" altLang="en-US" dirty="0" smtClean="0"/>
+              <a:t>样本，计量数据的检验</a:t>
+            </a:r>
+            <a:endParaRPr lang="zh-CN" altLang="en-US" dirty="0"/>
+          </a:p>
+        </p:txBody>
+      </p:sp>
+      <p:sp>
+        <p:nvSpPr>
+          <p:cNvPr id="3" name="内容占位符 2"/>
+          <p:cNvSpPr>
+            <a:spLocks noGrp="1"/>
+          </p:cNvSpPr>
+          <p:nvPr>
+            <p:ph idx="1"/>
+          </p:nvPr>
+        </p:nvSpPr>
+        <p:spPr>
+          <a:xfrm>
+            <a:off x="1371600" y="1731086"/>
+            <a:ext cx="9601200" cy="4498264"/>
+          </a:xfrm>
+        </p:spPr>
+        <p:txBody>
+          <a:bodyPr/>
+          <a:lstStyle/>
+          <a:p>
+            <a:r>
+              <a:rPr lang="zh-CN" altLang="en-US" dirty="0" smtClean="0"/>
+              <a:t>比如现在有一个硬币，我们认为这个硬币是正常的，所以抛硬币后正面和反面朝上的概率都是</a:t>
+            </a:r>
+            <a:r>
+              <a:rPr lang="en-US" altLang="zh-CN" dirty="0" smtClean="0"/>
+              <a:t>0.5</a:t>
+            </a:r>
+          </a:p>
+          <a:p>
+            <a:endParaRPr lang="en-US" altLang="zh-CN" dirty="0" smtClean="0"/>
+          </a:p>
+          <a:p>
+            <a:r>
+              <a:rPr lang="zh-CN" altLang="en-US" dirty="0" smtClean="0"/>
+              <a:t>然后我们抛硬币</a:t>
+            </a:r>
+            <a:r>
+              <a:rPr lang="en-US" altLang="zh-CN" dirty="0" smtClean="0"/>
+              <a:t>100</a:t>
+            </a:r>
+            <a:r>
+              <a:rPr lang="zh-CN" altLang="en-US" dirty="0" smtClean="0"/>
+              <a:t>次，正面朝上</a:t>
+            </a:r>
+            <a:r>
+              <a:rPr lang="en-US" altLang="zh-CN" dirty="0" smtClean="0"/>
+              <a:t>40</a:t>
+            </a:r>
+            <a:r>
+              <a:rPr lang="zh-CN" altLang="en-US" dirty="0" smtClean="0"/>
+              <a:t>次，反面朝上</a:t>
+            </a:r>
+            <a:r>
+              <a:rPr lang="en-US" altLang="zh-CN" dirty="0" smtClean="0"/>
+              <a:t>60</a:t>
+            </a:r>
+            <a:r>
+              <a:rPr lang="zh-CN" altLang="en-US" dirty="0" smtClean="0"/>
+              <a:t>次</a:t>
+            </a:r>
+            <a:endParaRPr lang="en-US" altLang="zh-CN" dirty="0" smtClean="0"/>
+          </a:p>
+          <a:p>
+            <a:endParaRPr lang="en-US" altLang="zh-CN" dirty="0"/>
+          </a:p>
+          <a:p>
+            <a:r>
+              <a:rPr lang="zh-CN" altLang="en-US" dirty="0" smtClean="0"/>
+              <a:t>于是可以列出下表：</a:t>
+            </a:r>
+            <a:endParaRPr lang="zh-CN" altLang="en-US" dirty="0"/>
+          </a:p>
+        </p:txBody>
+      </p:sp>
+      <p:pic>
+        <p:nvPicPr>
+          <p:cNvPr id="4" name="图片 3"/>
+          <p:cNvPicPr>
+            <a:picLocks noChangeAspect="1"/>
+          </p:cNvPicPr>
+          <p:nvPr/>
+        </p:nvPicPr>
+        <p:blipFill>
+          <a:blip r:embed="rId2"/>
+          <a:stretch>
+            <a:fillRect/>
+          </a:stretch>
+        </p:blipFill>
+        <p:spPr>
+          <a:xfrm>
+            <a:off x="5260657" y="2990850"/>
+            <a:ext cx="2105025" cy="419100"/>
+          </a:xfrm>
+          <a:prstGeom prst="rect">
+            <a:avLst/>
+          </a:prstGeom>
+        </p:spPr>
+      </p:pic>
+      <p:pic>
+        <p:nvPicPr>
+          <p:cNvPr id="5" name="图片 4"/>
+          <p:cNvPicPr>
+            <a:picLocks noChangeAspect="1"/>
+          </p:cNvPicPr>
+          <p:nvPr/>
+        </p:nvPicPr>
+        <p:blipFill>
+          <a:blip r:embed="rId3"/>
+          <a:stretch>
+            <a:fillRect/>
+          </a:stretch>
+        </p:blipFill>
+        <p:spPr>
+          <a:xfrm>
+            <a:off x="5349240" y="4220134"/>
+            <a:ext cx="2133600" cy="590550"/>
+          </a:xfrm>
+          <a:prstGeom prst="rect">
+            <a:avLst/>
+          </a:prstGeom>
+        </p:spPr>
+      </p:pic>
+      <p:graphicFrame>
+        <p:nvGraphicFramePr>
+          <p:cNvPr id="6" name="表格 5"/>
+          <p:cNvGraphicFramePr>
+            <a:graphicFrameLocks noGrp="1"/>
+          </p:cNvGraphicFramePr>
+          <p:nvPr>
+            <p:extLst>
+              <p:ext uri="{D42A27DB-BD31-4B8C-83A1-F6EECF244321}">
+                <p14:modId xmlns:p14="http://schemas.microsoft.com/office/powerpoint/2010/main" val="4048217804"/>
+              </p:ext>
+            </p:extLst>
+          </p:nvPr>
+        </p:nvGraphicFramePr>
+        <p:xfrm>
+          <a:off x="2603500" y="5508836"/>
+          <a:ext cx="8127999" cy="1112520"/>
+        </p:xfrm>
+        <a:graphic>
+          <a:graphicData uri="http://schemas.openxmlformats.org/drawingml/2006/table">
+            <a:tbl>
+              <a:tblPr firstRow="1" bandRow="1">
+                <a:tableStyleId>{073A0DAA-6AF3-43AB-8588-CEC1D06C72B9}</a:tableStyleId>
+              </a:tblPr>
+              <a:tblGrid>
+                <a:gridCol w="2709333"/>
+                <a:gridCol w="2709333"/>
+                <a:gridCol w="2709333"/>
+              </a:tblGrid>
+              <a:tr h="370840">
+                <a:tc>
+                  <a:txBody>
+                    <a:bodyPr/>
+                    <a:lstStyle/>
+                    <a:p>
+                      <a:endParaRPr lang="zh-CN" altLang="en-US" dirty="0"/>
+                    </a:p>
+                  </a:txBody>
+                  <a:tcPr/>
+                </a:tc>
+                <a:tc>
+                  <a:txBody>
+                    <a:bodyPr/>
+                    <a:lstStyle/>
+                    <a:p>
+                      <a:r>
+                        <a:rPr lang="zh-CN" altLang="en-US" dirty="0" smtClean="0"/>
+                        <a:t>正面</a:t>
+                      </a:r>
+                      <a:endParaRPr lang="zh-CN" altLang="en-US" dirty="0"/>
+                    </a:p>
+                  </a:txBody>
+                  <a:tcPr/>
+                </a:tc>
+                <a:tc>
+                  <a:txBody>
+                    <a:bodyPr/>
+                    <a:lstStyle/>
+                    <a:p>
+                      <a:r>
+                        <a:rPr lang="zh-CN" altLang="en-US" dirty="0" smtClean="0"/>
+                        <a:t>反面</a:t>
+                      </a:r>
+                      <a:endParaRPr lang="zh-CN" altLang="en-US" dirty="0"/>
+                    </a:p>
+                  </a:txBody>
+                  <a:tcPr/>
+                </a:tc>
+              </a:tr>
+              <a:tr h="370840">
+                <a:tc>
+                  <a:txBody>
+                    <a:bodyPr/>
+                    <a:lstStyle/>
+                    <a:p>
+                      <a:r>
+                        <a:rPr lang="zh-CN" altLang="en-US" dirty="0" smtClean="0"/>
+                        <a:t>实际（</a:t>
+                      </a:r>
+                      <a:r>
+                        <a:rPr lang="en-US" altLang="zh-CN" dirty="0" smtClean="0"/>
+                        <a:t>O</a:t>
+                      </a:r>
+                      <a:r>
+                        <a:rPr lang="zh-CN" altLang="en-US" dirty="0" smtClean="0"/>
+                        <a:t>）</a:t>
+                      </a:r>
+                      <a:endParaRPr lang="zh-CN" altLang="en-US" dirty="0"/>
+                    </a:p>
+                  </a:txBody>
+                  <a:tcPr/>
+                </a:tc>
+                <a:tc>
+                  <a:txBody>
+                    <a:bodyPr/>
+                    <a:lstStyle/>
+                    <a:p>
+                      <a:r>
+                        <a:rPr lang="en-US" altLang="zh-CN" dirty="0" smtClean="0"/>
+                        <a:t>40</a:t>
+                      </a:r>
+                      <a:endParaRPr lang="zh-CN" altLang="en-US" dirty="0"/>
+                    </a:p>
+                  </a:txBody>
+                  <a:tcPr/>
+                </a:tc>
+                <a:tc>
+                  <a:txBody>
+                    <a:bodyPr/>
+                    <a:lstStyle/>
+                    <a:p>
+                      <a:r>
+                        <a:rPr lang="en-US" altLang="zh-CN" dirty="0" smtClean="0"/>
+                        <a:t>60</a:t>
+                      </a:r>
+                      <a:endParaRPr lang="zh-CN" altLang="en-US" dirty="0"/>
+                    </a:p>
+                  </a:txBody>
+                  <a:tcPr/>
+                </a:tc>
+              </a:tr>
+              <a:tr h="370840">
+                <a:tc>
+                  <a:txBody>
+                    <a:bodyPr/>
+                    <a:lstStyle/>
+                    <a:p>
+                      <a:r>
+                        <a:rPr lang="zh-CN" altLang="en-US" dirty="0" smtClean="0"/>
+                        <a:t>期望（</a:t>
+                      </a:r>
+                      <a:r>
+                        <a:rPr lang="en-US" altLang="zh-CN" dirty="0" smtClean="0"/>
+                        <a:t>E</a:t>
+                      </a:r>
+                      <a:r>
+                        <a:rPr lang="zh-CN" altLang="en-US" dirty="0" smtClean="0"/>
+                        <a:t>）</a:t>
+                      </a:r>
+                      <a:endParaRPr lang="zh-CN" altLang="en-US" dirty="0"/>
+                    </a:p>
+                  </a:txBody>
+                  <a:tcPr/>
+                </a:tc>
+                <a:tc>
+                  <a:txBody>
+                    <a:bodyPr/>
+                    <a:lstStyle/>
+                    <a:p>
+                      <a:r>
+                        <a:rPr lang="en-US" altLang="zh-CN" dirty="0" smtClean="0"/>
+                        <a:t>50</a:t>
+                      </a:r>
+                      <a:endParaRPr lang="zh-CN" altLang="en-US" dirty="0"/>
+                    </a:p>
+                  </a:txBody>
+                  <a:tcPr/>
+                </a:tc>
+                <a:tc>
+                  <a:txBody>
+                    <a:bodyPr/>
+                    <a:lstStyle/>
+                    <a:p>
+                      <a:r>
+                        <a:rPr lang="en-US" altLang="zh-CN" dirty="0" smtClean="0"/>
+                        <a:t>50</a:t>
+                      </a:r>
+                      <a:endParaRPr lang="zh-CN" altLang="en-US" dirty="0"/>
+                    </a:p>
+                  </a:txBody>
+                  <a:tcPr/>
+                </a:tc>
+              </a:tr>
+            </a:tbl>
+          </a:graphicData>
+        </a:graphic>
+      </p:graphicFrame>
+      <p:pic>
+        <p:nvPicPr>
+          <p:cNvPr id="7" name="图片 6"/>
+          <p:cNvPicPr>
+            <a:picLocks noChangeAspect="1"/>
+          </p:cNvPicPr>
+          <p:nvPr/>
+        </p:nvPicPr>
+        <p:blipFill>
+          <a:blip r:embed="rId4"/>
+          <a:stretch>
+            <a:fillRect/>
+          </a:stretch>
+        </p:blipFill>
+        <p:spPr>
+          <a:xfrm>
+            <a:off x="5349240" y="6229350"/>
+            <a:ext cx="5295900" cy="428625"/>
+          </a:xfrm>
+          <a:prstGeom prst="rect">
+            <a:avLst/>
+          </a:prstGeom>
+        </p:spPr>
+      </p:pic>
+    </p:spTree>
+    <p:extLst>
+      <p:ext uri="{BB962C8B-B14F-4D97-AF65-F5344CB8AC3E}">
+        <p14:creationId xmlns:p14="http://schemas.microsoft.com/office/powerpoint/2010/main" val="2192005500"/>
+      </p:ext>
+    </p:extLst>
+  </p:cSld>
+  <p:clrMapOvr>
+    <a:masterClrMapping/>
+  </p:clrMapOvr>
+  <p:timing>
+    <p:tnLst>
+      <p:par>
+        <p:cTn id="1" dur="indefinite" restart="never" nodeType="tmRoot">
+          <p:childTnLst>
+            <p:seq concurrent="1" nextAc="seek">
+              <p:cTn id="2" dur="indefinite" nodeType="mainSeq">
+                <p:childTnLst>
+                  <p:par>
+                    <p:cTn id="3" fill="hold">
+                      <p:stCondLst>
+                        <p:cond delay="indefinite"/>
+                      </p:stCondLst>
+                      <p:childTnLst>
+                        <p:par>
+                          <p:cTn id="4" fill="hold">
+                            <p:stCondLst>
+                              <p:cond delay="0"/>
+                            </p:stCondLst>
+                            <p:childTnLst>
+                              <p:par>
+                                <p:cTn id="5" presetID="1" presetClass="entr" presetSubtype="0" fill="hold" nodeType="clickEffect">
+                                  <p:stCondLst>
+                                    <p:cond delay="0"/>
+                                  </p:stCondLst>
+                                  <p:childTnLst>
+                                    <p:set>
+                                      <p:cBhvr>
+                                        <p:cTn id="6" dur="1" fill="hold">
+                                          <p:stCondLst>
+                                            <p:cond delay="0"/>
+                                          </p:stCondLst>
+                                        </p:cTn>
+                                        <p:tgtEl>
+                                          <p:spTgt spid="7"/>
+                                        </p:tgtEl>
+                                        <p:attrNameLst>
+                                          <p:attrName>style.visibility</p:attrName>
+                                        </p:attrNameLst>
+                                      </p:cBhvr>
+                                      <p:to>
+                                        <p:strVal val="visible"/>
+                                      </p:to>
+                                    </p:set>
+                                  </p:childTnLst>
+                                </p:cTn>
+                              </p:par>
+                            </p:childTnLst>
+                          </p:cTn>
+                        </p:par>
+                      </p:childTnLst>
+                    </p:cTn>
+                  </p:par>
+                </p:childTnLst>
+              </p:cTn>
+              <p:prevCondLst>
+                <p:cond evt="onPrev" delay="0">
+                  <p:tgtEl>
+                    <p:sldTgt/>
+                  </p:tgtEl>
+                </p:cond>
+              </p:prevCondLst>
+              <p:nextCondLst>
+                <p:cond evt="onNext" delay="0">
+                  <p:tgtEl>
+                    <p:sldTgt/>
+                  </p:tgtEl>
+                </p:cond>
+              </p:nextCondLst>
+            </p:seq>
+          </p:childTnLst>
+        </p:cTn>
+      </p:par>
+    </p:tnLst>
+  </p:timing>
+</p:sld>
+</file>
+
+<file path=ppt/slides/slide5.xml><?xml version="1.0" encoding="utf-8"?>
+<p:sld xmlns:a="http://schemas.openxmlformats.org/drawingml/2006/main" xmlns:r="http://schemas.openxmlformats.org/officeDocument/2006/relationships" xmlns:p="http://schemas.openxmlformats.org/presentationml/2006/main">
+  <p:cSld>
+    <p:spTree>
+      <p:nvGrpSpPr>
+        <p:cNvPr id="1" name=""/>
+        <p:cNvGrpSpPr/>
+        <p:nvPr/>
+      </p:nvGrpSpPr>
+      <p:grpSpPr>
+        <a:xfrm>
+          <a:off x="0" y="0"/>
+          <a:ext cx="0" cy="0"/>
+          <a:chOff x="0" y="0"/>
+          <a:chExt cx="0" cy="0"/>
+        </a:xfrm>
+      </p:grpSpPr>
+      <p:sp>
+        <p:nvSpPr>
+          <p:cNvPr id="2" name="标题 1"/>
+          <p:cNvSpPr>
+            <a:spLocks noGrp="1"/>
+          </p:cNvSpPr>
+          <p:nvPr>
+            <p:ph type="title"/>
+          </p:nvPr>
+        </p:nvSpPr>
+        <p:spPr/>
+        <p:txBody>
+          <a:bodyPr/>
+          <a:lstStyle/>
+          <a:p>
+            <a:r>
+              <a:rPr lang="zh-CN" altLang="en-US" dirty="0" smtClean="0"/>
+              <a:t>于是有</a:t>
+            </a:r>
+            <a:endParaRPr lang="zh-CN" altLang="en-US" dirty="0"/>
+          </a:p>
+        </p:txBody>
+      </p:sp>
+      <p:sp>
+        <p:nvSpPr>
+          <p:cNvPr id="3" name="内容占位符 2"/>
+          <p:cNvSpPr>
+            <a:spLocks noGrp="1"/>
+          </p:cNvSpPr>
+          <p:nvPr>
+            <p:ph idx="1"/>
+          </p:nvPr>
+        </p:nvSpPr>
+        <p:spPr>
+          <a:xfrm>
+            <a:off x="1371600" y="3531870"/>
+            <a:ext cx="9601200" cy="2251710"/>
+          </a:xfrm>
+        </p:spPr>
+        <p:txBody>
+          <a:bodyPr>
+            <a:normAutofit/>
+          </a:bodyPr>
+          <a:lstStyle/>
+          <a:p>
+            <a:r>
+              <a:rPr lang="en-US" altLang="zh-CN" dirty="0" smtClean="0"/>
+              <a:t>                     </a:t>
+            </a:r>
+            <a:r>
+              <a:rPr lang="zh-CN" altLang="en-US" dirty="0" smtClean="0"/>
+              <a:t>是卡方值，比较的是观察到的结果和期望的结果偏离的程度</a:t>
+            </a:r>
+            <a:endParaRPr lang="en-US" altLang="zh-CN" dirty="0" smtClean="0"/>
+          </a:p>
+          <a:p>
+            <a:r>
+              <a:rPr lang="zh-CN" altLang="en-US" dirty="0" smtClean="0"/>
+              <a:t>观察的结果越接近期望结果，则卡方值越小</a:t>
+            </a:r>
+            <a:endParaRPr lang="en-US" altLang="zh-CN" dirty="0" smtClean="0"/>
+          </a:p>
+          <a:p>
+            <a:pPr marL="0" indent="0">
+              <a:buNone/>
+            </a:pPr>
+            <a:endParaRPr lang="zh-CN" altLang="en-US" dirty="0"/>
+          </a:p>
+        </p:txBody>
+      </p:sp>
+      <p:pic>
+        <p:nvPicPr>
+          <p:cNvPr id="4" name="图片 3"/>
+          <p:cNvPicPr>
+            <a:picLocks noChangeAspect="1"/>
+          </p:cNvPicPr>
+          <p:nvPr/>
+        </p:nvPicPr>
+        <p:blipFill>
+          <a:blip r:embed="rId2"/>
+          <a:stretch>
+            <a:fillRect/>
+          </a:stretch>
+        </p:blipFill>
+        <p:spPr>
+          <a:xfrm>
+            <a:off x="5115877" y="1866900"/>
+            <a:ext cx="1685925" cy="495300"/>
+          </a:xfrm>
+          <a:prstGeom prst="rect">
+            <a:avLst/>
+          </a:prstGeom>
+        </p:spPr>
+      </p:pic>
+      <p:pic>
+        <p:nvPicPr>
+          <p:cNvPr id="5" name="图片 4"/>
+          <p:cNvPicPr>
+            <a:picLocks noChangeAspect="1"/>
+          </p:cNvPicPr>
+          <p:nvPr/>
+        </p:nvPicPr>
+        <p:blipFill>
+          <a:blip r:embed="rId3"/>
+          <a:stretch>
+            <a:fillRect/>
+          </a:stretch>
+        </p:blipFill>
+        <p:spPr>
+          <a:xfrm>
+            <a:off x="4772976" y="2745105"/>
+            <a:ext cx="2371725" cy="590550"/>
+          </a:xfrm>
+          <a:prstGeom prst="rect">
+            <a:avLst/>
+          </a:prstGeom>
+        </p:spPr>
+      </p:pic>
+      <p:pic>
+        <p:nvPicPr>
+          <p:cNvPr id="6" name="图片 5"/>
+          <p:cNvPicPr>
+            <a:picLocks noChangeAspect="1"/>
+          </p:cNvPicPr>
+          <p:nvPr/>
+        </p:nvPicPr>
+        <p:blipFill>
+          <a:blip r:embed="rId2"/>
+          <a:stretch>
+            <a:fillRect/>
+          </a:stretch>
+        </p:blipFill>
+        <p:spPr>
+          <a:xfrm>
+            <a:off x="1850707" y="3630930"/>
+            <a:ext cx="1685925" cy="495300"/>
+          </a:xfrm>
+          <a:prstGeom prst="rect">
+            <a:avLst/>
+          </a:prstGeom>
+        </p:spPr>
+      </p:pic>
+    </p:spTree>
+    <p:extLst>
+      <p:ext uri="{BB962C8B-B14F-4D97-AF65-F5344CB8AC3E}">
+        <p14:creationId xmlns:p14="http://schemas.microsoft.com/office/powerpoint/2010/main" val="1934345890"/>
+      </p:ext>
+    </p:extLst>
+  </p:cSld>
+  <p:clrMapOvr>
+    <a:masterClrMapping/>
+  </p:clrMapOvr>
+  <p:timing>
+    <p:tnLst>
+      <p:par>
+        <p:cTn id="1" dur="indefinite" restart="never" nodeType="tmRoot"/>
+      </p:par>
+    </p:tnLst>
+  </p:timing>
+</p:sld>
+</file>
+
+<file path=ppt/slides/slide6.xml><?xml version="1.0" encoding="utf-8"?>
+<p:sld xmlns:a="http://schemas.openxmlformats.org/drawingml/2006/main" xmlns:r="http://schemas.openxmlformats.org/officeDocument/2006/relationships" xmlns:p="http://schemas.openxmlformats.org/presentationml/2006/main">
+  <p:cSld>
+    <p:spTree>
+      <p:nvGrpSpPr>
+        <p:cNvPr id="1" name=""/>
+        <p:cNvGrpSpPr/>
+        <p:nvPr/>
+      </p:nvGrpSpPr>
+      <p:grpSpPr>
+        <a:xfrm>
+          <a:off x="0" y="0"/>
+          <a:ext cx="0" cy="0"/>
+          <a:chOff x="0" y="0"/>
+          <a:chExt cx="0" cy="0"/>
+        </a:xfrm>
+      </p:grpSpPr>
+      <p:sp>
+        <p:nvSpPr>
+          <p:cNvPr id="2" name="标题 1"/>
+          <p:cNvSpPr>
+            <a:spLocks noGrp="1"/>
+          </p:cNvSpPr>
+          <p:nvPr>
+            <p:ph type="title"/>
+          </p:nvPr>
+        </p:nvSpPr>
+        <p:spPr/>
+        <p:txBody>
+          <a:bodyPr/>
+          <a:lstStyle/>
+          <a:p>
+            <a:r>
+              <a:rPr lang="zh-CN" altLang="en-US" dirty="0" smtClean="0"/>
+              <a:t>例题</a:t>
+            </a:r>
+            <a:r>
+              <a:rPr lang="en-US" altLang="zh-CN" smtClean="0"/>
+              <a:t>1</a:t>
+            </a:r>
+            <a:endParaRPr lang="zh-CN" altLang="en-US"/>
+          </a:p>
+        </p:txBody>
+      </p:sp>
+      <p:sp>
+        <p:nvSpPr>
+          <p:cNvPr id="3" name="内容占位符 2"/>
+          <p:cNvSpPr>
+            <a:spLocks noGrp="1"/>
+          </p:cNvSpPr>
+          <p:nvPr>
+            <p:ph idx="1"/>
+          </p:nvPr>
+        </p:nvSpPr>
+        <p:spPr/>
+        <p:txBody>
+          <a:bodyPr/>
+          <a:lstStyle/>
+          <a:p>
+            <a:endParaRPr lang="zh-CN" altLang="en-US"/>
+          </a:p>
+        </p:txBody>
+      </p:sp>
+    </p:spTree>
+    <p:extLst>
+      <p:ext uri="{BB962C8B-B14F-4D97-AF65-F5344CB8AC3E}">
+        <p14:creationId xmlns:p14="http://schemas.microsoft.com/office/powerpoint/2010/main" val="2287189593"/>
+      </p:ext>
+    </p:extLst>
+  </p:cSld>
+  <p:clrMapOvr>
+    <a:masterClrMapping/>
+  </p:clrMapOvr>
+  <p:timing>
+    <p:tnLst>
+      <p:par>
+        <p:cTn id="1" dur="indefinite" restart="never" nodeType="tmRoot"/>
+      </p:par>
+    </p:tnLst>
+  </p:timing>
+</p:sld>
+</file>
+
 <file path=ppt/theme/theme1.xml><?xml version="1.0" encoding="utf-8"?>
 <a:theme xmlns:a="http://schemas.openxmlformats.org/drawingml/2006/main" name="主题1">
   <a:themeElements>

--- a/lect-7/卡方检验.pptx
+++ b/lect-7/卡方检验.pptx
@@ -8,9 +8,23 @@
     <p:sldId id="256" r:id="rId2"/>
     <p:sldId id="258" r:id="rId3"/>
     <p:sldId id="257" r:id="rId4"/>
-    <p:sldId id="259" r:id="rId5"/>
-    <p:sldId id="260" r:id="rId6"/>
-    <p:sldId id="261" r:id="rId7"/>
+    <p:sldId id="272" r:id="rId5"/>
+    <p:sldId id="259" r:id="rId6"/>
+    <p:sldId id="260" r:id="rId7"/>
+    <p:sldId id="261" r:id="rId8"/>
+    <p:sldId id="262" r:id="rId9"/>
+    <p:sldId id="263" r:id="rId10"/>
+    <p:sldId id="264" r:id="rId11"/>
+    <p:sldId id="265" r:id="rId12"/>
+    <p:sldId id="266" r:id="rId13"/>
+    <p:sldId id="267" r:id="rId14"/>
+    <p:sldId id="268" r:id="rId15"/>
+    <p:sldId id="269" r:id="rId16"/>
+    <p:sldId id="270" r:id="rId17"/>
+    <p:sldId id="271" r:id="rId18"/>
+    <p:sldId id="274" r:id="rId19"/>
+    <p:sldId id="275" r:id="rId20"/>
+    <p:sldId id="273" r:id="rId21"/>
   </p:sldIdLst>
   <p:sldSz cx="12192000" cy="6858000"/>
   <p:notesSz cx="6858000" cy="9144000"/>
@@ -286,7 +300,7 @@
           <a:p>
             <a:fld id="{D8E0950C-EF3C-4712-8EE4-5F7FAA755B56}" type="datetimeFigureOut">
               <a:rPr lang="zh-CN" altLang="en-US" smtClean="0"/>
-              <a:t>2019-3-29</a:t>
+              <a:t>2019/3/30</a:t>
             </a:fld>
             <a:endParaRPr lang="zh-CN" altLang="en-US"/>
           </a:p>
@@ -616,7 +630,7 @@
           <a:p>
             <a:fld id="{D8E0950C-EF3C-4712-8EE4-5F7FAA755B56}" type="datetimeFigureOut">
               <a:rPr lang="zh-CN" altLang="en-US" smtClean="0"/>
-              <a:t>2019-3-29</a:t>
+              <a:t>2019/3/30</a:t>
             </a:fld>
             <a:endParaRPr lang="zh-CN" altLang="en-US"/>
           </a:p>
@@ -796,7 +810,7 @@
           <a:p>
             <a:fld id="{D8E0950C-EF3C-4712-8EE4-5F7FAA755B56}" type="datetimeFigureOut">
               <a:rPr lang="zh-CN" altLang="en-US" smtClean="0"/>
-              <a:t>2019-3-29</a:t>
+              <a:t>2019/3/30</a:t>
             </a:fld>
             <a:endParaRPr lang="zh-CN" altLang="en-US"/>
           </a:p>
@@ -994,7 +1008,7 @@
           <a:p>
             <a:fld id="{D8E0950C-EF3C-4712-8EE4-5F7FAA755B56}" type="datetimeFigureOut">
               <a:rPr lang="zh-CN" altLang="en-US" smtClean="0"/>
-              <a:t>2019-3-29</a:t>
+              <a:t>2019/3/30</a:t>
             </a:fld>
             <a:endParaRPr lang="zh-CN" altLang="en-US"/>
           </a:p>
@@ -1271,7 +1285,7 @@
           <a:p>
             <a:fld id="{D8E0950C-EF3C-4712-8EE4-5F7FAA755B56}" type="datetimeFigureOut">
               <a:rPr lang="zh-CN" altLang="en-US" smtClean="0"/>
-              <a:t>2019-3-29</a:t>
+              <a:t>2019/3/30</a:t>
             </a:fld>
             <a:endParaRPr lang="zh-CN" altLang="en-US"/>
           </a:p>
@@ -1665,7 +1679,7 @@
           <a:p>
             <a:fld id="{D8E0950C-EF3C-4712-8EE4-5F7FAA755B56}" type="datetimeFigureOut">
               <a:rPr lang="zh-CN" altLang="en-US" smtClean="0"/>
-              <a:t>2019-3-29</a:t>
+              <a:t>2019/3/30</a:t>
             </a:fld>
             <a:endParaRPr lang="zh-CN" altLang="en-US"/>
           </a:p>
@@ -2142,7 +2156,7 @@
           <a:p>
             <a:fld id="{D8E0950C-EF3C-4712-8EE4-5F7FAA755B56}" type="datetimeFigureOut">
               <a:rPr lang="zh-CN" altLang="en-US" smtClean="0"/>
-              <a:t>2019-3-29</a:t>
+              <a:t>2019/3/30</a:t>
             </a:fld>
             <a:endParaRPr lang="zh-CN" altLang="en-US"/>
           </a:p>
@@ -2260,7 +2274,7 @@
           <a:p>
             <a:fld id="{D8E0950C-EF3C-4712-8EE4-5F7FAA755B56}" type="datetimeFigureOut">
               <a:rPr lang="zh-CN" altLang="en-US" smtClean="0"/>
-              <a:t>2019-3-29</a:t>
+              <a:t>2019/3/30</a:t>
             </a:fld>
             <a:endParaRPr lang="zh-CN" altLang="en-US"/>
           </a:p>
@@ -2355,7 +2369,7 @@
           <a:p>
             <a:fld id="{D8E0950C-EF3C-4712-8EE4-5F7FAA755B56}" type="datetimeFigureOut">
               <a:rPr lang="zh-CN" altLang="en-US" smtClean="0"/>
-              <a:t>2019-3-29</a:t>
+              <a:t>2019/3/30</a:t>
             </a:fld>
             <a:endParaRPr lang="zh-CN" altLang="en-US"/>
           </a:p>
@@ -2701,7 +2715,7 @@
           <a:p>
             <a:fld id="{D8E0950C-EF3C-4712-8EE4-5F7FAA755B56}" type="datetimeFigureOut">
               <a:rPr lang="zh-CN" altLang="en-US" smtClean="0"/>
-              <a:t>2019-3-29</a:t>
+              <a:t>2019/3/30</a:t>
             </a:fld>
             <a:endParaRPr lang="zh-CN" altLang="en-US"/>
           </a:p>
@@ -3089,7 +3103,7 @@
           <a:p>
             <a:fld id="{D8E0950C-EF3C-4712-8EE4-5F7FAA755B56}" type="datetimeFigureOut">
               <a:rPr lang="zh-CN" altLang="en-US" smtClean="0"/>
-              <a:t>2019-3-29</a:t>
+              <a:t>2019/3/30</a:t>
             </a:fld>
             <a:endParaRPr lang="zh-CN" altLang="en-US"/>
           </a:p>
@@ -3367,7 +3381,7 @@
           <a:p>
             <a:fld id="{D8E0950C-EF3C-4712-8EE4-5F7FAA755B56}" type="datetimeFigureOut">
               <a:rPr lang="zh-CN" altLang="en-US" smtClean="0"/>
-              <a:t>2019-3-29</a:t>
+              <a:t>2019/3/30</a:t>
             </a:fld>
             <a:endParaRPr lang="zh-CN" altLang="en-US"/>
           </a:p>
@@ -3942,6 +3956,2719 @@
 </p:sld>
 </file>
 
+<file path=ppt/slides/slide10.xml><?xml version="1.0" encoding="utf-8"?>
+<p:sld xmlns:a="http://schemas.openxmlformats.org/drawingml/2006/main" xmlns:r="http://schemas.openxmlformats.org/officeDocument/2006/relationships" xmlns:p="http://schemas.openxmlformats.org/presentationml/2006/main">
+  <p:cSld>
+    <p:spTree>
+      <p:nvGrpSpPr>
+        <p:cNvPr id="1" name=""/>
+        <p:cNvGrpSpPr/>
+        <p:nvPr/>
+      </p:nvGrpSpPr>
+      <p:grpSpPr>
+        <a:xfrm>
+          <a:off x="0" y="0"/>
+          <a:ext cx="0" cy="0"/>
+          <a:chOff x="0" y="0"/>
+          <a:chExt cx="0" cy="0"/>
+        </a:xfrm>
+      </p:grpSpPr>
+      <p:sp>
+        <p:nvSpPr>
+          <p:cNvPr id="2" name="标题 1"/>
+          <p:cNvSpPr>
+            <a:spLocks noGrp="1"/>
+          </p:cNvSpPr>
+          <p:nvPr>
+            <p:ph type="title"/>
+          </p:nvPr>
+        </p:nvSpPr>
+        <p:spPr/>
+        <p:txBody>
+          <a:bodyPr/>
+          <a:lstStyle/>
+          <a:p>
+            <a:r>
+              <a:rPr lang="zh-CN" altLang="en-US" dirty="0"/>
+              <a:t>选择统计量</a:t>
+            </a:r>
+            <a:br>
+              <a:rPr lang="zh-CN" altLang="en-US" dirty="0"/>
+            </a:br>
+            <a:endParaRPr kumimoji="1" lang="zh-CN" altLang="en-US" dirty="0"/>
+          </a:p>
+        </p:txBody>
+      </p:sp>
+      <p:sp>
+        <p:nvSpPr>
+          <p:cNvPr id="3" name="内容占位符 2"/>
+          <p:cNvSpPr>
+            <a:spLocks noGrp="1"/>
+          </p:cNvSpPr>
+          <p:nvPr>
+            <p:ph idx="1"/>
+          </p:nvPr>
+        </p:nvSpPr>
+        <p:spPr/>
+        <p:txBody>
+          <a:bodyPr/>
+          <a:lstStyle/>
+          <a:p>
+            <a:r>
+              <a:rPr lang="zh-CN" altLang="mr-IN" dirty="0"/>
+              <a:t>使用卡方值作为统</a:t>
+            </a:r>
+            <a:r>
+              <a:rPr lang="zh-CN" altLang="mr-IN" dirty="0" smtClean="0"/>
+              <a:t>计量</a:t>
+            </a:r>
+            <a:r>
+              <a:rPr lang="mr-IN" altLang="zh-CN" dirty="0" smtClean="0"/>
+              <a:t>, </a:t>
+            </a:r>
+            <a:r>
+              <a:rPr lang="zh-CN" altLang="mr-IN" dirty="0"/>
+              <a:t>首先要确定符合以下的条件</a:t>
+            </a:r>
+            <a:r>
+              <a:rPr lang="mr-IN" altLang="zh-CN" dirty="0" smtClean="0"/>
+              <a:t>:</a:t>
+            </a:r>
+            <a:endParaRPr lang="en-US" altLang="zh-CN" dirty="0" smtClean="0"/>
+          </a:p>
+          <a:p>
+            <a:endParaRPr kumimoji="1" lang="en-US" altLang="zh-CN" dirty="0"/>
+          </a:p>
+          <a:p>
+            <a:endParaRPr kumimoji="1" lang="en-US" altLang="zh-CN" dirty="0" smtClean="0"/>
+          </a:p>
+          <a:p>
+            <a:r>
+              <a:rPr kumimoji="1" lang="zh-CN" altLang="en-US" dirty="0" smtClean="0"/>
+              <a:t>但是首先需要符合以下条件</a:t>
+            </a:r>
+            <a:endParaRPr kumimoji="1" lang="en-US" altLang="zh-CN" dirty="0" smtClean="0"/>
+          </a:p>
+          <a:p>
+            <a:pPr lvl="1"/>
+            <a:endParaRPr kumimoji="1" lang="zh-CN" altLang="en-US" dirty="0"/>
+          </a:p>
+        </p:txBody>
+      </p:sp>
+      <p:pic>
+        <p:nvPicPr>
+          <p:cNvPr id="4" name="图片 3"/>
+          <p:cNvPicPr>
+            <a:picLocks noChangeAspect="1"/>
+          </p:cNvPicPr>
+          <p:nvPr/>
+        </p:nvPicPr>
+        <p:blipFill>
+          <a:blip r:embed="rId2"/>
+          <a:stretch>
+            <a:fillRect/>
+          </a:stretch>
+        </p:blipFill>
+        <p:spPr>
+          <a:xfrm>
+            <a:off x="5162550" y="2594787"/>
+            <a:ext cx="2019300" cy="647700"/>
+          </a:xfrm>
+          <a:prstGeom prst="rect">
+            <a:avLst/>
+          </a:prstGeom>
+        </p:spPr>
+      </p:pic>
+      <p:pic>
+        <p:nvPicPr>
+          <p:cNvPr id="6" name="图片 5"/>
+          <p:cNvPicPr>
+            <a:picLocks noChangeAspect="1"/>
+          </p:cNvPicPr>
+          <p:nvPr/>
+        </p:nvPicPr>
+        <p:blipFill>
+          <a:blip r:embed="rId3">
+            <a:extLst>
+              <a:ext uri="{28A0092B-C50C-407E-A947-70E740481C1C}">
+                <a14:useLocalDpi xmlns:a14="http://schemas.microsoft.com/office/drawing/2010/main" val="0"/>
+              </a:ext>
+            </a:extLst>
+          </a:blip>
+          <a:stretch>
+            <a:fillRect/>
+          </a:stretch>
+        </p:blipFill>
+        <p:spPr>
+          <a:xfrm>
+            <a:off x="3168650" y="4562508"/>
+            <a:ext cx="6007100" cy="1562100"/>
+          </a:xfrm>
+          <a:prstGeom prst="rect">
+            <a:avLst/>
+          </a:prstGeom>
+        </p:spPr>
+      </p:pic>
+    </p:spTree>
+    <p:extLst>
+      <p:ext uri="{BB962C8B-B14F-4D97-AF65-F5344CB8AC3E}">
+        <p14:creationId xmlns:p14="http://schemas.microsoft.com/office/powerpoint/2010/main" val="373534769"/>
+      </p:ext>
+    </p:extLst>
+  </p:cSld>
+  <p:clrMapOvr>
+    <a:masterClrMapping/>
+  </p:clrMapOvr>
+</p:sld>
+</file>
+
+<file path=ppt/slides/slide11.xml><?xml version="1.0" encoding="utf-8"?>
+<p:sld xmlns:a="http://schemas.openxmlformats.org/drawingml/2006/main" xmlns:r="http://schemas.openxmlformats.org/officeDocument/2006/relationships" xmlns:p="http://schemas.openxmlformats.org/presentationml/2006/main">
+  <p:cSld>
+    <p:spTree>
+      <p:nvGrpSpPr>
+        <p:cNvPr id="1" name=""/>
+        <p:cNvGrpSpPr/>
+        <p:nvPr/>
+      </p:nvGrpSpPr>
+      <p:grpSpPr>
+        <a:xfrm>
+          <a:off x="0" y="0"/>
+          <a:ext cx="0" cy="0"/>
+          <a:chOff x="0" y="0"/>
+          <a:chExt cx="0" cy="0"/>
+        </a:xfrm>
+      </p:grpSpPr>
+      <p:sp>
+        <p:nvSpPr>
+          <p:cNvPr id="2" name="标题 1"/>
+          <p:cNvSpPr>
+            <a:spLocks noGrp="1"/>
+          </p:cNvSpPr>
+          <p:nvPr>
+            <p:ph type="title"/>
+          </p:nvPr>
+        </p:nvSpPr>
+        <p:spPr/>
+        <p:txBody>
+          <a:bodyPr/>
+          <a:lstStyle/>
+          <a:p>
+            <a:r>
+              <a:rPr kumimoji="1" lang="zh-CN" altLang="en-US" dirty="0" smtClean="0"/>
+              <a:t>选择统计量</a:t>
+            </a:r>
+            <a:endParaRPr kumimoji="1" lang="zh-CN" altLang="en-US" dirty="0"/>
+          </a:p>
+        </p:txBody>
+      </p:sp>
+      <p:sp>
+        <p:nvSpPr>
+          <p:cNvPr id="3" name="内容占位符 2"/>
+          <p:cNvSpPr>
+            <a:spLocks noGrp="1"/>
+          </p:cNvSpPr>
+          <p:nvPr>
+            <p:ph idx="1"/>
+          </p:nvPr>
+        </p:nvSpPr>
+        <p:spPr>
+          <a:xfrm>
+            <a:off x="1371600" y="1731086"/>
+            <a:ext cx="9601200" cy="5126914"/>
+          </a:xfrm>
+        </p:spPr>
+        <p:txBody>
+          <a:bodyPr>
+            <a:normAutofit/>
+          </a:bodyPr>
+          <a:lstStyle/>
+          <a:p>
+            <a:r>
+              <a:rPr kumimoji="1" lang="zh-CN" altLang="en-US" dirty="0" smtClean="0"/>
+              <a:t>总样本量大于等于</a:t>
+            </a:r>
+            <a:r>
+              <a:rPr kumimoji="1" lang="en-US" altLang="zh-CN" dirty="0" smtClean="0"/>
+              <a:t>40</a:t>
+            </a:r>
+            <a:r>
+              <a:rPr kumimoji="1" lang="zh-CN" altLang="en-US" dirty="0" smtClean="0"/>
+              <a:t>，</a:t>
+            </a:r>
+            <a:r>
+              <a:rPr kumimoji="1" lang="en-US" altLang="zh-CN" dirty="0" smtClean="0"/>
+              <a:t>min(p_10</a:t>
+            </a:r>
+            <a:r>
+              <a:rPr kumimoji="1" lang="zh-CN" altLang="en-US" dirty="0" smtClean="0"/>
+              <a:t>*</a:t>
+            </a:r>
+            <a:r>
+              <a:rPr kumimoji="1" lang="en-US" altLang="zh-CN" dirty="0" smtClean="0"/>
+              <a:t>n,p_20</a:t>
+            </a:r>
+            <a:r>
+              <a:rPr kumimoji="1" lang="zh-CN" altLang="en-US" dirty="0" smtClean="0"/>
+              <a:t>*</a:t>
+            </a:r>
+            <a:r>
+              <a:rPr kumimoji="1" lang="en-US" altLang="zh-CN" dirty="0" smtClean="0"/>
+              <a:t>n,</a:t>
+            </a:r>
+            <a:r>
+              <a:rPr kumimoji="1" lang="mr-IN" altLang="zh-CN" dirty="0" smtClean="0"/>
+              <a:t>…</a:t>
+            </a:r>
+            <a:r>
+              <a:rPr kumimoji="1" lang="en-US" altLang="zh-CN" dirty="0" smtClean="0"/>
+              <a:t>p_k0</a:t>
+            </a:r>
+            <a:r>
+              <a:rPr kumimoji="1" lang="zh-CN" altLang="en-US" dirty="0" smtClean="0"/>
+              <a:t>*</a:t>
+            </a:r>
+            <a:r>
+              <a:rPr kumimoji="1" lang="en-US" altLang="zh-CN" dirty="0" smtClean="0"/>
+              <a:t>n)</a:t>
+            </a:r>
+            <a:r>
+              <a:rPr kumimoji="1" lang="zh-CN" altLang="en-US" dirty="0" smtClean="0"/>
+              <a:t>大于等于</a:t>
+            </a:r>
+            <a:r>
+              <a:rPr kumimoji="1" lang="en-US" altLang="zh-CN" dirty="0" smtClean="0"/>
+              <a:t>5</a:t>
+            </a:r>
+            <a:r>
+              <a:rPr kumimoji="1" lang="zh-CN" altLang="en-US" dirty="0" smtClean="0"/>
+              <a:t>的时候可以使用普通卡方公式计算</a:t>
+            </a:r>
+            <a:endParaRPr kumimoji="1" lang="en-US" altLang="zh-CN" dirty="0" smtClean="0"/>
+          </a:p>
+          <a:p>
+            <a:r>
+              <a:rPr kumimoji="1" lang="zh-CN" altLang="en-US" dirty="0"/>
+              <a:t>总样本量大于等于</a:t>
+            </a:r>
+            <a:r>
+              <a:rPr kumimoji="1" lang="en-US" altLang="zh-CN" dirty="0"/>
+              <a:t>40</a:t>
+            </a:r>
+            <a:r>
+              <a:rPr kumimoji="1" lang="zh-CN" altLang="en-US" dirty="0"/>
+              <a:t>，</a:t>
+            </a:r>
+            <a:r>
+              <a:rPr kumimoji="1" lang="en-US" altLang="zh-CN" dirty="0"/>
+              <a:t>min(p_10</a:t>
+            </a:r>
+            <a:r>
+              <a:rPr kumimoji="1" lang="zh-CN" altLang="en-US" dirty="0"/>
+              <a:t>*</a:t>
+            </a:r>
+            <a:r>
+              <a:rPr kumimoji="1" lang="en-US" altLang="zh-CN" dirty="0"/>
+              <a:t>n,p_20</a:t>
+            </a:r>
+            <a:r>
+              <a:rPr kumimoji="1" lang="zh-CN" altLang="en-US" dirty="0"/>
+              <a:t>*</a:t>
+            </a:r>
+            <a:r>
+              <a:rPr kumimoji="1" lang="en-US" altLang="zh-CN" dirty="0"/>
+              <a:t>n,</a:t>
+            </a:r>
+            <a:r>
+              <a:rPr kumimoji="1" lang="mr-IN" altLang="zh-CN" dirty="0"/>
+              <a:t>…</a:t>
+            </a:r>
+            <a:r>
+              <a:rPr kumimoji="1" lang="en-US" altLang="zh-CN" dirty="0"/>
+              <a:t>p_k0</a:t>
+            </a:r>
+            <a:r>
+              <a:rPr kumimoji="1" lang="zh-CN" altLang="en-US" dirty="0"/>
+              <a:t>*</a:t>
+            </a:r>
+            <a:r>
+              <a:rPr kumimoji="1" lang="en-US" altLang="zh-CN" dirty="0" smtClean="0"/>
+              <a:t>n</a:t>
+            </a:r>
+            <a:r>
+              <a:rPr kumimoji="1" lang="zh-CN" altLang="en-US" dirty="0" smtClean="0"/>
+              <a:t>）小于</a:t>
+            </a:r>
+            <a:r>
+              <a:rPr kumimoji="1" lang="en-US" altLang="zh-CN" dirty="0" smtClean="0"/>
+              <a:t>5</a:t>
+            </a:r>
+            <a:r>
+              <a:rPr kumimoji="1" lang="zh-CN" altLang="en-US" dirty="0" smtClean="0"/>
+              <a:t>，大于等于</a:t>
+            </a:r>
+            <a:r>
+              <a:rPr kumimoji="1" lang="en-US" altLang="zh-CN" dirty="0" smtClean="0"/>
+              <a:t>1</a:t>
+            </a:r>
+            <a:r>
+              <a:rPr kumimoji="1" lang="zh-CN" altLang="en-US" dirty="0" smtClean="0"/>
+              <a:t>的</a:t>
+            </a:r>
+            <a:r>
+              <a:rPr kumimoji="1" lang="zh-CN" altLang="en-US" dirty="0"/>
+              <a:t>时候可以</a:t>
+            </a:r>
+            <a:r>
+              <a:rPr kumimoji="1" lang="zh-CN" altLang="en-US" dirty="0" smtClean="0"/>
+              <a:t>使用连续性校正的卡</a:t>
+            </a:r>
+            <a:r>
+              <a:rPr kumimoji="1" lang="zh-CN" altLang="en-US" dirty="0"/>
+              <a:t>方公式</a:t>
+            </a:r>
+            <a:r>
+              <a:rPr kumimoji="1" lang="zh-CN" altLang="en-US" dirty="0" smtClean="0"/>
+              <a:t>计算</a:t>
+            </a:r>
+            <a:endParaRPr kumimoji="1" lang="en-US" altLang="zh-CN" dirty="0" smtClean="0"/>
+          </a:p>
+          <a:p>
+            <a:endParaRPr kumimoji="1" lang="en-US" altLang="zh-CN" dirty="0"/>
+          </a:p>
+          <a:p>
+            <a:r>
+              <a:rPr lang="zh-CN" altLang="fr-FR" dirty="0"/>
+              <a:t>如果</a:t>
+            </a:r>
+            <a:r>
+              <a:rPr lang="fr-FR" altLang="zh-CN" dirty="0"/>
+              <a:t>n</a:t>
+            </a:r>
+            <a:r>
+              <a:rPr lang="zh-CN" altLang="fr-FR" dirty="0"/>
+              <a:t>小于</a:t>
+            </a:r>
+            <a:r>
+              <a:rPr lang="fr-FR" altLang="zh-CN" dirty="0"/>
+              <a:t>40,</a:t>
+            </a:r>
+            <a:r>
+              <a:rPr lang="zh-CN" altLang="fr-FR" dirty="0" smtClean="0"/>
+              <a:t>或者</a:t>
+            </a:r>
+            <a:r>
+              <a:rPr kumimoji="1" lang="en-US" altLang="zh-CN" dirty="0"/>
+              <a:t>min(p_10</a:t>
+            </a:r>
+            <a:r>
+              <a:rPr kumimoji="1" lang="zh-CN" altLang="en-US" dirty="0"/>
+              <a:t>*</a:t>
+            </a:r>
+            <a:r>
+              <a:rPr kumimoji="1" lang="en-US" altLang="zh-CN" dirty="0"/>
+              <a:t>n,p_20</a:t>
+            </a:r>
+            <a:r>
+              <a:rPr kumimoji="1" lang="zh-CN" altLang="en-US" dirty="0"/>
+              <a:t>*</a:t>
+            </a:r>
+            <a:r>
+              <a:rPr kumimoji="1" lang="en-US" altLang="zh-CN" dirty="0"/>
+              <a:t>n,</a:t>
+            </a:r>
+            <a:r>
+              <a:rPr kumimoji="1" lang="mr-IN" altLang="zh-CN" dirty="0"/>
+              <a:t>…</a:t>
+            </a:r>
+            <a:r>
+              <a:rPr kumimoji="1" lang="en-US" altLang="zh-CN" dirty="0"/>
+              <a:t>p_k0</a:t>
+            </a:r>
+            <a:r>
+              <a:rPr kumimoji="1" lang="zh-CN" altLang="en-US" dirty="0"/>
+              <a:t>*</a:t>
+            </a:r>
+            <a:r>
+              <a:rPr kumimoji="1" lang="en-US" altLang="zh-CN" dirty="0"/>
+              <a:t>n</a:t>
+            </a:r>
+            <a:r>
+              <a:rPr kumimoji="1" lang="zh-CN" altLang="en-US" dirty="0"/>
+              <a:t>）</a:t>
+            </a:r>
+            <a:r>
+              <a:rPr lang="zh-CN" altLang="fr-FR" dirty="0" smtClean="0"/>
+              <a:t>小于</a:t>
+            </a:r>
+            <a:r>
+              <a:rPr lang="fr-FR" altLang="zh-CN" dirty="0"/>
+              <a:t>1</a:t>
+            </a:r>
+            <a:r>
+              <a:rPr lang="zh-CN" altLang="fr-FR" dirty="0"/>
+              <a:t>的时候不宜计算卡方值</a:t>
+            </a:r>
+            <a:r>
+              <a:rPr lang="fr-FR" altLang="zh-CN" dirty="0"/>
+              <a:t>, </a:t>
+            </a:r>
+            <a:r>
+              <a:rPr lang="zh-CN" altLang="fr-FR" dirty="0"/>
+              <a:t>而是采用</a:t>
+            </a:r>
+            <a:r>
+              <a:rPr lang="fr-FR" altLang="zh-CN" dirty="0"/>
+              <a:t>Fisher</a:t>
+            </a:r>
+            <a:r>
+              <a:rPr lang="zh-CN" altLang="fr-FR" dirty="0"/>
+              <a:t>确切概率法</a:t>
+            </a:r>
+          </a:p>
+          <a:p>
+            <a:endParaRPr kumimoji="1" lang="en-US" altLang="zh-CN" dirty="0"/>
+          </a:p>
+          <a:p>
+            <a:endParaRPr kumimoji="1" lang="zh-CN" altLang="en-US" dirty="0"/>
+          </a:p>
+        </p:txBody>
+      </p:sp>
+      <p:pic>
+        <p:nvPicPr>
+          <p:cNvPr id="4" name="图片 3"/>
+          <p:cNvPicPr>
+            <a:picLocks noChangeAspect="1"/>
+          </p:cNvPicPr>
+          <p:nvPr/>
+        </p:nvPicPr>
+        <p:blipFill>
+          <a:blip r:embed="rId2"/>
+          <a:stretch>
+            <a:fillRect/>
+          </a:stretch>
+        </p:blipFill>
+        <p:spPr>
+          <a:xfrm>
+            <a:off x="4529810" y="3998498"/>
+            <a:ext cx="2919730" cy="852170"/>
+          </a:xfrm>
+          <a:prstGeom prst="rect">
+            <a:avLst/>
+          </a:prstGeom>
+        </p:spPr>
+      </p:pic>
+    </p:spTree>
+    <p:extLst>
+      <p:ext uri="{BB962C8B-B14F-4D97-AF65-F5344CB8AC3E}">
+        <p14:creationId xmlns:p14="http://schemas.microsoft.com/office/powerpoint/2010/main" val="1079380963"/>
+      </p:ext>
+    </p:extLst>
+  </p:cSld>
+  <p:clrMapOvr>
+    <a:masterClrMapping/>
+  </p:clrMapOvr>
+</p:sld>
+</file>
+
+<file path=ppt/slides/slide12.xml><?xml version="1.0" encoding="utf-8"?>
+<p:sld xmlns:a="http://schemas.openxmlformats.org/drawingml/2006/main" xmlns:r="http://schemas.openxmlformats.org/officeDocument/2006/relationships" xmlns:p="http://schemas.openxmlformats.org/presentationml/2006/main">
+  <p:cSld>
+    <p:spTree>
+      <p:nvGrpSpPr>
+        <p:cNvPr id="1" name=""/>
+        <p:cNvGrpSpPr/>
+        <p:nvPr/>
+      </p:nvGrpSpPr>
+      <p:grpSpPr>
+        <a:xfrm>
+          <a:off x="0" y="0"/>
+          <a:ext cx="0" cy="0"/>
+          <a:chOff x="0" y="0"/>
+          <a:chExt cx="0" cy="0"/>
+        </a:xfrm>
+      </p:grpSpPr>
+      <p:sp>
+        <p:nvSpPr>
+          <p:cNvPr id="2" name="标题 1"/>
+          <p:cNvSpPr>
+            <a:spLocks noGrp="1"/>
+          </p:cNvSpPr>
+          <p:nvPr>
+            <p:ph type="title"/>
+          </p:nvPr>
+        </p:nvSpPr>
+        <p:spPr/>
+        <p:txBody>
+          <a:bodyPr/>
+          <a:lstStyle/>
+          <a:p>
+            <a:r>
+              <a:rPr lang="zh-CN" altLang="en-US" dirty="0"/>
+              <a:t>确定判定标准</a:t>
+            </a:r>
+            <a:br>
+              <a:rPr lang="zh-CN" altLang="en-US" dirty="0"/>
+            </a:br>
+            <a:endParaRPr kumimoji="1" lang="zh-CN" altLang="en-US" dirty="0"/>
+          </a:p>
+        </p:txBody>
+      </p:sp>
+      <p:sp>
+        <p:nvSpPr>
+          <p:cNvPr id="3" name="内容占位符 2"/>
+          <p:cNvSpPr>
+            <a:spLocks noGrp="1"/>
+          </p:cNvSpPr>
+          <p:nvPr>
+            <p:ph idx="1"/>
+          </p:nvPr>
+        </p:nvSpPr>
+        <p:spPr/>
+        <p:txBody>
+          <a:bodyPr/>
+          <a:lstStyle/>
+          <a:p>
+            <a:r>
+              <a:rPr lang="zh-CN" altLang="en-US" dirty="0"/>
+              <a:t>这个例子里</a:t>
+            </a:r>
+            <a:r>
+              <a:rPr lang="en-US" altLang="zh-CN" dirty="0"/>
+              <a:t>, </a:t>
+            </a:r>
+            <a:r>
+              <a:rPr lang="zh-CN" altLang="en-US" dirty="0"/>
+              <a:t>自由度</a:t>
+            </a:r>
+            <a:r>
+              <a:rPr lang="en-US" altLang="zh-CN" dirty="0" err="1"/>
+              <a:t>d.f.</a:t>
+            </a:r>
+            <a:r>
+              <a:rPr lang="en-US" altLang="zh-CN" dirty="0"/>
+              <a:t>=k-1, (k</a:t>
+            </a:r>
+            <a:r>
+              <a:rPr lang="zh-CN" altLang="en-US" dirty="0"/>
+              <a:t>是组数</a:t>
+            </a:r>
+            <a:r>
+              <a:rPr lang="en-US" altLang="zh-CN" dirty="0"/>
+              <a:t>). </a:t>
+            </a:r>
+            <a:r>
+              <a:rPr lang="zh-CN" altLang="en-US" dirty="0"/>
+              <a:t>本例自由度是</a:t>
+            </a:r>
+            <a:r>
+              <a:rPr lang="en-US" altLang="zh-CN" dirty="0"/>
+              <a:t>2, </a:t>
+            </a:r>
+            <a:r>
+              <a:rPr lang="zh-CN" altLang="en-US" dirty="0"/>
+              <a:t>查找自由度是</a:t>
+            </a:r>
+            <a:r>
+              <a:rPr lang="en-US" altLang="zh-CN" dirty="0"/>
+              <a:t>2, </a:t>
+            </a:r>
+            <a:r>
+              <a:rPr lang="zh-CN" altLang="en-US" dirty="0"/>
+              <a:t>检验水平是</a:t>
+            </a:r>
+            <a:r>
+              <a:rPr lang="en-US" altLang="zh-CN" dirty="0"/>
+              <a:t>0.05</a:t>
+            </a:r>
+            <a:r>
+              <a:rPr lang="zh-CN" altLang="en-US" dirty="0"/>
+              <a:t>的卡方临界值</a:t>
+            </a:r>
+            <a:r>
+              <a:rPr lang="en-US" altLang="zh-CN" dirty="0"/>
+              <a:t>, </a:t>
+            </a:r>
+            <a:r>
+              <a:rPr lang="zh-CN" altLang="en-US" dirty="0"/>
+              <a:t>得到</a:t>
+            </a:r>
+            <a:r>
+              <a:rPr lang="en-US" altLang="zh-CN" dirty="0"/>
+              <a:t>5.99</a:t>
+            </a:r>
+          </a:p>
+          <a:p>
+            <a:endParaRPr kumimoji="1" lang="zh-CN" altLang="en-US" dirty="0"/>
+          </a:p>
+        </p:txBody>
+      </p:sp>
+    </p:spTree>
+    <p:extLst>
+      <p:ext uri="{BB962C8B-B14F-4D97-AF65-F5344CB8AC3E}">
+        <p14:creationId xmlns:p14="http://schemas.microsoft.com/office/powerpoint/2010/main" val="859754967"/>
+      </p:ext>
+    </p:extLst>
+  </p:cSld>
+  <p:clrMapOvr>
+    <a:masterClrMapping/>
+  </p:clrMapOvr>
+</p:sld>
+</file>
+
+<file path=ppt/slides/slide13.xml><?xml version="1.0" encoding="utf-8"?>
+<p:sld xmlns:a="http://schemas.openxmlformats.org/drawingml/2006/main" xmlns:r="http://schemas.openxmlformats.org/officeDocument/2006/relationships" xmlns:p="http://schemas.openxmlformats.org/presentationml/2006/main">
+  <p:cSld>
+    <p:spTree>
+      <p:nvGrpSpPr>
+        <p:cNvPr id="1" name=""/>
+        <p:cNvGrpSpPr/>
+        <p:nvPr/>
+      </p:nvGrpSpPr>
+      <p:grpSpPr>
+        <a:xfrm>
+          <a:off x="0" y="0"/>
+          <a:ext cx="0" cy="0"/>
+          <a:chOff x="0" y="0"/>
+          <a:chExt cx="0" cy="0"/>
+        </a:xfrm>
+      </p:grpSpPr>
+      <p:sp>
+        <p:nvSpPr>
+          <p:cNvPr id="2" name="标题 1"/>
+          <p:cNvSpPr>
+            <a:spLocks noGrp="1"/>
+          </p:cNvSpPr>
+          <p:nvPr>
+            <p:ph type="title"/>
+          </p:nvPr>
+        </p:nvSpPr>
+        <p:spPr/>
+        <p:txBody>
+          <a:bodyPr/>
+          <a:lstStyle/>
+          <a:p>
+            <a:r>
+              <a:rPr kumimoji="1" lang="zh-CN" altLang="en-US" dirty="0" smtClean="0"/>
+              <a:t>计算统计量</a:t>
+            </a:r>
+            <a:endParaRPr kumimoji="1" lang="zh-CN" altLang="en-US" dirty="0"/>
+          </a:p>
+        </p:txBody>
+      </p:sp>
+      <p:sp>
+        <p:nvSpPr>
+          <p:cNvPr id="3" name="内容占位符 2"/>
+          <p:cNvSpPr>
+            <a:spLocks noGrp="1"/>
+          </p:cNvSpPr>
+          <p:nvPr>
+            <p:ph idx="1"/>
+          </p:nvPr>
+        </p:nvSpPr>
+        <p:spPr>
+          <a:xfrm>
+            <a:off x="1371600" y="4012267"/>
+            <a:ext cx="9601200" cy="1144523"/>
+          </a:xfrm>
+        </p:spPr>
+        <p:txBody>
+          <a:bodyPr/>
+          <a:lstStyle/>
+          <a:p>
+            <a:r>
+              <a:rPr kumimoji="1" lang="zh-CN" altLang="en-US" dirty="0" smtClean="0"/>
+              <a:t>计算可得卡方值为</a:t>
+            </a:r>
+            <a:r>
+              <a:rPr kumimoji="1" lang="en-US" altLang="zh-CN" dirty="0" smtClean="0"/>
+              <a:t>8.46</a:t>
+            </a:r>
+            <a:endParaRPr kumimoji="1" lang="zh-CN" altLang="en-US" dirty="0"/>
+          </a:p>
+        </p:txBody>
+      </p:sp>
+      <p:graphicFrame>
+        <p:nvGraphicFramePr>
+          <p:cNvPr id="4" name="表格 3"/>
+          <p:cNvGraphicFramePr>
+            <a:graphicFrameLocks noGrp="1"/>
+          </p:cNvGraphicFramePr>
+          <p:nvPr>
+            <p:extLst>
+              <p:ext uri="{D42A27DB-BD31-4B8C-83A1-F6EECF244321}">
+                <p14:modId xmlns:p14="http://schemas.microsoft.com/office/powerpoint/2010/main" val="2023277226"/>
+              </p:ext>
+            </p:extLst>
+          </p:nvPr>
+        </p:nvGraphicFramePr>
+        <p:xfrm>
+          <a:off x="1371600" y="2284103"/>
+          <a:ext cx="9601200" cy="1470660"/>
+        </p:xfrm>
+        <a:graphic>
+          <a:graphicData uri="http://schemas.openxmlformats.org/drawingml/2006/table">
+            <a:tbl>
+              <a:tblPr/>
+              <a:tblGrid>
+                <a:gridCol w="1920240"/>
+                <a:gridCol w="1920240"/>
+                <a:gridCol w="1920240"/>
+                <a:gridCol w="1920240"/>
+                <a:gridCol w="1920240"/>
+              </a:tblGrid>
+              <a:tr h="0">
+                <a:tc>
+                  <a:txBody>
+                    <a:bodyPr/>
+                    <a:lstStyle/>
+                    <a:p>
+                      <a:pPr algn="l"/>
+                      <a:r>
+                        <a:rPr lang="zh-CN" altLang="en-US" sz="2800" dirty="0">
+                          <a:effectLst/>
+                        </a:rPr>
+                        <a:t>分组</a:t>
+                      </a:r>
+                    </a:p>
+                  </a:txBody>
+                  <a:tcPr marL="63500" marR="63500" marT="31750" marB="31750" anchor="ctr">
+                    <a:lnL>
+                      <a:noFill/>
+                    </a:lnL>
+                    <a:lnR>
+                      <a:noFill/>
+                    </a:lnR>
+                    <a:lnT w="6350" cap="flat" cmpd="sng" algn="ctr">
+                      <a:solidFill>
+                        <a:srgbClr val="90B937"/>
+                      </a:solidFill>
+                      <a:prstDash val="solid"/>
+                      <a:round/>
+                      <a:headEnd type="none" w="med" len="med"/>
+                      <a:tailEnd type="none" w="med" len="med"/>
+                    </a:lnT>
+                    <a:lnB w="6350" cap="flat" cmpd="sng" algn="ctr">
+                      <a:solidFill>
+                        <a:srgbClr val="000000"/>
+                      </a:solidFill>
+                      <a:prstDash val="solid"/>
+                      <a:round/>
+                      <a:headEnd type="none" w="med" len="med"/>
+                      <a:tailEnd type="none" w="med" len="med"/>
+                    </a:lnB>
+                  </a:tcPr>
+                </a:tc>
+                <a:tc>
+                  <a:txBody>
+                    <a:bodyPr/>
+                    <a:lstStyle/>
+                    <a:p>
+                      <a:pPr algn="l"/>
+                      <a:r>
+                        <a:rPr lang="zh-CN" altLang="en-US" sz="2800">
+                          <a:effectLst/>
+                        </a:rPr>
+                        <a:t>无规律锻炼</a:t>
+                      </a:r>
+                    </a:p>
+                  </a:txBody>
+                  <a:tcPr marL="63500" marR="63500" marT="31750" marB="31750" anchor="ctr">
+                    <a:lnL>
+                      <a:noFill/>
+                    </a:lnL>
+                    <a:lnR>
+                      <a:noFill/>
+                    </a:lnR>
+                    <a:lnT w="6350" cap="flat" cmpd="sng" algn="ctr">
+                      <a:solidFill>
+                        <a:srgbClr val="E0BD37"/>
+                      </a:solidFill>
+                      <a:prstDash val="solid"/>
+                      <a:round/>
+                      <a:headEnd type="none" w="med" len="med"/>
+                      <a:tailEnd type="none" w="med" len="med"/>
+                    </a:lnT>
+                    <a:lnB w="6350" cap="flat" cmpd="sng" algn="ctr">
+                      <a:solidFill>
+                        <a:srgbClr val="000000"/>
+                      </a:solidFill>
+                      <a:prstDash val="solid"/>
+                      <a:round/>
+                      <a:headEnd type="none" w="med" len="med"/>
+                      <a:tailEnd type="none" w="med" len="med"/>
+                    </a:lnB>
+                  </a:tcPr>
+                </a:tc>
+                <a:tc>
+                  <a:txBody>
+                    <a:bodyPr/>
+                    <a:lstStyle/>
+                    <a:p>
+                      <a:pPr algn="l"/>
+                      <a:r>
+                        <a:rPr lang="zh-CN" altLang="en-US" sz="2800">
+                          <a:effectLst/>
+                        </a:rPr>
+                        <a:t>偶尔锻炼</a:t>
+                      </a:r>
+                    </a:p>
+                  </a:txBody>
+                  <a:tcPr marL="63500" marR="63500" marT="31750" marB="31750" anchor="ctr">
+                    <a:lnL>
+                      <a:noFill/>
+                    </a:lnL>
+                    <a:lnR>
+                      <a:noFill/>
+                    </a:lnR>
+                    <a:lnT w="6350" cap="flat" cmpd="sng" algn="ctr">
+                      <a:solidFill>
+                        <a:srgbClr val="A0AC37"/>
+                      </a:solidFill>
+                      <a:prstDash val="solid"/>
+                      <a:round/>
+                      <a:headEnd type="none" w="med" len="med"/>
+                      <a:tailEnd type="none" w="med" len="med"/>
+                    </a:lnT>
+                    <a:lnB w="6350" cap="flat" cmpd="sng" algn="ctr">
+                      <a:solidFill>
+                        <a:srgbClr val="000000"/>
+                      </a:solidFill>
+                      <a:prstDash val="solid"/>
+                      <a:round/>
+                      <a:headEnd type="none" w="med" len="med"/>
+                      <a:tailEnd type="none" w="med" len="med"/>
+                    </a:lnB>
+                  </a:tcPr>
+                </a:tc>
+                <a:tc>
+                  <a:txBody>
+                    <a:bodyPr/>
+                    <a:lstStyle/>
+                    <a:p>
+                      <a:pPr algn="l"/>
+                      <a:r>
+                        <a:rPr lang="zh-CN" altLang="en-US" sz="2800">
+                          <a:effectLst/>
+                        </a:rPr>
+                        <a:t>规律锻炼</a:t>
+                      </a:r>
+                    </a:p>
+                  </a:txBody>
+                  <a:tcPr marL="63500" marR="63500" marT="31750" marB="31750" anchor="ctr">
+                    <a:lnL>
+                      <a:noFill/>
+                    </a:lnL>
+                    <a:lnR>
+                      <a:noFill/>
+                    </a:lnR>
+                    <a:lnT w="6350" cap="flat" cmpd="sng" algn="ctr">
+                      <a:solidFill>
+                        <a:srgbClr val="808D37"/>
+                      </a:solidFill>
+                      <a:prstDash val="solid"/>
+                      <a:round/>
+                      <a:headEnd type="none" w="med" len="med"/>
+                      <a:tailEnd type="none" w="med" len="med"/>
+                    </a:lnT>
+                    <a:lnB w="6350" cap="flat" cmpd="sng" algn="ctr">
+                      <a:solidFill>
+                        <a:srgbClr val="000000"/>
+                      </a:solidFill>
+                      <a:prstDash val="solid"/>
+                      <a:round/>
+                      <a:headEnd type="none" w="med" len="med"/>
+                      <a:tailEnd type="none" w="med" len="med"/>
+                    </a:lnB>
+                  </a:tcPr>
+                </a:tc>
+                <a:tc>
+                  <a:txBody>
+                    <a:bodyPr/>
+                    <a:lstStyle/>
+                    <a:p>
+                      <a:pPr algn="l"/>
+                      <a:r>
+                        <a:rPr lang="zh-CN" altLang="en-US" sz="2800">
+                          <a:effectLst/>
+                        </a:rPr>
+                        <a:t>总数</a:t>
+                      </a:r>
+                    </a:p>
+                  </a:txBody>
+                  <a:tcPr marL="63500" marR="63500" marT="31750" marB="31750" anchor="ctr">
+                    <a:lnL>
+                      <a:noFill/>
+                    </a:lnL>
+                    <a:lnR>
+                      <a:noFill/>
+                    </a:lnR>
+                    <a:lnT w="6350" cap="flat" cmpd="sng" algn="ctr">
+                      <a:solidFill>
+                        <a:srgbClr val="908C37"/>
+                      </a:solidFill>
+                      <a:prstDash val="solid"/>
+                      <a:round/>
+                      <a:headEnd type="none" w="med" len="med"/>
+                      <a:tailEnd type="none" w="med" len="med"/>
+                    </a:lnT>
+                    <a:lnB w="6350" cap="flat" cmpd="sng" algn="ctr">
+                      <a:solidFill>
+                        <a:srgbClr val="000000"/>
+                      </a:solidFill>
+                      <a:prstDash val="solid"/>
+                      <a:round/>
+                      <a:headEnd type="none" w="med" len="med"/>
+                      <a:tailEnd type="none" w="med" len="med"/>
+                    </a:lnB>
+                  </a:tcPr>
+                </a:tc>
+              </a:tr>
+              <a:tr h="0">
+                <a:tc>
+                  <a:txBody>
+                    <a:bodyPr/>
+                    <a:lstStyle/>
+                    <a:p>
+                      <a:r>
+                        <a:rPr lang="zh-CN" altLang="en-US" sz="2800">
+                          <a:effectLst/>
+                        </a:rPr>
+                        <a:t>观察频数</a:t>
+                      </a:r>
+                    </a:p>
+                  </a:txBody>
+                  <a:tcPr marL="63500" marR="63500" marT="31750" marB="31750" anchor="ctr">
+                    <a:lnL>
+                      <a:noFill/>
+                    </a:lnL>
+                    <a:lnR>
+                      <a:noFill/>
+                    </a:lnR>
+                    <a:lnT w="6350" cap="flat" cmpd="sng" algn="ctr">
+                      <a:solidFill>
+                        <a:srgbClr val="000000"/>
+                      </a:solidFill>
+                      <a:prstDash val="solid"/>
+                      <a:round/>
+                      <a:headEnd type="none" w="med" len="med"/>
+                      <a:tailEnd type="none" w="med" len="med"/>
+                    </a:lnT>
+                    <a:lnB w="6350" cap="flat" cmpd="sng" algn="ctr">
+                      <a:solidFill>
+                        <a:srgbClr val="B01908"/>
+                      </a:solidFill>
+                      <a:prstDash val="solid"/>
+                      <a:round/>
+                      <a:headEnd type="none" w="med" len="med"/>
+                      <a:tailEnd type="none" w="med" len="med"/>
+                    </a:lnB>
+                  </a:tcPr>
+                </a:tc>
+                <a:tc>
+                  <a:txBody>
+                    <a:bodyPr/>
+                    <a:lstStyle/>
+                    <a:p>
+                      <a:r>
+                        <a:rPr lang="is-IS" sz="2800">
+                          <a:effectLst/>
+                        </a:rPr>
+                        <a:t>255</a:t>
+                      </a:r>
+                    </a:p>
+                  </a:txBody>
+                  <a:tcPr marL="63500" marR="63500" marT="31750" marB="31750" anchor="ctr">
+                    <a:lnL>
+                      <a:noFill/>
+                    </a:lnL>
+                    <a:lnR>
+                      <a:noFill/>
+                    </a:lnR>
+                    <a:lnT w="6350" cap="flat" cmpd="sng" algn="ctr">
+                      <a:solidFill>
+                        <a:srgbClr val="000000"/>
+                      </a:solidFill>
+                      <a:prstDash val="solid"/>
+                      <a:round/>
+                      <a:headEnd type="none" w="med" len="med"/>
+                      <a:tailEnd type="none" w="med" len="med"/>
+                    </a:lnT>
+                    <a:lnB w="6350" cap="flat" cmpd="sng" algn="ctr">
+                      <a:solidFill>
+                        <a:srgbClr val="002A08"/>
+                      </a:solidFill>
+                      <a:prstDash val="solid"/>
+                      <a:round/>
+                      <a:headEnd type="none" w="med" len="med"/>
+                      <a:tailEnd type="none" w="med" len="med"/>
+                    </a:lnB>
+                  </a:tcPr>
+                </a:tc>
+                <a:tc>
+                  <a:txBody>
+                    <a:bodyPr/>
+                    <a:lstStyle/>
+                    <a:p>
+                      <a:r>
+                        <a:rPr lang="is-IS" sz="2800" dirty="0">
+                          <a:effectLst/>
+                        </a:rPr>
+                        <a:t>125</a:t>
+                      </a:r>
+                    </a:p>
+                  </a:txBody>
+                  <a:tcPr marL="63500" marR="63500" marT="31750" marB="31750" anchor="ctr">
+                    <a:lnL>
+                      <a:noFill/>
+                    </a:lnL>
+                    <a:lnR>
+                      <a:noFill/>
+                    </a:lnR>
+                    <a:lnT w="6350" cap="flat" cmpd="sng" algn="ctr">
+                      <a:solidFill>
+                        <a:srgbClr val="000000"/>
+                      </a:solidFill>
+                      <a:prstDash val="solid"/>
+                      <a:round/>
+                      <a:headEnd type="none" w="med" len="med"/>
+                      <a:tailEnd type="none" w="med" len="med"/>
+                    </a:lnT>
+                    <a:lnB w="6350" cap="flat" cmpd="sng" algn="ctr">
+                      <a:solidFill>
+                        <a:srgbClr val="E0BA07"/>
+                      </a:solidFill>
+                      <a:prstDash val="solid"/>
+                      <a:round/>
+                      <a:headEnd type="none" w="med" len="med"/>
+                      <a:tailEnd type="none" w="med" len="med"/>
+                    </a:lnB>
+                  </a:tcPr>
+                </a:tc>
+                <a:tc>
+                  <a:txBody>
+                    <a:bodyPr/>
+                    <a:lstStyle/>
+                    <a:p>
+                      <a:r>
+                        <a:rPr lang="en-US" altLang="zh-CN" sz="2800">
+                          <a:effectLst/>
+                        </a:rPr>
+                        <a:t>90</a:t>
+                      </a:r>
+                    </a:p>
+                  </a:txBody>
+                  <a:tcPr marL="63500" marR="63500" marT="31750" marB="31750" anchor="ctr">
+                    <a:lnL>
+                      <a:noFill/>
+                    </a:lnL>
+                    <a:lnR>
+                      <a:noFill/>
+                    </a:lnR>
+                    <a:lnT w="6350" cap="flat" cmpd="sng" algn="ctr">
+                      <a:solidFill>
+                        <a:srgbClr val="000000"/>
+                      </a:solidFill>
+                      <a:prstDash val="solid"/>
+                      <a:round/>
+                      <a:headEnd type="none" w="med" len="med"/>
+                      <a:tailEnd type="none" w="med" len="med"/>
+                    </a:lnT>
+                    <a:lnB w="6350" cap="flat" cmpd="sng" algn="ctr">
+                      <a:solidFill>
+                        <a:srgbClr val="605519"/>
+                      </a:solidFill>
+                      <a:prstDash val="solid"/>
+                      <a:round/>
+                      <a:headEnd type="none" w="med" len="med"/>
+                      <a:tailEnd type="none" w="med" len="med"/>
+                    </a:lnB>
+                  </a:tcPr>
+                </a:tc>
+                <a:tc>
+                  <a:txBody>
+                    <a:bodyPr/>
+                    <a:lstStyle/>
+                    <a:p>
+                      <a:r>
+                        <a:rPr lang="en-US" altLang="zh-CN" sz="2800">
+                          <a:effectLst/>
+                        </a:rPr>
+                        <a:t>470</a:t>
+                      </a:r>
+                    </a:p>
+                  </a:txBody>
+                  <a:tcPr marL="63500" marR="63500" marT="31750" marB="31750" anchor="ctr">
+                    <a:lnL>
+                      <a:noFill/>
+                    </a:lnL>
+                    <a:lnR>
+                      <a:noFill/>
+                    </a:lnR>
+                    <a:lnT w="6350" cap="flat" cmpd="sng" algn="ctr">
+                      <a:solidFill>
+                        <a:srgbClr val="000000"/>
+                      </a:solidFill>
+                      <a:prstDash val="solid"/>
+                      <a:round/>
+                      <a:headEnd type="none" w="med" len="med"/>
+                      <a:tailEnd type="none" w="med" len="med"/>
+                    </a:lnT>
+                    <a:lnB w="6350" cap="flat" cmpd="sng" algn="ctr">
+                      <a:solidFill>
+                        <a:srgbClr val="F00F08"/>
+                      </a:solidFill>
+                      <a:prstDash val="solid"/>
+                      <a:round/>
+                      <a:headEnd type="none" w="med" len="med"/>
+                      <a:tailEnd type="none" w="med" len="med"/>
+                    </a:lnB>
+                  </a:tcPr>
+                </a:tc>
+              </a:tr>
+              <a:tr h="0">
+                <a:tc>
+                  <a:txBody>
+                    <a:bodyPr/>
+                    <a:lstStyle/>
+                    <a:p>
+                      <a:r>
+                        <a:rPr lang="zh-CN" altLang="en-US" sz="2800" dirty="0">
+                          <a:effectLst/>
+                        </a:rPr>
+                        <a:t>期望频数</a:t>
+                      </a:r>
+                    </a:p>
+                  </a:txBody>
+                  <a:tcPr marL="63500" marR="63500" marT="31750" marB="31750" anchor="ctr">
+                    <a:lnL>
+                      <a:noFill/>
+                    </a:lnL>
+                    <a:lnR>
+                      <a:noFill/>
+                    </a:lnR>
+                    <a:lnT w="6350" cap="flat" cmpd="sng" algn="ctr">
+                      <a:solidFill>
+                        <a:srgbClr val="B01908"/>
+                      </a:solidFill>
+                      <a:prstDash val="solid"/>
+                      <a:round/>
+                      <a:headEnd type="none" w="med" len="med"/>
+                      <a:tailEnd type="none" w="med" len="med"/>
+                    </a:lnT>
+                    <a:lnB w="6350" cap="flat" cmpd="sng" algn="ctr">
+                      <a:solidFill>
+                        <a:srgbClr val="B01908"/>
+                      </a:solidFill>
+                      <a:prstDash val="solid"/>
+                      <a:round/>
+                      <a:headEnd type="none" w="med" len="med"/>
+                      <a:tailEnd type="none" w="med" len="med"/>
+                    </a:lnB>
+                  </a:tcPr>
+                </a:tc>
+                <a:tc>
+                  <a:txBody>
+                    <a:bodyPr/>
+                    <a:lstStyle/>
+                    <a:p>
+                      <a:r>
+                        <a:rPr lang="nb-NO" sz="2800">
+                          <a:effectLst/>
+                        </a:rPr>
+                        <a:t>470x0.6</a:t>
+                      </a:r>
+                    </a:p>
+                  </a:txBody>
+                  <a:tcPr marL="63500" marR="63500" marT="31750" marB="31750" anchor="ctr">
+                    <a:lnL>
+                      <a:noFill/>
+                    </a:lnL>
+                    <a:lnR>
+                      <a:noFill/>
+                    </a:lnR>
+                    <a:lnT w="6350" cap="flat" cmpd="sng" algn="ctr">
+                      <a:solidFill>
+                        <a:srgbClr val="002A08"/>
+                      </a:solidFill>
+                      <a:prstDash val="solid"/>
+                      <a:round/>
+                      <a:headEnd type="none" w="med" len="med"/>
+                      <a:tailEnd type="none" w="med" len="med"/>
+                    </a:lnT>
+                    <a:lnB w="6350" cap="flat" cmpd="sng" algn="ctr">
+                      <a:solidFill>
+                        <a:srgbClr val="002A08"/>
+                      </a:solidFill>
+                      <a:prstDash val="solid"/>
+                      <a:round/>
+                      <a:headEnd type="none" w="med" len="med"/>
+                      <a:tailEnd type="none" w="med" len="med"/>
+                    </a:lnB>
+                  </a:tcPr>
+                </a:tc>
+                <a:tc>
+                  <a:txBody>
+                    <a:bodyPr/>
+                    <a:lstStyle/>
+                    <a:p>
+                      <a:r>
+                        <a:rPr lang="nb-NO" sz="2800">
+                          <a:effectLst/>
+                        </a:rPr>
+                        <a:t>470x0.25</a:t>
+                      </a:r>
+                    </a:p>
+                  </a:txBody>
+                  <a:tcPr marL="63500" marR="63500" marT="31750" marB="31750" anchor="ctr">
+                    <a:lnL>
+                      <a:noFill/>
+                    </a:lnL>
+                    <a:lnR>
+                      <a:noFill/>
+                    </a:lnR>
+                    <a:lnT w="6350" cap="flat" cmpd="sng" algn="ctr">
+                      <a:solidFill>
+                        <a:srgbClr val="E0BA07"/>
+                      </a:solidFill>
+                      <a:prstDash val="solid"/>
+                      <a:round/>
+                      <a:headEnd type="none" w="med" len="med"/>
+                      <a:tailEnd type="none" w="med" len="med"/>
+                    </a:lnT>
+                    <a:lnB w="6350" cap="flat" cmpd="sng" algn="ctr">
+                      <a:solidFill>
+                        <a:srgbClr val="E0BA07"/>
+                      </a:solidFill>
+                      <a:prstDash val="solid"/>
+                      <a:round/>
+                      <a:headEnd type="none" w="med" len="med"/>
+                      <a:tailEnd type="none" w="med" len="med"/>
+                    </a:lnB>
+                  </a:tcPr>
+                </a:tc>
+                <a:tc>
+                  <a:txBody>
+                    <a:bodyPr/>
+                    <a:lstStyle/>
+                    <a:p>
+                      <a:r>
+                        <a:rPr lang="nb-NO" sz="2800">
+                          <a:effectLst/>
+                        </a:rPr>
+                        <a:t>470x0.15</a:t>
+                      </a:r>
+                    </a:p>
+                  </a:txBody>
+                  <a:tcPr marL="63500" marR="63500" marT="31750" marB="31750" anchor="ctr">
+                    <a:lnL>
+                      <a:noFill/>
+                    </a:lnL>
+                    <a:lnR>
+                      <a:noFill/>
+                    </a:lnR>
+                    <a:lnT w="6350" cap="flat" cmpd="sng" algn="ctr">
+                      <a:solidFill>
+                        <a:srgbClr val="605519"/>
+                      </a:solidFill>
+                      <a:prstDash val="solid"/>
+                      <a:round/>
+                      <a:headEnd type="none" w="med" len="med"/>
+                      <a:tailEnd type="none" w="med" len="med"/>
+                    </a:lnT>
+                    <a:lnB w="6350" cap="flat" cmpd="sng" algn="ctr">
+                      <a:solidFill>
+                        <a:srgbClr val="605519"/>
+                      </a:solidFill>
+                      <a:prstDash val="solid"/>
+                      <a:round/>
+                      <a:headEnd type="none" w="med" len="med"/>
+                      <a:tailEnd type="none" w="med" len="med"/>
+                    </a:lnB>
+                  </a:tcPr>
+                </a:tc>
+                <a:tc>
+                  <a:txBody>
+                    <a:bodyPr/>
+                    <a:lstStyle/>
+                    <a:p>
+                      <a:r>
+                        <a:rPr lang="en-US" altLang="zh-CN" sz="2800" dirty="0">
+                          <a:effectLst/>
+                        </a:rPr>
+                        <a:t>470</a:t>
+                      </a:r>
+                    </a:p>
+                  </a:txBody>
+                  <a:tcPr marL="63500" marR="63500" marT="31750" marB="31750" anchor="ctr">
+                    <a:lnL>
+                      <a:noFill/>
+                    </a:lnL>
+                    <a:lnR>
+                      <a:noFill/>
+                    </a:lnR>
+                    <a:lnT w="6350" cap="flat" cmpd="sng" algn="ctr">
+                      <a:solidFill>
+                        <a:srgbClr val="F00F08"/>
+                      </a:solidFill>
+                      <a:prstDash val="solid"/>
+                      <a:round/>
+                      <a:headEnd type="none" w="med" len="med"/>
+                      <a:tailEnd type="none" w="med" len="med"/>
+                    </a:lnT>
+                    <a:lnB w="6350" cap="flat" cmpd="sng" algn="ctr">
+                      <a:solidFill>
+                        <a:srgbClr val="F00F08"/>
+                      </a:solidFill>
+                      <a:prstDash val="solid"/>
+                      <a:round/>
+                      <a:headEnd type="none" w="med" len="med"/>
+                      <a:tailEnd type="none" w="med" len="med"/>
+                    </a:lnB>
+                  </a:tcPr>
+                </a:tc>
+              </a:tr>
+            </a:tbl>
+          </a:graphicData>
+        </a:graphic>
+      </p:graphicFrame>
+    </p:spTree>
+    <p:extLst>
+      <p:ext uri="{BB962C8B-B14F-4D97-AF65-F5344CB8AC3E}">
+        <p14:creationId xmlns:p14="http://schemas.microsoft.com/office/powerpoint/2010/main" val="1822816675"/>
+      </p:ext>
+    </p:extLst>
+  </p:cSld>
+  <p:clrMapOvr>
+    <a:masterClrMapping/>
+  </p:clrMapOvr>
+</p:sld>
+</file>
+
+<file path=ppt/slides/slide14.xml><?xml version="1.0" encoding="utf-8"?>
+<p:sld xmlns:a="http://schemas.openxmlformats.org/drawingml/2006/main" xmlns:r="http://schemas.openxmlformats.org/officeDocument/2006/relationships" xmlns:p="http://schemas.openxmlformats.org/presentationml/2006/main">
+  <p:cSld>
+    <p:spTree>
+      <p:nvGrpSpPr>
+        <p:cNvPr id="1" name=""/>
+        <p:cNvGrpSpPr/>
+        <p:nvPr/>
+      </p:nvGrpSpPr>
+      <p:grpSpPr>
+        <a:xfrm>
+          <a:off x="0" y="0"/>
+          <a:ext cx="0" cy="0"/>
+          <a:chOff x="0" y="0"/>
+          <a:chExt cx="0" cy="0"/>
+        </a:xfrm>
+      </p:grpSpPr>
+      <p:sp>
+        <p:nvSpPr>
+          <p:cNvPr id="2" name="标题 1"/>
+          <p:cNvSpPr>
+            <a:spLocks noGrp="1"/>
+          </p:cNvSpPr>
+          <p:nvPr>
+            <p:ph type="title"/>
+          </p:nvPr>
+        </p:nvSpPr>
+        <p:spPr/>
+        <p:txBody>
+          <a:bodyPr/>
+          <a:lstStyle/>
+          <a:p>
+            <a:r>
+              <a:rPr kumimoji="1" lang="zh-CN" altLang="en-US" dirty="0" smtClean="0"/>
+              <a:t>结论</a:t>
+            </a:r>
+            <a:endParaRPr kumimoji="1" lang="zh-CN" altLang="en-US" dirty="0"/>
+          </a:p>
+        </p:txBody>
+      </p:sp>
+      <p:sp>
+        <p:nvSpPr>
+          <p:cNvPr id="3" name="内容占位符 2"/>
+          <p:cNvSpPr>
+            <a:spLocks noGrp="1"/>
+          </p:cNvSpPr>
+          <p:nvPr>
+            <p:ph idx="1"/>
+          </p:nvPr>
+        </p:nvSpPr>
+        <p:spPr/>
+        <p:txBody>
+          <a:bodyPr/>
+          <a:lstStyle/>
+          <a:p>
+            <a:r>
+              <a:rPr lang="zh-CN" altLang="en-US" dirty="0"/>
+              <a:t>由于</a:t>
+            </a:r>
+            <a:r>
+              <a:rPr lang="en-US" altLang="zh-CN" dirty="0"/>
+              <a:t>8.46</a:t>
+            </a:r>
+            <a:r>
+              <a:rPr lang="zh-CN" altLang="en-US" dirty="0"/>
+              <a:t>大于</a:t>
+            </a:r>
+            <a:r>
+              <a:rPr lang="en-US" altLang="zh-CN" dirty="0"/>
+              <a:t>5.99, </a:t>
+            </a:r>
+            <a:r>
+              <a:rPr lang="zh-CN" altLang="en-US" dirty="0"/>
+              <a:t>在</a:t>
+            </a:r>
+            <a:r>
+              <a:rPr lang="en-US" altLang="zh-CN" dirty="0"/>
+              <a:t>0.05</a:t>
+            </a:r>
+            <a:r>
+              <a:rPr lang="zh-CN" altLang="en-US" dirty="0"/>
+              <a:t>检测水平上可以拒绝零假设</a:t>
+            </a:r>
+            <a:r>
+              <a:rPr lang="en-US" altLang="zh-CN" dirty="0" smtClean="0"/>
+              <a:t>.</a:t>
+            </a:r>
+            <a:endParaRPr lang="en-US" altLang="zh-CN" dirty="0"/>
+          </a:p>
+        </p:txBody>
+      </p:sp>
+    </p:spTree>
+    <p:extLst>
+      <p:ext uri="{BB962C8B-B14F-4D97-AF65-F5344CB8AC3E}">
+        <p14:creationId xmlns:p14="http://schemas.microsoft.com/office/powerpoint/2010/main" val="232961357"/>
+      </p:ext>
+    </p:extLst>
+  </p:cSld>
+  <p:clrMapOvr>
+    <a:masterClrMapping/>
+  </p:clrMapOvr>
+</p:sld>
+</file>
+
+<file path=ppt/slides/slide15.xml><?xml version="1.0" encoding="utf-8"?>
+<p:sld xmlns:a="http://schemas.openxmlformats.org/drawingml/2006/main" xmlns:r="http://schemas.openxmlformats.org/officeDocument/2006/relationships" xmlns:p="http://schemas.openxmlformats.org/presentationml/2006/main">
+  <p:cSld>
+    <p:spTree>
+      <p:nvGrpSpPr>
+        <p:cNvPr id="1" name=""/>
+        <p:cNvGrpSpPr/>
+        <p:nvPr/>
+      </p:nvGrpSpPr>
+      <p:grpSpPr>
+        <a:xfrm>
+          <a:off x="0" y="0"/>
+          <a:ext cx="0" cy="0"/>
+          <a:chOff x="0" y="0"/>
+          <a:chExt cx="0" cy="0"/>
+        </a:xfrm>
+      </p:grpSpPr>
+      <p:sp>
+        <p:nvSpPr>
+          <p:cNvPr id="2" name="标题 1"/>
+          <p:cNvSpPr>
+            <a:spLocks noGrp="1"/>
+          </p:cNvSpPr>
+          <p:nvPr>
+            <p:ph type="title"/>
+          </p:nvPr>
+        </p:nvSpPr>
+        <p:spPr/>
+        <p:txBody>
+          <a:bodyPr/>
+          <a:lstStyle/>
+          <a:p>
+            <a:r>
+              <a:rPr kumimoji="1" lang="zh-CN" altLang="en-US" dirty="0" smtClean="0"/>
+              <a:t>例题</a:t>
+            </a:r>
+            <a:r>
+              <a:rPr kumimoji="1" lang="en-US" altLang="zh-CN" dirty="0" smtClean="0"/>
+              <a:t>2</a:t>
+            </a:r>
+            <a:endParaRPr kumimoji="1" lang="zh-CN" altLang="en-US" dirty="0"/>
+          </a:p>
+        </p:txBody>
+      </p:sp>
+      <p:sp>
+        <p:nvSpPr>
+          <p:cNvPr id="3" name="内容占位符 2"/>
+          <p:cNvSpPr>
+            <a:spLocks noGrp="1"/>
+          </p:cNvSpPr>
+          <p:nvPr>
+            <p:ph idx="1"/>
+          </p:nvPr>
+        </p:nvSpPr>
+        <p:spPr/>
+        <p:txBody>
+          <a:bodyPr>
+            <a:normAutofit fontScale="92500" lnSpcReduction="10000"/>
+          </a:bodyPr>
+          <a:lstStyle/>
+          <a:p>
+            <a:r>
+              <a:rPr lang="zh-CN" altLang="en-US" dirty="0" smtClean="0"/>
+              <a:t>根据国家健康统计中心</a:t>
+            </a:r>
+            <a:r>
+              <a:rPr lang="en-US" altLang="zh-CN" dirty="0" smtClean="0"/>
+              <a:t>2002</a:t>
+            </a:r>
+            <a:r>
+              <a:rPr lang="zh-CN" altLang="en-US" dirty="0" smtClean="0"/>
+              <a:t>年关于美国人群体重分布的数据（根据</a:t>
+            </a:r>
+            <a:r>
+              <a:rPr lang="en-US" altLang="zh-CN" dirty="0" smtClean="0"/>
+              <a:t>BMI</a:t>
+            </a:r>
+            <a:r>
+              <a:rPr lang="zh-CN" altLang="en-US" dirty="0" smtClean="0"/>
+              <a:t>值，</a:t>
+            </a:r>
+            <a:r>
+              <a:rPr lang="en-US" altLang="zh-CN" dirty="0" smtClean="0"/>
+              <a:t>BMI</a:t>
+            </a:r>
+            <a:r>
+              <a:rPr lang="zh-CN" altLang="en-US" dirty="0" smtClean="0"/>
+              <a:t>小于</a:t>
+            </a:r>
+            <a:r>
+              <a:rPr lang="en-US" altLang="zh-CN" dirty="0" smtClean="0"/>
+              <a:t>18.5</a:t>
+            </a:r>
+            <a:r>
+              <a:rPr lang="zh-CN" altLang="en-US" dirty="0" smtClean="0"/>
+              <a:t>为过轻，</a:t>
+            </a:r>
+            <a:r>
+              <a:rPr lang="en-US" altLang="zh-CN" dirty="0" smtClean="0"/>
+              <a:t>18.5</a:t>
+            </a:r>
+            <a:r>
+              <a:rPr lang="zh-CN" altLang="en-US" dirty="0" smtClean="0"/>
+              <a:t>到</a:t>
+            </a:r>
+            <a:r>
+              <a:rPr lang="en-US" altLang="zh-CN" dirty="0" smtClean="0"/>
+              <a:t>24.9</a:t>
+            </a:r>
+            <a:r>
+              <a:rPr lang="zh-CN" altLang="en-US" dirty="0" smtClean="0"/>
+              <a:t>之间为标准，</a:t>
+            </a:r>
+            <a:r>
+              <a:rPr lang="en-US" altLang="zh-CN" dirty="0" smtClean="0"/>
+              <a:t>25</a:t>
+            </a:r>
+            <a:r>
+              <a:rPr lang="zh-CN" altLang="en-US" dirty="0" smtClean="0"/>
+              <a:t>到</a:t>
+            </a:r>
+            <a:r>
+              <a:rPr lang="en-US" altLang="zh-CN" dirty="0" smtClean="0"/>
+              <a:t>29.9</a:t>
+            </a:r>
+            <a:r>
+              <a:rPr lang="zh-CN" altLang="en-US" dirty="0" smtClean="0"/>
+              <a:t>为超重，</a:t>
+            </a:r>
+            <a:r>
+              <a:rPr lang="en-US" altLang="zh-CN" dirty="0" smtClean="0"/>
+              <a:t>30</a:t>
+            </a:r>
+            <a:r>
+              <a:rPr lang="zh-CN" altLang="en-US" dirty="0" smtClean="0"/>
+              <a:t>以上为肥胖）</a:t>
+            </a:r>
+            <a:endParaRPr lang="en-US" altLang="zh-CN" dirty="0" smtClean="0"/>
+          </a:p>
+          <a:p>
+            <a:r>
+              <a:rPr lang="en-US" altLang="zh-CN" dirty="0" smtClean="0"/>
+              <a:t>2002</a:t>
+            </a:r>
+            <a:r>
+              <a:rPr lang="zh-CN" altLang="en-US" dirty="0" smtClean="0"/>
+              <a:t>年的体重分布情况是： </a:t>
+            </a:r>
+            <a:r>
+              <a:rPr lang="en-US" altLang="zh-CN" dirty="0" smtClean="0"/>
+              <a:t>2</a:t>
+            </a:r>
+            <a:r>
+              <a:rPr lang="en-US" altLang="zh-CN" dirty="0"/>
+              <a:t>% </a:t>
+            </a:r>
+            <a:r>
+              <a:rPr lang="zh-CN" altLang="en-US" dirty="0" smtClean="0"/>
+              <a:t>过轻</a:t>
+            </a:r>
+            <a:r>
+              <a:rPr lang="en-US" altLang="zh-CN" dirty="0" smtClean="0"/>
+              <a:t>, </a:t>
+            </a:r>
+            <a:r>
+              <a:rPr lang="en-US" altLang="zh-CN" dirty="0"/>
+              <a:t>39% </a:t>
+            </a:r>
+            <a:r>
+              <a:rPr lang="zh-CN" altLang="en-US" dirty="0" smtClean="0"/>
+              <a:t>正常体重</a:t>
+            </a:r>
+            <a:r>
+              <a:rPr lang="en-US" altLang="zh-CN" dirty="0" smtClean="0"/>
+              <a:t>, </a:t>
+            </a:r>
+            <a:r>
+              <a:rPr lang="en-US" altLang="zh-CN" dirty="0"/>
+              <a:t>36% </a:t>
+            </a:r>
+            <a:r>
+              <a:rPr lang="zh-CN" altLang="en-US" dirty="0" smtClean="0"/>
+              <a:t>超重</a:t>
+            </a:r>
+            <a:r>
+              <a:rPr lang="en-US" altLang="zh-CN" dirty="0" smtClean="0"/>
+              <a:t>, 23</a:t>
+            </a:r>
+            <a:r>
+              <a:rPr lang="en-US" altLang="zh-CN" dirty="0"/>
+              <a:t>% </a:t>
+            </a:r>
+            <a:r>
+              <a:rPr lang="zh-CN" altLang="en-US" dirty="0" smtClean="0"/>
+              <a:t>超重</a:t>
+            </a:r>
+            <a:r>
+              <a:rPr lang="en-US" altLang="zh-CN" dirty="0" smtClean="0"/>
+              <a:t>. </a:t>
+            </a:r>
+          </a:p>
+          <a:p>
+            <a:r>
+              <a:rPr lang="zh-CN" altLang="en-US" dirty="0" smtClean="0"/>
+              <a:t>研究者想了解某地居民体重分布情况是否和全国情况不同，调查了</a:t>
+            </a:r>
+            <a:r>
+              <a:rPr lang="en-US" altLang="zh-CN" dirty="0" smtClean="0"/>
+              <a:t> </a:t>
+            </a:r>
+            <a:r>
+              <a:rPr lang="en-US" altLang="zh-CN" dirty="0"/>
+              <a:t>n=3,326 </a:t>
+            </a:r>
+            <a:r>
+              <a:rPr lang="zh-CN" altLang="en-US" dirty="0" smtClean="0"/>
+              <a:t>居民</a:t>
+            </a:r>
+            <a:endParaRPr kumimoji="1" lang="zh-CN" altLang="en-US" dirty="0"/>
+          </a:p>
+        </p:txBody>
+      </p:sp>
+      <p:graphicFrame>
+        <p:nvGraphicFramePr>
+          <p:cNvPr id="4" name="表格 3"/>
+          <p:cNvGraphicFramePr>
+            <a:graphicFrameLocks noGrp="1"/>
+          </p:cNvGraphicFramePr>
+          <p:nvPr>
+            <p:extLst>
+              <p:ext uri="{D42A27DB-BD31-4B8C-83A1-F6EECF244321}">
+                <p14:modId xmlns:p14="http://schemas.microsoft.com/office/powerpoint/2010/main" val="1153111254"/>
+              </p:ext>
+            </p:extLst>
+          </p:nvPr>
+        </p:nvGraphicFramePr>
+        <p:xfrm>
+          <a:off x="2240544" y="5379558"/>
+          <a:ext cx="8161020" cy="1158240"/>
+        </p:xfrm>
+        <a:graphic>
+          <a:graphicData uri="http://schemas.openxmlformats.org/drawingml/2006/table">
+            <a:tbl>
+              <a:tblPr/>
+              <a:tblGrid>
+                <a:gridCol w="1360170"/>
+                <a:gridCol w="1360170"/>
+                <a:gridCol w="1360170"/>
+                <a:gridCol w="1360170"/>
+                <a:gridCol w="1360170"/>
+                <a:gridCol w="1360170"/>
+              </a:tblGrid>
+              <a:tr h="0">
+                <a:tc>
+                  <a:txBody>
+                    <a:bodyPr/>
+                    <a:lstStyle/>
+                    <a:p>
+                      <a:pPr fontAlgn="t"/>
+                      <a:endParaRPr lang="zh-CN" altLang="en-US" sz="3200">
+                        <a:effectLst/>
+                      </a:endParaRPr>
+                    </a:p>
+                  </a:txBody>
+                  <a:tcPr>
+                    <a:lnL>
+                      <a:noFill/>
+                    </a:lnL>
+                    <a:lnR>
+                      <a:noFill/>
+                    </a:lnR>
+                    <a:lnT>
+                      <a:noFill/>
+                    </a:lnT>
+                    <a:lnB>
+                      <a:noFill/>
+                    </a:lnB>
+                  </a:tcPr>
+                </a:tc>
+                <a:tc>
+                  <a:txBody>
+                    <a:bodyPr/>
+                    <a:lstStyle/>
+                    <a:p>
+                      <a:pPr algn="ctr" fontAlgn="t"/>
+                      <a:r>
+                        <a:rPr lang="zh-CN" altLang="en-US" sz="3200" dirty="0" smtClean="0">
+                          <a:effectLst/>
+                        </a:rPr>
+                        <a:t>过轻</a:t>
+                      </a:r>
+                      <a:endParaRPr lang="en-US" sz="3200" dirty="0">
+                        <a:effectLst/>
+                      </a:endParaRPr>
+                    </a:p>
+                  </a:txBody>
+                  <a:tcPr>
+                    <a:lnL>
+                      <a:noFill/>
+                    </a:lnL>
+                    <a:lnR>
+                      <a:noFill/>
+                    </a:lnR>
+                    <a:lnT>
+                      <a:noFill/>
+                    </a:lnT>
+                    <a:lnB>
+                      <a:noFill/>
+                    </a:lnB>
+                  </a:tcPr>
+                </a:tc>
+                <a:tc>
+                  <a:txBody>
+                    <a:bodyPr/>
+                    <a:lstStyle/>
+                    <a:p>
+                      <a:pPr algn="ctr" fontAlgn="t"/>
+                      <a:r>
+                        <a:rPr lang="zh-CN" altLang="en-US" sz="3200" b="1" dirty="0" smtClean="0">
+                          <a:effectLst/>
+                        </a:rPr>
+                        <a:t>正常</a:t>
+                      </a:r>
+                      <a:endParaRPr lang="en-US" sz="3200" dirty="0">
+                        <a:effectLst/>
+                      </a:endParaRPr>
+                    </a:p>
+                  </a:txBody>
+                  <a:tcPr>
+                    <a:lnL>
+                      <a:noFill/>
+                    </a:lnL>
+                    <a:lnR>
+                      <a:noFill/>
+                    </a:lnR>
+                    <a:lnT>
+                      <a:noFill/>
+                    </a:lnT>
+                    <a:lnB>
+                      <a:noFill/>
+                    </a:lnB>
+                  </a:tcPr>
+                </a:tc>
+                <a:tc>
+                  <a:txBody>
+                    <a:bodyPr/>
+                    <a:lstStyle/>
+                    <a:p>
+                      <a:pPr algn="ctr" fontAlgn="t"/>
+                      <a:r>
+                        <a:rPr lang="zh-CN" altLang="en-US" sz="3200" b="1" dirty="0" smtClean="0">
+                          <a:effectLst/>
+                        </a:rPr>
+                        <a:t>超重</a:t>
+                      </a:r>
+                      <a:endParaRPr lang="en-US" sz="3200" dirty="0">
+                        <a:effectLst/>
+                      </a:endParaRPr>
+                    </a:p>
+                  </a:txBody>
+                  <a:tcPr>
+                    <a:lnL>
+                      <a:noFill/>
+                    </a:lnL>
+                    <a:lnR>
+                      <a:noFill/>
+                    </a:lnR>
+                    <a:lnT>
+                      <a:noFill/>
+                    </a:lnT>
+                    <a:lnB>
+                      <a:noFill/>
+                    </a:lnB>
+                  </a:tcPr>
+                </a:tc>
+                <a:tc>
+                  <a:txBody>
+                    <a:bodyPr/>
+                    <a:lstStyle/>
+                    <a:p>
+                      <a:pPr algn="ctr" fontAlgn="t"/>
+                      <a:r>
+                        <a:rPr lang="zh-CN" altLang="en-US" sz="3200" b="1" dirty="0" smtClean="0">
+                          <a:effectLst/>
+                        </a:rPr>
+                        <a:t>肥胖</a:t>
+                      </a:r>
+                      <a:endParaRPr lang="is-IS" sz="3200" dirty="0">
+                        <a:effectLst/>
+                      </a:endParaRPr>
+                    </a:p>
+                  </a:txBody>
+                  <a:tcPr>
+                    <a:lnL>
+                      <a:noFill/>
+                    </a:lnL>
+                    <a:lnR>
+                      <a:noFill/>
+                    </a:lnR>
+                    <a:lnT>
+                      <a:noFill/>
+                    </a:lnT>
+                    <a:lnB>
+                      <a:noFill/>
+                    </a:lnB>
+                  </a:tcPr>
+                </a:tc>
+                <a:tc>
+                  <a:txBody>
+                    <a:bodyPr/>
+                    <a:lstStyle/>
+                    <a:p>
+                      <a:pPr algn="ctr" fontAlgn="t"/>
+                      <a:r>
+                        <a:rPr lang="zh-CN" altLang="en-US" sz="3200" b="1" dirty="0" smtClean="0">
+                          <a:effectLst/>
+                        </a:rPr>
+                        <a:t>综述</a:t>
+                      </a:r>
+                      <a:endParaRPr lang="en-US" sz="3200" dirty="0">
+                        <a:effectLst/>
+                      </a:endParaRPr>
+                    </a:p>
+                  </a:txBody>
+                  <a:tcPr>
+                    <a:lnL>
+                      <a:noFill/>
+                    </a:lnL>
+                    <a:lnR>
+                      <a:noFill/>
+                    </a:lnR>
+                    <a:lnT>
+                      <a:noFill/>
+                    </a:lnT>
+                    <a:lnB>
+                      <a:noFill/>
+                    </a:lnB>
+                  </a:tcPr>
+                </a:tc>
+              </a:tr>
+              <a:tr h="0">
+                <a:tc>
+                  <a:txBody>
+                    <a:bodyPr/>
+                    <a:lstStyle/>
+                    <a:p>
+                      <a:pPr fontAlgn="t"/>
+                      <a:r>
+                        <a:rPr lang="en-US" altLang="zh-CN" sz="3200" b="1" dirty="0" smtClean="0">
+                          <a:effectLst/>
+                        </a:rPr>
+                        <a:t>n</a:t>
+                      </a:r>
+                      <a:endParaRPr lang="en-US" sz="3200" dirty="0">
+                        <a:effectLst/>
+                      </a:endParaRPr>
+                    </a:p>
+                  </a:txBody>
+                  <a:tcPr>
+                    <a:lnL>
+                      <a:noFill/>
+                    </a:lnL>
+                    <a:lnR>
+                      <a:noFill/>
+                    </a:lnR>
+                    <a:lnT>
+                      <a:noFill/>
+                    </a:lnT>
+                    <a:lnB>
+                      <a:noFill/>
+                    </a:lnB>
+                  </a:tcPr>
+                </a:tc>
+                <a:tc>
+                  <a:txBody>
+                    <a:bodyPr/>
+                    <a:lstStyle/>
+                    <a:p>
+                      <a:pPr algn="ctr" fontAlgn="t"/>
+                      <a:r>
+                        <a:rPr lang="is-IS" sz="3200">
+                          <a:effectLst/>
+                        </a:rPr>
+                        <a:t>20</a:t>
+                      </a:r>
+                    </a:p>
+                  </a:txBody>
+                  <a:tcPr>
+                    <a:lnL>
+                      <a:noFill/>
+                    </a:lnL>
+                    <a:lnR>
+                      <a:noFill/>
+                    </a:lnR>
+                    <a:lnT>
+                      <a:noFill/>
+                    </a:lnT>
+                    <a:lnB>
+                      <a:noFill/>
+                    </a:lnB>
+                  </a:tcPr>
+                </a:tc>
+                <a:tc>
+                  <a:txBody>
+                    <a:bodyPr/>
+                    <a:lstStyle/>
+                    <a:p>
+                      <a:pPr algn="ctr" fontAlgn="t"/>
+                      <a:r>
+                        <a:rPr lang="is-IS" sz="3200">
+                          <a:effectLst/>
+                        </a:rPr>
+                        <a:t>932</a:t>
+                      </a:r>
+                    </a:p>
+                  </a:txBody>
+                  <a:tcPr>
+                    <a:lnL>
+                      <a:noFill/>
+                    </a:lnL>
+                    <a:lnR>
+                      <a:noFill/>
+                    </a:lnR>
+                    <a:lnT>
+                      <a:noFill/>
+                    </a:lnT>
+                    <a:lnB>
+                      <a:noFill/>
+                    </a:lnB>
+                  </a:tcPr>
+                </a:tc>
+                <a:tc>
+                  <a:txBody>
+                    <a:bodyPr/>
+                    <a:lstStyle/>
+                    <a:p>
+                      <a:pPr algn="ctr" fontAlgn="t"/>
+                      <a:r>
+                        <a:rPr lang="is-IS" sz="3200">
+                          <a:effectLst/>
+                        </a:rPr>
+                        <a:t>1374</a:t>
+                      </a:r>
+                    </a:p>
+                  </a:txBody>
+                  <a:tcPr>
+                    <a:lnL>
+                      <a:noFill/>
+                    </a:lnL>
+                    <a:lnR>
+                      <a:noFill/>
+                    </a:lnR>
+                    <a:lnT>
+                      <a:noFill/>
+                    </a:lnT>
+                    <a:lnB>
+                      <a:noFill/>
+                    </a:lnB>
+                  </a:tcPr>
+                </a:tc>
+                <a:tc>
+                  <a:txBody>
+                    <a:bodyPr/>
+                    <a:lstStyle/>
+                    <a:p>
+                      <a:pPr algn="ctr" fontAlgn="t"/>
+                      <a:r>
+                        <a:rPr lang="is-IS" sz="3200">
+                          <a:effectLst/>
+                        </a:rPr>
+                        <a:t>1000</a:t>
+                      </a:r>
+                    </a:p>
+                  </a:txBody>
+                  <a:tcPr>
+                    <a:lnL>
+                      <a:noFill/>
+                    </a:lnL>
+                    <a:lnR>
+                      <a:noFill/>
+                    </a:lnR>
+                    <a:lnT>
+                      <a:noFill/>
+                    </a:lnT>
+                    <a:lnB>
+                      <a:noFill/>
+                    </a:lnB>
+                  </a:tcPr>
+                </a:tc>
+                <a:tc>
+                  <a:txBody>
+                    <a:bodyPr/>
+                    <a:lstStyle/>
+                    <a:p>
+                      <a:pPr algn="ctr" fontAlgn="t"/>
+                      <a:r>
+                        <a:rPr lang="is-IS" sz="3200" dirty="0">
+                          <a:effectLst/>
+                        </a:rPr>
+                        <a:t>3326</a:t>
+                      </a:r>
+                    </a:p>
+                  </a:txBody>
+                  <a:tcPr>
+                    <a:lnL>
+                      <a:noFill/>
+                    </a:lnL>
+                    <a:lnR>
+                      <a:noFill/>
+                    </a:lnR>
+                    <a:lnT>
+                      <a:noFill/>
+                    </a:lnT>
+                    <a:lnB>
+                      <a:noFill/>
+                    </a:lnB>
+                  </a:tcPr>
+                </a:tc>
+              </a:tr>
+            </a:tbl>
+          </a:graphicData>
+        </a:graphic>
+      </p:graphicFrame>
+    </p:spTree>
+    <p:extLst>
+      <p:ext uri="{BB962C8B-B14F-4D97-AF65-F5344CB8AC3E}">
+        <p14:creationId xmlns:p14="http://schemas.microsoft.com/office/powerpoint/2010/main" val="1772045590"/>
+      </p:ext>
+    </p:extLst>
+  </p:cSld>
+  <p:clrMapOvr>
+    <a:masterClrMapping/>
+  </p:clrMapOvr>
+</p:sld>
+</file>
+
+<file path=ppt/slides/slide16.xml><?xml version="1.0" encoding="utf-8"?>
+<p:sld xmlns:a="http://schemas.openxmlformats.org/drawingml/2006/main" xmlns:r="http://schemas.openxmlformats.org/officeDocument/2006/relationships" xmlns:p="http://schemas.openxmlformats.org/presentationml/2006/main">
+  <p:cSld>
+    <p:spTree>
+      <p:nvGrpSpPr>
+        <p:cNvPr id="1" name=""/>
+        <p:cNvGrpSpPr/>
+        <p:nvPr/>
+      </p:nvGrpSpPr>
+      <p:grpSpPr>
+        <a:xfrm>
+          <a:off x="0" y="0"/>
+          <a:ext cx="0" cy="0"/>
+          <a:chOff x="0" y="0"/>
+          <a:chExt cx="0" cy="0"/>
+        </a:xfrm>
+      </p:grpSpPr>
+      <p:sp>
+        <p:nvSpPr>
+          <p:cNvPr id="2" name="标题 1"/>
+          <p:cNvSpPr>
+            <a:spLocks noGrp="1"/>
+          </p:cNvSpPr>
+          <p:nvPr>
+            <p:ph type="title"/>
+          </p:nvPr>
+        </p:nvSpPr>
+        <p:spPr/>
+        <p:txBody>
+          <a:bodyPr/>
+          <a:lstStyle/>
+          <a:p>
+            <a:r>
+              <a:rPr kumimoji="1" lang="zh-CN" altLang="en-US" dirty="0" smtClean="0"/>
+              <a:t>例题</a:t>
+            </a:r>
+            <a:r>
+              <a:rPr kumimoji="1" lang="en-US" altLang="zh-CN" dirty="0" smtClean="0"/>
+              <a:t>3</a:t>
+            </a:r>
+            <a:endParaRPr kumimoji="1" lang="zh-CN" altLang="en-US" dirty="0"/>
+          </a:p>
+        </p:txBody>
+      </p:sp>
+      <p:sp>
+        <p:nvSpPr>
+          <p:cNvPr id="3" name="内容占位符 2"/>
+          <p:cNvSpPr>
+            <a:spLocks noGrp="1"/>
+          </p:cNvSpPr>
+          <p:nvPr>
+            <p:ph idx="1"/>
+          </p:nvPr>
+        </p:nvSpPr>
+        <p:spPr>
+          <a:xfrm>
+            <a:off x="1371600" y="1731085"/>
+            <a:ext cx="9601200" cy="4542123"/>
+          </a:xfrm>
+        </p:spPr>
+        <p:txBody>
+          <a:bodyPr>
+            <a:normAutofit/>
+          </a:bodyPr>
+          <a:lstStyle/>
+          <a:p>
+            <a:r>
+              <a:rPr lang="zh-CN" altLang="en-US" dirty="0" smtClean="0"/>
+              <a:t>国家健康统计中心在</a:t>
+            </a:r>
+            <a:r>
+              <a:rPr lang="en-US" altLang="zh-CN" dirty="0" smtClean="0"/>
+              <a:t>2002</a:t>
+            </a:r>
+            <a:r>
+              <a:rPr lang="zh-CN" altLang="en-US" dirty="0" smtClean="0"/>
+              <a:t>年做的调查提示</a:t>
+            </a:r>
+            <a:r>
+              <a:rPr lang="en-US" altLang="zh-CN" dirty="0" smtClean="0"/>
+              <a:t>, 2</a:t>
+            </a:r>
+            <a:r>
+              <a:rPr lang="zh-CN" altLang="en-US" dirty="0" smtClean="0"/>
+              <a:t>到</a:t>
+            </a:r>
+            <a:r>
+              <a:rPr lang="en-US" altLang="zh-CN" dirty="0" smtClean="0"/>
+              <a:t>17</a:t>
+            </a:r>
+            <a:r>
+              <a:rPr lang="zh-CN" altLang="en-US" dirty="0" smtClean="0"/>
+              <a:t>岁儿童有</a:t>
+            </a:r>
+            <a:r>
+              <a:rPr lang="en-US" altLang="zh-CN" dirty="0" smtClean="0"/>
+              <a:t>75</a:t>
+            </a:r>
+            <a:r>
+              <a:rPr lang="en-US" altLang="zh-CN" dirty="0"/>
+              <a:t>% </a:t>
+            </a:r>
+            <a:r>
+              <a:rPr lang="zh-CN" altLang="en-US" dirty="0" smtClean="0"/>
+              <a:t>在去年曾在过去一年看过牙医。某个研究者想调查波士顿的儿童是否也符合这个情况。他调查了</a:t>
+            </a:r>
+            <a:r>
+              <a:rPr lang="en-US" altLang="zh-CN" dirty="0" smtClean="0"/>
+              <a:t>125</a:t>
+            </a:r>
+            <a:r>
+              <a:rPr lang="zh-CN" altLang="en-US" dirty="0" smtClean="0"/>
+              <a:t>个儿童，</a:t>
+            </a:r>
+            <a:r>
+              <a:rPr lang="en-US" altLang="zh-CN" dirty="0" smtClean="0"/>
+              <a:t>64</a:t>
+            </a:r>
+            <a:r>
+              <a:rPr lang="zh-CN" altLang="en-US" dirty="0" smtClean="0"/>
+              <a:t>人过去一年看过牙医。根据上面的数据能否认为波士顿当地的情况和全国的情况有区别？</a:t>
+            </a:r>
+            <a:endParaRPr lang="en-US" altLang="zh-CN" dirty="0" smtClean="0"/>
+          </a:p>
+          <a:p>
+            <a:r>
+              <a:rPr kumimoji="1" lang="zh-CN" altLang="en-US" dirty="0" smtClean="0"/>
+              <a:t>使用单样本二分变量的假设检验</a:t>
+            </a:r>
+            <a:endParaRPr kumimoji="1" lang="en-US" altLang="zh-CN" dirty="0" smtClean="0"/>
+          </a:p>
+          <a:p>
+            <a:r>
+              <a:rPr kumimoji="1" lang="zh-CN" altLang="en-US" dirty="0" smtClean="0"/>
+              <a:t>使用卡方检验</a:t>
+            </a:r>
+            <a:endParaRPr kumimoji="1" lang="en-US" altLang="zh-CN" dirty="0" smtClean="0"/>
+          </a:p>
+        </p:txBody>
+      </p:sp>
+    </p:spTree>
+    <p:extLst>
+      <p:ext uri="{BB962C8B-B14F-4D97-AF65-F5344CB8AC3E}">
+        <p14:creationId xmlns:p14="http://schemas.microsoft.com/office/powerpoint/2010/main" val="1979129341"/>
+      </p:ext>
+    </p:extLst>
+  </p:cSld>
+  <p:clrMapOvr>
+    <a:masterClrMapping/>
+  </p:clrMapOvr>
+</p:sld>
+</file>
+
+<file path=ppt/slides/slide17.xml><?xml version="1.0" encoding="utf-8"?>
+<p:sld xmlns:a="http://schemas.openxmlformats.org/drawingml/2006/main" xmlns:r="http://schemas.openxmlformats.org/officeDocument/2006/relationships" xmlns:p="http://schemas.openxmlformats.org/presentationml/2006/main">
+  <p:cSld>
+    <p:spTree>
+      <p:nvGrpSpPr>
+        <p:cNvPr id="1" name=""/>
+        <p:cNvGrpSpPr/>
+        <p:nvPr/>
+      </p:nvGrpSpPr>
+      <p:grpSpPr>
+        <a:xfrm>
+          <a:off x="0" y="0"/>
+          <a:ext cx="0" cy="0"/>
+          <a:chOff x="0" y="0"/>
+          <a:chExt cx="0" cy="0"/>
+        </a:xfrm>
+      </p:grpSpPr>
+      <p:sp>
+        <p:nvSpPr>
+          <p:cNvPr id="4" name="标题 3"/>
+          <p:cNvSpPr>
+            <a:spLocks noGrp="1"/>
+          </p:cNvSpPr>
+          <p:nvPr>
+            <p:ph type="title"/>
+          </p:nvPr>
+        </p:nvSpPr>
+        <p:spPr/>
+        <p:txBody>
+          <a:bodyPr/>
+          <a:lstStyle/>
+          <a:p>
+            <a:r>
+              <a:rPr kumimoji="1" lang="zh-CN" altLang="en-US" dirty="0" smtClean="0"/>
+              <a:t>多组计量变量比较</a:t>
+            </a:r>
+            <a:endParaRPr kumimoji="1" lang="zh-CN" altLang="en-US" dirty="0"/>
+          </a:p>
+        </p:txBody>
+      </p:sp>
+      <p:sp>
+        <p:nvSpPr>
+          <p:cNvPr id="5" name="文本占位符 4"/>
+          <p:cNvSpPr>
+            <a:spLocks noGrp="1"/>
+          </p:cNvSpPr>
+          <p:nvPr>
+            <p:ph type="body" idx="1"/>
+          </p:nvPr>
+        </p:nvSpPr>
+        <p:spPr/>
+        <p:txBody>
+          <a:bodyPr/>
+          <a:lstStyle/>
+          <a:p>
+            <a:endParaRPr kumimoji="1" lang="zh-CN" altLang="en-US"/>
+          </a:p>
+        </p:txBody>
+      </p:sp>
+    </p:spTree>
+    <p:extLst>
+      <p:ext uri="{BB962C8B-B14F-4D97-AF65-F5344CB8AC3E}">
+        <p14:creationId xmlns:p14="http://schemas.microsoft.com/office/powerpoint/2010/main" val="1278533579"/>
+      </p:ext>
+    </p:extLst>
+  </p:cSld>
+  <p:clrMapOvr>
+    <a:masterClrMapping/>
+  </p:clrMapOvr>
+</p:sld>
+</file>
+
+<file path=ppt/slides/slide18.xml><?xml version="1.0" encoding="utf-8"?>
+<p:sld xmlns:a="http://schemas.openxmlformats.org/drawingml/2006/main" xmlns:r="http://schemas.openxmlformats.org/officeDocument/2006/relationships" xmlns:p="http://schemas.openxmlformats.org/presentationml/2006/main">
+  <p:cSld>
+    <p:spTree>
+      <p:nvGrpSpPr>
+        <p:cNvPr id="1" name=""/>
+        <p:cNvGrpSpPr/>
+        <p:nvPr/>
+      </p:nvGrpSpPr>
+      <p:grpSpPr>
+        <a:xfrm>
+          <a:off x="0" y="0"/>
+          <a:ext cx="0" cy="0"/>
+          <a:chOff x="0" y="0"/>
+          <a:chExt cx="0" cy="0"/>
+        </a:xfrm>
+      </p:grpSpPr>
+      <p:sp>
+        <p:nvSpPr>
+          <p:cNvPr id="4" name="标题 3"/>
+          <p:cNvSpPr>
+            <a:spLocks noGrp="1"/>
+          </p:cNvSpPr>
+          <p:nvPr>
+            <p:ph type="title"/>
+          </p:nvPr>
+        </p:nvSpPr>
+        <p:spPr/>
+        <p:txBody>
+          <a:bodyPr/>
+          <a:lstStyle/>
+          <a:p>
+            <a:r>
+              <a:rPr kumimoji="1" lang="zh-CN" altLang="en-US" dirty="0" smtClean="0"/>
+              <a:t>独立性卡方检验</a:t>
+            </a:r>
+            <a:endParaRPr kumimoji="1" lang="zh-CN" altLang="en-US" dirty="0"/>
+          </a:p>
+        </p:txBody>
+      </p:sp>
+      <p:sp>
+        <p:nvSpPr>
+          <p:cNvPr id="5" name="内容占位符 4"/>
+          <p:cNvSpPr>
+            <a:spLocks noGrp="1"/>
+          </p:cNvSpPr>
+          <p:nvPr>
+            <p:ph idx="1"/>
+          </p:nvPr>
+        </p:nvSpPr>
+        <p:spPr/>
+        <p:txBody>
+          <a:bodyPr/>
+          <a:lstStyle/>
+          <a:p>
+            <a:r>
+              <a:rPr lang="zh-CN" altLang="en-US" dirty="0"/>
+              <a:t>单样本的时候</a:t>
+            </a:r>
+            <a:r>
+              <a:rPr lang="en-US" altLang="zh-CN" dirty="0"/>
+              <a:t>, </a:t>
+            </a:r>
+            <a:r>
+              <a:rPr lang="zh-CN" altLang="en-US" dirty="0"/>
+              <a:t>卡方检验做的是拟合优度</a:t>
+            </a:r>
+            <a:r>
+              <a:rPr lang="en-US" altLang="zh-CN" dirty="0"/>
+              <a:t>(</a:t>
+            </a:r>
+            <a:r>
+              <a:rPr lang="zh-CN" altLang="en-US" dirty="0"/>
+              <a:t>观察到的数据和期望的数据的符合程度</a:t>
+            </a:r>
+            <a:r>
+              <a:rPr lang="en-US" altLang="zh-CN" dirty="0"/>
+              <a:t>). </a:t>
+            </a:r>
+            <a:r>
+              <a:rPr lang="zh-CN" altLang="en-US" dirty="0"/>
+              <a:t>而在</a:t>
+            </a:r>
+            <a:r>
+              <a:rPr lang="en-US" altLang="zh-CN" dirty="0"/>
+              <a:t>2</a:t>
+            </a:r>
+            <a:r>
+              <a:rPr lang="zh-CN" altLang="en-US" dirty="0"/>
+              <a:t>组或以上的独立样本的时候</a:t>
+            </a:r>
+            <a:r>
+              <a:rPr lang="en-US" altLang="zh-CN" dirty="0"/>
+              <a:t>, </a:t>
+            </a:r>
+            <a:r>
+              <a:rPr lang="zh-CN" altLang="en-US" dirty="0"/>
+              <a:t>如果我们要比较不同组的计数因变量的分布是否有区别的时候</a:t>
+            </a:r>
+            <a:r>
+              <a:rPr lang="en-US" altLang="zh-CN" dirty="0"/>
+              <a:t>, </a:t>
+            </a:r>
+            <a:r>
+              <a:rPr lang="zh-CN" altLang="en-US" dirty="0"/>
+              <a:t>我们可以把卡方检验的应用做一个扩展</a:t>
+            </a:r>
+            <a:r>
+              <a:rPr lang="en-US" altLang="zh-CN" dirty="0"/>
+              <a:t>, </a:t>
+            </a:r>
+            <a:r>
+              <a:rPr lang="zh-CN" altLang="en-US" dirty="0"/>
+              <a:t>这个时候叫做独立性卡方检验</a:t>
+            </a:r>
+            <a:r>
+              <a:rPr lang="en-US" altLang="zh-CN" dirty="0"/>
+              <a:t>. </a:t>
+            </a:r>
+          </a:p>
+          <a:p>
+            <a:endParaRPr kumimoji="1" lang="zh-CN" altLang="en-US" dirty="0"/>
+          </a:p>
+        </p:txBody>
+      </p:sp>
+    </p:spTree>
+    <p:extLst>
+      <p:ext uri="{BB962C8B-B14F-4D97-AF65-F5344CB8AC3E}">
+        <p14:creationId xmlns:p14="http://schemas.microsoft.com/office/powerpoint/2010/main" val="1865984054"/>
+      </p:ext>
+    </p:extLst>
+  </p:cSld>
+  <p:clrMapOvr>
+    <a:masterClrMapping/>
+  </p:clrMapOvr>
+</p:sld>
+</file>
+
+<file path=ppt/slides/slide19.xml><?xml version="1.0" encoding="utf-8"?>
+<p:sld xmlns:a="http://schemas.openxmlformats.org/drawingml/2006/main" xmlns:r="http://schemas.openxmlformats.org/officeDocument/2006/relationships" xmlns:p="http://schemas.openxmlformats.org/presentationml/2006/main">
+  <p:cSld>
+    <p:spTree>
+      <p:nvGrpSpPr>
+        <p:cNvPr id="1" name=""/>
+        <p:cNvGrpSpPr/>
+        <p:nvPr/>
+      </p:nvGrpSpPr>
+      <p:grpSpPr>
+        <a:xfrm>
+          <a:off x="0" y="0"/>
+          <a:ext cx="0" cy="0"/>
+          <a:chOff x="0" y="0"/>
+          <a:chExt cx="0" cy="0"/>
+        </a:xfrm>
+      </p:grpSpPr>
+      <p:sp>
+        <p:nvSpPr>
+          <p:cNvPr id="2" name="标题 1"/>
+          <p:cNvSpPr>
+            <a:spLocks noGrp="1"/>
+          </p:cNvSpPr>
+          <p:nvPr>
+            <p:ph type="title"/>
+          </p:nvPr>
+        </p:nvSpPr>
+        <p:spPr/>
+        <p:txBody>
+          <a:bodyPr/>
+          <a:lstStyle/>
+          <a:p>
+            <a:r>
+              <a:rPr kumimoji="1" lang="zh-CN" altLang="en-US" dirty="0" smtClean="0"/>
+              <a:t>独立性</a:t>
+            </a:r>
+            <a:endParaRPr kumimoji="1" lang="zh-CN" altLang="en-US" dirty="0"/>
+          </a:p>
+        </p:txBody>
+      </p:sp>
+      <p:sp>
+        <p:nvSpPr>
+          <p:cNvPr id="3" name="内容占位符 2"/>
+          <p:cNvSpPr>
+            <a:spLocks noGrp="1"/>
+          </p:cNvSpPr>
+          <p:nvPr>
+            <p:ph idx="1"/>
+          </p:nvPr>
+        </p:nvSpPr>
+        <p:spPr>
+          <a:xfrm>
+            <a:off x="1371600" y="1731085"/>
+            <a:ext cx="9601200" cy="4648449"/>
+          </a:xfrm>
+        </p:spPr>
+        <p:txBody>
+          <a:bodyPr/>
+          <a:lstStyle/>
+          <a:p>
+            <a:r>
+              <a:rPr lang="zh-CN" altLang="en-US" dirty="0"/>
+              <a:t>独立性卡方检验的典型</a:t>
+            </a:r>
+            <a:r>
+              <a:rPr lang="en-US" altLang="zh-CN" dirty="0"/>
+              <a:t>H0</a:t>
+            </a:r>
+            <a:r>
+              <a:rPr lang="zh-CN" altLang="en-US" dirty="0"/>
+              <a:t>可以如下描述</a:t>
+            </a:r>
+            <a:r>
+              <a:rPr lang="en-US" altLang="zh-CN" dirty="0"/>
+              <a:t>:</a:t>
+            </a:r>
+            <a:r>
+              <a:rPr lang="zh-CN" altLang="en-US" dirty="0"/>
+              <a:t>分组如何与因变量的分布是相互独立的</a:t>
+            </a:r>
+            <a:r>
+              <a:rPr lang="en-US" altLang="zh-CN" dirty="0"/>
+              <a:t>. </a:t>
+            </a:r>
+            <a:r>
+              <a:rPr lang="zh-CN" altLang="en-US" dirty="0"/>
+              <a:t>而被择假设就是不同组因变量的分布有所不同</a:t>
+            </a:r>
+            <a:r>
+              <a:rPr lang="en-US" altLang="zh-CN" dirty="0"/>
+              <a:t>(</a:t>
+            </a:r>
+            <a:r>
+              <a:rPr lang="zh-CN" altLang="en-US" dirty="0"/>
+              <a:t>因变量分布和分组是相关的</a:t>
+            </a:r>
+            <a:r>
+              <a:rPr lang="en-US" altLang="zh-CN" dirty="0" smtClean="0"/>
+              <a:t>).</a:t>
+            </a:r>
+          </a:p>
+          <a:p>
+            <a:endParaRPr lang="en-US" altLang="zh-CN" dirty="0"/>
+          </a:p>
+          <a:p>
+            <a:r>
+              <a:rPr lang="zh-CN" altLang="en-US" dirty="0" smtClean="0"/>
+              <a:t>所以根据零假设，</a:t>
+            </a:r>
+            <a:r>
+              <a:rPr lang="zh-CN" altLang="en-US" dirty="0"/>
+              <a:t>则有某一组</a:t>
+            </a:r>
+            <a:r>
+              <a:rPr lang="en-US" altLang="zh-CN" dirty="0"/>
+              <a:t>(</a:t>
+            </a:r>
+            <a:r>
+              <a:rPr lang="zh-CN" altLang="en-US" dirty="0"/>
+              <a:t>比如</a:t>
+            </a:r>
+            <a:r>
+              <a:rPr lang="en-US" altLang="zh-CN" dirty="0"/>
+              <a:t>1</a:t>
+            </a:r>
+            <a:r>
+              <a:rPr lang="zh-CN" altLang="en-US" dirty="0"/>
+              <a:t>组</a:t>
+            </a:r>
+            <a:r>
+              <a:rPr lang="en-US" altLang="zh-CN" dirty="0"/>
+              <a:t>)</a:t>
+            </a:r>
+            <a:r>
+              <a:rPr lang="zh-CN" altLang="en-US" dirty="0"/>
+              <a:t>因变量的某个值</a:t>
+            </a:r>
+            <a:r>
+              <a:rPr lang="en-US" altLang="zh-CN" dirty="0"/>
+              <a:t>(</a:t>
+            </a:r>
+            <a:r>
+              <a:rPr lang="zh-CN" altLang="en-US" dirty="0"/>
+              <a:t>比如因变量值</a:t>
+            </a:r>
+            <a:r>
+              <a:rPr lang="en-US" altLang="zh-CN" dirty="0"/>
+              <a:t>1)</a:t>
+            </a:r>
+            <a:r>
+              <a:rPr lang="zh-CN" altLang="en-US" dirty="0"/>
+              <a:t>的概率应该是</a:t>
+            </a:r>
+            <a:endParaRPr lang="en-US" altLang="zh-CN" dirty="0"/>
+          </a:p>
+          <a:p>
+            <a:endParaRPr kumimoji="1" lang="zh-CN" altLang="en-US" dirty="0"/>
+          </a:p>
+        </p:txBody>
+      </p:sp>
+      <p:pic>
+        <p:nvPicPr>
+          <p:cNvPr id="4" name="图片 3"/>
+          <p:cNvPicPr>
+            <a:picLocks noChangeAspect="1"/>
+          </p:cNvPicPr>
+          <p:nvPr/>
+        </p:nvPicPr>
+        <p:blipFill>
+          <a:blip r:embed="rId2"/>
+          <a:stretch>
+            <a:fillRect/>
+          </a:stretch>
+        </p:blipFill>
+        <p:spPr>
+          <a:xfrm>
+            <a:off x="3206750" y="3415461"/>
+            <a:ext cx="5930900" cy="711200"/>
+          </a:xfrm>
+          <a:prstGeom prst="rect">
+            <a:avLst/>
+          </a:prstGeom>
+        </p:spPr>
+      </p:pic>
+      <p:pic>
+        <p:nvPicPr>
+          <p:cNvPr id="5" name="图片 4"/>
+          <p:cNvPicPr>
+            <a:picLocks noChangeAspect="1"/>
+          </p:cNvPicPr>
+          <p:nvPr/>
+        </p:nvPicPr>
+        <p:blipFill>
+          <a:blip r:embed="rId3"/>
+          <a:stretch>
+            <a:fillRect/>
+          </a:stretch>
+        </p:blipFill>
+        <p:spPr>
+          <a:xfrm>
+            <a:off x="3911009" y="5348801"/>
+            <a:ext cx="4114800" cy="673100"/>
+          </a:xfrm>
+          <a:prstGeom prst="rect">
+            <a:avLst/>
+          </a:prstGeom>
+        </p:spPr>
+      </p:pic>
+    </p:spTree>
+    <p:extLst>
+      <p:ext uri="{BB962C8B-B14F-4D97-AF65-F5344CB8AC3E}">
+        <p14:creationId xmlns:p14="http://schemas.microsoft.com/office/powerpoint/2010/main" val="1996760095"/>
+      </p:ext>
+    </p:extLst>
+  </p:cSld>
+  <p:clrMapOvr>
+    <a:masterClrMapping/>
+  </p:clrMapOvr>
+</p:sld>
+</file>
+
 <file path=ppt/slides/slide2.xml><?xml version="1.0" encoding="utf-8"?>
 <p:sld xmlns:a="http://schemas.openxmlformats.org/drawingml/2006/main" xmlns:r="http://schemas.openxmlformats.org/officeDocument/2006/relationships" xmlns:p="http://schemas.openxmlformats.org/presentationml/2006/main">
   <p:cSld>
@@ -4051,6 +6778,1656 @@
     <p:extLst>
       <p:ext uri="{BB962C8B-B14F-4D97-AF65-F5344CB8AC3E}">
         <p14:creationId xmlns:p14="http://schemas.microsoft.com/office/powerpoint/2010/main" val="3818546022"/>
+      </p:ext>
+    </p:extLst>
+  </p:cSld>
+  <p:clrMapOvr>
+    <a:masterClrMapping/>
+  </p:clrMapOvr>
+</p:sld>
+</file>
+
+<file path=ppt/slides/slide20.xml><?xml version="1.0" encoding="utf-8"?>
+<p:sld xmlns:a="http://schemas.openxmlformats.org/drawingml/2006/main" xmlns:r="http://schemas.openxmlformats.org/officeDocument/2006/relationships" xmlns:p="http://schemas.openxmlformats.org/presentationml/2006/main">
+  <p:cSld>
+    <p:spTree>
+      <p:nvGrpSpPr>
+        <p:cNvPr id="1" name=""/>
+        <p:cNvGrpSpPr/>
+        <p:nvPr/>
+      </p:nvGrpSpPr>
+      <p:grpSpPr>
+        <a:xfrm>
+          <a:off x="0" y="0"/>
+          <a:ext cx="0" cy="0"/>
+          <a:chOff x="0" y="0"/>
+          <a:chExt cx="0" cy="0"/>
+        </a:xfrm>
+      </p:grpSpPr>
+      <p:sp>
+        <p:nvSpPr>
+          <p:cNvPr id="4" name="标题 3"/>
+          <p:cNvSpPr>
+            <a:spLocks noGrp="1"/>
+          </p:cNvSpPr>
+          <p:nvPr>
+            <p:ph type="title"/>
+          </p:nvPr>
+        </p:nvSpPr>
+        <p:spPr/>
+        <p:txBody>
+          <a:bodyPr/>
+          <a:lstStyle/>
+          <a:p>
+            <a:r>
+              <a:rPr kumimoji="1" lang="zh-CN" altLang="en-US" dirty="0" smtClean="0"/>
+              <a:t>交叉表期望值</a:t>
+            </a:r>
+            <a:r>
+              <a:rPr kumimoji="1" lang="en-US" altLang="zh-CN" dirty="0" smtClean="0"/>
+              <a:t>E</a:t>
+            </a:r>
+            <a:r>
+              <a:rPr kumimoji="1" lang="zh-CN" altLang="en-US" dirty="0" smtClean="0"/>
+              <a:t>的计算</a:t>
+            </a:r>
+            <a:endParaRPr kumimoji="1" lang="zh-CN" altLang="en-US" dirty="0"/>
+          </a:p>
+        </p:txBody>
+      </p:sp>
+      <p:sp>
+        <p:nvSpPr>
+          <p:cNvPr id="5" name="内容占位符 4"/>
+          <p:cNvSpPr>
+            <a:spLocks noGrp="1"/>
+          </p:cNvSpPr>
+          <p:nvPr>
+            <p:ph idx="1"/>
+          </p:nvPr>
+        </p:nvSpPr>
+        <p:spPr>
+          <a:xfrm>
+            <a:off x="1371600" y="4146697"/>
+            <a:ext cx="9601200" cy="1935125"/>
+          </a:xfrm>
+        </p:spPr>
+        <p:txBody>
+          <a:bodyPr/>
+          <a:lstStyle/>
+          <a:p>
+            <a:r>
+              <a:rPr kumimoji="1" lang="zh-CN" altLang="en-US" dirty="0" smtClean="0"/>
+              <a:t>第一组因变量为</a:t>
+            </a:r>
+            <a:r>
+              <a:rPr kumimoji="1" lang="en-US" altLang="zh-CN" dirty="0" smtClean="0"/>
+              <a:t>r1</a:t>
+            </a:r>
+            <a:r>
+              <a:rPr kumimoji="1" lang="zh-CN" altLang="en-US" dirty="0" smtClean="0"/>
+              <a:t>的时候：</a:t>
+            </a:r>
+            <a:endParaRPr kumimoji="1" lang="zh-CN" altLang="en-US" dirty="0"/>
+          </a:p>
+        </p:txBody>
+      </p:sp>
+      <p:graphicFrame>
+        <p:nvGraphicFramePr>
+          <p:cNvPr id="7" name="表格 6"/>
+          <p:cNvGraphicFramePr>
+            <a:graphicFrameLocks noGrp="1"/>
+          </p:cNvGraphicFramePr>
+          <p:nvPr>
+            <p:extLst>
+              <p:ext uri="{D42A27DB-BD31-4B8C-83A1-F6EECF244321}">
+                <p14:modId xmlns:p14="http://schemas.microsoft.com/office/powerpoint/2010/main" val="982650095"/>
+              </p:ext>
+            </p:extLst>
+          </p:nvPr>
+        </p:nvGraphicFramePr>
+        <p:xfrm>
+          <a:off x="3057142" y="1845457"/>
+          <a:ext cx="6512160" cy="2209800"/>
+        </p:xfrm>
+        <a:graphic>
+          <a:graphicData uri="http://schemas.openxmlformats.org/drawingml/2006/table">
+            <a:tbl>
+              <a:tblPr/>
+              <a:tblGrid>
+                <a:gridCol w="1302432"/>
+                <a:gridCol w="1302432"/>
+                <a:gridCol w="1302432"/>
+                <a:gridCol w="1302432"/>
+                <a:gridCol w="1302432"/>
+              </a:tblGrid>
+              <a:tr h="0">
+                <a:tc>
+                  <a:txBody>
+                    <a:bodyPr/>
+                    <a:lstStyle/>
+                    <a:p>
+                      <a:r>
+                        <a:rPr lang="en-US" altLang="zh-CN" sz="2400" b="1">
+                          <a:solidFill>
+                            <a:srgbClr val="000000"/>
+                          </a:solidFill>
+                          <a:effectLst/>
+                        </a:rPr>
+                        <a:t>x</a:t>
+                      </a:r>
+                    </a:p>
+                  </a:txBody>
+                  <a:tcPr marL="82550" marR="82550" marT="38100" marB="38100" anchor="ctr">
+                    <a:lnL w="6350" cap="flat" cmpd="sng" algn="ctr">
+                      <a:solidFill>
+                        <a:srgbClr val="D6D6D6"/>
+                      </a:solidFill>
+                      <a:prstDash val="solid"/>
+                      <a:round/>
+                      <a:headEnd type="none" w="med" len="med"/>
+                      <a:tailEnd type="none" w="med" len="med"/>
+                    </a:lnL>
+                    <a:lnR w="6350" cap="flat" cmpd="sng" algn="ctr">
+                      <a:solidFill>
+                        <a:srgbClr val="D6D6D6"/>
+                      </a:solidFill>
+                      <a:prstDash val="solid"/>
+                      <a:round/>
+                      <a:headEnd type="none" w="med" len="med"/>
+                      <a:tailEnd type="none" w="med" len="med"/>
+                    </a:lnR>
+                    <a:lnT w="6350" cap="flat" cmpd="sng" algn="ctr">
+                      <a:solidFill>
+                        <a:srgbClr val="D6D6D6"/>
+                      </a:solidFill>
+                      <a:prstDash val="solid"/>
+                      <a:round/>
+                      <a:headEnd type="none" w="med" len="med"/>
+                      <a:tailEnd type="none" w="med" len="med"/>
+                    </a:lnT>
+                    <a:lnB w="6350" cap="flat" cmpd="sng" algn="ctr">
+                      <a:solidFill>
+                        <a:srgbClr val="D6D6D6"/>
+                      </a:solidFill>
+                      <a:prstDash val="solid"/>
+                      <a:round/>
+                      <a:headEnd type="none" w="med" len="med"/>
+                      <a:tailEnd type="none" w="med" len="med"/>
+                    </a:lnB>
+                    <a:solidFill>
+                      <a:srgbClr val="FFFFFF"/>
+                    </a:solidFill>
+                  </a:tcPr>
+                </a:tc>
+                <a:tc>
+                  <a:txBody>
+                    <a:bodyPr/>
+                    <a:lstStyle/>
+                    <a:p>
+                      <a:r>
+                        <a:rPr lang="en-US" altLang="zh-CN" sz="2400" b="1">
+                          <a:solidFill>
+                            <a:srgbClr val="000000"/>
+                          </a:solidFill>
+                          <a:effectLst/>
+                        </a:rPr>
+                        <a:t>r1</a:t>
+                      </a:r>
+                    </a:p>
+                  </a:txBody>
+                  <a:tcPr marL="82550" marR="82550" marT="38100" marB="38100" anchor="ctr">
+                    <a:lnL w="6350" cap="flat" cmpd="sng" algn="ctr">
+                      <a:solidFill>
+                        <a:srgbClr val="D6D6D6"/>
+                      </a:solidFill>
+                      <a:prstDash val="solid"/>
+                      <a:round/>
+                      <a:headEnd type="none" w="med" len="med"/>
+                      <a:tailEnd type="none" w="med" len="med"/>
+                    </a:lnL>
+                    <a:lnR w="6350" cap="flat" cmpd="sng" algn="ctr">
+                      <a:solidFill>
+                        <a:srgbClr val="D6D6D6"/>
+                      </a:solidFill>
+                      <a:prstDash val="solid"/>
+                      <a:round/>
+                      <a:headEnd type="none" w="med" len="med"/>
+                      <a:tailEnd type="none" w="med" len="med"/>
+                    </a:lnR>
+                    <a:lnT w="6350" cap="flat" cmpd="sng" algn="ctr">
+                      <a:solidFill>
+                        <a:srgbClr val="D6D6D6"/>
+                      </a:solidFill>
+                      <a:prstDash val="solid"/>
+                      <a:round/>
+                      <a:headEnd type="none" w="med" len="med"/>
+                      <a:tailEnd type="none" w="med" len="med"/>
+                    </a:lnT>
+                    <a:lnB w="6350" cap="flat" cmpd="sng" algn="ctr">
+                      <a:solidFill>
+                        <a:srgbClr val="D6D6D6"/>
+                      </a:solidFill>
+                      <a:prstDash val="solid"/>
+                      <a:round/>
+                      <a:headEnd type="none" w="med" len="med"/>
+                      <a:tailEnd type="none" w="med" len="med"/>
+                    </a:lnB>
+                    <a:solidFill>
+                      <a:srgbClr val="FFFFFF"/>
+                    </a:solidFill>
+                  </a:tcPr>
+                </a:tc>
+                <a:tc>
+                  <a:txBody>
+                    <a:bodyPr/>
+                    <a:lstStyle/>
+                    <a:p>
+                      <a:r>
+                        <a:rPr lang="is-IS" sz="2400" b="1">
+                          <a:solidFill>
+                            <a:srgbClr val="000000"/>
+                          </a:solidFill>
+                          <a:effectLst/>
+                        </a:rPr>
+                        <a:t>r2</a:t>
+                      </a:r>
+                    </a:p>
+                  </a:txBody>
+                  <a:tcPr marL="82550" marR="82550" marT="38100" marB="38100" anchor="ctr">
+                    <a:lnL w="6350" cap="flat" cmpd="sng" algn="ctr">
+                      <a:solidFill>
+                        <a:srgbClr val="D6D6D6"/>
+                      </a:solidFill>
+                      <a:prstDash val="solid"/>
+                      <a:round/>
+                      <a:headEnd type="none" w="med" len="med"/>
+                      <a:tailEnd type="none" w="med" len="med"/>
+                    </a:lnL>
+                    <a:lnR w="6350" cap="flat" cmpd="sng" algn="ctr">
+                      <a:solidFill>
+                        <a:srgbClr val="D6D6D6"/>
+                      </a:solidFill>
+                      <a:prstDash val="solid"/>
+                      <a:round/>
+                      <a:headEnd type="none" w="med" len="med"/>
+                      <a:tailEnd type="none" w="med" len="med"/>
+                    </a:lnR>
+                    <a:lnT w="6350" cap="flat" cmpd="sng" algn="ctr">
+                      <a:solidFill>
+                        <a:srgbClr val="D6D6D6"/>
+                      </a:solidFill>
+                      <a:prstDash val="solid"/>
+                      <a:round/>
+                      <a:headEnd type="none" w="med" len="med"/>
+                      <a:tailEnd type="none" w="med" len="med"/>
+                    </a:lnT>
+                    <a:lnB w="6350" cap="flat" cmpd="sng" algn="ctr">
+                      <a:solidFill>
+                        <a:srgbClr val="D6D6D6"/>
+                      </a:solidFill>
+                      <a:prstDash val="solid"/>
+                      <a:round/>
+                      <a:headEnd type="none" w="med" len="med"/>
+                      <a:tailEnd type="none" w="med" len="med"/>
+                    </a:lnB>
+                    <a:solidFill>
+                      <a:srgbClr val="FFFFFF"/>
+                    </a:solidFill>
+                  </a:tcPr>
+                </a:tc>
+                <a:tc>
+                  <a:txBody>
+                    <a:bodyPr/>
+                    <a:lstStyle/>
+                    <a:p>
+                      <a:r>
+                        <a:rPr lang="en-US" altLang="zh-CN" sz="2400" b="1">
+                          <a:solidFill>
+                            <a:srgbClr val="000000"/>
+                          </a:solidFill>
+                          <a:effectLst/>
+                        </a:rPr>
+                        <a:t>r3</a:t>
+                      </a:r>
+                    </a:p>
+                  </a:txBody>
+                  <a:tcPr marL="82550" marR="82550" marT="38100" marB="38100" anchor="ctr">
+                    <a:lnL w="6350" cap="flat" cmpd="sng" algn="ctr">
+                      <a:solidFill>
+                        <a:srgbClr val="D6D6D6"/>
+                      </a:solidFill>
+                      <a:prstDash val="solid"/>
+                      <a:round/>
+                      <a:headEnd type="none" w="med" len="med"/>
+                      <a:tailEnd type="none" w="med" len="med"/>
+                    </a:lnL>
+                    <a:lnR w="6350" cap="flat" cmpd="sng" algn="ctr">
+                      <a:solidFill>
+                        <a:srgbClr val="D6D6D6"/>
+                      </a:solidFill>
+                      <a:prstDash val="solid"/>
+                      <a:round/>
+                      <a:headEnd type="none" w="med" len="med"/>
+                      <a:tailEnd type="none" w="med" len="med"/>
+                    </a:lnR>
+                    <a:lnT w="6350" cap="flat" cmpd="sng" algn="ctr">
+                      <a:solidFill>
+                        <a:srgbClr val="D6D6D6"/>
+                      </a:solidFill>
+                      <a:prstDash val="solid"/>
+                      <a:round/>
+                      <a:headEnd type="none" w="med" len="med"/>
+                      <a:tailEnd type="none" w="med" len="med"/>
+                    </a:lnT>
+                    <a:lnB w="6350" cap="flat" cmpd="sng" algn="ctr">
+                      <a:solidFill>
+                        <a:srgbClr val="D6D6D6"/>
+                      </a:solidFill>
+                      <a:prstDash val="solid"/>
+                      <a:round/>
+                      <a:headEnd type="none" w="med" len="med"/>
+                      <a:tailEnd type="none" w="med" len="med"/>
+                    </a:lnB>
+                    <a:solidFill>
+                      <a:srgbClr val="FFFFFF"/>
+                    </a:solidFill>
+                  </a:tcPr>
+                </a:tc>
+                <a:tc>
+                  <a:txBody>
+                    <a:bodyPr/>
+                    <a:lstStyle/>
+                    <a:p>
+                      <a:r>
+                        <a:rPr lang="zh-CN" altLang="en-US" sz="2400" b="1">
+                          <a:solidFill>
+                            <a:srgbClr val="000000"/>
+                          </a:solidFill>
+                          <a:effectLst/>
+                        </a:rPr>
+                        <a:t>总共</a:t>
+                      </a:r>
+                    </a:p>
+                  </a:txBody>
+                  <a:tcPr marL="82550" marR="82550" marT="38100" marB="38100" anchor="ctr">
+                    <a:lnL w="6350" cap="flat" cmpd="sng" algn="ctr">
+                      <a:solidFill>
+                        <a:srgbClr val="D6D6D6"/>
+                      </a:solidFill>
+                      <a:prstDash val="solid"/>
+                      <a:round/>
+                      <a:headEnd type="none" w="med" len="med"/>
+                      <a:tailEnd type="none" w="med" len="med"/>
+                    </a:lnL>
+                    <a:lnR w="6350" cap="flat" cmpd="sng" algn="ctr">
+                      <a:solidFill>
+                        <a:srgbClr val="D6D6D6"/>
+                      </a:solidFill>
+                      <a:prstDash val="solid"/>
+                      <a:round/>
+                      <a:headEnd type="none" w="med" len="med"/>
+                      <a:tailEnd type="none" w="med" len="med"/>
+                    </a:lnR>
+                    <a:lnT w="6350" cap="flat" cmpd="sng" algn="ctr">
+                      <a:solidFill>
+                        <a:srgbClr val="D6D6D6"/>
+                      </a:solidFill>
+                      <a:prstDash val="solid"/>
+                      <a:round/>
+                      <a:headEnd type="none" w="med" len="med"/>
+                      <a:tailEnd type="none" w="med" len="med"/>
+                    </a:lnT>
+                    <a:lnB w="6350" cap="flat" cmpd="sng" algn="ctr">
+                      <a:solidFill>
+                        <a:srgbClr val="D6D6D6"/>
+                      </a:solidFill>
+                      <a:prstDash val="solid"/>
+                      <a:round/>
+                      <a:headEnd type="none" w="med" len="med"/>
+                      <a:tailEnd type="none" w="med" len="med"/>
+                    </a:lnB>
+                    <a:solidFill>
+                      <a:srgbClr val="FFFFFF"/>
+                    </a:solidFill>
+                  </a:tcPr>
+                </a:tc>
+              </a:tr>
+              <a:tr h="0">
+                <a:tc>
+                  <a:txBody>
+                    <a:bodyPr/>
+                    <a:lstStyle/>
+                    <a:p>
+                      <a:r>
+                        <a:rPr lang="en-US" altLang="zh-CN" sz="2400">
+                          <a:effectLst/>
+                        </a:rPr>
+                        <a:t>g1</a:t>
+                      </a:r>
+                    </a:p>
+                  </a:txBody>
+                  <a:tcPr marL="82550" marR="82550" marT="38100" marB="38100" anchor="ctr">
+                    <a:lnL w="6350" cap="flat" cmpd="sng" algn="ctr">
+                      <a:solidFill>
+                        <a:srgbClr val="D6D6D6"/>
+                      </a:solidFill>
+                      <a:prstDash val="solid"/>
+                      <a:round/>
+                      <a:headEnd type="none" w="med" len="med"/>
+                      <a:tailEnd type="none" w="med" len="med"/>
+                    </a:lnL>
+                    <a:lnR w="6350" cap="flat" cmpd="sng" algn="ctr">
+                      <a:solidFill>
+                        <a:srgbClr val="D6D6D6"/>
+                      </a:solidFill>
+                      <a:prstDash val="solid"/>
+                      <a:round/>
+                      <a:headEnd type="none" w="med" len="med"/>
+                      <a:tailEnd type="none" w="med" len="med"/>
+                    </a:lnR>
+                    <a:lnT w="6350" cap="flat" cmpd="sng" algn="ctr">
+                      <a:solidFill>
+                        <a:srgbClr val="D6D6D6"/>
+                      </a:solidFill>
+                      <a:prstDash val="solid"/>
+                      <a:round/>
+                      <a:headEnd type="none" w="med" len="med"/>
+                      <a:tailEnd type="none" w="med" len="med"/>
+                    </a:lnT>
+                    <a:lnB w="6350" cap="flat" cmpd="sng" algn="ctr">
+                      <a:solidFill>
+                        <a:srgbClr val="D6D6D6"/>
+                      </a:solidFill>
+                      <a:prstDash val="solid"/>
+                      <a:round/>
+                      <a:headEnd type="none" w="med" len="med"/>
+                      <a:tailEnd type="none" w="med" len="med"/>
+                    </a:lnB>
+                    <a:solidFill>
+                      <a:srgbClr val="FFFFFF"/>
+                    </a:solidFill>
+                  </a:tcPr>
+                </a:tc>
+                <a:tc>
+                  <a:txBody>
+                    <a:bodyPr/>
+                    <a:lstStyle/>
+                    <a:p>
+                      <a:r>
+                        <a:rPr lang="en-US" altLang="zh-CN" sz="2400">
+                          <a:effectLst/>
+                        </a:rPr>
+                        <a:t>10</a:t>
+                      </a:r>
+                    </a:p>
+                  </a:txBody>
+                  <a:tcPr marL="82550" marR="82550" marT="38100" marB="38100" anchor="ctr">
+                    <a:lnL w="6350" cap="flat" cmpd="sng" algn="ctr">
+                      <a:solidFill>
+                        <a:srgbClr val="D6D6D6"/>
+                      </a:solidFill>
+                      <a:prstDash val="solid"/>
+                      <a:round/>
+                      <a:headEnd type="none" w="med" len="med"/>
+                      <a:tailEnd type="none" w="med" len="med"/>
+                    </a:lnL>
+                    <a:lnR w="6350" cap="flat" cmpd="sng" algn="ctr">
+                      <a:solidFill>
+                        <a:srgbClr val="D6D6D6"/>
+                      </a:solidFill>
+                      <a:prstDash val="solid"/>
+                      <a:round/>
+                      <a:headEnd type="none" w="med" len="med"/>
+                      <a:tailEnd type="none" w="med" len="med"/>
+                    </a:lnR>
+                    <a:lnT w="6350" cap="flat" cmpd="sng" algn="ctr">
+                      <a:solidFill>
+                        <a:srgbClr val="D6D6D6"/>
+                      </a:solidFill>
+                      <a:prstDash val="solid"/>
+                      <a:round/>
+                      <a:headEnd type="none" w="med" len="med"/>
+                      <a:tailEnd type="none" w="med" len="med"/>
+                    </a:lnT>
+                    <a:lnB w="6350" cap="flat" cmpd="sng" algn="ctr">
+                      <a:solidFill>
+                        <a:srgbClr val="D6D6D6"/>
+                      </a:solidFill>
+                      <a:prstDash val="solid"/>
+                      <a:round/>
+                      <a:headEnd type="none" w="med" len="med"/>
+                      <a:tailEnd type="none" w="med" len="med"/>
+                    </a:lnB>
+                    <a:solidFill>
+                      <a:srgbClr val="FFFFFF"/>
+                    </a:solidFill>
+                  </a:tcPr>
+                </a:tc>
+                <a:tc>
+                  <a:txBody>
+                    <a:bodyPr/>
+                    <a:lstStyle/>
+                    <a:p>
+                      <a:r>
+                        <a:rPr lang="en-US" altLang="zh-CN" sz="2400">
+                          <a:effectLst/>
+                        </a:rPr>
+                        <a:t>8</a:t>
+                      </a:r>
+                    </a:p>
+                  </a:txBody>
+                  <a:tcPr marL="82550" marR="82550" marT="38100" marB="38100" anchor="ctr">
+                    <a:lnL w="6350" cap="flat" cmpd="sng" algn="ctr">
+                      <a:solidFill>
+                        <a:srgbClr val="D6D6D6"/>
+                      </a:solidFill>
+                      <a:prstDash val="solid"/>
+                      <a:round/>
+                      <a:headEnd type="none" w="med" len="med"/>
+                      <a:tailEnd type="none" w="med" len="med"/>
+                    </a:lnL>
+                    <a:lnR w="6350" cap="flat" cmpd="sng" algn="ctr">
+                      <a:solidFill>
+                        <a:srgbClr val="D6D6D6"/>
+                      </a:solidFill>
+                      <a:prstDash val="solid"/>
+                      <a:round/>
+                      <a:headEnd type="none" w="med" len="med"/>
+                      <a:tailEnd type="none" w="med" len="med"/>
+                    </a:lnR>
+                    <a:lnT w="6350" cap="flat" cmpd="sng" algn="ctr">
+                      <a:solidFill>
+                        <a:srgbClr val="D6D6D6"/>
+                      </a:solidFill>
+                      <a:prstDash val="solid"/>
+                      <a:round/>
+                      <a:headEnd type="none" w="med" len="med"/>
+                      <a:tailEnd type="none" w="med" len="med"/>
+                    </a:lnT>
+                    <a:lnB w="6350" cap="flat" cmpd="sng" algn="ctr">
+                      <a:solidFill>
+                        <a:srgbClr val="D6D6D6"/>
+                      </a:solidFill>
+                      <a:prstDash val="solid"/>
+                      <a:round/>
+                      <a:headEnd type="none" w="med" len="med"/>
+                      <a:tailEnd type="none" w="med" len="med"/>
+                    </a:lnB>
+                    <a:solidFill>
+                      <a:srgbClr val="FFFFFF"/>
+                    </a:solidFill>
+                  </a:tcPr>
+                </a:tc>
+                <a:tc>
+                  <a:txBody>
+                    <a:bodyPr/>
+                    <a:lstStyle/>
+                    <a:p>
+                      <a:r>
+                        <a:rPr lang="en-US" altLang="zh-CN" sz="2400">
+                          <a:effectLst/>
+                        </a:rPr>
+                        <a:t>7</a:t>
+                      </a:r>
+                    </a:p>
+                  </a:txBody>
+                  <a:tcPr marL="82550" marR="82550" marT="38100" marB="38100" anchor="ctr">
+                    <a:lnL w="6350" cap="flat" cmpd="sng" algn="ctr">
+                      <a:solidFill>
+                        <a:srgbClr val="D6D6D6"/>
+                      </a:solidFill>
+                      <a:prstDash val="solid"/>
+                      <a:round/>
+                      <a:headEnd type="none" w="med" len="med"/>
+                      <a:tailEnd type="none" w="med" len="med"/>
+                    </a:lnL>
+                    <a:lnR w="6350" cap="flat" cmpd="sng" algn="ctr">
+                      <a:solidFill>
+                        <a:srgbClr val="D6D6D6"/>
+                      </a:solidFill>
+                      <a:prstDash val="solid"/>
+                      <a:round/>
+                      <a:headEnd type="none" w="med" len="med"/>
+                      <a:tailEnd type="none" w="med" len="med"/>
+                    </a:lnR>
+                    <a:lnT w="6350" cap="flat" cmpd="sng" algn="ctr">
+                      <a:solidFill>
+                        <a:srgbClr val="D6D6D6"/>
+                      </a:solidFill>
+                      <a:prstDash val="solid"/>
+                      <a:round/>
+                      <a:headEnd type="none" w="med" len="med"/>
+                      <a:tailEnd type="none" w="med" len="med"/>
+                    </a:lnT>
+                    <a:lnB w="6350" cap="flat" cmpd="sng" algn="ctr">
+                      <a:solidFill>
+                        <a:srgbClr val="D6D6D6"/>
+                      </a:solidFill>
+                      <a:prstDash val="solid"/>
+                      <a:round/>
+                      <a:headEnd type="none" w="med" len="med"/>
+                      <a:tailEnd type="none" w="med" len="med"/>
+                    </a:lnB>
+                    <a:solidFill>
+                      <a:srgbClr val="FFFFFF"/>
+                    </a:solidFill>
+                  </a:tcPr>
+                </a:tc>
+                <a:tc>
+                  <a:txBody>
+                    <a:bodyPr/>
+                    <a:lstStyle/>
+                    <a:p>
+                      <a:r>
+                        <a:rPr lang="is-IS" sz="2400">
+                          <a:effectLst/>
+                        </a:rPr>
+                        <a:t>25</a:t>
+                      </a:r>
+                    </a:p>
+                  </a:txBody>
+                  <a:tcPr marL="82550" marR="82550" marT="38100" marB="38100" anchor="ctr">
+                    <a:lnL w="6350" cap="flat" cmpd="sng" algn="ctr">
+                      <a:solidFill>
+                        <a:srgbClr val="D6D6D6"/>
+                      </a:solidFill>
+                      <a:prstDash val="solid"/>
+                      <a:round/>
+                      <a:headEnd type="none" w="med" len="med"/>
+                      <a:tailEnd type="none" w="med" len="med"/>
+                    </a:lnL>
+                    <a:lnR w="6350" cap="flat" cmpd="sng" algn="ctr">
+                      <a:solidFill>
+                        <a:srgbClr val="D6D6D6"/>
+                      </a:solidFill>
+                      <a:prstDash val="solid"/>
+                      <a:round/>
+                      <a:headEnd type="none" w="med" len="med"/>
+                      <a:tailEnd type="none" w="med" len="med"/>
+                    </a:lnR>
+                    <a:lnT w="6350" cap="flat" cmpd="sng" algn="ctr">
+                      <a:solidFill>
+                        <a:srgbClr val="D6D6D6"/>
+                      </a:solidFill>
+                      <a:prstDash val="solid"/>
+                      <a:round/>
+                      <a:headEnd type="none" w="med" len="med"/>
+                      <a:tailEnd type="none" w="med" len="med"/>
+                    </a:lnT>
+                    <a:lnB w="6350" cap="flat" cmpd="sng" algn="ctr">
+                      <a:solidFill>
+                        <a:srgbClr val="D6D6D6"/>
+                      </a:solidFill>
+                      <a:prstDash val="solid"/>
+                      <a:round/>
+                      <a:headEnd type="none" w="med" len="med"/>
+                      <a:tailEnd type="none" w="med" len="med"/>
+                    </a:lnB>
+                    <a:solidFill>
+                      <a:srgbClr val="FFFFFF"/>
+                    </a:solidFill>
+                  </a:tcPr>
+                </a:tc>
+              </a:tr>
+              <a:tr h="0">
+                <a:tc>
+                  <a:txBody>
+                    <a:bodyPr/>
+                    <a:lstStyle/>
+                    <a:p>
+                      <a:r>
+                        <a:rPr lang="is-IS" sz="2400">
+                          <a:effectLst/>
+                        </a:rPr>
+                        <a:t>g2</a:t>
+                      </a:r>
+                    </a:p>
+                  </a:txBody>
+                  <a:tcPr marL="82550" marR="82550" marT="38100" marB="38100" anchor="ctr">
+                    <a:lnL w="6350" cap="flat" cmpd="sng" algn="ctr">
+                      <a:solidFill>
+                        <a:srgbClr val="D6D6D6"/>
+                      </a:solidFill>
+                      <a:prstDash val="solid"/>
+                      <a:round/>
+                      <a:headEnd type="none" w="med" len="med"/>
+                      <a:tailEnd type="none" w="med" len="med"/>
+                    </a:lnL>
+                    <a:lnR w="6350" cap="flat" cmpd="sng" algn="ctr">
+                      <a:solidFill>
+                        <a:srgbClr val="D6D6D6"/>
+                      </a:solidFill>
+                      <a:prstDash val="solid"/>
+                      <a:round/>
+                      <a:headEnd type="none" w="med" len="med"/>
+                      <a:tailEnd type="none" w="med" len="med"/>
+                    </a:lnR>
+                    <a:lnT w="6350" cap="flat" cmpd="sng" algn="ctr">
+                      <a:solidFill>
+                        <a:srgbClr val="D6D6D6"/>
+                      </a:solidFill>
+                      <a:prstDash val="solid"/>
+                      <a:round/>
+                      <a:headEnd type="none" w="med" len="med"/>
+                      <a:tailEnd type="none" w="med" len="med"/>
+                    </a:lnT>
+                    <a:lnB w="6350" cap="flat" cmpd="sng" algn="ctr">
+                      <a:solidFill>
+                        <a:srgbClr val="D6D6D6"/>
+                      </a:solidFill>
+                      <a:prstDash val="solid"/>
+                      <a:round/>
+                      <a:headEnd type="none" w="med" len="med"/>
+                      <a:tailEnd type="none" w="med" len="med"/>
+                    </a:lnB>
+                    <a:solidFill>
+                      <a:srgbClr val="FFFFFF"/>
+                    </a:solidFill>
+                  </a:tcPr>
+                </a:tc>
+                <a:tc>
+                  <a:txBody>
+                    <a:bodyPr/>
+                    <a:lstStyle/>
+                    <a:p>
+                      <a:r>
+                        <a:rPr lang="is-IS" sz="2400">
+                          <a:effectLst/>
+                        </a:rPr>
+                        <a:t>22</a:t>
+                      </a:r>
+                    </a:p>
+                  </a:txBody>
+                  <a:tcPr marL="82550" marR="82550" marT="38100" marB="38100" anchor="ctr">
+                    <a:lnL w="6350" cap="flat" cmpd="sng" algn="ctr">
+                      <a:solidFill>
+                        <a:srgbClr val="D6D6D6"/>
+                      </a:solidFill>
+                      <a:prstDash val="solid"/>
+                      <a:round/>
+                      <a:headEnd type="none" w="med" len="med"/>
+                      <a:tailEnd type="none" w="med" len="med"/>
+                    </a:lnL>
+                    <a:lnR w="6350" cap="flat" cmpd="sng" algn="ctr">
+                      <a:solidFill>
+                        <a:srgbClr val="D6D6D6"/>
+                      </a:solidFill>
+                      <a:prstDash val="solid"/>
+                      <a:round/>
+                      <a:headEnd type="none" w="med" len="med"/>
+                      <a:tailEnd type="none" w="med" len="med"/>
+                    </a:lnR>
+                    <a:lnT w="6350" cap="flat" cmpd="sng" algn="ctr">
+                      <a:solidFill>
+                        <a:srgbClr val="D6D6D6"/>
+                      </a:solidFill>
+                      <a:prstDash val="solid"/>
+                      <a:round/>
+                      <a:headEnd type="none" w="med" len="med"/>
+                      <a:tailEnd type="none" w="med" len="med"/>
+                    </a:lnT>
+                    <a:lnB w="6350" cap="flat" cmpd="sng" algn="ctr">
+                      <a:solidFill>
+                        <a:srgbClr val="D6D6D6"/>
+                      </a:solidFill>
+                      <a:prstDash val="solid"/>
+                      <a:round/>
+                      <a:headEnd type="none" w="med" len="med"/>
+                      <a:tailEnd type="none" w="med" len="med"/>
+                    </a:lnB>
+                    <a:solidFill>
+                      <a:srgbClr val="FFFFFF"/>
+                    </a:solidFill>
+                  </a:tcPr>
+                </a:tc>
+                <a:tc>
+                  <a:txBody>
+                    <a:bodyPr/>
+                    <a:lstStyle/>
+                    <a:p>
+                      <a:r>
+                        <a:rPr lang="en-US" altLang="zh-CN" sz="2400">
+                          <a:effectLst/>
+                        </a:rPr>
+                        <a:t>15</a:t>
+                      </a:r>
+                    </a:p>
+                  </a:txBody>
+                  <a:tcPr marL="82550" marR="82550" marT="38100" marB="38100" anchor="ctr">
+                    <a:lnL w="6350" cap="flat" cmpd="sng" algn="ctr">
+                      <a:solidFill>
+                        <a:srgbClr val="D6D6D6"/>
+                      </a:solidFill>
+                      <a:prstDash val="solid"/>
+                      <a:round/>
+                      <a:headEnd type="none" w="med" len="med"/>
+                      <a:tailEnd type="none" w="med" len="med"/>
+                    </a:lnL>
+                    <a:lnR w="6350" cap="flat" cmpd="sng" algn="ctr">
+                      <a:solidFill>
+                        <a:srgbClr val="D6D6D6"/>
+                      </a:solidFill>
+                      <a:prstDash val="solid"/>
+                      <a:round/>
+                      <a:headEnd type="none" w="med" len="med"/>
+                      <a:tailEnd type="none" w="med" len="med"/>
+                    </a:lnR>
+                    <a:lnT w="6350" cap="flat" cmpd="sng" algn="ctr">
+                      <a:solidFill>
+                        <a:srgbClr val="D6D6D6"/>
+                      </a:solidFill>
+                      <a:prstDash val="solid"/>
+                      <a:round/>
+                      <a:headEnd type="none" w="med" len="med"/>
+                      <a:tailEnd type="none" w="med" len="med"/>
+                    </a:lnT>
+                    <a:lnB w="6350" cap="flat" cmpd="sng" algn="ctr">
+                      <a:solidFill>
+                        <a:srgbClr val="D6D6D6"/>
+                      </a:solidFill>
+                      <a:prstDash val="solid"/>
+                      <a:round/>
+                      <a:headEnd type="none" w="med" len="med"/>
+                      <a:tailEnd type="none" w="med" len="med"/>
+                    </a:lnB>
+                    <a:solidFill>
+                      <a:srgbClr val="FFFFFF"/>
+                    </a:solidFill>
+                  </a:tcPr>
+                </a:tc>
+                <a:tc>
+                  <a:txBody>
+                    <a:bodyPr/>
+                    <a:lstStyle/>
+                    <a:p>
+                      <a:r>
+                        <a:rPr lang="is-IS" sz="2400">
+                          <a:effectLst/>
+                        </a:rPr>
+                        <a:t>13</a:t>
+                      </a:r>
+                    </a:p>
+                  </a:txBody>
+                  <a:tcPr marL="82550" marR="82550" marT="38100" marB="38100" anchor="ctr">
+                    <a:lnL w="6350" cap="flat" cmpd="sng" algn="ctr">
+                      <a:solidFill>
+                        <a:srgbClr val="D6D6D6"/>
+                      </a:solidFill>
+                      <a:prstDash val="solid"/>
+                      <a:round/>
+                      <a:headEnd type="none" w="med" len="med"/>
+                      <a:tailEnd type="none" w="med" len="med"/>
+                    </a:lnL>
+                    <a:lnR w="6350" cap="flat" cmpd="sng" algn="ctr">
+                      <a:solidFill>
+                        <a:srgbClr val="D6D6D6"/>
+                      </a:solidFill>
+                      <a:prstDash val="solid"/>
+                      <a:round/>
+                      <a:headEnd type="none" w="med" len="med"/>
+                      <a:tailEnd type="none" w="med" len="med"/>
+                    </a:lnR>
+                    <a:lnT w="6350" cap="flat" cmpd="sng" algn="ctr">
+                      <a:solidFill>
+                        <a:srgbClr val="D6D6D6"/>
+                      </a:solidFill>
+                      <a:prstDash val="solid"/>
+                      <a:round/>
+                      <a:headEnd type="none" w="med" len="med"/>
+                      <a:tailEnd type="none" w="med" len="med"/>
+                    </a:lnT>
+                    <a:lnB w="6350" cap="flat" cmpd="sng" algn="ctr">
+                      <a:solidFill>
+                        <a:srgbClr val="D6D6D6"/>
+                      </a:solidFill>
+                      <a:prstDash val="solid"/>
+                      <a:round/>
+                      <a:headEnd type="none" w="med" len="med"/>
+                      <a:tailEnd type="none" w="med" len="med"/>
+                    </a:lnB>
+                    <a:solidFill>
+                      <a:srgbClr val="FFFFFF"/>
+                    </a:solidFill>
+                  </a:tcPr>
+                </a:tc>
+                <a:tc>
+                  <a:txBody>
+                    <a:bodyPr/>
+                    <a:lstStyle/>
+                    <a:p>
+                      <a:r>
+                        <a:rPr lang="en-US" altLang="zh-CN" sz="2400">
+                          <a:effectLst/>
+                        </a:rPr>
+                        <a:t>50</a:t>
+                      </a:r>
+                    </a:p>
+                  </a:txBody>
+                  <a:tcPr marL="82550" marR="82550" marT="38100" marB="38100" anchor="ctr">
+                    <a:lnL w="6350" cap="flat" cmpd="sng" algn="ctr">
+                      <a:solidFill>
+                        <a:srgbClr val="D6D6D6"/>
+                      </a:solidFill>
+                      <a:prstDash val="solid"/>
+                      <a:round/>
+                      <a:headEnd type="none" w="med" len="med"/>
+                      <a:tailEnd type="none" w="med" len="med"/>
+                    </a:lnL>
+                    <a:lnR w="6350" cap="flat" cmpd="sng" algn="ctr">
+                      <a:solidFill>
+                        <a:srgbClr val="D6D6D6"/>
+                      </a:solidFill>
+                      <a:prstDash val="solid"/>
+                      <a:round/>
+                      <a:headEnd type="none" w="med" len="med"/>
+                      <a:tailEnd type="none" w="med" len="med"/>
+                    </a:lnR>
+                    <a:lnT w="6350" cap="flat" cmpd="sng" algn="ctr">
+                      <a:solidFill>
+                        <a:srgbClr val="D6D6D6"/>
+                      </a:solidFill>
+                      <a:prstDash val="solid"/>
+                      <a:round/>
+                      <a:headEnd type="none" w="med" len="med"/>
+                      <a:tailEnd type="none" w="med" len="med"/>
+                    </a:lnT>
+                    <a:lnB w="6350" cap="flat" cmpd="sng" algn="ctr">
+                      <a:solidFill>
+                        <a:srgbClr val="D6D6D6"/>
+                      </a:solidFill>
+                      <a:prstDash val="solid"/>
+                      <a:round/>
+                      <a:headEnd type="none" w="med" len="med"/>
+                      <a:tailEnd type="none" w="med" len="med"/>
+                    </a:lnB>
+                    <a:solidFill>
+                      <a:srgbClr val="FFFFFF"/>
+                    </a:solidFill>
+                  </a:tcPr>
+                </a:tc>
+              </a:tr>
+              <a:tr h="0">
+                <a:tc>
+                  <a:txBody>
+                    <a:bodyPr/>
+                    <a:lstStyle/>
+                    <a:p>
+                      <a:r>
+                        <a:rPr lang="en-US" altLang="zh-CN" sz="2400">
+                          <a:effectLst/>
+                        </a:rPr>
+                        <a:t>g3</a:t>
+                      </a:r>
+                    </a:p>
+                  </a:txBody>
+                  <a:tcPr marL="82550" marR="82550" marT="38100" marB="38100" anchor="ctr">
+                    <a:lnL w="6350" cap="flat" cmpd="sng" algn="ctr">
+                      <a:solidFill>
+                        <a:srgbClr val="D6D6D6"/>
+                      </a:solidFill>
+                      <a:prstDash val="solid"/>
+                      <a:round/>
+                      <a:headEnd type="none" w="med" len="med"/>
+                      <a:tailEnd type="none" w="med" len="med"/>
+                    </a:lnL>
+                    <a:lnR w="6350" cap="flat" cmpd="sng" algn="ctr">
+                      <a:solidFill>
+                        <a:srgbClr val="D6D6D6"/>
+                      </a:solidFill>
+                      <a:prstDash val="solid"/>
+                      <a:round/>
+                      <a:headEnd type="none" w="med" len="med"/>
+                      <a:tailEnd type="none" w="med" len="med"/>
+                    </a:lnR>
+                    <a:lnT w="6350" cap="flat" cmpd="sng" algn="ctr">
+                      <a:solidFill>
+                        <a:srgbClr val="D6D6D6"/>
+                      </a:solidFill>
+                      <a:prstDash val="solid"/>
+                      <a:round/>
+                      <a:headEnd type="none" w="med" len="med"/>
+                      <a:tailEnd type="none" w="med" len="med"/>
+                    </a:lnT>
+                    <a:lnB w="6350" cap="flat" cmpd="sng" algn="ctr">
+                      <a:solidFill>
+                        <a:srgbClr val="D6D6D6"/>
+                      </a:solidFill>
+                      <a:prstDash val="solid"/>
+                      <a:round/>
+                      <a:headEnd type="none" w="med" len="med"/>
+                      <a:tailEnd type="none" w="med" len="med"/>
+                    </a:lnB>
+                    <a:solidFill>
+                      <a:srgbClr val="FFFFFF"/>
+                    </a:solidFill>
+                  </a:tcPr>
+                </a:tc>
+                <a:tc>
+                  <a:txBody>
+                    <a:bodyPr/>
+                    <a:lstStyle/>
+                    <a:p>
+                      <a:r>
+                        <a:rPr lang="en-US" altLang="zh-CN" sz="2400">
+                          <a:effectLst/>
+                        </a:rPr>
+                        <a:t>30</a:t>
+                      </a:r>
+                    </a:p>
+                  </a:txBody>
+                  <a:tcPr marL="82550" marR="82550" marT="38100" marB="38100" anchor="ctr">
+                    <a:lnL w="6350" cap="flat" cmpd="sng" algn="ctr">
+                      <a:solidFill>
+                        <a:srgbClr val="D6D6D6"/>
+                      </a:solidFill>
+                      <a:prstDash val="solid"/>
+                      <a:round/>
+                      <a:headEnd type="none" w="med" len="med"/>
+                      <a:tailEnd type="none" w="med" len="med"/>
+                    </a:lnL>
+                    <a:lnR w="6350" cap="flat" cmpd="sng" algn="ctr">
+                      <a:solidFill>
+                        <a:srgbClr val="D6D6D6"/>
+                      </a:solidFill>
+                      <a:prstDash val="solid"/>
+                      <a:round/>
+                      <a:headEnd type="none" w="med" len="med"/>
+                      <a:tailEnd type="none" w="med" len="med"/>
+                    </a:lnR>
+                    <a:lnT w="6350" cap="flat" cmpd="sng" algn="ctr">
+                      <a:solidFill>
+                        <a:srgbClr val="D6D6D6"/>
+                      </a:solidFill>
+                      <a:prstDash val="solid"/>
+                      <a:round/>
+                      <a:headEnd type="none" w="med" len="med"/>
+                      <a:tailEnd type="none" w="med" len="med"/>
+                    </a:lnT>
+                    <a:lnB w="6350" cap="flat" cmpd="sng" algn="ctr">
+                      <a:solidFill>
+                        <a:srgbClr val="D6D6D6"/>
+                      </a:solidFill>
+                      <a:prstDash val="solid"/>
+                      <a:round/>
+                      <a:headEnd type="none" w="med" len="med"/>
+                      <a:tailEnd type="none" w="med" len="med"/>
+                    </a:lnB>
+                    <a:solidFill>
+                      <a:srgbClr val="FFFFFF"/>
+                    </a:solidFill>
+                  </a:tcPr>
+                </a:tc>
+                <a:tc>
+                  <a:txBody>
+                    <a:bodyPr/>
+                    <a:lstStyle/>
+                    <a:p>
+                      <a:r>
+                        <a:rPr lang="is-IS" sz="2400">
+                          <a:effectLst/>
+                        </a:rPr>
+                        <a:t>28</a:t>
+                      </a:r>
+                    </a:p>
+                  </a:txBody>
+                  <a:tcPr marL="82550" marR="82550" marT="38100" marB="38100" anchor="ctr">
+                    <a:lnL w="6350" cap="flat" cmpd="sng" algn="ctr">
+                      <a:solidFill>
+                        <a:srgbClr val="D6D6D6"/>
+                      </a:solidFill>
+                      <a:prstDash val="solid"/>
+                      <a:round/>
+                      <a:headEnd type="none" w="med" len="med"/>
+                      <a:tailEnd type="none" w="med" len="med"/>
+                    </a:lnL>
+                    <a:lnR w="6350" cap="flat" cmpd="sng" algn="ctr">
+                      <a:solidFill>
+                        <a:srgbClr val="D6D6D6"/>
+                      </a:solidFill>
+                      <a:prstDash val="solid"/>
+                      <a:round/>
+                      <a:headEnd type="none" w="med" len="med"/>
+                      <a:tailEnd type="none" w="med" len="med"/>
+                    </a:lnR>
+                    <a:lnT w="6350" cap="flat" cmpd="sng" algn="ctr">
+                      <a:solidFill>
+                        <a:srgbClr val="D6D6D6"/>
+                      </a:solidFill>
+                      <a:prstDash val="solid"/>
+                      <a:round/>
+                      <a:headEnd type="none" w="med" len="med"/>
+                      <a:tailEnd type="none" w="med" len="med"/>
+                    </a:lnT>
+                    <a:lnB w="6350" cap="flat" cmpd="sng" algn="ctr">
+                      <a:solidFill>
+                        <a:srgbClr val="D6D6D6"/>
+                      </a:solidFill>
+                      <a:prstDash val="solid"/>
+                      <a:round/>
+                      <a:headEnd type="none" w="med" len="med"/>
+                      <a:tailEnd type="none" w="med" len="med"/>
+                    </a:lnB>
+                    <a:solidFill>
+                      <a:srgbClr val="FFFFFF"/>
+                    </a:solidFill>
+                  </a:tcPr>
+                </a:tc>
+                <a:tc>
+                  <a:txBody>
+                    <a:bodyPr/>
+                    <a:lstStyle/>
+                    <a:p>
+                      <a:r>
+                        <a:rPr lang="en-US" altLang="zh-CN" sz="2400">
+                          <a:effectLst/>
+                        </a:rPr>
+                        <a:t>17</a:t>
+                      </a:r>
+                    </a:p>
+                  </a:txBody>
+                  <a:tcPr marL="82550" marR="82550" marT="38100" marB="38100" anchor="ctr">
+                    <a:lnL w="6350" cap="flat" cmpd="sng" algn="ctr">
+                      <a:solidFill>
+                        <a:srgbClr val="D6D6D6"/>
+                      </a:solidFill>
+                      <a:prstDash val="solid"/>
+                      <a:round/>
+                      <a:headEnd type="none" w="med" len="med"/>
+                      <a:tailEnd type="none" w="med" len="med"/>
+                    </a:lnL>
+                    <a:lnR w="6350" cap="flat" cmpd="sng" algn="ctr">
+                      <a:solidFill>
+                        <a:srgbClr val="D6D6D6"/>
+                      </a:solidFill>
+                      <a:prstDash val="solid"/>
+                      <a:round/>
+                      <a:headEnd type="none" w="med" len="med"/>
+                      <a:tailEnd type="none" w="med" len="med"/>
+                    </a:lnR>
+                    <a:lnT w="6350" cap="flat" cmpd="sng" algn="ctr">
+                      <a:solidFill>
+                        <a:srgbClr val="D6D6D6"/>
+                      </a:solidFill>
+                      <a:prstDash val="solid"/>
+                      <a:round/>
+                      <a:headEnd type="none" w="med" len="med"/>
+                      <a:tailEnd type="none" w="med" len="med"/>
+                    </a:lnT>
+                    <a:lnB w="6350" cap="flat" cmpd="sng" algn="ctr">
+                      <a:solidFill>
+                        <a:srgbClr val="D6D6D6"/>
+                      </a:solidFill>
+                      <a:prstDash val="solid"/>
+                      <a:round/>
+                      <a:headEnd type="none" w="med" len="med"/>
+                      <a:tailEnd type="none" w="med" len="med"/>
+                    </a:lnB>
+                    <a:solidFill>
+                      <a:srgbClr val="FFFFFF"/>
+                    </a:solidFill>
+                  </a:tcPr>
+                </a:tc>
+                <a:tc>
+                  <a:txBody>
+                    <a:bodyPr/>
+                    <a:lstStyle/>
+                    <a:p>
+                      <a:r>
+                        <a:rPr lang="en-US" altLang="zh-CN" sz="2400">
+                          <a:effectLst/>
+                        </a:rPr>
+                        <a:t>75</a:t>
+                      </a:r>
+                    </a:p>
+                  </a:txBody>
+                  <a:tcPr marL="82550" marR="82550" marT="38100" marB="38100" anchor="ctr">
+                    <a:lnL w="6350" cap="flat" cmpd="sng" algn="ctr">
+                      <a:solidFill>
+                        <a:srgbClr val="D6D6D6"/>
+                      </a:solidFill>
+                      <a:prstDash val="solid"/>
+                      <a:round/>
+                      <a:headEnd type="none" w="med" len="med"/>
+                      <a:tailEnd type="none" w="med" len="med"/>
+                    </a:lnL>
+                    <a:lnR w="6350" cap="flat" cmpd="sng" algn="ctr">
+                      <a:solidFill>
+                        <a:srgbClr val="D6D6D6"/>
+                      </a:solidFill>
+                      <a:prstDash val="solid"/>
+                      <a:round/>
+                      <a:headEnd type="none" w="med" len="med"/>
+                      <a:tailEnd type="none" w="med" len="med"/>
+                    </a:lnR>
+                    <a:lnT w="6350" cap="flat" cmpd="sng" algn="ctr">
+                      <a:solidFill>
+                        <a:srgbClr val="D6D6D6"/>
+                      </a:solidFill>
+                      <a:prstDash val="solid"/>
+                      <a:round/>
+                      <a:headEnd type="none" w="med" len="med"/>
+                      <a:tailEnd type="none" w="med" len="med"/>
+                    </a:lnT>
+                    <a:lnB w="6350" cap="flat" cmpd="sng" algn="ctr">
+                      <a:solidFill>
+                        <a:srgbClr val="D6D6D6"/>
+                      </a:solidFill>
+                      <a:prstDash val="solid"/>
+                      <a:round/>
+                      <a:headEnd type="none" w="med" len="med"/>
+                      <a:tailEnd type="none" w="med" len="med"/>
+                    </a:lnB>
+                    <a:solidFill>
+                      <a:srgbClr val="FFFFFF"/>
+                    </a:solidFill>
+                  </a:tcPr>
+                </a:tc>
+              </a:tr>
+              <a:tr h="0">
+                <a:tc>
+                  <a:txBody>
+                    <a:bodyPr/>
+                    <a:lstStyle/>
+                    <a:p>
+                      <a:r>
+                        <a:rPr lang="zh-CN" altLang="en-US" sz="2400">
+                          <a:effectLst/>
+                        </a:rPr>
+                        <a:t>总共</a:t>
+                      </a:r>
+                    </a:p>
+                  </a:txBody>
+                  <a:tcPr marL="82550" marR="82550" marT="38100" marB="38100" anchor="ctr">
+                    <a:lnL w="6350" cap="flat" cmpd="sng" algn="ctr">
+                      <a:solidFill>
+                        <a:srgbClr val="D6D6D6"/>
+                      </a:solidFill>
+                      <a:prstDash val="solid"/>
+                      <a:round/>
+                      <a:headEnd type="none" w="med" len="med"/>
+                      <a:tailEnd type="none" w="med" len="med"/>
+                    </a:lnL>
+                    <a:lnR w="6350" cap="flat" cmpd="sng" algn="ctr">
+                      <a:solidFill>
+                        <a:srgbClr val="D6D6D6"/>
+                      </a:solidFill>
+                      <a:prstDash val="solid"/>
+                      <a:round/>
+                      <a:headEnd type="none" w="med" len="med"/>
+                      <a:tailEnd type="none" w="med" len="med"/>
+                    </a:lnR>
+                    <a:lnT w="6350" cap="flat" cmpd="sng" algn="ctr">
+                      <a:solidFill>
+                        <a:srgbClr val="D6D6D6"/>
+                      </a:solidFill>
+                      <a:prstDash val="solid"/>
+                      <a:round/>
+                      <a:headEnd type="none" w="med" len="med"/>
+                      <a:tailEnd type="none" w="med" len="med"/>
+                    </a:lnT>
+                    <a:lnB w="6350" cap="flat" cmpd="sng" algn="ctr">
+                      <a:solidFill>
+                        <a:srgbClr val="D6D6D6"/>
+                      </a:solidFill>
+                      <a:prstDash val="solid"/>
+                      <a:round/>
+                      <a:headEnd type="none" w="med" len="med"/>
+                      <a:tailEnd type="none" w="med" len="med"/>
+                    </a:lnB>
+                    <a:solidFill>
+                      <a:srgbClr val="FFFFFF"/>
+                    </a:solidFill>
+                  </a:tcPr>
+                </a:tc>
+                <a:tc>
+                  <a:txBody>
+                    <a:bodyPr/>
+                    <a:lstStyle/>
+                    <a:p>
+                      <a:r>
+                        <a:rPr lang="is-IS" sz="2400">
+                          <a:effectLst/>
+                        </a:rPr>
+                        <a:t>62</a:t>
+                      </a:r>
+                    </a:p>
+                  </a:txBody>
+                  <a:tcPr marL="82550" marR="82550" marT="38100" marB="38100" anchor="ctr">
+                    <a:lnL w="6350" cap="flat" cmpd="sng" algn="ctr">
+                      <a:solidFill>
+                        <a:srgbClr val="D6D6D6"/>
+                      </a:solidFill>
+                      <a:prstDash val="solid"/>
+                      <a:round/>
+                      <a:headEnd type="none" w="med" len="med"/>
+                      <a:tailEnd type="none" w="med" len="med"/>
+                    </a:lnL>
+                    <a:lnR w="6350" cap="flat" cmpd="sng" algn="ctr">
+                      <a:solidFill>
+                        <a:srgbClr val="D6D6D6"/>
+                      </a:solidFill>
+                      <a:prstDash val="solid"/>
+                      <a:round/>
+                      <a:headEnd type="none" w="med" len="med"/>
+                      <a:tailEnd type="none" w="med" len="med"/>
+                    </a:lnR>
+                    <a:lnT w="6350" cap="flat" cmpd="sng" algn="ctr">
+                      <a:solidFill>
+                        <a:srgbClr val="D6D6D6"/>
+                      </a:solidFill>
+                      <a:prstDash val="solid"/>
+                      <a:round/>
+                      <a:headEnd type="none" w="med" len="med"/>
+                      <a:tailEnd type="none" w="med" len="med"/>
+                    </a:lnT>
+                    <a:lnB w="6350" cap="flat" cmpd="sng" algn="ctr">
+                      <a:solidFill>
+                        <a:srgbClr val="D6D6D6"/>
+                      </a:solidFill>
+                      <a:prstDash val="solid"/>
+                      <a:round/>
+                      <a:headEnd type="none" w="med" len="med"/>
+                      <a:tailEnd type="none" w="med" len="med"/>
+                    </a:lnB>
+                    <a:solidFill>
+                      <a:srgbClr val="FFFFFF"/>
+                    </a:solidFill>
+                  </a:tcPr>
+                </a:tc>
+                <a:tc>
+                  <a:txBody>
+                    <a:bodyPr/>
+                    <a:lstStyle/>
+                    <a:p>
+                      <a:r>
+                        <a:rPr lang="uk-UA" sz="2400">
+                          <a:effectLst/>
+                        </a:rPr>
+                        <a:t>51</a:t>
+                      </a:r>
+                    </a:p>
+                  </a:txBody>
+                  <a:tcPr marL="82550" marR="82550" marT="38100" marB="38100" anchor="ctr">
+                    <a:lnL w="6350" cap="flat" cmpd="sng" algn="ctr">
+                      <a:solidFill>
+                        <a:srgbClr val="D6D6D6"/>
+                      </a:solidFill>
+                      <a:prstDash val="solid"/>
+                      <a:round/>
+                      <a:headEnd type="none" w="med" len="med"/>
+                      <a:tailEnd type="none" w="med" len="med"/>
+                    </a:lnL>
+                    <a:lnR w="6350" cap="flat" cmpd="sng" algn="ctr">
+                      <a:solidFill>
+                        <a:srgbClr val="D6D6D6"/>
+                      </a:solidFill>
+                      <a:prstDash val="solid"/>
+                      <a:round/>
+                      <a:headEnd type="none" w="med" len="med"/>
+                      <a:tailEnd type="none" w="med" len="med"/>
+                    </a:lnR>
+                    <a:lnT w="6350" cap="flat" cmpd="sng" algn="ctr">
+                      <a:solidFill>
+                        <a:srgbClr val="D6D6D6"/>
+                      </a:solidFill>
+                      <a:prstDash val="solid"/>
+                      <a:round/>
+                      <a:headEnd type="none" w="med" len="med"/>
+                      <a:tailEnd type="none" w="med" len="med"/>
+                    </a:lnT>
+                    <a:lnB w="6350" cap="flat" cmpd="sng" algn="ctr">
+                      <a:solidFill>
+                        <a:srgbClr val="D6D6D6"/>
+                      </a:solidFill>
+                      <a:prstDash val="solid"/>
+                      <a:round/>
+                      <a:headEnd type="none" w="med" len="med"/>
+                      <a:tailEnd type="none" w="med" len="med"/>
+                    </a:lnB>
+                    <a:solidFill>
+                      <a:srgbClr val="FFFFFF"/>
+                    </a:solidFill>
+                  </a:tcPr>
+                </a:tc>
+                <a:tc>
+                  <a:txBody>
+                    <a:bodyPr/>
+                    <a:lstStyle/>
+                    <a:p>
+                      <a:r>
+                        <a:rPr lang="is-IS" sz="2400">
+                          <a:effectLst/>
+                        </a:rPr>
+                        <a:t>37</a:t>
+                      </a:r>
+                    </a:p>
+                  </a:txBody>
+                  <a:tcPr marL="82550" marR="82550" marT="38100" marB="38100" anchor="ctr">
+                    <a:lnL w="6350" cap="flat" cmpd="sng" algn="ctr">
+                      <a:solidFill>
+                        <a:srgbClr val="D6D6D6"/>
+                      </a:solidFill>
+                      <a:prstDash val="solid"/>
+                      <a:round/>
+                      <a:headEnd type="none" w="med" len="med"/>
+                      <a:tailEnd type="none" w="med" len="med"/>
+                    </a:lnL>
+                    <a:lnR w="6350" cap="flat" cmpd="sng" algn="ctr">
+                      <a:solidFill>
+                        <a:srgbClr val="D6D6D6"/>
+                      </a:solidFill>
+                      <a:prstDash val="solid"/>
+                      <a:round/>
+                      <a:headEnd type="none" w="med" len="med"/>
+                      <a:tailEnd type="none" w="med" len="med"/>
+                    </a:lnR>
+                    <a:lnT w="6350" cap="flat" cmpd="sng" algn="ctr">
+                      <a:solidFill>
+                        <a:srgbClr val="D6D6D6"/>
+                      </a:solidFill>
+                      <a:prstDash val="solid"/>
+                      <a:round/>
+                      <a:headEnd type="none" w="med" len="med"/>
+                      <a:tailEnd type="none" w="med" len="med"/>
+                    </a:lnT>
+                    <a:lnB w="6350" cap="flat" cmpd="sng" algn="ctr">
+                      <a:solidFill>
+                        <a:srgbClr val="D6D6D6"/>
+                      </a:solidFill>
+                      <a:prstDash val="solid"/>
+                      <a:round/>
+                      <a:headEnd type="none" w="med" len="med"/>
+                      <a:tailEnd type="none" w="med" len="med"/>
+                    </a:lnB>
+                    <a:solidFill>
+                      <a:srgbClr val="FFFFFF"/>
+                    </a:solidFill>
+                  </a:tcPr>
+                </a:tc>
+                <a:tc>
+                  <a:txBody>
+                    <a:bodyPr/>
+                    <a:lstStyle/>
+                    <a:p>
+                      <a:r>
+                        <a:rPr lang="en-US" altLang="zh-CN" sz="2400" dirty="0">
+                          <a:effectLst/>
+                        </a:rPr>
+                        <a:t>150</a:t>
+                      </a:r>
+                    </a:p>
+                  </a:txBody>
+                  <a:tcPr marL="82550" marR="82550" marT="38100" marB="38100" anchor="ctr">
+                    <a:lnL w="6350" cap="flat" cmpd="sng" algn="ctr">
+                      <a:solidFill>
+                        <a:srgbClr val="D6D6D6"/>
+                      </a:solidFill>
+                      <a:prstDash val="solid"/>
+                      <a:round/>
+                      <a:headEnd type="none" w="med" len="med"/>
+                      <a:tailEnd type="none" w="med" len="med"/>
+                    </a:lnL>
+                    <a:lnR w="6350" cap="flat" cmpd="sng" algn="ctr">
+                      <a:solidFill>
+                        <a:srgbClr val="D6D6D6"/>
+                      </a:solidFill>
+                      <a:prstDash val="solid"/>
+                      <a:round/>
+                      <a:headEnd type="none" w="med" len="med"/>
+                      <a:tailEnd type="none" w="med" len="med"/>
+                    </a:lnR>
+                    <a:lnT w="6350" cap="flat" cmpd="sng" algn="ctr">
+                      <a:solidFill>
+                        <a:srgbClr val="D6D6D6"/>
+                      </a:solidFill>
+                      <a:prstDash val="solid"/>
+                      <a:round/>
+                      <a:headEnd type="none" w="med" len="med"/>
+                      <a:tailEnd type="none" w="med" len="med"/>
+                    </a:lnT>
+                    <a:lnB w="6350" cap="flat" cmpd="sng" algn="ctr">
+                      <a:solidFill>
+                        <a:srgbClr val="D6D6D6"/>
+                      </a:solidFill>
+                      <a:prstDash val="solid"/>
+                      <a:round/>
+                      <a:headEnd type="none" w="med" len="med"/>
+                      <a:tailEnd type="none" w="med" len="med"/>
+                    </a:lnB>
+                    <a:solidFill>
+                      <a:srgbClr val="FFFFFF"/>
+                    </a:solidFill>
+                  </a:tcPr>
+                </a:tc>
+              </a:tr>
+            </a:tbl>
+          </a:graphicData>
+        </a:graphic>
+      </p:graphicFrame>
+      <p:cxnSp>
+        <p:nvCxnSpPr>
+          <p:cNvPr id="9" name="直线箭头连接符 8"/>
+          <p:cNvCxnSpPr/>
+          <p:nvPr/>
+        </p:nvCxnSpPr>
+        <p:spPr>
+          <a:xfrm>
+            <a:off x="5167423" y="1998921"/>
+            <a:ext cx="0" cy="1807535"/>
+          </a:xfrm>
+          <a:prstGeom prst="straightConnector1">
+            <a:avLst/>
+          </a:prstGeom>
+          <a:ln w="19050">
+            <a:solidFill>
+              <a:schemeClr val="tx1"/>
+            </a:solidFill>
+            <a:tailEnd type="triangle"/>
+          </a:ln>
+        </p:spPr>
+        <p:style>
+          <a:lnRef idx="1">
+            <a:schemeClr val="accent1"/>
+          </a:lnRef>
+          <a:fillRef idx="0">
+            <a:schemeClr val="accent1"/>
+          </a:fillRef>
+          <a:effectRef idx="0">
+            <a:schemeClr val="accent1"/>
+          </a:effectRef>
+          <a:fontRef idx="minor">
+            <a:schemeClr val="tx1"/>
+          </a:fontRef>
+        </p:style>
+      </p:cxnSp>
+      <p:cxnSp>
+        <p:nvCxnSpPr>
+          <p:cNvPr id="10" name="直线箭头连接符 9"/>
+          <p:cNvCxnSpPr/>
+          <p:nvPr/>
+        </p:nvCxnSpPr>
+        <p:spPr>
+          <a:xfrm>
+            <a:off x="4189228" y="2658139"/>
+            <a:ext cx="4086446" cy="2349"/>
+          </a:xfrm>
+          <a:prstGeom prst="straightConnector1">
+            <a:avLst/>
+          </a:prstGeom>
+          <a:ln w="19050">
+            <a:solidFill>
+              <a:schemeClr val="tx1"/>
+            </a:solidFill>
+            <a:tailEnd type="triangle"/>
+          </a:ln>
+        </p:spPr>
+        <p:style>
+          <a:lnRef idx="1">
+            <a:schemeClr val="accent1"/>
+          </a:lnRef>
+          <a:fillRef idx="0">
+            <a:schemeClr val="accent1"/>
+          </a:fillRef>
+          <a:effectRef idx="0">
+            <a:schemeClr val="accent1"/>
+          </a:effectRef>
+          <a:fontRef idx="minor">
+            <a:schemeClr val="tx1"/>
+          </a:fontRef>
+        </p:style>
+      </p:cxnSp>
+      <p:pic>
+        <p:nvPicPr>
+          <p:cNvPr id="12" name="图片 11"/>
+          <p:cNvPicPr>
+            <a:picLocks noChangeAspect="1"/>
+          </p:cNvPicPr>
+          <p:nvPr/>
+        </p:nvPicPr>
+        <p:blipFill>
+          <a:blip r:embed="rId2"/>
+          <a:stretch>
+            <a:fillRect/>
+          </a:stretch>
+        </p:blipFill>
+        <p:spPr>
+          <a:xfrm>
+            <a:off x="2984500" y="4867939"/>
+            <a:ext cx="6375400" cy="1041400"/>
+          </a:xfrm>
+          <a:prstGeom prst="rect">
+            <a:avLst/>
+          </a:prstGeom>
+        </p:spPr>
+      </p:pic>
+      <p:pic>
+        <p:nvPicPr>
+          <p:cNvPr id="13" name="图片 12"/>
+          <p:cNvPicPr>
+            <a:picLocks noChangeAspect="1"/>
+          </p:cNvPicPr>
+          <p:nvPr/>
+        </p:nvPicPr>
+        <p:blipFill>
+          <a:blip r:embed="rId3"/>
+          <a:stretch>
+            <a:fillRect/>
+          </a:stretch>
+        </p:blipFill>
+        <p:spPr>
+          <a:xfrm>
+            <a:off x="4553689" y="6081822"/>
+            <a:ext cx="2489200" cy="685800"/>
+          </a:xfrm>
+          <a:prstGeom prst="rect">
+            <a:avLst/>
+          </a:prstGeom>
+        </p:spPr>
+      </p:pic>
+    </p:spTree>
+    <p:extLst>
+      <p:ext uri="{BB962C8B-B14F-4D97-AF65-F5344CB8AC3E}">
+        <p14:creationId xmlns:p14="http://schemas.microsoft.com/office/powerpoint/2010/main" val="1958856949"/>
       </p:ext>
     </p:extLst>
   </p:cSld>
@@ -4158,6 +8535,78 @@
 </file>
 
 <file path=ppt/slides/slide4.xml><?xml version="1.0" encoding="utf-8"?>
+<p:sld xmlns:a="http://schemas.openxmlformats.org/drawingml/2006/main" xmlns:r="http://schemas.openxmlformats.org/officeDocument/2006/relationships" xmlns:p="http://schemas.openxmlformats.org/presentationml/2006/main">
+  <p:cSld>
+    <p:spTree>
+      <p:nvGrpSpPr>
+        <p:cNvPr id="1" name=""/>
+        <p:cNvGrpSpPr/>
+        <p:nvPr/>
+      </p:nvGrpSpPr>
+      <p:grpSpPr>
+        <a:xfrm>
+          <a:off x="0" y="0"/>
+          <a:ext cx="0" cy="0"/>
+          <a:chOff x="0" y="0"/>
+          <a:chExt cx="0" cy="0"/>
+        </a:xfrm>
+      </p:grpSpPr>
+      <p:sp>
+        <p:nvSpPr>
+          <p:cNvPr id="4" name="标题 3"/>
+          <p:cNvSpPr>
+            <a:spLocks noGrp="1"/>
+          </p:cNvSpPr>
+          <p:nvPr>
+            <p:ph type="title"/>
+          </p:nvPr>
+        </p:nvSpPr>
+        <p:spPr/>
+        <p:txBody>
+          <a:bodyPr/>
+          <a:lstStyle/>
+          <a:p>
+            <a:r>
+              <a:rPr kumimoji="1" lang="zh-CN" altLang="en-US" dirty="0" smtClean="0"/>
+              <a:t>单样本计量变量检验</a:t>
+            </a:r>
+            <a:endParaRPr kumimoji="1" lang="zh-CN" altLang="en-US" dirty="0"/>
+          </a:p>
+        </p:txBody>
+      </p:sp>
+      <p:sp>
+        <p:nvSpPr>
+          <p:cNvPr id="5" name="文本占位符 4"/>
+          <p:cNvSpPr>
+            <a:spLocks noGrp="1"/>
+          </p:cNvSpPr>
+          <p:nvPr>
+            <p:ph type="body" idx="1"/>
+          </p:nvPr>
+        </p:nvSpPr>
+        <p:spPr/>
+        <p:txBody>
+          <a:bodyPr/>
+          <a:lstStyle/>
+          <a:p>
+            <a:endParaRPr kumimoji="1" lang="zh-CN" altLang="en-US"/>
+          </a:p>
+        </p:txBody>
+      </p:sp>
+    </p:spTree>
+    <p:extLst>
+      <p:ext uri="{BB962C8B-B14F-4D97-AF65-F5344CB8AC3E}">
+        <p14:creationId xmlns:p14="http://schemas.microsoft.com/office/powerpoint/2010/main" val="1817611954"/>
+      </p:ext>
+    </p:extLst>
+  </p:cSld>
+  <p:clrMapOvr>
+    <a:masterClrMapping/>
+  </p:clrMapOvr>
+</p:sld>
+</file>
+
+<file path=ppt/slides/slide5.xml><?xml version="1.0" encoding="utf-8"?>
 <p:sld xmlns:a="http://schemas.openxmlformats.org/drawingml/2006/main" xmlns:r="http://schemas.openxmlformats.org/officeDocument/2006/relationships" xmlns:p="http://schemas.openxmlformats.org/presentationml/2006/main">
   <p:cSld>
     <p:spTree>
@@ -4613,7 +9062,7 @@
 </p:sld>
 </file>
 
-<file path=ppt/slides/slide5.xml><?xml version="1.0" encoding="utf-8"?>
+<file path=ppt/slides/slide6.xml><?xml version="1.0" encoding="utf-8"?>
 <p:sld xmlns:a="http://schemas.openxmlformats.org/drawingml/2006/main" xmlns:r="http://schemas.openxmlformats.org/officeDocument/2006/relationships" xmlns:p="http://schemas.openxmlformats.org/presentationml/2006/main">
   <p:cSld>
     <p:spTree>
@@ -4792,7 +9241,7 @@
 </p:sld>
 </file>
 
-<file path=ppt/slides/slide6.xml><?xml version="1.0" encoding="utf-8"?>
+<file path=ppt/slides/slide7.xml><?xml version="1.0" encoding="utf-8"?>
 <p:sld xmlns:a="http://schemas.openxmlformats.org/drawingml/2006/main" xmlns:r="http://schemas.openxmlformats.org/officeDocument/2006/relationships" xmlns:p="http://schemas.openxmlformats.org/presentationml/2006/main">
   <p:cSld>
     <p:spTree>
@@ -4846,12 +9295,893 @@
             <p:ph idx="1"/>
           </p:nvPr>
         </p:nvSpPr>
-        <p:spPr/>
+        <p:spPr>
+          <a:xfrm>
+            <a:off x="1371600" y="1731086"/>
+            <a:ext cx="9601200" cy="2479407"/>
+          </a:xfrm>
+        </p:spPr>
         <p:txBody>
           <a:bodyPr/>
           <a:lstStyle/>
           <a:p>
-            <a:endParaRPr lang="zh-CN" altLang="en-US"/>
+            <a:r>
+              <a:rPr lang="zh-CN" altLang="en-US" dirty="0"/>
+              <a:t>某大学去年对在读学生进行健康调查</a:t>
+            </a:r>
+            <a:r>
+              <a:rPr lang="en-US" altLang="zh-CN" dirty="0"/>
+              <a:t>, </a:t>
+            </a:r>
+            <a:r>
+              <a:rPr lang="zh-CN" altLang="en-US" dirty="0"/>
+              <a:t>问卷结果提示其中</a:t>
+            </a:r>
+            <a:r>
+              <a:rPr lang="en-US" altLang="zh-CN" dirty="0"/>
+              <a:t>60%</a:t>
+            </a:r>
+            <a:r>
+              <a:rPr lang="zh-CN" altLang="en-US" dirty="0"/>
+              <a:t>的学生没有规律锻炼</a:t>
+            </a:r>
+            <a:r>
+              <a:rPr lang="en-US" altLang="zh-CN" dirty="0"/>
+              <a:t>, 25%</a:t>
+            </a:r>
+            <a:r>
+              <a:rPr lang="zh-CN" altLang="en-US" dirty="0"/>
+              <a:t>偶尔有锻炼</a:t>
+            </a:r>
+            <a:r>
+              <a:rPr lang="en-US" altLang="zh-CN" dirty="0"/>
+              <a:t>, 15%</a:t>
+            </a:r>
+            <a:r>
+              <a:rPr lang="zh-CN" altLang="en-US" dirty="0"/>
+              <a:t>的学生规律锻炼</a:t>
+            </a:r>
+            <a:r>
+              <a:rPr lang="en-US" altLang="zh-CN" dirty="0"/>
+              <a:t>. </a:t>
+            </a:r>
+            <a:r>
+              <a:rPr lang="zh-CN" altLang="en-US" dirty="0"/>
+              <a:t>随后学校开展了健康促进宣传活动</a:t>
+            </a:r>
+            <a:r>
+              <a:rPr lang="en-US" altLang="zh-CN" dirty="0"/>
+              <a:t>. </a:t>
+            </a:r>
+            <a:r>
+              <a:rPr lang="zh-CN" altLang="en-US" dirty="0"/>
+              <a:t>一年以后再次做了问卷调查</a:t>
+            </a:r>
+            <a:r>
+              <a:rPr lang="en-US" altLang="zh-CN" dirty="0"/>
+              <a:t>, </a:t>
+            </a:r>
+            <a:r>
+              <a:rPr lang="zh-CN" altLang="en-US" dirty="0"/>
+              <a:t>访问了</a:t>
+            </a:r>
+            <a:r>
+              <a:rPr lang="en-US" altLang="zh-CN" dirty="0"/>
+              <a:t>470</a:t>
+            </a:r>
+            <a:r>
+              <a:rPr lang="zh-CN" altLang="en-US" dirty="0"/>
+              <a:t>名学生</a:t>
+            </a:r>
+            <a:r>
+              <a:rPr lang="en-US" altLang="zh-CN" dirty="0"/>
+              <a:t>, </a:t>
+            </a:r>
+            <a:r>
+              <a:rPr lang="zh-CN" altLang="en-US" dirty="0"/>
+              <a:t>得到了下表的</a:t>
+            </a:r>
+            <a:r>
+              <a:rPr lang="zh-CN" altLang="en-US" dirty="0" smtClean="0"/>
+              <a:t>结果</a:t>
+            </a:r>
+            <a:endParaRPr lang="zh-CN" altLang="en-US" dirty="0"/>
+          </a:p>
+        </p:txBody>
+      </p:sp>
+      <p:graphicFrame>
+        <p:nvGraphicFramePr>
+          <p:cNvPr id="4" name="表格 3"/>
+          <p:cNvGraphicFramePr>
+            <a:graphicFrameLocks noGrp="1"/>
+          </p:cNvGraphicFramePr>
+          <p:nvPr>
+            <p:extLst>
+              <p:ext uri="{D42A27DB-BD31-4B8C-83A1-F6EECF244321}">
+                <p14:modId xmlns:p14="http://schemas.microsoft.com/office/powerpoint/2010/main" val="1658793554"/>
+              </p:ext>
+            </p:extLst>
+          </p:nvPr>
+        </p:nvGraphicFramePr>
+        <p:xfrm>
+          <a:off x="1371599" y="4210493"/>
+          <a:ext cx="9601200" cy="1005840"/>
+        </p:xfrm>
+        <a:graphic>
+          <a:graphicData uri="http://schemas.openxmlformats.org/drawingml/2006/table">
+            <a:tbl>
+              <a:tblPr/>
+              <a:tblGrid>
+                <a:gridCol w="1605517"/>
+                <a:gridCol w="2234963"/>
+                <a:gridCol w="1920240"/>
+                <a:gridCol w="1920240"/>
+                <a:gridCol w="1920240"/>
+              </a:tblGrid>
+              <a:tr h="0">
+                <a:tc>
+                  <a:txBody>
+                    <a:bodyPr/>
+                    <a:lstStyle/>
+                    <a:p>
+                      <a:r>
+                        <a:rPr lang="zh-CN" altLang="en-US" sz="2800" b="1">
+                          <a:solidFill>
+                            <a:srgbClr val="000000"/>
+                          </a:solidFill>
+                          <a:effectLst/>
+                        </a:rPr>
+                        <a:t>分组</a:t>
+                      </a:r>
+                    </a:p>
+                  </a:txBody>
+                  <a:tcPr marL="82550" marR="82550" marT="38100" marB="38100" anchor="ctr">
+                    <a:lnL w="6350" cap="flat" cmpd="sng" algn="ctr">
+                      <a:solidFill>
+                        <a:srgbClr val="D6D6D6"/>
+                      </a:solidFill>
+                      <a:prstDash val="solid"/>
+                      <a:round/>
+                      <a:headEnd type="none" w="med" len="med"/>
+                      <a:tailEnd type="none" w="med" len="med"/>
+                    </a:lnL>
+                    <a:lnR w="6350" cap="flat" cmpd="sng" algn="ctr">
+                      <a:solidFill>
+                        <a:srgbClr val="D6D6D6"/>
+                      </a:solidFill>
+                      <a:prstDash val="solid"/>
+                      <a:round/>
+                      <a:headEnd type="none" w="med" len="med"/>
+                      <a:tailEnd type="none" w="med" len="med"/>
+                    </a:lnR>
+                    <a:lnT w="6350" cap="flat" cmpd="sng" algn="ctr">
+                      <a:solidFill>
+                        <a:srgbClr val="D6D6D6"/>
+                      </a:solidFill>
+                      <a:prstDash val="solid"/>
+                      <a:round/>
+                      <a:headEnd type="none" w="med" len="med"/>
+                      <a:tailEnd type="none" w="med" len="med"/>
+                    </a:lnT>
+                    <a:lnB w="6350" cap="flat" cmpd="sng" algn="ctr">
+                      <a:solidFill>
+                        <a:srgbClr val="D6D6D6"/>
+                      </a:solidFill>
+                      <a:prstDash val="solid"/>
+                      <a:round/>
+                      <a:headEnd type="none" w="med" len="med"/>
+                      <a:tailEnd type="none" w="med" len="med"/>
+                    </a:lnB>
+                    <a:solidFill>
+                      <a:srgbClr val="FFFFFF"/>
+                    </a:solidFill>
+                  </a:tcPr>
+                </a:tc>
+                <a:tc>
+                  <a:txBody>
+                    <a:bodyPr/>
+                    <a:lstStyle/>
+                    <a:p>
+                      <a:r>
+                        <a:rPr lang="zh-CN" altLang="en-US" sz="2800" b="1">
+                          <a:solidFill>
+                            <a:srgbClr val="000000"/>
+                          </a:solidFill>
+                          <a:effectLst/>
+                        </a:rPr>
+                        <a:t>无规律锻炼</a:t>
+                      </a:r>
+                    </a:p>
+                  </a:txBody>
+                  <a:tcPr marL="82550" marR="82550" marT="38100" marB="38100" anchor="ctr">
+                    <a:lnL w="6350" cap="flat" cmpd="sng" algn="ctr">
+                      <a:solidFill>
+                        <a:srgbClr val="D6D6D6"/>
+                      </a:solidFill>
+                      <a:prstDash val="solid"/>
+                      <a:round/>
+                      <a:headEnd type="none" w="med" len="med"/>
+                      <a:tailEnd type="none" w="med" len="med"/>
+                    </a:lnL>
+                    <a:lnR w="6350" cap="flat" cmpd="sng" algn="ctr">
+                      <a:solidFill>
+                        <a:srgbClr val="D6D6D6"/>
+                      </a:solidFill>
+                      <a:prstDash val="solid"/>
+                      <a:round/>
+                      <a:headEnd type="none" w="med" len="med"/>
+                      <a:tailEnd type="none" w="med" len="med"/>
+                    </a:lnR>
+                    <a:lnT w="6350" cap="flat" cmpd="sng" algn="ctr">
+                      <a:solidFill>
+                        <a:srgbClr val="D6D6D6"/>
+                      </a:solidFill>
+                      <a:prstDash val="solid"/>
+                      <a:round/>
+                      <a:headEnd type="none" w="med" len="med"/>
+                      <a:tailEnd type="none" w="med" len="med"/>
+                    </a:lnT>
+                    <a:lnB w="6350" cap="flat" cmpd="sng" algn="ctr">
+                      <a:solidFill>
+                        <a:srgbClr val="D6D6D6"/>
+                      </a:solidFill>
+                      <a:prstDash val="solid"/>
+                      <a:round/>
+                      <a:headEnd type="none" w="med" len="med"/>
+                      <a:tailEnd type="none" w="med" len="med"/>
+                    </a:lnB>
+                    <a:solidFill>
+                      <a:srgbClr val="FFFFFF"/>
+                    </a:solidFill>
+                  </a:tcPr>
+                </a:tc>
+                <a:tc>
+                  <a:txBody>
+                    <a:bodyPr/>
+                    <a:lstStyle/>
+                    <a:p>
+                      <a:r>
+                        <a:rPr lang="zh-CN" altLang="en-US" sz="2800" b="1">
+                          <a:solidFill>
+                            <a:srgbClr val="000000"/>
+                          </a:solidFill>
+                          <a:effectLst/>
+                        </a:rPr>
+                        <a:t>偶尔锻炼</a:t>
+                      </a:r>
+                    </a:p>
+                  </a:txBody>
+                  <a:tcPr marL="82550" marR="82550" marT="38100" marB="38100" anchor="ctr">
+                    <a:lnL w="6350" cap="flat" cmpd="sng" algn="ctr">
+                      <a:solidFill>
+                        <a:srgbClr val="D6D6D6"/>
+                      </a:solidFill>
+                      <a:prstDash val="solid"/>
+                      <a:round/>
+                      <a:headEnd type="none" w="med" len="med"/>
+                      <a:tailEnd type="none" w="med" len="med"/>
+                    </a:lnL>
+                    <a:lnR w="6350" cap="flat" cmpd="sng" algn="ctr">
+                      <a:solidFill>
+                        <a:srgbClr val="D6D6D6"/>
+                      </a:solidFill>
+                      <a:prstDash val="solid"/>
+                      <a:round/>
+                      <a:headEnd type="none" w="med" len="med"/>
+                      <a:tailEnd type="none" w="med" len="med"/>
+                    </a:lnR>
+                    <a:lnT w="6350" cap="flat" cmpd="sng" algn="ctr">
+                      <a:solidFill>
+                        <a:srgbClr val="D6D6D6"/>
+                      </a:solidFill>
+                      <a:prstDash val="solid"/>
+                      <a:round/>
+                      <a:headEnd type="none" w="med" len="med"/>
+                      <a:tailEnd type="none" w="med" len="med"/>
+                    </a:lnT>
+                    <a:lnB w="6350" cap="flat" cmpd="sng" algn="ctr">
+                      <a:solidFill>
+                        <a:srgbClr val="D6D6D6"/>
+                      </a:solidFill>
+                      <a:prstDash val="solid"/>
+                      <a:round/>
+                      <a:headEnd type="none" w="med" len="med"/>
+                      <a:tailEnd type="none" w="med" len="med"/>
+                    </a:lnB>
+                    <a:solidFill>
+                      <a:srgbClr val="FFFFFF"/>
+                    </a:solidFill>
+                  </a:tcPr>
+                </a:tc>
+                <a:tc>
+                  <a:txBody>
+                    <a:bodyPr/>
+                    <a:lstStyle/>
+                    <a:p>
+                      <a:r>
+                        <a:rPr lang="zh-CN" altLang="en-US" sz="2800" b="1">
+                          <a:solidFill>
+                            <a:srgbClr val="000000"/>
+                          </a:solidFill>
+                          <a:effectLst/>
+                        </a:rPr>
+                        <a:t>规律锻炼</a:t>
+                      </a:r>
+                    </a:p>
+                  </a:txBody>
+                  <a:tcPr marL="82550" marR="82550" marT="38100" marB="38100" anchor="ctr">
+                    <a:lnL w="6350" cap="flat" cmpd="sng" algn="ctr">
+                      <a:solidFill>
+                        <a:srgbClr val="D6D6D6"/>
+                      </a:solidFill>
+                      <a:prstDash val="solid"/>
+                      <a:round/>
+                      <a:headEnd type="none" w="med" len="med"/>
+                      <a:tailEnd type="none" w="med" len="med"/>
+                    </a:lnL>
+                    <a:lnR w="6350" cap="flat" cmpd="sng" algn="ctr">
+                      <a:solidFill>
+                        <a:srgbClr val="D6D6D6"/>
+                      </a:solidFill>
+                      <a:prstDash val="solid"/>
+                      <a:round/>
+                      <a:headEnd type="none" w="med" len="med"/>
+                      <a:tailEnd type="none" w="med" len="med"/>
+                    </a:lnR>
+                    <a:lnT w="6350" cap="flat" cmpd="sng" algn="ctr">
+                      <a:solidFill>
+                        <a:srgbClr val="D6D6D6"/>
+                      </a:solidFill>
+                      <a:prstDash val="solid"/>
+                      <a:round/>
+                      <a:headEnd type="none" w="med" len="med"/>
+                      <a:tailEnd type="none" w="med" len="med"/>
+                    </a:lnT>
+                    <a:lnB w="6350" cap="flat" cmpd="sng" algn="ctr">
+                      <a:solidFill>
+                        <a:srgbClr val="D6D6D6"/>
+                      </a:solidFill>
+                      <a:prstDash val="solid"/>
+                      <a:round/>
+                      <a:headEnd type="none" w="med" len="med"/>
+                      <a:tailEnd type="none" w="med" len="med"/>
+                    </a:lnB>
+                    <a:solidFill>
+                      <a:srgbClr val="FFFFFF"/>
+                    </a:solidFill>
+                  </a:tcPr>
+                </a:tc>
+                <a:tc>
+                  <a:txBody>
+                    <a:bodyPr/>
+                    <a:lstStyle/>
+                    <a:p>
+                      <a:r>
+                        <a:rPr lang="zh-CN" altLang="en-US" sz="2800" b="1">
+                          <a:solidFill>
+                            <a:srgbClr val="000000"/>
+                          </a:solidFill>
+                          <a:effectLst/>
+                        </a:rPr>
+                        <a:t>总数</a:t>
+                      </a:r>
+                    </a:p>
+                  </a:txBody>
+                  <a:tcPr marL="82550" marR="82550" marT="38100" marB="38100" anchor="ctr">
+                    <a:lnL w="6350" cap="flat" cmpd="sng" algn="ctr">
+                      <a:solidFill>
+                        <a:srgbClr val="D6D6D6"/>
+                      </a:solidFill>
+                      <a:prstDash val="solid"/>
+                      <a:round/>
+                      <a:headEnd type="none" w="med" len="med"/>
+                      <a:tailEnd type="none" w="med" len="med"/>
+                    </a:lnL>
+                    <a:lnR w="6350" cap="flat" cmpd="sng" algn="ctr">
+                      <a:solidFill>
+                        <a:srgbClr val="D6D6D6"/>
+                      </a:solidFill>
+                      <a:prstDash val="solid"/>
+                      <a:round/>
+                      <a:headEnd type="none" w="med" len="med"/>
+                      <a:tailEnd type="none" w="med" len="med"/>
+                    </a:lnR>
+                    <a:lnT w="6350" cap="flat" cmpd="sng" algn="ctr">
+                      <a:solidFill>
+                        <a:srgbClr val="D6D6D6"/>
+                      </a:solidFill>
+                      <a:prstDash val="solid"/>
+                      <a:round/>
+                      <a:headEnd type="none" w="med" len="med"/>
+                      <a:tailEnd type="none" w="med" len="med"/>
+                    </a:lnT>
+                    <a:lnB w="6350" cap="flat" cmpd="sng" algn="ctr">
+                      <a:solidFill>
+                        <a:srgbClr val="D6D6D6"/>
+                      </a:solidFill>
+                      <a:prstDash val="solid"/>
+                      <a:round/>
+                      <a:headEnd type="none" w="med" len="med"/>
+                      <a:tailEnd type="none" w="med" len="med"/>
+                    </a:lnB>
+                    <a:solidFill>
+                      <a:srgbClr val="FFFFFF"/>
+                    </a:solidFill>
+                  </a:tcPr>
+                </a:tc>
+              </a:tr>
+              <a:tr h="0">
+                <a:tc>
+                  <a:txBody>
+                    <a:bodyPr/>
+                    <a:lstStyle/>
+                    <a:p>
+                      <a:r>
+                        <a:rPr lang="zh-CN" altLang="en-US" sz="2800">
+                          <a:effectLst/>
+                        </a:rPr>
+                        <a:t>学生数</a:t>
+                      </a:r>
+                    </a:p>
+                  </a:txBody>
+                  <a:tcPr marL="82550" marR="82550" marT="38100" marB="38100" anchor="ctr">
+                    <a:lnL w="6350" cap="flat" cmpd="sng" algn="ctr">
+                      <a:solidFill>
+                        <a:srgbClr val="D6D6D6"/>
+                      </a:solidFill>
+                      <a:prstDash val="solid"/>
+                      <a:round/>
+                      <a:headEnd type="none" w="med" len="med"/>
+                      <a:tailEnd type="none" w="med" len="med"/>
+                    </a:lnL>
+                    <a:lnR w="6350" cap="flat" cmpd="sng" algn="ctr">
+                      <a:solidFill>
+                        <a:srgbClr val="D6D6D6"/>
+                      </a:solidFill>
+                      <a:prstDash val="solid"/>
+                      <a:round/>
+                      <a:headEnd type="none" w="med" len="med"/>
+                      <a:tailEnd type="none" w="med" len="med"/>
+                    </a:lnR>
+                    <a:lnT w="6350" cap="flat" cmpd="sng" algn="ctr">
+                      <a:solidFill>
+                        <a:srgbClr val="D6D6D6"/>
+                      </a:solidFill>
+                      <a:prstDash val="solid"/>
+                      <a:round/>
+                      <a:headEnd type="none" w="med" len="med"/>
+                      <a:tailEnd type="none" w="med" len="med"/>
+                    </a:lnT>
+                    <a:lnB w="6350" cap="flat" cmpd="sng" algn="ctr">
+                      <a:solidFill>
+                        <a:srgbClr val="D6D6D6"/>
+                      </a:solidFill>
+                      <a:prstDash val="solid"/>
+                      <a:round/>
+                      <a:headEnd type="none" w="med" len="med"/>
+                      <a:tailEnd type="none" w="med" len="med"/>
+                    </a:lnB>
+                    <a:solidFill>
+                      <a:srgbClr val="FFFFFF"/>
+                    </a:solidFill>
+                  </a:tcPr>
+                </a:tc>
+                <a:tc>
+                  <a:txBody>
+                    <a:bodyPr/>
+                    <a:lstStyle/>
+                    <a:p>
+                      <a:r>
+                        <a:rPr lang="is-IS" sz="2800">
+                          <a:effectLst/>
+                        </a:rPr>
+                        <a:t>255</a:t>
+                      </a:r>
+                    </a:p>
+                  </a:txBody>
+                  <a:tcPr marL="82550" marR="82550" marT="38100" marB="38100" anchor="ctr">
+                    <a:lnL w="6350" cap="flat" cmpd="sng" algn="ctr">
+                      <a:solidFill>
+                        <a:srgbClr val="D6D6D6"/>
+                      </a:solidFill>
+                      <a:prstDash val="solid"/>
+                      <a:round/>
+                      <a:headEnd type="none" w="med" len="med"/>
+                      <a:tailEnd type="none" w="med" len="med"/>
+                    </a:lnL>
+                    <a:lnR w="6350" cap="flat" cmpd="sng" algn="ctr">
+                      <a:solidFill>
+                        <a:srgbClr val="D6D6D6"/>
+                      </a:solidFill>
+                      <a:prstDash val="solid"/>
+                      <a:round/>
+                      <a:headEnd type="none" w="med" len="med"/>
+                      <a:tailEnd type="none" w="med" len="med"/>
+                    </a:lnR>
+                    <a:lnT w="6350" cap="flat" cmpd="sng" algn="ctr">
+                      <a:solidFill>
+                        <a:srgbClr val="D6D6D6"/>
+                      </a:solidFill>
+                      <a:prstDash val="solid"/>
+                      <a:round/>
+                      <a:headEnd type="none" w="med" len="med"/>
+                      <a:tailEnd type="none" w="med" len="med"/>
+                    </a:lnT>
+                    <a:lnB w="6350" cap="flat" cmpd="sng" algn="ctr">
+                      <a:solidFill>
+                        <a:srgbClr val="D6D6D6"/>
+                      </a:solidFill>
+                      <a:prstDash val="solid"/>
+                      <a:round/>
+                      <a:headEnd type="none" w="med" len="med"/>
+                      <a:tailEnd type="none" w="med" len="med"/>
+                    </a:lnB>
+                    <a:solidFill>
+                      <a:srgbClr val="FFFFFF"/>
+                    </a:solidFill>
+                  </a:tcPr>
+                </a:tc>
+                <a:tc>
+                  <a:txBody>
+                    <a:bodyPr/>
+                    <a:lstStyle/>
+                    <a:p>
+                      <a:r>
+                        <a:rPr lang="is-IS" sz="2800">
+                          <a:effectLst/>
+                        </a:rPr>
+                        <a:t>125</a:t>
+                      </a:r>
+                    </a:p>
+                  </a:txBody>
+                  <a:tcPr marL="82550" marR="82550" marT="38100" marB="38100" anchor="ctr">
+                    <a:lnL w="6350" cap="flat" cmpd="sng" algn="ctr">
+                      <a:solidFill>
+                        <a:srgbClr val="D6D6D6"/>
+                      </a:solidFill>
+                      <a:prstDash val="solid"/>
+                      <a:round/>
+                      <a:headEnd type="none" w="med" len="med"/>
+                      <a:tailEnd type="none" w="med" len="med"/>
+                    </a:lnL>
+                    <a:lnR w="6350" cap="flat" cmpd="sng" algn="ctr">
+                      <a:solidFill>
+                        <a:srgbClr val="D6D6D6"/>
+                      </a:solidFill>
+                      <a:prstDash val="solid"/>
+                      <a:round/>
+                      <a:headEnd type="none" w="med" len="med"/>
+                      <a:tailEnd type="none" w="med" len="med"/>
+                    </a:lnR>
+                    <a:lnT w="6350" cap="flat" cmpd="sng" algn="ctr">
+                      <a:solidFill>
+                        <a:srgbClr val="D6D6D6"/>
+                      </a:solidFill>
+                      <a:prstDash val="solid"/>
+                      <a:round/>
+                      <a:headEnd type="none" w="med" len="med"/>
+                      <a:tailEnd type="none" w="med" len="med"/>
+                    </a:lnT>
+                    <a:lnB w="6350" cap="flat" cmpd="sng" algn="ctr">
+                      <a:solidFill>
+                        <a:srgbClr val="D6D6D6"/>
+                      </a:solidFill>
+                      <a:prstDash val="solid"/>
+                      <a:round/>
+                      <a:headEnd type="none" w="med" len="med"/>
+                      <a:tailEnd type="none" w="med" len="med"/>
+                    </a:lnB>
+                    <a:solidFill>
+                      <a:srgbClr val="FFFFFF"/>
+                    </a:solidFill>
+                  </a:tcPr>
+                </a:tc>
+                <a:tc>
+                  <a:txBody>
+                    <a:bodyPr/>
+                    <a:lstStyle/>
+                    <a:p>
+                      <a:r>
+                        <a:rPr lang="en-US" altLang="zh-CN" sz="2800">
+                          <a:effectLst/>
+                        </a:rPr>
+                        <a:t>90</a:t>
+                      </a:r>
+                    </a:p>
+                  </a:txBody>
+                  <a:tcPr marL="82550" marR="82550" marT="38100" marB="38100" anchor="ctr">
+                    <a:lnL w="6350" cap="flat" cmpd="sng" algn="ctr">
+                      <a:solidFill>
+                        <a:srgbClr val="D6D6D6"/>
+                      </a:solidFill>
+                      <a:prstDash val="solid"/>
+                      <a:round/>
+                      <a:headEnd type="none" w="med" len="med"/>
+                      <a:tailEnd type="none" w="med" len="med"/>
+                    </a:lnL>
+                    <a:lnR w="6350" cap="flat" cmpd="sng" algn="ctr">
+                      <a:solidFill>
+                        <a:srgbClr val="D6D6D6"/>
+                      </a:solidFill>
+                      <a:prstDash val="solid"/>
+                      <a:round/>
+                      <a:headEnd type="none" w="med" len="med"/>
+                      <a:tailEnd type="none" w="med" len="med"/>
+                    </a:lnR>
+                    <a:lnT w="6350" cap="flat" cmpd="sng" algn="ctr">
+                      <a:solidFill>
+                        <a:srgbClr val="D6D6D6"/>
+                      </a:solidFill>
+                      <a:prstDash val="solid"/>
+                      <a:round/>
+                      <a:headEnd type="none" w="med" len="med"/>
+                      <a:tailEnd type="none" w="med" len="med"/>
+                    </a:lnT>
+                    <a:lnB w="6350" cap="flat" cmpd="sng" algn="ctr">
+                      <a:solidFill>
+                        <a:srgbClr val="D6D6D6"/>
+                      </a:solidFill>
+                      <a:prstDash val="solid"/>
+                      <a:round/>
+                      <a:headEnd type="none" w="med" len="med"/>
+                      <a:tailEnd type="none" w="med" len="med"/>
+                    </a:lnB>
+                    <a:solidFill>
+                      <a:srgbClr val="FFFFFF"/>
+                    </a:solidFill>
+                  </a:tcPr>
+                </a:tc>
+                <a:tc>
+                  <a:txBody>
+                    <a:bodyPr/>
+                    <a:lstStyle/>
+                    <a:p>
+                      <a:r>
+                        <a:rPr lang="en-US" altLang="zh-CN" sz="2800" dirty="0">
+                          <a:effectLst/>
+                        </a:rPr>
+                        <a:t>470</a:t>
+                      </a:r>
+                    </a:p>
+                  </a:txBody>
+                  <a:tcPr marL="82550" marR="82550" marT="38100" marB="38100" anchor="ctr">
+                    <a:lnL w="6350" cap="flat" cmpd="sng" algn="ctr">
+                      <a:solidFill>
+                        <a:srgbClr val="D6D6D6"/>
+                      </a:solidFill>
+                      <a:prstDash val="solid"/>
+                      <a:round/>
+                      <a:headEnd type="none" w="med" len="med"/>
+                      <a:tailEnd type="none" w="med" len="med"/>
+                    </a:lnL>
+                    <a:lnR w="6350" cap="flat" cmpd="sng" algn="ctr">
+                      <a:solidFill>
+                        <a:srgbClr val="D6D6D6"/>
+                      </a:solidFill>
+                      <a:prstDash val="solid"/>
+                      <a:round/>
+                      <a:headEnd type="none" w="med" len="med"/>
+                      <a:tailEnd type="none" w="med" len="med"/>
+                    </a:lnR>
+                    <a:lnT w="6350" cap="flat" cmpd="sng" algn="ctr">
+                      <a:solidFill>
+                        <a:srgbClr val="D6D6D6"/>
+                      </a:solidFill>
+                      <a:prstDash val="solid"/>
+                      <a:round/>
+                      <a:headEnd type="none" w="med" len="med"/>
+                      <a:tailEnd type="none" w="med" len="med"/>
+                    </a:lnT>
+                    <a:lnB w="6350" cap="flat" cmpd="sng" algn="ctr">
+                      <a:solidFill>
+                        <a:srgbClr val="D6D6D6"/>
+                      </a:solidFill>
+                      <a:prstDash val="solid"/>
+                      <a:round/>
+                      <a:headEnd type="none" w="med" len="med"/>
+                      <a:tailEnd type="none" w="med" len="med"/>
+                    </a:lnB>
+                    <a:solidFill>
+                      <a:srgbClr val="FFFFFF"/>
+                    </a:solidFill>
+                  </a:tcPr>
+                </a:tc>
+              </a:tr>
+            </a:tbl>
+          </a:graphicData>
+        </a:graphic>
+      </p:graphicFrame>
+      <p:sp>
+        <p:nvSpPr>
+          <p:cNvPr id="5" name="Rectangle 1"/>
+          <p:cNvSpPr>
+            <a:spLocks noChangeArrowheads="1"/>
+          </p:cNvSpPr>
+          <p:nvPr/>
+        </p:nvSpPr>
+        <p:spPr bwMode="auto">
+          <a:xfrm>
+            <a:off x="5383213" y="2903538"/>
+            <a:ext cx="12192000" cy="0"/>
+          </a:xfrm>
+          <a:prstGeom prst="rect">
+            <a:avLst/>
+          </a:prstGeom>
+          <a:noFill/>
+          <a:ln>
+            <a:noFill/>
+          </a:ln>
+          <a:effectLst/>
+          <a:extLst>
+            <a:ext uri="{909E8E84-426E-40DD-AFC4-6F175D3DCCD1}">
+              <a14:hiddenFill xmlns:a14="http://schemas.microsoft.com/office/drawing/2010/main">
+                <a:solidFill>
+                  <a:schemeClr val="accent1"/>
+                </a:solidFill>
+              </a14:hiddenFill>
+            </a:ext>
+            <a:ext uri="{91240B29-F687-4F45-9708-019B960494DF}">
+              <a14:hiddenLine xmlns:a14="http://schemas.microsoft.com/office/drawing/2010/main" w="9525">
+                <a:solidFill>
+                  <a:schemeClr val="tx1"/>
+                </a:solidFill>
+                <a:miter lim="800000"/>
+                <a:headEnd/>
+                <a:tailEnd/>
+              </a14:hiddenLine>
+            </a:ext>
+            <a:ext uri="{AF507438-7753-43E0-B8FC-AC1667EBCBE1}">
+              <a14:hiddenEffects xmlns:a14="http://schemas.microsoft.com/office/drawing/2010/main">
+                <a:effectLst>
+                  <a:outerShdw blurRad="63500" dist="38099" dir="2700000" algn="ctr" rotWithShape="0">
+                    <a:schemeClr val="bg2">
+                      <a:alpha val="74998"/>
+                    </a:schemeClr>
+                  </a:outerShdw>
+                </a:effectLst>
+              </a14:hiddenEffects>
+            </a:ext>
+          </a:extLst>
+        </p:spPr>
+        <p:txBody>
+          <a:bodyPr vert="horz" wrap="none" lIns="91440" tIns="45720" rIns="91440" bIns="45720" numCol="1" anchor="ctr" anchorCtr="0" compatLnSpc="1">
+            <a:prstTxWarp prst="textNoShape">
+              <a:avLst/>
+            </a:prstTxWarp>
+            <a:spAutoFit/>
+          </a:bodyPr>
+          <a:lstStyle/>
+          <a:p>
+            <a:pPr marL="0" marR="0" lvl="0" indent="0" algn="l" defTabSz="914400" rtl="0" eaLnBrk="0" fontAlgn="base" latinLnBrk="0" hangingPunct="0">
+              <a:lnSpc>
+                <a:spcPct val="100000"/>
+              </a:lnSpc>
+              <a:spcBef>
+                <a:spcPct val="0"/>
+              </a:spcBef>
+              <a:spcAft>
+                <a:spcPct val="0"/>
+              </a:spcAft>
+              <a:buClrTx/>
+              <a:buSzTx/>
+              <a:buFontTx/>
+              <a:buNone/>
+              <a:tabLst/>
+            </a:pPr>
+            <a:r>
+              <a:rPr kumimoji="0" lang="zh-CN" altLang="zh-CN" sz="1800" b="0" i="0" u="none" strike="noStrike" cap="none" normalizeH="0" baseline="0">
+                <a:ln>
+                  <a:noFill/>
+                </a:ln>
+                <a:solidFill>
+                  <a:schemeClr val="tx1"/>
+                </a:solidFill>
+                <a:effectLst/>
+                <a:latin typeface="Arial" charset="0"/>
+              </a:rPr>
+              <a:t/>
+            </a:r>
+            <a:br>
+              <a:rPr kumimoji="0" lang="zh-CN" altLang="zh-CN" sz="1800" b="0" i="0" u="none" strike="noStrike" cap="none" normalizeH="0" baseline="0">
+                <a:ln>
+                  <a:noFill/>
+                </a:ln>
+                <a:solidFill>
+                  <a:schemeClr val="tx1"/>
+                </a:solidFill>
+                <a:effectLst/>
+                <a:latin typeface="Arial" charset="0"/>
+              </a:rPr>
+            </a:br>
+            <a:endParaRPr kumimoji="0" lang="zh-CN" altLang="zh-CN" sz="1800" b="0" i="0" u="none" strike="noStrike" cap="none" normalizeH="0" baseline="0">
+              <a:ln>
+                <a:noFill/>
+              </a:ln>
+              <a:solidFill>
+                <a:schemeClr val="tx1"/>
+              </a:solidFill>
+              <a:effectLst/>
+              <a:latin typeface="Arial" charset="0"/>
+            </a:endParaRPr>
+          </a:p>
+        </p:txBody>
+      </p:sp>
+      <p:sp>
+        <p:nvSpPr>
+          <p:cNvPr id="6" name="矩形 5"/>
+          <p:cNvSpPr/>
+          <p:nvPr/>
+        </p:nvSpPr>
+        <p:spPr>
+          <a:xfrm>
+            <a:off x="1729561" y="5517447"/>
+            <a:ext cx="8839201" cy="954107"/>
+          </a:xfrm>
+          <a:prstGeom prst="rect">
+            <a:avLst/>
+          </a:prstGeom>
+        </p:spPr>
+        <p:txBody>
+          <a:bodyPr wrap="square">
+            <a:spAutoFit/>
+          </a:bodyPr>
+          <a:lstStyle/>
+          <a:p>
+            <a:r>
+              <a:rPr lang="zh-CN" altLang="en-US" sz="2800" dirty="0">
+                <a:solidFill>
+                  <a:srgbClr val="333333"/>
+                </a:solidFill>
+                <a:latin typeface="Helvetica Neue" charset="0"/>
+              </a:rPr>
+              <a:t>根据上面的数据</a:t>
+            </a:r>
+            <a:r>
+              <a:rPr lang="en-US" altLang="zh-CN" sz="2800" dirty="0">
+                <a:solidFill>
+                  <a:srgbClr val="333333"/>
+                </a:solidFill>
+                <a:latin typeface="Helvetica Neue" charset="0"/>
+              </a:rPr>
+              <a:t>, </a:t>
+            </a:r>
+            <a:r>
+              <a:rPr lang="zh-CN" altLang="en-US" sz="2800" dirty="0">
+                <a:solidFill>
+                  <a:srgbClr val="333333"/>
+                </a:solidFill>
+                <a:latin typeface="Helvetica Neue" charset="0"/>
+              </a:rPr>
+              <a:t>是否能说明开展了健康宣传促进活动以后</a:t>
+            </a:r>
+            <a:r>
+              <a:rPr lang="en-US" altLang="zh-CN" sz="2800" dirty="0">
+                <a:solidFill>
+                  <a:srgbClr val="333333"/>
+                </a:solidFill>
+                <a:latin typeface="Helvetica Neue" charset="0"/>
+              </a:rPr>
+              <a:t>, </a:t>
+            </a:r>
+            <a:r>
+              <a:rPr lang="zh-CN" altLang="en-US" sz="2800" dirty="0">
+                <a:solidFill>
+                  <a:srgbClr val="333333"/>
+                </a:solidFill>
+                <a:latin typeface="Helvetica Neue" charset="0"/>
+              </a:rPr>
+              <a:t>学生对问卷的回答的分布发生了变化</a:t>
+            </a:r>
+            <a:r>
+              <a:rPr lang="en-US" altLang="zh-CN" sz="2800" dirty="0">
+                <a:solidFill>
+                  <a:srgbClr val="333333"/>
+                </a:solidFill>
+                <a:latin typeface="Helvetica Neue" charset="0"/>
+              </a:rPr>
+              <a:t>?</a:t>
+            </a:r>
+            <a:endParaRPr lang="zh-CN" altLang="en-US" sz="2800" dirty="0"/>
           </a:p>
         </p:txBody>
       </p:sp>
@@ -4872,6 +10202,309 @@
       </p:par>
     </p:tnLst>
   </p:timing>
+</p:sld>
+</file>
+
+<file path=ppt/slides/slide8.xml><?xml version="1.0" encoding="utf-8"?>
+<p:sld xmlns:a="http://schemas.openxmlformats.org/drawingml/2006/main" xmlns:r="http://schemas.openxmlformats.org/officeDocument/2006/relationships" xmlns:p="http://schemas.openxmlformats.org/presentationml/2006/main">
+  <p:cSld>
+    <p:spTree>
+      <p:nvGrpSpPr>
+        <p:cNvPr id="1" name=""/>
+        <p:cNvGrpSpPr/>
+        <p:nvPr/>
+      </p:nvGrpSpPr>
+      <p:grpSpPr>
+        <a:xfrm>
+          <a:off x="0" y="0"/>
+          <a:ext cx="0" cy="0"/>
+          <a:chOff x="0" y="0"/>
+          <a:chExt cx="0" cy="0"/>
+        </a:xfrm>
+      </p:grpSpPr>
+      <p:sp>
+        <p:nvSpPr>
+          <p:cNvPr id="2" name="标题 1"/>
+          <p:cNvSpPr>
+            <a:spLocks noGrp="1"/>
+          </p:cNvSpPr>
+          <p:nvPr>
+            <p:ph type="title"/>
+          </p:nvPr>
+        </p:nvSpPr>
+        <p:spPr/>
+        <p:txBody>
+          <a:bodyPr/>
+          <a:lstStyle/>
+          <a:p>
+            <a:r>
+              <a:rPr kumimoji="1" lang="zh-CN" altLang="en-US" dirty="0" smtClean="0"/>
+              <a:t>卡方检验：拟合优度</a:t>
+            </a:r>
+            <a:endParaRPr kumimoji="1" lang="zh-CN" altLang="en-US" dirty="0"/>
+          </a:p>
+        </p:txBody>
+      </p:sp>
+      <p:sp>
+        <p:nvSpPr>
+          <p:cNvPr id="3" name="内容占位符 2"/>
+          <p:cNvSpPr>
+            <a:spLocks noGrp="1"/>
+          </p:cNvSpPr>
+          <p:nvPr>
+            <p:ph idx="1"/>
+          </p:nvPr>
+        </p:nvSpPr>
+        <p:spPr/>
+        <p:txBody>
+          <a:bodyPr/>
+          <a:lstStyle/>
+          <a:p>
+            <a:r>
+              <a:rPr lang="zh-CN" altLang="en-US" dirty="0"/>
+              <a:t>像这种评价一个样本里面各类别数量分布</a:t>
+            </a:r>
+            <a:r>
+              <a:rPr lang="zh-CN" altLang="en-US" dirty="0" smtClean="0"/>
+              <a:t>是否</a:t>
+            </a:r>
+            <a:r>
+              <a:rPr lang="en-US" altLang="zh-CN" dirty="0" smtClean="0"/>
+              <a:t>“</a:t>
+            </a:r>
+            <a:r>
+              <a:rPr lang="zh-CN" altLang="en-US" dirty="0" smtClean="0"/>
+              <a:t>符合</a:t>
+            </a:r>
+            <a:r>
+              <a:rPr lang="en-US" altLang="zh-CN" dirty="0" smtClean="0"/>
+              <a:t>”</a:t>
+            </a:r>
+            <a:r>
+              <a:rPr lang="zh-CN" altLang="en-US" dirty="0" smtClean="0"/>
+              <a:t>一</a:t>
+            </a:r>
+            <a:r>
+              <a:rPr lang="zh-CN" altLang="en-US" dirty="0"/>
+              <a:t>个已知分布的检验</a:t>
+            </a:r>
+            <a:r>
+              <a:rPr lang="en-US" altLang="zh-CN" dirty="0"/>
+              <a:t>,</a:t>
+            </a:r>
+            <a:r>
+              <a:rPr lang="zh-CN" altLang="en-US" dirty="0" smtClean="0"/>
+              <a:t>叫做   </a:t>
+            </a:r>
+            <a:r>
+              <a:rPr lang="zh-CN" altLang="en-US" dirty="0"/>
+              <a:t> </a:t>
+            </a:r>
+            <a:r>
+              <a:rPr lang="en-US" altLang="zh-CN" dirty="0"/>
+              <a:t>goodness of fit</a:t>
+            </a:r>
+            <a:r>
+              <a:rPr lang="zh-CN" altLang="en-US" dirty="0"/>
+              <a:t>检验</a:t>
+            </a:r>
+            <a:r>
+              <a:rPr lang="en-US" altLang="zh-CN" dirty="0"/>
+              <a:t>. </a:t>
+            </a:r>
+            <a:r>
+              <a:rPr lang="zh-CN" altLang="en-US" dirty="0"/>
+              <a:t>检验的是样本因变量的分布是否</a:t>
+            </a:r>
+            <a:r>
+              <a:rPr lang="en-US" altLang="zh-CN" dirty="0"/>
+              <a:t>"</a:t>
+            </a:r>
+            <a:r>
+              <a:rPr lang="zh-CN" altLang="en-US" dirty="0"/>
+              <a:t>符合</a:t>
+            </a:r>
+            <a:r>
+              <a:rPr lang="en-US" altLang="zh-CN" dirty="0"/>
+              <a:t>"</a:t>
+            </a:r>
+            <a:r>
+              <a:rPr lang="zh-CN" altLang="en-US" dirty="0"/>
+              <a:t>一个特定的分布规律</a:t>
+            </a:r>
+            <a:r>
+              <a:rPr lang="en-US" altLang="zh-CN" dirty="0" smtClean="0"/>
+              <a:t>.</a:t>
+            </a:r>
+          </a:p>
+          <a:p>
+            <a:endParaRPr kumimoji="1" lang="zh-CN" altLang="en-US" dirty="0"/>
+          </a:p>
+        </p:txBody>
+      </p:sp>
+      <p:pic>
+        <p:nvPicPr>
+          <p:cNvPr id="4" name="图片 3"/>
+          <p:cNvPicPr>
+            <a:picLocks noChangeAspect="1"/>
+          </p:cNvPicPr>
+          <p:nvPr/>
+        </p:nvPicPr>
+        <p:blipFill>
+          <a:blip r:embed="rId2"/>
+          <a:stretch>
+            <a:fillRect/>
+          </a:stretch>
+        </p:blipFill>
+        <p:spPr>
+          <a:xfrm>
+            <a:off x="5146306" y="2368846"/>
+            <a:ext cx="368300" cy="419100"/>
+          </a:xfrm>
+          <a:prstGeom prst="rect">
+            <a:avLst/>
+          </a:prstGeom>
+        </p:spPr>
+      </p:pic>
+    </p:spTree>
+    <p:extLst>
+      <p:ext uri="{BB962C8B-B14F-4D97-AF65-F5344CB8AC3E}">
+        <p14:creationId xmlns:p14="http://schemas.microsoft.com/office/powerpoint/2010/main" val="551734560"/>
+      </p:ext>
+    </p:extLst>
+  </p:cSld>
+  <p:clrMapOvr>
+    <a:masterClrMapping/>
+  </p:clrMapOvr>
+</p:sld>
+</file>
+
+<file path=ppt/slides/slide9.xml><?xml version="1.0" encoding="utf-8"?>
+<p:sld xmlns:a="http://schemas.openxmlformats.org/drawingml/2006/main" xmlns:r="http://schemas.openxmlformats.org/officeDocument/2006/relationships" xmlns:p="http://schemas.openxmlformats.org/presentationml/2006/main">
+  <p:cSld>
+    <p:spTree>
+      <p:nvGrpSpPr>
+        <p:cNvPr id="1" name=""/>
+        <p:cNvGrpSpPr/>
+        <p:nvPr/>
+      </p:nvGrpSpPr>
+      <p:grpSpPr>
+        <a:xfrm>
+          <a:off x="0" y="0"/>
+          <a:ext cx="0" cy="0"/>
+          <a:chOff x="0" y="0"/>
+          <a:chExt cx="0" cy="0"/>
+        </a:xfrm>
+      </p:grpSpPr>
+      <p:sp>
+        <p:nvSpPr>
+          <p:cNvPr id="2" name="标题 1"/>
+          <p:cNvSpPr>
+            <a:spLocks noGrp="1"/>
+          </p:cNvSpPr>
+          <p:nvPr>
+            <p:ph type="title"/>
+          </p:nvPr>
+        </p:nvSpPr>
+        <p:spPr/>
+        <p:txBody>
+          <a:bodyPr/>
+          <a:lstStyle/>
+          <a:p>
+            <a:r>
+              <a:rPr lang="zh-CN" altLang="en-US" dirty="0"/>
+              <a:t>确定假设和检验</a:t>
+            </a:r>
+            <a:r>
+              <a:rPr lang="zh-CN" altLang="en-US" dirty="0" smtClean="0"/>
+              <a:t>水平</a:t>
+            </a:r>
+            <a:endParaRPr kumimoji="1" lang="zh-CN" altLang="en-US" dirty="0"/>
+          </a:p>
+        </p:txBody>
+      </p:sp>
+      <p:sp>
+        <p:nvSpPr>
+          <p:cNvPr id="3" name="内容占位符 2"/>
+          <p:cNvSpPr>
+            <a:spLocks noGrp="1"/>
+          </p:cNvSpPr>
+          <p:nvPr>
+            <p:ph idx="1"/>
+          </p:nvPr>
+        </p:nvSpPr>
+        <p:spPr>
+          <a:xfrm>
+            <a:off x="1371600" y="4548130"/>
+            <a:ext cx="9601200" cy="1876540"/>
+          </a:xfrm>
+        </p:spPr>
+        <p:txBody>
+          <a:bodyPr/>
+          <a:lstStyle/>
+          <a:p>
+            <a:endParaRPr kumimoji="1" lang="zh-CN" altLang="en-US"/>
+          </a:p>
+        </p:txBody>
+      </p:sp>
+      <p:pic>
+        <p:nvPicPr>
+          <p:cNvPr id="4" name="图片 3"/>
+          <p:cNvPicPr>
+            <a:picLocks noChangeAspect="1"/>
+          </p:cNvPicPr>
+          <p:nvPr/>
+        </p:nvPicPr>
+        <p:blipFill>
+          <a:blip r:embed="rId2"/>
+          <a:stretch>
+            <a:fillRect/>
+          </a:stretch>
+        </p:blipFill>
+        <p:spPr>
+          <a:xfrm>
+            <a:off x="2895600" y="1943737"/>
+            <a:ext cx="6553200" cy="1422400"/>
+          </a:xfrm>
+          <a:prstGeom prst="rect">
+            <a:avLst/>
+          </a:prstGeom>
+        </p:spPr>
+      </p:pic>
+      <p:pic>
+        <p:nvPicPr>
+          <p:cNvPr id="5" name="图片 4"/>
+          <p:cNvPicPr>
+            <a:picLocks noChangeAspect="1"/>
+          </p:cNvPicPr>
+          <p:nvPr/>
+        </p:nvPicPr>
+        <p:blipFill>
+          <a:blip r:embed="rId3"/>
+          <a:stretch>
+            <a:fillRect/>
+          </a:stretch>
+        </p:blipFill>
+        <p:spPr>
+          <a:xfrm>
+            <a:off x="4032250" y="3598880"/>
+            <a:ext cx="4279900" cy="736600"/>
+          </a:xfrm>
+          <a:prstGeom prst="rect">
+            <a:avLst/>
+          </a:prstGeom>
+        </p:spPr>
+      </p:pic>
+    </p:spTree>
+    <p:extLst>
+      <p:ext uri="{BB962C8B-B14F-4D97-AF65-F5344CB8AC3E}">
+        <p14:creationId xmlns:p14="http://schemas.microsoft.com/office/powerpoint/2010/main" val="1539459752"/>
+      </p:ext>
+    </p:extLst>
+  </p:cSld>
+  <p:clrMapOvr>
+    <a:masterClrMapping/>
+  </p:clrMapOvr>
 </p:sld>
 </file>
 

--- a/lect-7/卡方检验.pptx
+++ b/lect-7/卡方检验.pptx
@@ -25,6 +25,27 @@
     <p:sldId id="274" r:id="rId19"/>
     <p:sldId id="275" r:id="rId20"/>
     <p:sldId id="273" r:id="rId21"/>
+    <p:sldId id="276" r:id="rId22"/>
+    <p:sldId id="277" r:id="rId23"/>
+    <p:sldId id="278" r:id="rId24"/>
+    <p:sldId id="279" r:id="rId25"/>
+    <p:sldId id="280" r:id="rId26"/>
+    <p:sldId id="281" r:id="rId27"/>
+    <p:sldId id="282" r:id="rId28"/>
+    <p:sldId id="283" r:id="rId29"/>
+    <p:sldId id="284" r:id="rId30"/>
+    <p:sldId id="285" r:id="rId31"/>
+    <p:sldId id="286" r:id="rId32"/>
+    <p:sldId id="287" r:id="rId33"/>
+    <p:sldId id="288" r:id="rId34"/>
+    <p:sldId id="289" r:id="rId35"/>
+    <p:sldId id="290" r:id="rId36"/>
+    <p:sldId id="291" r:id="rId37"/>
+    <p:sldId id="292" r:id="rId38"/>
+    <p:sldId id="293" r:id="rId39"/>
+    <p:sldId id="294" r:id="rId40"/>
+    <p:sldId id="295" r:id="rId41"/>
+    <p:sldId id="296" r:id="rId42"/>
   </p:sldIdLst>
   <p:sldSz cx="12192000" cy="6858000"/>
   <p:notesSz cx="6858000" cy="9144000"/>
@@ -300,7 +321,7 @@
           <a:p>
             <a:fld id="{D8E0950C-EF3C-4712-8EE4-5F7FAA755B56}" type="datetimeFigureOut">
               <a:rPr lang="zh-CN" altLang="en-US" smtClean="0"/>
-              <a:t>2019/3/30</a:t>
+              <a:t>2019-3-31</a:t>
             </a:fld>
             <a:endParaRPr lang="zh-CN" altLang="en-US"/>
           </a:p>
@@ -630,7 +651,7 @@
           <a:p>
             <a:fld id="{D8E0950C-EF3C-4712-8EE4-5F7FAA755B56}" type="datetimeFigureOut">
               <a:rPr lang="zh-CN" altLang="en-US" smtClean="0"/>
-              <a:t>2019/3/30</a:t>
+              <a:t>2019-3-31</a:t>
             </a:fld>
             <a:endParaRPr lang="zh-CN" altLang="en-US"/>
           </a:p>
@@ -810,7 +831,7 @@
           <a:p>
             <a:fld id="{D8E0950C-EF3C-4712-8EE4-5F7FAA755B56}" type="datetimeFigureOut">
               <a:rPr lang="zh-CN" altLang="en-US" smtClean="0"/>
-              <a:t>2019/3/30</a:t>
+              <a:t>2019-3-31</a:t>
             </a:fld>
             <a:endParaRPr lang="zh-CN" altLang="en-US"/>
           </a:p>
@@ -1008,7 +1029,7 @@
           <a:p>
             <a:fld id="{D8E0950C-EF3C-4712-8EE4-5F7FAA755B56}" type="datetimeFigureOut">
               <a:rPr lang="zh-CN" altLang="en-US" smtClean="0"/>
-              <a:t>2019/3/30</a:t>
+              <a:t>2019-3-31</a:t>
             </a:fld>
             <a:endParaRPr lang="zh-CN" altLang="en-US"/>
           </a:p>
@@ -1285,7 +1306,7 @@
           <a:p>
             <a:fld id="{D8E0950C-EF3C-4712-8EE4-5F7FAA755B56}" type="datetimeFigureOut">
               <a:rPr lang="zh-CN" altLang="en-US" smtClean="0"/>
-              <a:t>2019/3/30</a:t>
+              <a:t>2019-3-31</a:t>
             </a:fld>
             <a:endParaRPr lang="zh-CN" altLang="en-US"/>
           </a:p>
@@ -1679,7 +1700,7 @@
           <a:p>
             <a:fld id="{D8E0950C-EF3C-4712-8EE4-5F7FAA755B56}" type="datetimeFigureOut">
               <a:rPr lang="zh-CN" altLang="en-US" smtClean="0"/>
-              <a:t>2019/3/30</a:t>
+              <a:t>2019-3-31</a:t>
             </a:fld>
             <a:endParaRPr lang="zh-CN" altLang="en-US"/>
           </a:p>
@@ -2156,7 +2177,7 @@
           <a:p>
             <a:fld id="{D8E0950C-EF3C-4712-8EE4-5F7FAA755B56}" type="datetimeFigureOut">
               <a:rPr lang="zh-CN" altLang="en-US" smtClean="0"/>
-              <a:t>2019/3/30</a:t>
+              <a:t>2019-3-31</a:t>
             </a:fld>
             <a:endParaRPr lang="zh-CN" altLang="en-US"/>
           </a:p>
@@ -2274,7 +2295,7 @@
           <a:p>
             <a:fld id="{D8E0950C-EF3C-4712-8EE4-5F7FAA755B56}" type="datetimeFigureOut">
               <a:rPr lang="zh-CN" altLang="en-US" smtClean="0"/>
-              <a:t>2019/3/30</a:t>
+              <a:t>2019-3-31</a:t>
             </a:fld>
             <a:endParaRPr lang="zh-CN" altLang="en-US"/>
           </a:p>
@@ -2369,7 +2390,7 @@
           <a:p>
             <a:fld id="{D8E0950C-EF3C-4712-8EE4-5F7FAA755B56}" type="datetimeFigureOut">
               <a:rPr lang="zh-CN" altLang="en-US" smtClean="0"/>
-              <a:t>2019/3/30</a:t>
+              <a:t>2019-3-31</a:t>
             </a:fld>
             <a:endParaRPr lang="zh-CN" altLang="en-US"/>
           </a:p>
@@ -2715,7 +2736,7 @@
           <a:p>
             <a:fld id="{D8E0950C-EF3C-4712-8EE4-5F7FAA755B56}" type="datetimeFigureOut">
               <a:rPr lang="zh-CN" altLang="en-US" smtClean="0"/>
-              <a:t>2019/3/30</a:t>
+              <a:t>2019-3-31</a:t>
             </a:fld>
             <a:endParaRPr lang="zh-CN" altLang="en-US"/>
           </a:p>
@@ -3103,7 +3124,7 @@
           <a:p>
             <a:fld id="{D8E0950C-EF3C-4712-8EE4-5F7FAA755B56}" type="datetimeFigureOut">
               <a:rPr lang="zh-CN" altLang="en-US" smtClean="0"/>
-              <a:t>2019/3/30</a:t>
+              <a:t>2019-3-31</a:t>
             </a:fld>
             <a:endParaRPr lang="zh-CN" altLang="en-US"/>
           </a:p>
@@ -3381,7 +3402,7 @@
           <a:p>
             <a:fld id="{D8E0950C-EF3C-4712-8EE4-5F7FAA755B56}" type="datetimeFigureOut">
               <a:rPr lang="zh-CN" altLang="en-US" smtClean="0"/>
-              <a:t>2019/3/30</a:t>
+              <a:t>2019-3-31</a:t>
             </a:fld>
             <a:endParaRPr lang="zh-CN" altLang="en-US"/>
           </a:p>
@@ -8437,6 +8458,3226 @@
 </p:sld>
 </file>
 
+<file path=ppt/slides/slide21.xml><?xml version="1.0" encoding="utf-8"?>
+<p:sld xmlns:a="http://schemas.openxmlformats.org/drawingml/2006/main" xmlns:r="http://schemas.openxmlformats.org/officeDocument/2006/relationships" xmlns:p="http://schemas.openxmlformats.org/presentationml/2006/main">
+  <p:cSld>
+    <p:spTree>
+      <p:nvGrpSpPr>
+        <p:cNvPr id="1" name=""/>
+        <p:cNvGrpSpPr/>
+        <p:nvPr/>
+      </p:nvGrpSpPr>
+      <p:grpSpPr>
+        <a:xfrm>
+          <a:off x="0" y="0"/>
+          <a:ext cx="0" cy="0"/>
+          <a:chOff x="0" y="0"/>
+          <a:chExt cx="0" cy="0"/>
+        </a:xfrm>
+      </p:grpSpPr>
+      <p:sp>
+        <p:nvSpPr>
+          <p:cNvPr id="2" name="标题 1"/>
+          <p:cNvSpPr>
+            <a:spLocks noGrp="1"/>
+          </p:cNvSpPr>
+          <p:nvPr>
+            <p:ph type="title"/>
+          </p:nvPr>
+        </p:nvSpPr>
+        <p:spPr/>
+        <p:txBody>
+          <a:bodyPr/>
+          <a:lstStyle/>
+          <a:p>
+            <a:r>
+              <a:rPr lang="zh-CN" altLang="en-US" dirty="0"/>
+              <a:t>例题</a:t>
+            </a:r>
+          </a:p>
+        </p:txBody>
+      </p:sp>
+      <p:sp>
+        <p:nvSpPr>
+          <p:cNvPr id="3" name="内容占位符 2"/>
+          <p:cNvSpPr>
+            <a:spLocks noGrp="1"/>
+          </p:cNvSpPr>
+          <p:nvPr>
+            <p:ph idx="1"/>
+          </p:nvPr>
+        </p:nvSpPr>
+        <p:spPr/>
+        <p:txBody>
+          <a:bodyPr/>
+          <a:lstStyle/>
+          <a:p>
+            <a:r>
+              <a:rPr lang="zh-CN" altLang="en-US" dirty="0"/>
+              <a:t>在单样本的那个实例里面</a:t>
+            </a:r>
+            <a:r>
+              <a:rPr lang="en-US" altLang="zh-CN" dirty="0"/>
+              <a:t>, </a:t>
+            </a:r>
+            <a:r>
+              <a:rPr lang="zh-CN" altLang="en-US" dirty="0"/>
+              <a:t>我们考察了全校学生锻炼的情况</a:t>
+            </a:r>
+            <a:r>
+              <a:rPr lang="en-US" altLang="zh-CN" dirty="0"/>
+              <a:t>. </a:t>
+            </a:r>
+            <a:r>
+              <a:rPr lang="zh-CN" altLang="en-US" dirty="0"/>
+              <a:t>下面这个研究调查了</a:t>
+            </a:r>
+            <a:r>
+              <a:rPr lang="en-US" altLang="zh-CN" dirty="0"/>
+              <a:t>470</a:t>
+            </a:r>
+            <a:r>
+              <a:rPr lang="zh-CN" altLang="en-US" dirty="0"/>
+              <a:t>名毕业生</a:t>
+            </a:r>
+            <a:r>
+              <a:rPr lang="en-US" altLang="zh-CN" dirty="0"/>
+              <a:t>. </a:t>
+            </a:r>
+            <a:r>
+              <a:rPr lang="zh-CN" altLang="en-US" dirty="0"/>
+              <a:t>除了调查他们的锻炼频率</a:t>
+            </a:r>
+            <a:r>
+              <a:rPr lang="en-US" altLang="zh-CN" dirty="0"/>
+              <a:t>, </a:t>
+            </a:r>
+            <a:r>
+              <a:rPr lang="zh-CN" altLang="en-US" dirty="0"/>
+              <a:t>还调查了他们居住的情况</a:t>
+            </a:r>
+            <a:r>
+              <a:rPr lang="en-US" altLang="zh-CN" dirty="0"/>
+              <a:t>,</a:t>
+            </a:r>
+            <a:r>
+              <a:rPr lang="zh-CN" altLang="en-US" dirty="0"/>
+              <a:t>有下表</a:t>
+            </a:r>
+            <a:r>
+              <a:rPr lang="en-US" altLang="zh-CN" dirty="0"/>
+              <a:t>:</a:t>
+            </a:r>
+            <a:endParaRPr lang="zh-CN" altLang="en-US" dirty="0"/>
+          </a:p>
+        </p:txBody>
+      </p:sp>
+      <p:graphicFrame>
+        <p:nvGraphicFramePr>
+          <p:cNvPr id="4" name="表格 3"/>
+          <p:cNvGraphicFramePr>
+            <a:graphicFrameLocks noGrp="1"/>
+          </p:cNvGraphicFramePr>
+          <p:nvPr>
+            <p:extLst>
+              <p:ext uri="{D42A27DB-BD31-4B8C-83A1-F6EECF244321}">
+                <p14:modId xmlns:p14="http://schemas.microsoft.com/office/powerpoint/2010/main" val="4193685543"/>
+              </p:ext>
+            </p:extLst>
+          </p:nvPr>
+        </p:nvGraphicFramePr>
+        <p:xfrm>
+          <a:off x="1512277" y="3477940"/>
+          <a:ext cx="9601200" cy="3131820"/>
+        </p:xfrm>
+        <a:graphic>
+          <a:graphicData uri="http://schemas.openxmlformats.org/drawingml/2006/table">
+            <a:tbl>
+              <a:tblPr>
+                <a:tableStyleId>{9D7B26C5-4107-4FEC-AEDC-1716B250A1EF}</a:tableStyleId>
+              </a:tblPr>
+              <a:tblGrid>
+                <a:gridCol w="1920240"/>
+                <a:gridCol w="1920240"/>
+                <a:gridCol w="1920240"/>
+                <a:gridCol w="1920240"/>
+                <a:gridCol w="1920240"/>
+              </a:tblGrid>
+              <a:tr h="0">
+                <a:tc>
+                  <a:txBody>
+                    <a:bodyPr/>
+                    <a:lstStyle/>
+                    <a:p>
+                      <a:pPr algn="l"/>
+                      <a:r>
+                        <a:rPr lang="zh-CN" altLang="en-US" sz="2400">
+                          <a:effectLst/>
+                        </a:rPr>
+                        <a:t>住宿</a:t>
+                      </a:r>
+                    </a:p>
+                  </a:txBody>
+                  <a:tcPr marL="95250" marR="95250" marT="47625" marB="47625" anchor="ctr"/>
+                </a:tc>
+                <a:tc>
+                  <a:txBody>
+                    <a:bodyPr/>
+                    <a:lstStyle/>
+                    <a:p>
+                      <a:pPr algn="l"/>
+                      <a:r>
+                        <a:rPr lang="zh-CN" altLang="en-US" sz="2400">
+                          <a:effectLst/>
+                        </a:rPr>
+                        <a:t>没有规律锻炼</a:t>
+                      </a:r>
+                    </a:p>
+                  </a:txBody>
+                  <a:tcPr marL="95250" marR="95250" marT="47625" marB="47625" anchor="ctr"/>
+                </a:tc>
+                <a:tc>
+                  <a:txBody>
+                    <a:bodyPr/>
+                    <a:lstStyle/>
+                    <a:p>
+                      <a:pPr algn="l"/>
+                      <a:r>
+                        <a:rPr lang="zh-CN" altLang="en-US" sz="2400">
+                          <a:effectLst/>
+                        </a:rPr>
+                        <a:t>偶尔锻炼</a:t>
+                      </a:r>
+                    </a:p>
+                  </a:txBody>
+                  <a:tcPr marL="95250" marR="95250" marT="47625" marB="47625" anchor="ctr"/>
+                </a:tc>
+                <a:tc>
+                  <a:txBody>
+                    <a:bodyPr/>
+                    <a:lstStyle/>
+                    <a:p>
+                      <a:pPr algn="l"/>
+                      <a:r>
+                        <a:rPr lang="zh-CN" altLang="en-US" sz="2400">
+                          <a:effectLst/>
+                        </a:rPr>
+                        <a:t>规律锻炼</a:t>
+                      </a:r>
+                    </a:p>
+                  </a:txBody>
+                  <a:tcPr marL="95250" marR="95250" marT="47625" marB="47625" anchor="ctr"/>
+                </a:tc>
+                <a:tc>
+                  <a:txBody>
+                    <a:bodyPr/>
+                    <a:lstStyle/>
+                    <a:p>
+                      <a:pPr algn="l"/>
+                      <a:r>
+                        <a:rPr lang="zh-CN" altLang="en-US" sz="2400">
+                          <a:effectLst/>
+                        </a:rPr>
+                        <a:t>总体</a:t>
+                      </a:r>
+                    </a:p>
+                  </a:txBody>
+                  <a:tcPr marL="95250" marR="95250" marT="47625" marB="47625" anchor="ctr"/>
+                </a:tc>
+              </a:tr>
+              <a:tr h="0">
+                <a:tc>
+                  <a:txBody>
+                    <a:bodyPr/>
+                    <a:lstStyle/>
+                    <a:p>
+                      <a:r>
+                        <a:rPr lang="zh-CN" altLang="en-US" sz="2400">
+                          <a:effectLst/>
+                        </a:rPr>
+                        <a:t>宿舍</a:t>
+                      </a:r>
+                    </a:p>
+                  </a:txBody>
+                  <a:tcPr marL="95250" marR="95250" marT="47625" marB="47625" anchor="ctr"/>
+                </a:tc>
+                <a:tc>
+                  <a:txBody>
+                    <a:bodyPr/>
+                    <a:lstStyle/>
+                    <a:p>
+                      <a:r>
+                        <a:rPr lang="en-US" altLang="zh-CN" sz="2400">
+                          <a:effectLst/>
+                        </a:rPr>
+                        <a:t>32</a:t>
+                      </a:r>
+                    </a:p>
+                  </a:txBody>
+                  <a:tcPr marL="95250" marR="95250" marT="47625" marB="47625" anchor="ctr"/>
+                </a:tc>
+                <a:tc>
+                  <a:txBody>
+                    <a:bodyPr/>
+                    <a:lstStyle/>
+                    <a:p>
+                      <a:r>
+                        <a:rPr lang="en-US" altLang="zh-CN" sz="2400">
+                          <a:effectLst/>
+                        </a:rPr>
+                        <a:t>30</a:t>
+                      </a:r>
+                    </a:p>
+                  </a:txBody>
+                  <a:tcPr marL="95250" marR="95250" marT="47625" marB="47625" anchor="ctr"/>
+                </a:tc>
+                <a:tc>
+                  <a:txBody>
+                    <a:bodyPr/>
+                    <a:lstStyle/>
+                    <a:p>
+                      <a:r>
+                        <a:rPr lang="en-US" altLang="zh-CN" sz="2400">
+                          <a:effectLst/>
+                        </a:rPr>
+                        <a:t>28</a:t>
+                      </a:r>
+                    </a:p>
+                  </a:txBody>
+                  <a:tcPr marL="95250" marR="95250" marT="47625" marB="47625" anchor="ctr"/>
+                </a:tc>
+                <a:tc>
+                  <a:txBody>
+                    <a:bodyPr/>
+                    <a:lstStyle/>
+                    <a:p>
+                      <a:r>
+                        <a:rPr lang="en-US" altLang="zh-CN" sz="2400">
+                          <a:effectLst/>
+                        </a:rPr>
+                        <a:t>90</a:t>
+                      </a:r>
+                    </a:p>
+                  </a:txBody>
+                  <a:tcPr marL="95250" marR="95250" marT="47625" marB="47625" anchor="ctr"/>
+                </a:tc>
+              </a:tr>
+              <a:tr h="0">
+                <a:tc>
+                  <a:txBody>
+                    <a:bodyPr/>
+                    <a:lstStyle/>
+                    <a:p>
+                      <a:r>
+                        <a:rPr lang="zh-CN" altLang="en-US" sz="2400">
+                          <a:effectLst/>
+                        </a:rPr>
+                        <a:t>校内公寓</a:t>
+                      </a:r>
+                    </a:p>
+                  </a:txBody>
+                  <a:tcPr marL="95250" marR="95250" marT="47625" marB="47625" anchor="ctr"/>
+                </a:tc>
+                <a:tc>
+                  <a:txBody>
+                    <a:bodyPr/>
+                    <a:lstStyle/>
+                    <a:p>
+                      <a:r>
+                        <a:rPr lang="en-US" altLang="zh-CN" sz="2400">
+                          <a:effectLst/>
+                        </a:rPr>
+                        <a:t>74</a:t>
+                      </a:r>
+                    </a:p>
+                  </a:txBody>
+                  <a:tcPr marL="95250" marR="95250" marT="47625" marB="47625" anchor="ctr"/>
+                </a:tc>
+                <a:tc>
+                  <a:txBody>
+                    <a:bodyPr/>
+                    <a:lstStyle/>
+                    <a:p>
+                      <a:r>
+                        <a:rPr lang="en-US" altLang="zh-CN" sz="2400">
+                          <a:effectLst/>
+                        </a:rPr>
+                        <a:t>64</a:t>
+                      </a:r>
+                    </a:p>
+                  </a:txBody>
+                  <a:tcPr marL="95250" marR="95250" marT="47625" marB="47625" anchor="ctr"/>
+                </a:tc>
+                <a:tc>
+                  <a:txBody>
+                    <a:bodyPr/>
+                    <a:lstStyle/>
+                    <a:p>
+                      <a:r>
+                        <a:rPr lang="en-US" altLang="zh-CN" sz="2400">
+                          <a:effectLst/>
+                        </a:rPr>
+                        <a:t>42</a:t>
+                      </a:r>
+                    </a:p>
+                  </a:txBody>
+                  <a:tcPr marL="95250" marR="95250" marT="47625" marB="47625" anchor="ctr"/>
+                </a:tc>
+                <a:tc>
+                  <a:txBody>
+                    <a:bodyPr/>
+                    <a:lstStyle/>
+                    <a:p>
+                      <a:r>
+                        <a:rPr lang="en-US" altLang="zh-CN" sz="2400">
+                          <a:effectLst/>
+                        </a:rPr>
+                        <a:t>180</a:t>
+                      </a:r>
+                    </a:p>
+                  </a:txBody>
+                  <a:tcPr marL="95250" marR="95250" marT="47625" marB="47625" anchor="ctr"/>
+                </a:tc>
+              </a:tr>
+              <a:tr h="0">
+                <a:tc>
+                  <a:txBody>
+                    <a:bodyPr/>
+                    <a:lstStyle/>
+                    <a:p>
+                      <a:r>
+                        <a:rPr lang="zh-CN" altLang="en-US" sz="2400">
+                          <a:effectLst/>
+                        </a:rPr>
+                        <a:t>校外公寓</a:t>
+                      </a:r>
+                    </a:p>
+                  </a:txBody>
+                  <a:tcPr marL="95250" marR="95250" marT="47625" marB="47625" anchor="ctr"/>
+                </a:tc>
+                <a:tc>
+                  <a:txBody>
+                    <a:bodyPr/>
+                    <a:lstStyle/>
+                    <a:p>
+                      <a:r>
+                        <a:rPr lang="en-US" altLang="zh-CN" sz="2400">
+                          <a:effectLst/>
+                        </a:rPr>
+                        <a:t>110</a:t>
+                      </a:r>
+                    </a:p>
+                  </a:txBody>
+                  <a:tcPr marL="95250" marR="95250" marT="47625" marB="47625" anchor="ctr"/>
+                </a:tc>
+                <a:tc>
+                  <a:txBody>
+                    <a:bodyPr/>
+                    <a:lstStyle/>
+                    <a:p>
+                      <a:r>
+                        <a:rPr lang="en-US" altLang="zh-CN" sz="2400">
+                          <a:effectLst/>
+                        </a:rPr>
+                        <a:t>25</a:t>
+                      </a:r>
+                    </a:p>
+                  </a:txBody>
+                  <a:tcPr marL="95250" marR="95250" marT="47625" marB="47625" anchor="ctr"/>
+                </a:tc>
+                <a:tc>
+                  <a:txBody>
+                    <a:bodyPr/>
+                    <a:lstStyle/>
+                    <a:p>
+                      <a:r>
+                        <a:rPr lang="en-US" altLang="zh-CN" sz="2400">
+                          <a:effectLst/>
+                        </a:rPr>
+                        <a:t>15</a:t>
+                      </a:r>
+                    </a:p>
+                  </a:txBody>
+                  <a:tcPr marL="95250" marR="95250" marT="47625" marB="47625" anchor="ctr"/>
+                </a:tc>
+                <a:tc>
+                  <a:txBody>
+                    <a:bodyPr/>
+                    <a:lstStyle/>
+                    <a:p>
+                      <a:r>
+                        <a:rPr lang="en-US" altLang="zh-CN" sz="2400">
+                          <a:effectLst/>
+                        </a:rPr>
+                        <a:t>150</a:t>
+                      </a:r>
+                    </a:p>
+                  </a:txBody>
+                  <a:tcPr marL="95250" marR="95250" marT="47625" marB="47625" anchor="ctr"/>
+                </a:tc>
+              </a:tr>
+              <a:tr h="0">
+                <a:tc>
+                  <a:txBody>
+                    <a:bodyPr/>
+                    <a:lstStyle/>
+                    <a:p>
+                      <a:r>
+                        <a:rPr lang="zh-CN" altLang="en-US" sz="2400">
+                          <a:effectLst/>
+                        </a:rPr>
+                        <a:t>家里</a:t>
+                      </a:r>
+                    </a:p>
+                  </a:txBody>
+                  <a:tcPr marL="95250" marR="95250" marT="47625" marB="47625" anchor="ctr"/>
+                </a:tc>
+                <a:tc>
+                  <a:txBody>
+                    <a:bodyPr/>
+                    <a:lstStyle/>
+                    <a:p>
+                      <a:r>
+                        <a:rPr lang="en-US" altLang="zh-CN" sz="2400">
+                          <a:effectLst/>
+                        </a:rPr>
+                        <a:t>39</a:t>
+                      </a:r>
+                    </a:p>
+                  </a:txBody>
+                  <a:tcPr marL="95250" marR="95250" marT="47625" marB="47625" anchor="ctr"/>
+                </a:tc>
+                <a:tc>
+                  <a:txBody>
+                    <a:bodyPr/>
+                    <a:lstStyle/>
+                    <a:p>
+                      <a:r>
+                        <a:rPr lang="en-US" altLang="zh-CN" sz="2400">
+                          <a:effectLst/>
+                        </a:rPr>
+                        <a:t>6</a:t>
+                      </a:r>
+                    </a:p>
+                  </a:txBody>
+                  <a:tcPr marL="95250" marR="95250" marT="47625" marB="47625" anchor="ctr"/>
+                </a:tc>
+                <a:tc>
+                  <a:txBody>
+                    <a:bodyPr/>
+                    <a:lstStyle/>
+                    <a:p>
+                      <a:r>
+                        <a:rPr lang="en-US" altLang="zh-CN" sz="2400">
+                          <a:effectLst/>
+                        </a:rPr>
+                        <a:t>5</a:t>
+                      </a:r>
+                    </a:p>
+                  </a:txBody>
+                  <a:tcPr marL="95250" marR="95250" marT="47625" marB="47625" anchor="ctr"/>
+                </a:tc>
+                <a:tc>
+                  <a:txBody>
+                    <a:bodyPr/>
+                    <a:lstStyle/>
+                    <a:p>
+                      <a:r>
+                        <a:rPr lang="en-US" altLang="zh-CN" sz="2400">
+                          <a:effectLst/>
+                        </a:rPr>
+                        <a:t>50</a:t>
+                      </a:r>
+                    </a:p>
+                  </a:txBody>
+                  <a:tcPr marL="95250" marR="95250" marT="47625" marB="47625" anchor="ctr"/>
+                </a:tc>
+              </a:tr>
+              <a:tr h="0">
+                <a:tc>
+                  <a:txBody>
+                    <a:bodyPr/>
+                    <a:lstStyle/>
+                    <a:p>
+                      <a:r>
+                        <a:rPr lang="zh-CN" altLang="en-US" sz="2400">
+                          <a:effectLst/>
+                        </a:rPr>
+                        <a:t>总体</a:t>
+                      </a:r>
+                    </a:p>
+                  </a:txBody>
+                  <a:tcPr marL="95250" marR="95250" marT="47625" marB="47625" anchor="ctr"/>
+                </a:tc>
+                <a:tc>
+                  <a:txBody>
+                    <a:bodyPr/>
+                    <a:lstStyle/>
+                    <a:p>
+                      <a:r>
+                        <a:rPr lang="en-US" altLang="zh-CN" sz="2400">
+                          <a:effectLst/>
+                        </a:rPr>
+                        <a:t>255</a:t>
+                      </a:r>
+                    </a:p>
+                  </a:txBody>
+                  <a:tcPr marL="95250" marR="95250" marT="47625" marB="47625" anchor="ctr"/>
+                </a:tc>
+                <a:tc>
+                  <a:txBody>
+                    <a:bodyPr/>
+                    <a:lstStyle/>
+                    <a:p>
+                      <a:r>
+                        <a:rPr lang="en-US" altLang="zh-CN" sz="2400">
+                          <a:effectLst/>
+                        </a:rPr>
+                        <a:t>125</a:t>
+                      </a:r>
+                    </a:p>
+                  </a:txBody>
+                  <a:tcPr marL="95250" marR="95250" marT="47625" marB="47625" anchor="ctr"/>
+                </a:tc>
+                <a:tc>
+                  <a:txBody>
+                    <a:bodyPr/>
+                    <a:lstStyle/>
+                    <a:p>
+                      <a:r>
+                        <a:rPr lang="en-US" altLang="zh-CN" sz="2400">
+                          <a:effectLst/>
+                        </a:rPr>
+                        <a:t>90</a:t>
+                      </a:r>
+                    </a:p>
+                  </a:txBody>
+                  <a:tcPr marL="95250" marR="95250" marT="47625" marB="47625" anchor="ctr"/>
+                </a:tc>
+                <a:tc>
+                  <a:txBody>
+                    <a:bodyPr/>
+                    <a:lstStyle/>
+                    <a:p>
+                      <a:r>
+                        <a:rPr lang="en-US" altLang="zh-CN" sz="2400" dirty="0">
+                          <a:effectLst/>
+                        </a:rPr>
+                        <a:t>470</a:t>
+                      </a:r>
+                    </a:p>
+                  </a:txBody>
+                  <a:tcPr marL="95250" marR="95250" marT="47625" marB="47625" anchor="ctr"/>
+                </a:tc>
+              </a:tr>
+            </a:tbl>
+          </a:graphicData>
+        </a:graphic>
+      </p:graphicFrame>
+    </p:spTree>
+    <p:extLst>
+      <p:ext uri="{BB962C8B-B14F-4D97-AF65-F5344CB8AC3E}">
+        <p14:creationId xmlns:p14="http://schemas.microsoft.com/office/powerpoint/2010/main" val="2851381144"/>
+      </p:ext>
+    </p:extLst>
+  </p:cSld>
+  <p:clrMapOvr>
+    <a:masterClrMapping/>
+  </p:clrMapOvr>
+</p:sld>
+</file>
+
+<file path=ppt/slides/slide22.xml><?xml version="1.0" encoding="utf-8"?>
+<p:sld xmlns:a="http://schemas.openxmlformats.org/drawingml/2006/main" xmlns:r="http://schemas.openxmlformats.org/officeDocument/2006/relationships" xmlns:p="http://schemas.openxmlformats.org/presentationml/2006/main">
+  <p:cSld>
+    <p:spTree>
+      <p:nvGrpSpPr>
+        <p:cNvPr id="1" name=""/>
+        <p:cNvGrpSpPr/>
+        <p:nvPr/>
+      </p:nvGrpSpPr>
+      <p:grpSpPr>
+        <a:xfrm>
+          <a:off x="0" y="0"/>
+          <a:ext cx="0" cy="0"/>
+          <a:chOff x="0" y="0"/>
+          <a:chExt cx="0" cy="0"/>
+        </a:xfrm>
+      </p:grpSpPr>
+      <p:sp>
+        <p:nvSpPr>
+          <p:cNvPr id="2" name="标题 1"/>
+          <p:cNvSpPr>
+            <a:spLocks noGrp="1"/>
+          </p:cNvSpPr>
+          <p:nvPr>
+            <p:ph type="title"/>
+          </p:nvPr>
+        </p:nvSpPr>
+        <p:spPr/>
+        <p:txBody>
+          <a:bodyPr/>
+          <a:lstStyle/>
+          <a:p>
+            <a:r>
+              <a:rPr lang="zh-CN" altLang="en-US" dirty="0"/>
+              <a:t>确定假设和检验水平</a:t>
+            </a:r>
+          </a:p>
+        </p:txBody>
+      </p:sp>
+      <p:sp>
+        <p:nvSpPr>
+          <p:cNvPr id="3" name="内容占位符 2"/>
+          <p:cNvSpPr>
+            <a:spLocks noGrp="1"/>
+          </p:cNvSpPr>
+          <p:nvPr>
+            <p:ph idx="1"/>
+          </p:nvPr>
+        </p:nvSpPr>
+        <p:spPr/>
+        <p:txBody>
+          <a:bodyPr/>
+          <a:lstStyle/>
+          <a:p>
+            <a:r>
+              <a:rPr lang="en-US" altLang="zh-CN" dirty="0"/>
+              <a:t>H0: </a:t>
+            </a:r>
+            <a:r>
+              <a:rPr lang="zh-CN" altLang="en-US" dirty="0"/>
+              <a:t>居住情况和锻炼频率彼此独立</a:t>
+            </a:r>
+            <a:r>
+              <a:rPr lang="en-US" altLang="zh-CN" dirty="0"/>
+              <a:t>, </a:t>
+            </a:r>
+            <a:r>
+              <a:rPr lang="zh-CN" altLang="en-US" dirty="0"/>
+              <a:t>备择假设</a:t>
+            </a:r>
+            <a:r>
+              <a:rPr lang="en-US" altLang="zh-CN" dirty="0"/>
+              <a:t>: </a:t>
+            </a:r>
+            <a:r>
+              <a:rPr lang="zh-CN" altLang="en-US" dirty="0"/>
+              <a:t>居住情况和锻炼频率彼此不独立</a:t>
+            </a:r>
+            <a:r>
+              <a:rPr lang="en-US" altLang="zh-CN" dirty="0"/>
+              <a:t>. </a:t>
+            </a:r>
+            <a:r>
+              <a:rPr lang="en-US" altLang="zh-CN" i="1" dirty="0" smtClean="0"/>
+              <a:t>α</a:t>
+            </a:r>
+            <a:r>
+              <a:rPr lang="en-US" altLang="zh-CN" dirty="0" smtClean="0"/>
+              <a:t>=0.05</a:t>
+            </a:r>
+            <a:endParaRPr lang="zh-CN" altLang="en-US" dirty="0"/>
+          </a:p>
+        </p:txBody>
+      </p:sp>
+    </p:spTree>
+    <p:extLst>
+      <p:ext uri="{BB962C8B-B14F-4D97-AF65-F5344CB8AC3E}">
+        <p14:creationId xmlns:p14="http://schemas.microsoft.com/office/powerpoint/2010/main" val="2922135590"/>
+      </p:ext>
+    </p:extLst>
+  </p:cSld>
+  <p:clrMapOvr>
+    <a:masterClrMapping/>
+  </p:clrMapOvr>
+</p:sld>
+</file>
+
+<file path=ppt/slides/slide23.xml><?xml version="1.0" encoding="utf-8"?>
+<p:sld xmlns:a="http://schemas.openxmlformats.org/drawingml/2006/main" xmlns:r="http://schemas.openxmlformats.org/officeDocument/2006/relationships" xmlns:p="http://schemas.openxmlformats.org/presentationml/2006/main">
+  <p:cSld>
+    <p:spTree>
+      <p:nvGrpSpPr>
+        <p:cNvPr id="1" name=""/>
+        <p:cNvGrpSpPr/>
+        <p:nvPr/>
+      </p:nvGrpSpPr>
+      <p:grpSpPr>
+        <a:xfrm>
+          <a:off x="0" y="0"/>
+          <a:ext cx="0" cy="0"/>
+          <a:chOff x="0" y="0"/>
+          <a:chExt cx="0" cy="0"/>
+        </a:xfrm>
+      </p:grpSpPr>
+      <p:sp>
+        <p:nvSpPr>
+          <p:cNvPr id="2" name="标题 1"/>
+          <p:cNvSpPr>
+            <a:spLocks noGrp="1"/>
+          </p:cNvSpPr>
+          <p:nvPr>
+            <p:ph type="title"/>
+          </p:nvPr>
+        </p:nvSpPr>
+        <p:spPr/>
+        <p:txBody>
+          <a:bodyPr/>
+          <a:lstStyle/>
+          <a:p>
+            <a:r>
+              <a:rPr lang="zh-CN" altLang="en-US" dirty="0"/>
+              <a:t>选择恰当的统计量</a:t>
+            </a:r>
+          </a:p>
+        </p:txBody>
+      </p:sp>
+      <p:sp>
+        <p:nvSpPr>
+          <p:cNvPr id="3" name="内容占位符 2"/>
+          <p:cNvSpPr>
+            <a:spLocks noGrp="1"/>
+          </p:cNvSpPr>
+          <p:nvPr>
+            <p:ph idx="1"/>
+          </p:nvPr>
+        </p:nvSpPr>
+        <p:spPr/>
+        <p:txBody>
+          <a:bodyPr/>
+          <a:lstStyle/>
+          <a:p>
+            <a:endParaRPr lang="zh-CN" altLang="en-US"/>
+          </a:p>
+        </p:txBody>
+      </p:sp>
+      <p:pic>
+        <p:nvPicPr>
+          <p:cNvPr id="4" name="图片 3"/>
+          <p:cNvPicPr>
+            <a:picLocks noChangeAspect="1"/>
+          </p:cNvPicPr>
+          <p:nvPr/>
+        </p:nvPicPr>
+        <p:blipFill>
+          <a:blip r:embed="rId2"/>
+          <a:stretch>
+            <a:fillRect/>
+          </a:stretch>
+        </p:blipFill>
+        <p:spPr>
+          <a:xfrm>
+            <a:off x="1160585" y="1146696"/>
+            <a:ext cx="10630122" cy="3724242"/>
+          </a:xfrm>
+          <a:prstGeom prst="rect">
+            <a:avLst/>
+          </a:prstGeom>
+        </p:spPr>
+      </p:pic>
+      <p:pic>
+        <p:nvPicPr>
+          <p:cNvPr id="5" name="图片 4"/>
+          <p:cNvPicPr>
+            <a:picLocks noChangeAspect="1"/>
+          </p:cNvPicPr>
+          <p:nvPr/>
+        </p:nvPicPr>
+        <p:blipFill>
+          <a:blip r:embed="rId3"/>
+          <a:stretch>
+            <a:fillRect/>
+          </a:stretch>
+        </p:blipFill>
+        <p:spPr>
+          <a:xfrm>
+            <a:off x="1437050" y="5081978"/>
+            <a:ext cx="9470298" cy="1610078"/>
+          </a:xfrm>
+          <a:prstGeom prst="rect">
+            <a:avLst/>
+          </a:prstGeom>
+        </p:spPr>
+      </p:pic>
+    </p:spTree>
+    <p:extLst>
+      <p:ext uri="{BB962C8B-B14F-4D97-AF65-F5344CB8AC3E}">
+        <p14:creationId xmlns:p14="http://schemas.microsoft.com/office/powerpoint/2010/main" val="685208340"/>
+      </p:ext>
+    </p:extLst>
+  </p:cSld>
+  <p:clrMapOvr>
+    <a:masterClrMapping/>
+  </p:clrMapOvr>
+</p:sld>
+</file>
+
+<file path=ppt/slides/slide24.xml><?xml version="1.0" encoding="utf-8"?>
+<p:sld xmlns:a="http://schemas.openxmlformats.org/drawingml/2006/main" xmlns:r="http://schemas.openxmlformats.org/officeDocument/2006/relationships" xmlns:p="http://schemas.openxmlformats.org/presentationml/2006/main">
+  <p:cSld>
+    <p:spTree>
+      <p:nvGrpSpPr>
+        <p:cNvPr id="1" name=""/>
+        <p:cNvGrpSpPr/>
+        <p:nvPr/>
+      </p:nvGrpSpPr>
+      <p:grpSpPr>
+        <a:xfrm>
+          <a:off x="0" y="0"/>
+          <a:ext cx="0" cy="0"/>
+          <a:chOff x="0" y="0"/>
+          <a:chExt cx="0" cy="0"/>
+        </a:xfrm>
+      </p:grpSpPr>
+      <p:sp>
+        <p:nvSpPr>
+          <p:cNvPr id="2" name="标题 1"/>
+          <p:cNvSpPr>
+            <a:spLocks noGrp="1"/>
+          </p:cNvSpPr>
+          <p:nvPr>
+            <p:ph type="title"/>
+          </p:nvPr>
+        </p:nvSpPr>
+        <p:spPr/>
+        <p:txBody>
+          <a:bodyPr/>
+          <a:lstStyle/>
+          <a:p>
+            <a:r>
+              <a:rPr lang="zh-CN" altLang="en-US" dirty="0"/>
+              <a:t>确定判定标准</a:t>
+            </a:r>
+          </a:p>
+        </p:txBody>
+      </p:sp>
+      <p:sp>
+        <p:nvSpPr>
+          <p:cNvPr id="3" name="内容占位符 2"/>
+          <p:cNvSpPr>
+            <a:spLocks noGrp="1"/>
+          </p:cNvSpPr>
+          <p:nvPr>
+            <p:ph idx="1"/>
+          </p:nvPr>
+        </p:nvSpPr>
+        <p:spPr/>
+        <p:txBody>
+          <a:bodyPr/>
+          <a:lstStyle/>
+          <a:p>
+            <a:r>
+              <a:rPr lang="en-US" altLang="zh-CN" i="1" dirty="0" err="1" smtClean="0"/>
+              <a:t>d</a:t>
+            </a:r>
+            <a:r>
+              <a:rPr lang="en-US" altLang="zh-CN" dirty="0" err="1" smtClean="0"/>
+              <a:t>.</a:t>
+            </a:r>
+            <a:r>
+              <a:rPr lang="en-US" altLang="zh-CN" i="1" dirty="0" err="1" smtClean="0"/>
+              <a:t>f</a:t>
+            </a:r>
+            <a:r>
+              <a:rPr lang="en-US" altLang="zh-CN" dirty="0" err="1"/>
+              <a:t>.</a:t>
+            </a:r>
+            <a:r>
+              <a:rPr lang="en-US" altLang="zh-CN" dirty="0"/>
+              <a:t>=(</a:t>
+            </a:r>
+            <a:r>
+              <a:rPr lang="en-US" altLang="zh-CN" i="1" dirty="0"/>
+              <a:t>r</a:t>
+            </a:r>
+            <a:r>
+              <a:rPr lang="en-US" altLang="zh-CN" dirty="0"/>
+              <a:t>−1)×(</a:t>
+            </a:r>
+            <a:r>
+              <a:rPr lang="en-US" altLang="zh-CN" i="1" dirty="0"/>
+              <a:t>c</a:t>
+            </a:r>
+            <a:r>
+              <a:rPr lang="en-US" altLang="zh-CN" dirty="0"/>
+              <a:t>−1)=</a:t>
+            </a:r>
+            <a:r>
+              <a:rPr lang="en-US" altLang="zh-CN" dirty="0" smtClean="0"/>
+              <a:t>2×3=6</a:t>
+            </a:r>
+          </a:p>
+          <a:p>
+            <a:r>
+              <a:rPr lang="zh-CN" altLang="en-US" dirty="0"/>
+              <a:t>查表可</a:t>
+            </a:r>
+            <a:r>
+              <a:rPr lang="zh-CN" altLang="en-US" dirty="0" smtClean="0"/>
+              <a:t>得</a:t>
+            </a:r>
+            <a:r>
+              <a:rPr lang="el-GR" altLang="zh-CN" i="1" dirty="0" smtClean="0"/>
+              <a:t>α</a:t>
+            </a:r>
+            <a:r>
+              <a:rPr lang="el-GR" altLang="zh-CN" dirty="0" smtClean="0"/>
+              <a:t>=0.05,</a:t>
+            </a:r>
+            <a:r>
+              <a:rPr lang="en-US" altLang="zh-CN" dirty="0" smtClean="0"/>
+              <a:t> </a:t>
+            </a:r>
+            <a:r>
+              <a:rPr lang="en-US" altLang="zh-CN" i="1" dirty="0" err="1" smtClean="0"/>
+              <a:t>d</a:t>
+            </a:r>
+            <a:r>
+              <a:rPr lang="en-US" altLang="zh-CN" dirty="0" err="1" smtClean="0"/>
+              <a:t>.</a:t>
+            </a:r>
+            <a:r>
+              <a:rPr lang="en-US" altLang="zh-CN" i="1" dirty="0" err="1" smtClean="0"/>
+              <a:t>f</a:t>
+            </a:r>
+            <a:r>
+              <a:rPr lang="en-US" altLang="zh-CN" dirty="0" err="1"/>
+              <a:t>.</a:t>
+            </a:r>
+            <a:r>
+              <a:rPr lang="en-US" altLang="zh-CN" dirty="0"/>
+              <a:t>=6</a:t>
+            </a:r>
+            <a:r>
+              <a:rPr lang="zh-CN" altLang="en-US" dirty="0"/>
+              <a:t>的卡方临界值是</a:t>
+            </a:r>
+            <a:r>
+              <a:rPr lang="en-US" altLang="zh-CN" dirty="0"/>
+              <a:t>12.59</a:t>
+            </a:r>
+            <a:endParaRPr lang="zh-CN" altLang="en-US" dirty="0"/>
+          </a:p>
+        </p:txBody>
+      </p:sp>
+    </p:spTree>
+    <p:extLst>
+      <p:ext uri="{BB962C8B-B14F-4D97-AF65-F5344CB8AC3E}">
+        <p14:creationId xmlns:p14="http://schemas.microsoft.com/office/powerpoint/2010/main" val="4008276503"/>
+      </p:ext>
+    </p:extLst>
+  </p:cSld>
+  <p:clrMapOvr>
+    <a:masterClrMapping/>
+  </p:clrMapOvr>
+</p:sld>
+</file>
+
+<file path=ppt/slides/slide25.xml><?xml version="1.0" encoding="utf-8"?>
+<p:sld xmlns:a="http://schemas.openxmlformats.org/drawingml/2006/main" xmlns:r="http://schemas.openxmlformats.org/officeDocument/2006/relationships" xmlns:p="http://schemas.openxmlformats.org/presentationml/2006/main">
+  <p:cSld>
+    <p:spTree>
+      <p:nvGrpSpPr>
+        <p:cNvPr id="1" name=""/>
+        <p:cNvGrpSpPr/>
+        <p:nvPr/>
+      </p:nvGrpSpPr>
+      <p:grpSpPr>
+        <a:xfrm>
+          <a:off x="0" y="0"/>
+          <a:ext cx="0" cy="0"/>
+          <a:chOff x="0" y="0"/>
+          <a:chExt cx="0" cy="0"/>
+        </a:xfrm>
+      </p:grpSpPr>
+      <p:sp>
+        <p:nvSpPr>
+          <p:cNvPr id="2" name="标题 1"/>
+          <p:cNvSpPr>
+            <a:spLocks noGrp="1"/>
+          </p:cNvSpPr>
+          <p:nvPr>
+            <p:ph type="title"/>
+          </p:nvPr>
+        </p:nvSpPr>
+        <p:spPr/>
+        <p:txBody>
+          <a:bodyPr/>
+          <a:lstStyle/>
+          <a:p>
+            <a:r>
+              <a:rPr lang="zh-CN" altLang="en-US" dirty="0" smtClean="0"/>
+              <a:t>计算统计量</a:t>
+            </a:r>
+            <a:endParaRPr lang="zh-CN" altLang="en-US" dirty="0"/>
+          </a:p>
+        </p:txBody>
+      </p:sp>
+      <p:sp>
+        <p:nvSpPr>
+          <p:cNvPr id="3" name="内容占位符 2"/>
+          <p:cNvSpPr>
+            <a:spLocks noGrp="1"/>
+          </p:cNvSpPr>
+          <p:nvPr>
+            <p:ph idx="1"/>
+          </p:nvPr>
+        </p:nvSpPr>
+        <p:spPr/>
+        <p:txBody>
+          <a:bodyPr/>
+          <a:lstStyle/>
+          <a:p>
+            <a:endParaRPr lang="en-US" altLang="zh-CN" dirty="0" smtClean="0"/>
+          </a:p>
+          <a:p>
+            <a:r>
+              <a:rPr lang="zh-CN" altLang="en-US" dirty="0" smtClean="0"/>
+              <a:t>将</a:t>
+            </a:r>
+            <a:r>
+              <a:rPr lang="en-US" altLang="zh-CN" dirty="0" smtClean="0"/>
+              <a:t>O</a:t>
+            </a:r>
+            <a:r>
+              <a:rPr lang="zh-CN" altLang="en-US" dirty="0" smtClean="0"/>
+              <a:t>值和</a:t>
+            </a:r>
+            <a:r>
+              <a:rPr lang="en-US" altLang="zh-CN" dirty="0" smtClean="0"/>
+              <a:t>E</a:t>
+            </a:r>
+            <a:r>
+              <a:rPr lang="zh-CN" altLang="en-US" dirty="0" smtClean="0"/>
+              <a:t>值带入公式</a:t>
+            </a:r>
+            <a:endParaRPr lang="zh-CN" altLang="en-US" dirty="0"/>
+          </a:p>
+        </p:txBody>
+      </p:sp>
+      <p:graphicFrame>
+        <p:nvGraphicFramePr>
+          <p:cNvPr id="5" name="表格 4"/>
+          <p:cNvGraphicFramePr>
+            <a:graphicFrameLocks noGrp="1"/>
+          </p:cNvGraphicFramePr>
+          <p:nvPr>
+            <p:extLst>
+              <p:ext uri="{D42A27DB-BD31-4B8C-83A1-F6EECF244321}">
+                <p14:modId xmlns:p14="http://schemas.microsoft.com/office/powerpoint/2010/main" val="803751379"/>
+              </p:ext>
+            </p:extLst>
+          </p:nvPr>
+        </p:nvGraphicFramePr>
+        <p:xfrm>
+          <a:off x="5378311" y="749910"/>
+          <a:ext cx="6512160" cy="2209800"/>
+        </p:xfrm>
+        <a:graphic>
+          <a:graphicData uri="http://schemas.openxmlformats.org/drawingml/2006/table">
+            <a:tbl>
+              <a:tblPr/>
+              <a:tblGrid>
+                <a:gridCol w="1302432"/>
+                <a:gridCol w="1302432"/>
+                <a:gridCol w="1302432"/>
+                <a:gridCol w="1302432"/>
+                <a:gridCol w="1302432"/>
+              </a:tblGrid>
+              <a:tr h="0">
+                <a:tc>
+                  <a:txBody>
+                    <a:bodyPr/>
+                    <a:lstStyle/>
+                    <a:p>
+                      <a:r>
+                        <a:rPr lang="en-US" altLang="zh-CN" sz="2400" b="1">
+                          <a:solidFill>
+                            <a:srgbClr val="000000"/>
+                          </a:solidFill>
+                          <a:effectLst/>
+                        </a:rPr>
+                        <a:t>x</a:t>
+                      </a:r>
+                    </a:p>
+                  </a:txBody>
+                  <a:tcPr marL="82550" marR="82550" marT="38100" marB="38100" anchor="ctr">
+                    <a:lnL w="6350" cap="flat" cmpd="sng" algn="ctr">
+                      <a:solidFill>
+                        <a:srgbClr val="D6D6D6"/>
+                      </a:solidFill>
+                      <a:prstDash val="solid"/>
+                      <a:round/>
+                      <a:headEnd type="none" w="med" len="med"/>
+                      <a:tailEnd type="none" w="med" len="med"/>
+                    </a:lnL>
+                    <a:lnR w="6350" cap="flat" cmpd="sng" algn="ctr">
+                      <a:solidFill>
+                        <a:srgbClr val="D6D6D6"/>
+                      </a:solidFill>
+                      <a:prstDash val="solid"/>
+                      <a:round/>
+                      <a:headEnd type="none" w="med" len="med"/>
+                      <a:tailEnd type="none" w="med" len="med"/>
+                    </a:lnR>
+                    <a:lnT w="6350" cap="flat" cmpd="sng" algn="ctr">
+                      <a:solidFill>
+                        <a:srgbClr val="D6D6D6"/>
+                      </a:solidFill>
+                      <a:prstDash val="solid"/>
+                      <a:round/>
+                      <a:headEnd type="none" w="med" len="med"/>
+                      <a:tailEnd type="none" w="med" len="med"/>
+                    </a:lnT>
+                    <a:lnB w="6350" cap="flat" cmpd="sng" algn="ctr">
+                      <a:solidFill>
+                        <a:srgbClr val="D6D6D6"/>
+                      </a:solidFill>
+                      <a:prstDash val="solid"/>
+                      <a:round/>
+                      <a:headEnd type="none" w="med" len="med"/>
+                      <a:tailEnd type="none" w="med" len="med"/>
+                    </a:lnB>
+                    <a:solidFill>
+                      <a:srgbClr val="FFFFFF"/>
+                    </a:solidFill>
+                  </a:tcPr>
+                </a:tc>
+                <a:tc>
+                  <a:txBody>
+                    <a:bodyPr/>
+                    <a:lstStyle/>
+                    <a:p>
+                      <a:r>
+                        <a:rPr lang="en-US" altLang="zh-CN" sz="2400" b="1">
+                          <a:solidFill>
+                            <a:srgbClr val="000000"/>
+                          </a:solidFill>
+                          <a:effectLst/>
+                        </a:rPr>
+                        <a:t>r1</a:t>
+                      </a:r>
+                    </a:p>
+                  </a:txBody>
+                  <a:tcPr marL="82550" marR="82550" marT="38100" marB="38100" anchor="ctr">
+                    <a:lnL w="6350" cap="flat" cmpd="sng" algn="ctr">
+                      <a:solidFill>
+                        <a:srgbClr val="D6D6D6"/>
+                      </a:solidFill>
+                      <a:prstDash val="solid"/>
+                      <a:round/>
+                      <a:headEnd type="none" w="med" len="med"/>
+                      <a:tailEnd type="none" w="med" len="med"/>
+                    </a:lnL>
+                    <a:lnR w="6350" cap="flat" cmpd="sng" algn="ctr">
+                      <a:solidFill>
+                        <a:srgbClr val="D6D6D6"/>
+                      </a:solidFill>
+                      <a:prstDash val="solid"/>
+                      <a:round/>
+                      <a:headEnd type="none" w="med" len="med"/>
+                      <a:tailEnd type="none" w="med" len="med"/>
+                    </a:lnR>
+                    <a:lnT w="6350" cap="flat" cmpd="sng" algn="ctr">
+                      <a:solidFill>
+                        <a:srgbClr val="D6D6D6"/>
+                      </a:solidFill>
+                      <a:prstDash val="solid"/>
+                      <a:round/>
+                      <a:headEnd type="none" w="med" len="med"/>
+                      <a:tailEnd type="none" w="med" len="med"/>
+                    </a:lnT>
+                    <a:lnB w="6350" cap="flat" cmpd="sng" algn="ctr">
+                      <a:solidFill>
+                        <a:srgbClr val="D6D6D6"/>
+                      </a:solidFill>
+                      <a:prstDash val="solid"/>
+                      <a:round/>
+                      <a:headEnd type="none" w="med" len="med"/>
+                      <a:tailEnd type="none" w="med" len="med"/>
+                    </a:lnB>
+                    <a:solidFill>
+                      <a:srgbClr val="FFFFFF"/>
+                    </a:solidFill>
+                  </a:tcPr>
+                </a:tc>
+                <a:tc>
+                  <a:txBody>
+                    <a:bodyPr/>
+                    <a:lstStyle/>
+                    <a:p>
+                      <a:r>
+                        <a:rPr lang="is-IS" sz="2400" b="1">
+                          <a:solidFill>
+                            <a:srgbClr val="000000"/>
+                          </a:solidFill>
+                          <a:effectLst/>
+                        </a:rPr>
+                        <a:t>r2</a:t>
+                      </a:r>
+                    </a:p>
+                  </a:txBody>
+                  <a:tcPr marL="82550" marR="82550" marT="38100" marB="38100" anchor="ctr">
+                    <a:lnL w="6350" cap="flat" cmpd="sng" algn="ctr">
+                      <a:solidFill>
+                        <a:srgbClr val="D6D6D6"/>
+                      </a:solidFill>
+                      <a:prstDash val="solid"/>
+                      <a:round/>
+                      <a:headEnd type="none" w="med" len="med"/>
+                      <a:tailEnd type="none" w="med" len="med"/>
+                    </a:lnL>
+                    <a:lnR w="6350" cap="flat" cmpd="sng" algn="ctr">
+                      <a:solidFill>
+                        <a:srgbClr val="D6D6D6"/>
+                      </a:solidFill>
+                      <a:prstDash val="solid"/>
+                      <a:round/>
+                      <a:headEnd type="none" w="med" len="med"/>
+                      <a:tailEnd type="none" w="med" len="med"/>
+                    </a:lnR>
+                    <a:lnT w="6350" cap="flat" cmpd="sng" algn="ctr">
+                      <a:solidFill>
+                        <a:srgbClr val="D6D6D6"/>
+                      </a:solidFill>
+                      <a:prstDash val="solid"/>
+                      <a:round/>
+                      <a:headEnd type="none" w="med" len="med"/>
+                      <a:tailEnd type="none" w="med" len="med"/>
+                    </a:lnT>
+                    <a:lnB w="6350" cap="flat" cmpd="sng" algn="ctr">
+                      <a:solidFill>
+                        <a:srgbClr val="D6D6D6"/>
+                      </a:solidFill>
+                      <a:prstDash val="solid"/>
+                      <a:round/>
+                      <a:headEnd type="none" w="med" len="med"/>
+                      <a:tailEnd type="none" w="med" len="med"/>
+                    </a:lnB>
+                    <a:solidFill>
+                      <a:srgbClr val="FFFFFF"/>
+                    </a:solidFill>
+                  </a:tcPr>
+                </a:tc>
+                <a:tc>
+                  <a:txBody>
+                    <a:bodyPr/>
+                    <a:lstStyle/>
+                    <a:p>
+                      <a:r>
+                        <a:rPr lang="en-US" altLang="zh-CN" sz="2400" b="1">
+                          <a:solidFill>
+                            <a:srgbClr val="000000"/>
+                          </a:solidFill>
+                          <a:effectLst/>
+                        </a:rPr>
+                        <a:t>r3</a:t>
+                      </a:r>
+                    </a:p>
+                  </a:txBody>
+                  <a:tcPr marL="82550" marR="82550" marT="38100" marB="38100" anchor="ctr">
+                    <a:lnL w="6350" cap="flat" cmpd="sng" algn="ctr">
+                      <a:solidFill>
+                        <a:srgbClr val="D6D6D6"/>
+                      </a:solidFill>
+                      <a:prstDash val="solid"/>
+                      <a:round/>
+                      <a:headEnd type="none" w="med" len="med"/>
+                      <a:tailEnd type="none" w="med" len="med"/>
+                    </a:lnL>
+                    <a:lnR w="6350" cap="flat" cmpd="sng" algn="ctr">
+                      <a:solidFill>
+                        <a:srgbClr val="D6D6D6"/>
+                      </a:solidFill>
+                      <a:prstDash val="solid"/>
+                      <a:round/>
+                      <a:headEnd type="none" w="med" len="med"/>
+                      <a:tailEnd type="none" w="med" len="med"/>
+                    </a:lnR>
+                    <a:lnT w="6350" cap="flat" cmpd="sng" algn="ctr">
+                      <a:solidFill>
+                        <a:srgbClr val="D6D6D6"/>
+                      </a:solidFill>
+                      <a:prstDash val="solid"/>
+                      <a:round/>
+                      <a:headEnd type="none" w="med" len="med"/>
+                      <a:tailEnd type="none" w="med" len="med"/>
+                    </a:lnT>
+                    <a:lnB w="6350" cap="flat" cmpd="sng" algn="ctr">
+                      <a:solidFill>
+                        <a:srgbClr val="D6D6D6"/>
+                      </a:solidFill>
+                      <a:prstDash val="solid"/>
+                      <a:round/>
+                      <a:headEnd type="none" w="med" len="med"/>
+                      <a:tailEnd type="none" w="med" len="med"/>
+                    </a:lnB>
+                    <a:solidFill>
+                      <a:srgbClr val="FFFFFF"/>
+                    </a:solidFill>
+                  </a:tcPr>
+                </a:tc>
+                <a:tc>
+                  <a:txBody>
+                    <a:bodyPr/>
+                    <a:lstStyle/>
+                    <a:p>
+                      <a:r>
+                        <a:rPr lang="zh-CN" altLang="en-US" sz="2400" b="1">
+                          <a:solidFill>
+                            <a:srgbClr val="000000"/>
+                          </a:solidFill>
+                          <a:effectLst/>
+                        </a:rPr>
+                        <a:t>总共</a:t>
+                      </a:r>
+                    </a:p>
+                  </a:txBody>
+                  <a:tcPr marL="82550" marR="82550" marT="38100" marB="38100" anchor="ctr">
+                    <a:lnL w="6350" cap="flat" cmpd="sng" algn="ctr">
+                      <a:solidFill>
+                        <a:srgbClr val="D6D6D6"/>
+                      </a:solidFill>
+                      <a:prstDash val="solid"/>
+                      <a:round/>
+                      <a:headEnd type="none" w="med" len="med"/>
+                      <a:tailEnd type="none" w="med" len="med"/>
+                    </a:lnL>
+                    <a:lnR w="6350" cap="flat" cmpd="sng" algn="ctr">
+                      <a:solidFill>
+                        <a:srgbClr val="D6D6D6"/>
+                      </a:solidFill>
+                      <a:prstDash val="solid"/>
+                      <a:round/>
+                      <a:headEnd type="none" w="med" len="med"/>
+                      <a:tailEnd type="none" w="med" len="med"/>
+                    </a:lnR>
+                    <a:lnT w="6350" cap="flat" cmpd="sng" algn="ctr">
+                      <a:solidFill>
+                        <a:srgbClr val="D6D6D6"/>
+                      </a:solidFill>
+                      <a:prstDash val="solid"/>
+                      <a:round/>
+                      <a:headEnd type="none" w="med" len="med"/>
+                      <a:tailEnd type="none" w="med" len="med"/>
+                    </a:lnT>
+                    <a:lnB w="6350" cap="flat" cmpd="sng" algn="ctr">
+                      <a:solidFill>
+                        <a:srgbClr val="D6D6D6"/>
+                      </a:solidFill>
+                      <a:prstDash val="solid"/>
+                      <a:round/>
+                      <a:headEnd type="none" w="med" len="med"/>
+                      <a:tailEnd type="none" w="med" len="med"/>
+                    </a:lnB>
+                    <a:solidFill>
+                      <a:srgbClr val="FFFFFF"/>
+                    </a:solidFill>
+                  </a:tcPr>
+                </a:tc>
+              </a:tr>
+              <a:tr h="0">
+                <a:tc>
+                  <a:txBody>
+                    <a:bodyPr/>
+                    <a:lstStyle/>
+                    <a:p>
+                      <a:r>
+                        <a:rPr lang="en-US" altLang="zh-CN" sz="2400">
+                          <a:effectLst/>
+                        </a:rPr>
+                        <a:t>g1</a:t>
+                      </a:r>
+                    </a:p>
+                  </a:txBody>
+                  <a:tcPr marL="82550" marR="82550" marT="38100" marB="38100" anchor="ctr">
+                    <a:lnL w="6350" cap="flat" cmpd="sng" algn="ctr">
+                      <a:solidFill>
+                        <a:srgbClr val="D6D6D6"/>
+                      </a:solidFill>
+                      <a:prstDash val="solid"/>
+                      <a:round/>
+                      <a:headEnd type="none" w="med" len="med"/>
+                      <a:tailEnd type="none" w="med" len="med"/>
+                    </a:lnL>
+                    <a:lnR w="6350" cap="flat" cmpd="sng" algn="ctr">
+                      <a:solidFill>
+                        <a:srgbClr val="D6D6D6"/>
+                      </a:solidFill>
+                      <a:prstDash val="solid"/>
+                      <a:round/>
+                      <a:headEnd type="none" w="med" len="med"/>
+                      <a:tailEnd type="none" w="med" len="med"/>
+                    </a:lnR>
+                    <a:lnT w="6350" cap="flat" cmpd="sng" algn="ctr">
+                      <a:solidFill>
+                        <a:srgbClr val="D6D6D6"/>
+                      </a:solidFill>
+                      <a:prstDash val="solid"/>
+                      <a:round/>
+                      <a:headEnd type="none" w="med" len="med"/>
+                      <a:tailEnd type="none" w="med" len="med"/>
+                    </a:lnT>
+                    <a:lnB w="6350" cap="flat" cmpd="sng" algn="ctr">
+                      <a:solidFill>
+                        <a:srgbClr val="D6D6D6"/>
+                      </a:solidFill>
+                      <a:prstDash val="solid"/>
+                      <a:round/>
+                      <a:headEnd type="none" w="med" len="med"/>
+                      <a:tailEnd type="none" w="med" len="med"/>
+                    </a:lnB>
+                    <a:solidFill>
+                      <a:srgbClr val="FFFFFF"/>
+                    </a:solidFill>
+                  </a:tcPr>
+                </a:tc>
+                <a:tc>
+                  <a:txBody>
+                    <a:bodyPr/>
+                    <a:lstStyle/>
+                    <a:p>
+                      <a:r>
+                        <a:rPr lang="en-US" altLang="zh-CN" sz="2400">
+                          <a:effectLst/>
+                        </a:rPr>
+                        <a:t>10</a:t>
+                      </a:r>
+                    </a:p>
+                  </a:txBody>
+                  <a:tcPr marL="82550" marR="82550" marT="38100" marB="38100" anchor="ctr">
+                    <a:lnL w="6350" cap="flat" cmpd="sng" algn="ctr">
+                      <a:solidFill>
+                        <a:srgbClr val="D6D6D6"/>
+                      </a:solidFill>
+                      <a:prstDash val="solid"/>
+                      <a:round/>
+                      <a:headEnd type="none" w="med" len="med"/>
+                      <a:tailEnd type="none" w="med" len="med"/>
+                    </a:lnL>
+                    <a:lnR w="6350" cap="flat" cmpd="sng" algn="ctr">
+                      <a:solidFill>
+                        <a:srgbClr val="D6D6D6"/>
+                      </a:solidFill>
+                      <a:prstDash val="solid"/>
+                      <a:round/>
+                      <a:headEnd type="none" w="med" len="med"/>
+                      <a:tailEnd type="none" w="med" len="med"/>
+                    </a:lnR>
+                    <a:lnT w="6350" cap="flat" cmpd="sng" algn="ctr">
+                      <a:solidFill>
+                        <a:srgbClr val="D6D6D6"/>
+                      </a:solidFill>
+                      <a:prstDash val="solid"/>
+                      <a:round/>
+                      <a:headEnd type="none" w="med" len="med"/>
+                      <a:tailEnd type="none" w="med" len="med"/>
+                    </a:lnT>
+                    <a:lnB w="6350" cap="flat" cmpd="sng" algn="ctr">
+                      <a:solidFill>
+                        <a:srgbClr val="D6D6D6"/>
+                      </a:solidFill>
+                      <a:prstDash val="solid"/>
+                      <a:round/>
+                      <a:headEnd type="none" w="med" len="med"/>
+                      <a:tailEnd type="none" w="med" len="med"/>
+                    </a:lnB>
+                    <a:solidFill>
+                      <a:srgbClr val="FFFFFF"/>
+                    </a:solidFill>
+                  </a:tcPr>
+                </a:tc>
+                <a:tc>
+                  <a:txBody>
+                    <a:bodyPr/>
+                    <a:lstStyle/>
+                    <a:p>
+                      <a:r>
+                        <a:rPr lang="en-US" altLang="zh-CN" sz="2400">
+                          <a:effectLst/>
+                        </a:rPr>
+                        <a:t>8</a:t>
+                      </a:r>
+                    </a:p>
+                  </a:txBody>
+                  <a:tcPr marL="82550" marR="82550" marT="38100" marB="38100" anchor="ctr">
+                    <a:lnL w="6350" cap="flat" cmpd="sng" algn="ctr">
+                      <a:solidFill>
+                        <a:srgbClr val="D6D6D6"/>
+                      </a:solidFill>
+                      <a:prstDash val="solid"/>
+                      <a:round/>
+                      <a:headEnd type="none" w="med" len="med"/>
+                      <a:tailEnd type="none" w="med" len="med"/>
+                    </a:lnL>
+                    <a:lnR w="6350" cap="flat" cmpd="sng" algn="ctr">
+                      <a:solidFill>
+                        <a:srgbClr val="D6D6D6"/>
+                      </a:solidFill>
+                      <a:prstDash val="solid"/>
+                      <a:round/>
+                      <a:headEnd type="none" w="med" len="med"/>
+                      <a:tailEnd type="none" w="med" len="med"/>
+                    </a:lnR>
+                    <a:lnT w="6350" cap="flat" cmpd="sng" algn="ctr">
+                      <a:solidFill>
+                        <a:srgbClr val="D6D6D6"/>
+                      </a:solidFill>
+                      <a:prstDash val="solid"/>
+                      <a:round/>
+                      <a:headEnd type="none" w="med" len="med"/>
+                      <a:tailEnd type="none" w="med" len="med"/>
+                    </a:lnT>
+                    <a:lnB w="6350" cap="flat" cmpd="sng" algn="ctr">
+                      <a:solidFill>
+                        <a:srgbClr val="D6D6D6"/>
+                      </a:solidFill>
+                      <a:prstDash val="solid"/>
+                      <a:round/>
+                      <a:headEnd type="none" w="med" len="med"/>
+                      <a:tailEnd type="none" w="med" len="med"/>
+                    </a:lnB>
+                    <a:solidFill>
+                      <a:srgbClr val="FFFFFF"/>
+                    </a:solidFill>
+                  </a:tcPr>
+                </a:tc>
+                <a:tc>
+                  <a:txBody>
+                    <a:bodyPr/>
+                    <a:lstStyle/>
+                    <a:p>
+                      <a:r>
+                        <a:rPr lang="en-US" altLang="zh-CN" sz="2400">
+                          <a:effectLst/>
+                        </a:rPr>
+                        <a:t>7</a:t>
+                      </a:r>
+                    </a:p>
+                  </a:txBody>
+                  <a:tcPr marL="82550" marR="82550" marT="38100" marB="38100" anchor="ctr">
+                    <a:lnL w="6350" cap="flat" cmpd="sng" algn="ctr">
+                      <a:solidFill>
+                        <a:srgbClr val="D6D6D6"/>
+                      </a:solidFill>
+                      <a:prstDash val="solid"/>
+                      <a:round/>
+                      <a:headEnd type="none" w="med" len="med"/>
+                      <a:tailEnd type="none" w="med" len="med"/>
+                    </a:lnL>
+                    <a:lnR w="6350" cap="flat" cmpd="sng" algn="ctr">
+                      <a:solidFill>
+                        <a:srgbClr val="D6D6D6"/>
+                      </a:solidFill>
+                      <a:prstDash val="solid"/>
+                      <a:round/>
+                      <a:headEnd type="none" w="med" len="med"/>
+                      <a:tailEnd type="none" w="med" len="med"/>
+                    </a:lnR>
+                    <a:lnT w="6350" cap="flat" cmpd="sng" algn="ctr">
+                      <a:solidFill>
+                        <a:srgbClr val="D6D6D6"/>
+                      </a:solidFill>
+                      <a:prstDash val="solid"/>
+                      <a:round/>
+                      <a:headEnd type="none" w="med" len="med"/>
+                      <a:tailEnd type="none" w="med" len="med"/>
+                    </a:lnT>
+                    <a:lnB w="6350" cap="flat" cmpd="sng" algn="ctr">
+                      <a:solidFill>
+                        <a:srgbClr val="D6D6D6"/>
+                      </a:solidFill>
+                      <a:prstDash val="solid"/>
+                      <a:round/>
+                      <a:headEnd type="none" w="med" len="med"/>
+                      <a:tailEnd type="none" w="med" len="med"/>
+                    </a:lnB>
+                    <a:solidFill>
+                      <a:srgbClr val="FFFFFF"/>
+                    </a:solidFill>
+                  </a:tcPr>
+                </a:tc>
+                <a:tc>
+                  <a:txBody>
+                    <a:bodyPr/>
+                    <a:lstStyle/>
+                    <a:p>
+                      <a:r>
+                        <a:rPr lang="is-IS" sz="2400">
+                          <a:effectLst/>
+                        </a:rPr>
+                        <a:t>25</a:t>
+                      </a:r>
+                    </a:p>
+                  </a:txBody>
+                  <a:tcPr marL="82550" marR="82550" marT="38100" marB="38100" anchor="ctr">
+                    <a:lnL w="6350" cap="flat" cmpd="sng" algn="ctr">
+                      <a:solidFill>
+                        <a:srgbClr val="D6D6D6"/>
+                      </a:solidFill>
+                      <a:prstDash val="solid"/>
+                      <a:round/>
+                      <a:headEnd type="none" w="med" len="med"/>
+                      <a:tailEnd type="none" w="med" len="med"/>
+                    </a:lnL>
+                    <a:lnR w="6350" cap="flat" cmpd="sng" algn="ctr">
+                      <a:solidFill>
+                        <a:srgbClr val="D6D6D6"/>
+                      </a:solidFill>
+                      <a:prstDash val="solid"/>
+                      <a:round/>
+                      <a:headEnd type="none" w="med" len="med"/>
+                      <a:tailEnd type="none" w="med" len="med"/>
+                    </a:lnR>
+                    <a:lnT w="6350" cap="flat" cmpd="sng" algn="ctr">
+                      <a:solidFill>
+                        <a:srgbClr val="D6D6D6"/>
+                      </a:solidFill>
+                      <a:prstDash val="solid"/>
+                      <a:round/>
+                      <a:headEnd type="none" w="med" len="med"/>
+                      <a:tailEnd type="none" w="med" len="med"/>
+                    </a:lnT>
+                    <a:lnB w="6350" cap="flat" cmpd="sng" algn="ctr">
+                      <a:solidFill>
+                        <a:srgbClr val="D6D6D6"/>
+                      </a:solidFill>
+                      <a:prstDash val="solid"/>
+                      <a:round/>
+                      <a:headEnd type="none" w="med" len="med"/>
+                      <a:tailEnd type="none" w="med" len="med"/>
+                    </a:lnB>
+                    <a:solidFill>
+                      <a:srgbClr val="FFFFFF"/>
+                    </a:solidFill>
+                  </a:tcPr>
+                </a:tc>
+              </a:tr>
+              <a:tr h="0">
+                <a:tc>
+                  <a:txBody>
+                    <a:bodyPr/>
+                    <a:lstStyle/>
+                    <a:p>
+                      <a:r>
+                        <a:rPr lang="is-IS" sz="2400">
+                          <a:effectLst/>
+                        </a:rPr>
+                        <a:t>g2</a:t>
+                      </a:r>
+                    </a:p>
+                  </a:txBody>
+                  <a:tcPr marL="82550" marR="82550" marT="38100" marB="38100" anchor="ctr">
+                    <a:lnL w="6350" cap="flat" cmpd="sng" algn="ctr">
+                      <a:solidFill>
+                        <a:srgbClr val="D6D6D6"/>
+                      </a:solidFill>
+                      <a:prstDash val="solid"/>
+                      <a:round/>
+                      <a:headEnd type="none" w="med" len="med"/>
+                      <a:tailEnd type="none" w="med" len="med"/>
+                    </a:lnL>
+                    <a:lnR w="6350" cap="flat" cmpd="sng" algn="ctr">
+                      <a:solidFill>
+                        <a:srgbClr val="D6D6D6"/>
+                      </a:solidFill>
+                      <a:prstDash val="solid"/>
+                      <a:round/>
+                      <a:headEnd type="none" w="med" len="med"/>
+                      <a:tailEnd type="none" w="med" len="med"/>
+                    </a:lnR>
+                    <a:lnT w="6350" cap="flat" cmpd="sng" algn="ctr">
+                      <a:solidFill>
+                        <a:srgbClr val="D6D6D6"/>
+                      </a:solidFill>
+                      <a:prstDash val="solid"/>
+                      <a:round/>
+                      <a:headEnd type="none" w="med" len="med"/>
+                      <a:tailEnd type="none" w="med" len="med"/>
+                    </a:lnT>
+                    <a:lnB w="6350" cap="flat" cmpd="sng" algn="ctr">
+                      <a:solidFill>
+                        <a:srgbClr val="D6D6D6"/>
+                      </a:solidFill>
+                      <a:prstDash val="solid"/>
+                      <a:round/>
+                      <a:headEnd type="none" w="med" len="med"/>
+                      <a:tailEnd type="none" w="med" len="med"/>
+                    </a:lnB>
+                    <a:solidFill>
+                      <a:srgbClr val="FFFFFF"/>
+                    </a:solidFill>
+                  </a:tcPr>
+                </a:tc>
+                <a:tc>
+                  <a:txBody>
+                    <a:bodyPr/>
+                    <a:lstStyle/>
+                    <a:p>
+                      <a:r>
+                        <a:rPr lang="is-IS" sz="2400">
+                          <a:effectLst/>
+                        </a:rPr>
+                        <a:t>22</a:t>
+                      </a:r>
+                    </a:p>
+                  </a:txBody>
+                  <a:tcPr marL="82550" marR="82550" marT="38100" marB="38100" anchor="ctr">
+                    <a:lnL w="6350" cap="flat" cmpd="sng" algn="ctr">
+                      <a:solidFill>
+                        <a:srgbClr val="D6D6D6"/>
+                      </a:solidFill>
+                      <a:prstDash val="solid"/>
+                      <a:round/>
+                      <a:headEnd type="none" w="med" len="med"/>
+                      <a:tailEnd type="none" w="med" len="med"/>
+                    </a:lnL>
+                    <a:lnR w="6350" cap="flat" cmpd="sng" algn="ctr">
+                      <a:solidFill>
+                        <a:srgbClr val="D6D6D6"/>
+                      </a:solidFill>
+                      <a:prstDash val="solid"/>
+                      <a:round/>
+                      <a:headEnd type="none" w="med" len="med"/>
+                      <a:tailEnd type="none" w="med" len="med"/>
+                    </a:lnR>
+                    <a:lnT w="6350" cap="flat" cmpd="sng" algn="ctr">
+                      <a:solidFill>
+                        <a:srgbClr val="D6D6D6"/>
+                      </a:solidFill>
+                      <a:prstDash val="solid"/>
+                      <a:round/>
+                      <a:headEnd type="none" w="med" len="med"/>
+                      <a:tailEnd type="none" w="med" len="med"/>
+                    </a:lnT>
+                    <a:lnB w="6350" cap="flat" cmpd="sng" algn="ctr">
+                      <a:solidFill>
+                        <a:srgbClr val="D6D6D6"/>
+                      </a:solidFill>
+                      <a:prstDash val="solid"/>
+                      <a:round/>
+                      <a:headEnd type="none" w="med" len="med"/>
+                      <a:tailEnd type="none" w="med" len="med"/>
+                    </a:lnB>
+                    <a:solidFill>
+                      <a:srgbClr val="FFFFFF"/>
+                    </a:solidFill>
+                  </a:tcPr>
+                </a:tc>
+                <a:tc>
+                  <a:txBody>
+                    <a:bodyPr/>
+                    <a:lstStyle/>
+                    <a:p>
+                      <a:r>
+                        <a:rPr lang="en-US" altLang="zh-CN" sz="2400">
+                          <a:effectLst/>
+                        </a:rPr>
+                        <a:t>15</a:t>
+                      </a:r>
+                    </a:p>
+                  </a:txBody>
+                  <a:tcPr marL="82550" marR="82550" marT="38100" marB="38100" anchor="ctr">
+                    <a:lnL w="6350" cap="flat" cmpd="sng" algn="ctr">
+                      <a:solidFill>
+                        <a:srgbClr val="D6D6D6"/>
+                      </a:solidFill>
+                      <a:prstDash val="solid"/>
+                      <a:round/>
+                      <a:headEnd type="none" w="med" len="med"/>
+                      <a:tailEnd type="none" w="med" len="med"/>
+                    </a:lnL>
+                    <a:lnR w="6350" cap="flat" cmpd="sng" algn="ctr">
+                      <a:solidFill>
+                        <a:srgbClr val="D6D6D6"/>
+                      </a:solidFill>
+                      <a:prstDash val="solid"/>
+                      <a:round/>
+                      <a:headEnd type="none" w="med" len="med"/>
+                      <a:tailEnd type="none" w="med" len="med"/>
+                    </a:lnR>
+                    <a:lnT w="6350" cap="flat" cmpd="sng" algn="ctr">
+                      <a:solidFill>
+                        <a:srgbClr val="D6D6D6"/>
+                      </a:solidFill>
+                      <a:prstDash val="solid"/>
+                      <a:round/>
+                      <a:headEnd type="none" w="med" len="med"/>
+                      <a:tailEnd type="none" w="med" len="med"/>
+                    </a:lnT>
+                    <a:lnB w="6350" cap="flat" cmpd="sng" algn="ctr">
+                      <a:solidFill>
+                        <a:srgbClr val="D6D6D6"/>
+                      </a:solidFill>
+                      <a:prstDash val="solid"/>
+                      <a:round/>
+                      <a:headEnd type="none" w="med" len="med"/>
+                      <a:tailEnd type="none" w="med" len="med"/>
+                    </a:lnB>
+                    <a:solidFill>
+                      <a:srgbClr val="FFFFFF"/>
+                    </a:solidFill>
+                  </a:tcPr>
+                </a:tc>
+                <a:tc>
+                  <a:txBody>
+                    <a:bodyPr/>
+                    <a:lstStyle/>
+                    <a:p>
+                      <a:r>
+                        <a:rPr lang="is-IS" sz="2400">
+                          <a:effectLst/>
+                        </a:rPr>
+                        <a:t>13</a:t>
+                      </a:r>
+                    </a:p>
+                  </a:txBody>
+                  <a:tcPr marL="82550" marR="82550" marT="38100" marB="38100" anchor="ctr">
+                    <a:lnL w="6350" cap="flat" cmpd="sng" algn="ctr">
+                      <a:solidFill>
+                        <a:srgbClr val="D6D6D6"/>
+                      </a:solidFill>
+                      <a:prstDash val="solid"/>
+                      <a:round/>
+                      <a:headEnd type="none" w="med" len="med"/>
+                      <a:tailEnd type="none" w="med" len="med"/>
+                    </a:lnL>
+                    <a:lnR w="6350" cap="flat" cmpd="sng" algn="ctr">
+                      <a:solidFill>
+                        <a:srgbClr val="D6D6D6"/>
+                      </a:solidFill>
+                      <a:prstDash val="solid"/>
+                      <a:round/>
+                      <a:headEnd type="none" w="med" len="med"/>
+                      <a:tailEnd type="none" w="med" len="med"/>
+                    </a:lnR>
+                    <a:lnT w="6350" cap="flat" cmpd="sng" algn="ctr">
+                      <a:solidFill>
+                        <a:srgbClr val="D6D6D6"/>
+                      </a:solidFill>
+                      <a:prstDash val="solid"/>
+                      <a:round/>
+                      <a:headEnd type="none" w="med" len="med"/>
+                      <a:tailEnd type="none" w="med" len="med"/>
+                    </a:lnT>
+                    <a:lnB w="6350" cap="flat" cmpd="sng" algn="ctr">
+                      <a:solidFill>
+                        <a:srgbClr val="D6D6D6"/>
+                      </a:solidFill>
+                      <a:prstDash val="solid"/>
+                      <a:round/>
+                      <a:headEnd type="none" w="med" len="med"/>
+                      <a:tailEnd type="none" w="med" len="med"/>
+                    </a:lnB>
+                    <a:solidFill>
+                      <a:srgbClr val="FFFFFF"/>
+                    </a:solidFill>
+                  </a:tcPr>
+                </a:tc>
+                <a:tc>
+                  <a:txBody>
+                    <a:bodyPr/>
+                    <a:lstStyle/>
+                    <a:p>
+                      <a:r>
+                        <a:rPr lang="en-US" altLang="zh-CN" sz="2400">
+                          <a:effectLst/>
+                        </a:rPr>
+                        <a:t>50</a:t>
+                      </a:r>
+                    </a:p>
+                  </a:txBody>
+                  <a:tcPr marL="82550" marR="82550" marT="38100" marB="38100" anchor="ctr">
+                    <a:lnL w="6350" cap="flat" cmpd="sng" algn="ctr">
+                      <a:solidFill>
+                        <a:srgbClr val="D6D6D6"/>
+                      </a:solidFill>
+                      <a:prstDash val="solid"/>
+                      <a:round/>
+                      <a:headEnd type="none" w="med" len="med"/>
+                      <a:tailEnd type="none" w="med" len="med"/>
+                    </a:lnL>
+                    <a:lnR w="6350" cap="flat" cmpd="sng" algn="ctr">
+                      <a:solidFill>
+                        <a:srgbClr val="D6D6D6"/>
+                      </a:solidFill>
+                      <a:prstDash val="solid"/>
+                      <a:round/>
+                      <a:headEnd type="none" w="med" len="med"/>
+                      <a:tailEnd type="none" w="med" len="med"/>
+                    </a:lnR>
+                    <a:lnT w="6350" cap="flat" cmpd="sng" algn="ctr">
+                      <a:solidFill>
+                        <a:srgbClr val="D6D6D6"/>
+                      </a:solidFill>
+                      <a:prstDash val="solid"/>
+                      <a:round/>
+                      <a:headEnd type="none" w="med" len="med"/>
+                      <a:tailEnd type="none" w="med" len="med"/>
+                    </a:lnT>
+                    <a:lnB w="6350" cap="flat" cmpd="sng" algn="ctr">
+                      <a:solidFill>
+                        <a:srgbClr val="D6D6D6"/>
+                      </a:solidFill>
+                      <a:prstDash val="solid"/>
+                      <a:round/>
+                      <a:headEnd type="none" w="med" len="med"/>
+                      <a:tailEnd type="none" w="med" len="med"/>
+                    </a:lnB>
+                    <a:solidFill>
+                      <a:srgbClr val="FFFFFF"/>
+                    </a:solidFill>
+                  </a:tcPr>
+                </a:tc>
+              </a:tr>
+              <a:tr h="0">
+                <a:tc>
+                  <a:txBody>
+                    <a:bodyPr/>
+                    <a:lstStyle/>
+                    <a:p>
+                      <a:r>
+                        <a:rPr lang="en-US" altLang="zh-CN" sz="2400">
+                          <a:effectLst/>
+                        </a:rPr>
+                        <a:t>g3</a:t>
+                      </a:r>
+                    </a:p>
+                  </a:txBody>
+                  <a:tcPr marL="82550" marR="82550" marT="38100" marB="38100" anchor="ctr">
+                    <a:lnL w="6350" cap="flat" cmpd="sng" algn="ctr">
+                      <a:solidFill>
+                        <a:srgbClr val="D6D6D6"/>
+                      </a:solidFill>
+                      <a:prstDash val="solid"/>
+                      <a:round/>
+                      <a:headEnd type="none" w="med" len="med"/>
+                      <a:tailEnd type="none" w="med" len="med"/>
+                    </a:lnL>
+                    <a:lnR w="6350" cap="flat" cmpd="sng" algn="ctr">
+                      <a:solidFill>
+                        <a:srgbClr val="D6D6D6"/>
+                      </a:solidFill>
+                      <a:prstDash val="solid"/>
+                      <a:round/>
+                      <a:headEnd type="none" w="med" len="med"/>
+                      <a:tailEnd type="none" w="med" len="med"/>
+                    </a:lnR>
+                    <a:lnT w="6350" cap="flat" cmpd="sng" algn="ctr">
+                      <a:solidFill>
+                        <a:srgbClr val="D6D6D6"/>
+                      </a:solidFill>
+                      <a:prstDash val="solid"/>
+                      <a:round/>
+                      <a:headEnd type="none" w="med" len="med"/>
+                      <a:tailEnd type="none" w="med" len="med"/>
+                    </a:lnT>
+                    <a:lnB w="6350" cap="flat" cmpd="sng" algn="ctr">
+                      <a:solidFill>
+                        <a:srgbClr val="D6D6D6"/>
+                      </a:solidFill>
+                      <a:prstDash val="solid"/>
+                      <a:round/>
+                      <a:headEnd type="none" w="med" len="med"/>
+                      <a:tailEnd type="none" w="med" len="med"/>
+                    </a:lnB>
+                    <a:solidFill>
+                      <a:srgbClr val="FFFFFF"/>
+                    </a:solidFill>
+                  </a:tcPr>
+                </a:tc>
+                <a:tc>
+                  <a:txBody>
+                    <a:bodyPr/>
+                    <a:lstStyle/>
+                    <a:p>
+                      <a:r>
+                        <a:rPr lang="en-US" altLang="zh-CN" sz="2400">
+                          <a:effectLst/>
+                        </a:rPr>
+                        <a:t>30</a:t>
+                      </a:r>
+                    </a:p>
+                  </a:txBody>
+                  <a:tcPr marL="82550" marR="82550" marT="38100" marB="38100" anchor="ctr">
+                    <a:lnL w="6350" cap="flat" cmpd="sng" algn="ctr">
+                      <a:solidFill>
+                        <a:srgbClr val="D6D6D6"/>
+                      </a:solidFill>
+                      <a:prstDash val="solid"/>
+                      <a:round/>
+                      <a:headEnd type="none" w="med" len="med"/>
+                      <a:tailEnd type="none" w="med" len="med"/>
+                    </a:lnL>
+                    <a:lnR w="6350" cap="flat" cmpd="sng" algn="ctr">
+                      <a:solidFill>
+                        <a:srgbClr val="D6D6D6"/>
+                      </a:solidFill>
+                      <a:prstDash val="solid"/>
+                      <a:round/>
+                      <a:headEnd type="none" w="med" len="med"/>
+                      <a:tailEnd type="none" w="med" len="med"/>
+                    </a:lnR>
+                    <a:lnT w="6350" cap="flat" cmpd="sng" algn="ctr">
+                      <a:solidFill>
+                        <a:srgbClr val="D6D6D6"/>
+                      </a:solidFill>
+                      <a:prstDash val="solid"/>
+                      <a:round/>
+                      <a:headEnd type="none" w="med" len="med"/>
+                      <a:tailEnd type="none" w="med" len="med"/>
+                    </a:lnT>
+                    <a:lnB w="6350" cap="flat" cmpd="sng" algn="ctr">
+                      <a:solidFill>
+                        <a:srgbClr val="D6D6D6"/>
+                      </a:solidFill>
+                      <a:prstDash val="solid"/>
+                      <a:round/>
+                      <a:headEnd type="none" w="med" len="med"/>
+                      <a:tailEnd type="none" w="med" len="med"/>
+                    </a:lnB>
+                    <a:solidFill>
+                      <a:srgbClr val="FFFFFF"/>
+                    </a:solidFill>
+                  </a:tcPr>
+                </a:tc>
+                <a:tc>
+                  <a:txBody>
+                    <a:bodyPr/>
+                    <a:lstStyle/>
+                    <a:p>
+                      <a:r>
+                        <a:rPr lang="is-IS" sz="2400">
+                          <a:effectLst/>
+                        </a:rPr>
+                        <a:t>28</a:t>
+                      </a:r>
+                    </a:p>
+                  </a:txBody>
+                  <a:tcPr marL="82550" marR="82550" marT="38100" marB="38100" anchor="ctr">
+                    <a:lnL w="6350" cap="flat" cmpd="sng" algn="ctr">
+                      <a:solidFill>
+                        <a:srgbClr val="D6D6D6"/>
+                      </a:solidFill>
+                      <a:prstDash val="solid"/>
+                      <a:round/>
+                      <a:headEnd type="none" w="med" len="med"/>
+                      <a:tailEnd type="none" w="med" len="med"/>
+                    </a:lnL>
+                    <a:lnR w="6350" cap="flat" cmpd="sng" algn="ctr">
+                      <a:solidFill>
+                        <a:srgbClr val="D6D6D6"/>
+                      </a:solidFill>
+                      <a:prstDash val="solid"/>
+                      <a:round/>
+                      <a:headEnd type="none" w="med" len="med"/>
+                      <a:tailEnd type="none" w="med" len="med"/>
+                    </a:lnR>
+                    <a:lnT w="6350" cap="flat" cmpd="sng" algn="ctr">
+                      <a:solidFill>
+                        <a:srgbClr val="D6D6D6"/>
+                      </a:solidFill>
+                      <a:prstDash val="solid"/>
+                      <a:round/>
+                      <a:headEnd type="none" w="med" len="med"/>
+                      <a:tailEnd type="none" w="med" len="med"/>
+                    </a:lnT>
+                    <a:lnB w="6350" cap="flat" cmpd="sng" algn="ctr">
+                      <a:solidFill>
+                        <a:srgbClr val="D6D6D6"/>
+                      </a:solidFill>
+                      <a:prstDash val="solid"/>
+                      <a:round/>
+                      <a:headEnd type="none" w="med" len="med"/>
+                      <a:tailEnd type="none" w="med" len="med"/>
+                    </a:lnB>
+                    <a:solidFill>
+                      <a:srgbClr val="FFFFFF"/>
+                    </a:solidFill>
+                  </a:tcPr>
+                </a:tc>
+                <a:tc>
+                  <a:txBody>
+                    <a:bodyPr/>
+                    <a:lstStyle/>
+                    <a:p>
+                      <a:r>
+                        <a:rPr lang="en-US" altLang="zh-CN" sz="2400">
+                          <a:effectLst/>
+                        </a:rPr>
+                        <a:t>17</a:t>
+                      </a:r>
+                    </a:p>
+                  </a:txBody>
+                  <a:tcPr marL="82550" marR="82550" marT="38100" marB="38100" anchor="ctr">
+                    <a:lnL w="6350" cap="flat" cmpd="sng" algn="ctr">
+                      <a:solidFill>
+                        <a:srgbClr val="D6D6D6"/>
+                      </a:solidFill>
+                      <a:prstDash val="solid"/>
+                      <a:round/>
+                      <a:headEnd type="none" w="med" len="med"/>
+                      <a:tailEnd type="none" w="med" len="med"/>
+                    </a:lnL>
+                    <a:lnR w="6350" cap="flat" cmpd="sng" algn="ctr">
+                      <a:solidFill>
+                        <a:srgbClr val="D6D6D6"/>
+                      </a:solidFill>
+                      <a:prstDash val="solid"/>
+                      <a:round/>
+                      <a:headEnd type="none" w="med" len="med"/>
+                      <a:tailEnd type="none" w="med" len="med"/>
+                    </a:lnR>
+                    <a:lnT w="6350" cap="flat" cmpd="sng" algn="ctr">
+                      <a:solidFill>
+                        <a:srgbClr val="D6D6D6"/>
+                      </a:solidFill>
+                      <a:prstDash val="solid"/>
+                      <a:round/>
+                      <a:headEnd type="none" w="med" len="med"/>
+                      <a:tailEnd type="none" w="med" len="med"/>
+                    </a:lnT>
+                    <a:lnB w="6350" cap="flat" cmpd="sng" algn="ctr">
+                      <a:solidFill>
+                        <a:srgbClr val="D6D6D6"/>
+                      </a:solidFill>
+                      <a:prstDash val="solid"/>
+                      <a:round/>
+                      <a:headEnd type="none" w="med" len="med"/>
+                      <a:tailEnd type="none" w="med" len="med"/>
+                    </a:lnB>
+                    <a:solidFill>
+                      <a:srgbClr val="FFFFFF"/>
+                    </a:solidFill>
+                  </a:tcPr>
+                </a:tc>
+                <a:tc>
+                  <a:txBody>
+                    <a:bodyPr/>
+                    <a:lstStyle/>
+                    <a:p>
+                      <a:r>
+                        <a:rPr lang="en-US" altLang="zh-CN" sz="2400">
+                          <a:effectLst/>
+                        </a:rPr>
+                        <a:t>75</a:t>
+                      </a:r>
+                    </a:p>
+                  </a:txBody>
+                  <a:tcPr marL="82550" marR="82550" marT="38100" marB="38100" anchor="ctr">
+                    <a:lnL w="6350" cap="flat" cmpd="sng" algn="ctr">
+                      <a:solidFill>
+                        <a:srgbClr val="D6D6D6"/>
+                      </a:solidFill>
+                      <a:prstDash val="solid"/>
+                      <a:round/>
+                      <a:headEnd type="none" w="med" len="med"/>
+                      <a:tailEnd type="none" w="med" len="med"/>
+                    </a:lnL>
+                    <a:lnR w="6350" cap="flat" cmpd="sng" algn="ctr">
+                      <a:solidFill>
+                        <a:srgbClr val="D6D6D6"/>
+                      </a:solidFill>
+                      <a:prstDash val="solid"/>
+                      <a:round/>
+                      <a:headEnd type="none" w="med" len="med"/>
+                      <a:tailEnd type="none" w="med" len="med"/>
+                    </a:lnR>
+                    <a:lnT w="6350" cap="flat" cmpd="sng" algn="ctr">
+                      <a:solidFill>
+                        <a:srgbClr val="D6D6D6"/>
+                      </a:solidFill>
+                      <a:prstDash val="solid"/>
+                      <a:round/>
+                      <a:headEnd type="none" w="med" len="med"/>
+                      <a:tailEnd type="none" w="med" len="med"/>
+                    </a:lnT>
+                    <a:lnB w="6350" cap="flat" cmpd="sng" algn="ctr">
+                      <a:solidFill>
+                        <a:srgbClr val="D6D6D6"/>
+                      </a:solidFill>
+                      <a:prstDash val="solid"/>
+                      <a:round/>
+                      <a:headEnd type="none" w="med" len="med"/>
+                      <a:tailEnd type="none" w="med" len="med"/>
+                    </a:lnB>
+                    <a:solidFill>
+                      <a:srgbClr val="FFFFFF"/>
+                    </a:solidFill>
+                  </a:tcPr>
+                </a:tc>
+              </a:tr>
+              <a:tr h="0">
+                <a:tc>
+                  <a:txBody>
+                    <a:bodyPr/>
+                    <a:lstStyle/>
+                    <a:p>
+                      <a:r>
+                        <a:rPr lang="zh-CN" altLang="en-US" sz="2400">
+                          <a:effectLst/>
+                        </a:rPr>
+                        <a:t>总共</a:t>
+                      </a:r>
+                    </a:p>
+                  </a:txBody>
+                  <a:tcPr marL="82550" marR="82550" marT="38100" marB="38100" anchor="ctr">
+                    <a:lnL w="6350" cap="flat" cmpd="sng" algn="ctr">
+                      <a:solidFill>
+                        <a:srgbClr val="D6D6D6"/>
+                      </a:solidFill>
+                      <a:prstDash val="solid"/>
+                      <a:round/>
+                      <a:headEnd type="none" w="med" len="med"/>
+                      <a:tailEnd type="none" w="med" len="med"/>
+                    </a:lnL>
+                    <a:lnR w="6350" cap="flat" cmpd="sng" algn="ctr">
+                      <a:solidFill>
+                        <a:srgbClr val="D6D6D6"/>
+                      </a:solidFill>
+                      <a:prstDash val="solid"/>
+                      <a:round/>
+                      <a:headEnd type="none" w="med" len="med"/>
+                      <a:tailEnd type="none" w="med" len="med"/>
+                    </a:lnR>
+                    <a:lnT w="6350" cap="flat" cmpd="sng" algn="ctr">
+                      <a:solidFill>
+                        <a:srgbClr val="D6D6D6"/>
+                      </a:solidFill>
+                      <a:prstDash val="solid"/>
+                      <a:round/>
+                      <a:headEnd type="none" w="med" len="med"/>
+                      <a:tailEnd type="none" w="med" len="med"/>
+                    </a:lnT>
+                    <a:lnB w="6350" cap="flat" cmpd="sng" algn="ctr">
+                      <a:solidFill>
+                        <a:srgbClr val="D6D6D6"/>
+                      </a:solidFill>
+                      <a:prstDash val="solid"/>
+                      <a:round/>
+                      <a:headEnd type="none" w="med" len="med"/>
+                      <a:tailEnd type="none" w="med" len="med"/>
+                    </a:lnB>
+                    <a:solidFill>
+                      <a:srgbClr val="FFFFFF"/>
+                    </a:solidFill>
+                  </a:tcPr>
+                </a:tc>
+                <a:tc>
+                  <a:txBody>
+                    <a:bodyPr/>
+                    <a:lstStyle/>
+                    <a:p>
+                      <a:r>
+                        <a:rPr lang="is-IS" sz="2400">
+                          <a:effectLst/>
+                        </a:rPr>
+                        <a:t>62</a:t>
+                      </a:r>
+                    </a:p>
+                  </a:txBody>
+                  <a:tcPr marL="82550" marR="82550" marT="38100" marB="38100" anchor="ctr">
+                    <a:lnL w="6350" cap="flat" cmpd="sng" algn="ctr">
+                      <a:solidFill>
+                        <a:srgbClr val="D6D6D6"/>
+                      </a:solidFill>
+                      <a:prstDash val="solid"/>
+                      <a:round/>
+                      <a:headEnd type="none" w="med" len="med"/>
+                      <a:tailEnd type="none" w="med" len="med"/>
+                    </a:lnL>
+                    <a:lnR w="6350" cap="flat" cmpd="sng" algn="ctr">
+                      <a:solidFill>
+                        <a:srgbClr val="D6D6D6"/>
+                      </a:solidFill>
+                      <a:prstDash val="solid"/>
+                      <a:round/>
+                      <a:headEnd type="none" w="med" len="med"/>
+                      <a:tailEnd type="none" w="med" len="med"/>
+                    </a:lnR>
+                    <a:lnT w="6350" cap="flat" cmpd="sng" algn="ctr">
+                      <a:solidFill>
+                        <a:srgbClr val="D6D6D6"/>
+                      </a:solidFill>
+                      <a:prstDash val="solid"/>
+                      <a:round/>
+                      <a:headEnd type="none" w="med" len="med"/>
+                      <a:tailEnd type="none" w="med" len="med"/>
+                    </a:lnT>
+                    <a:lnB w="6350" cap="flat" cmpd="sng" algn="ctr">
+                      <a:solidFill>
+                        <a:srgbClr val="D6D6D6"/>
+                      </a:solidFill>
+                      <a:prstDash val="solid"/>
+                      <a:round/>
+                      <a:headEnd type="none" w="med" len="med"/>
+                      <a:tailEnd type="none" w="med" len="med"/>
+                    </a:lnB>
+                    <a:solidFill>
+                      <a:srgbClr val="FFFFFF"/>
+                    </a:solidFill>
+                  </a:tcPr>
+                </a:tc>
+                <a:tc>
+                  <a:txBody>
+                    <a:bodyPr/>
+                    <a:lstStyle/>
+                    <a:p>
+                      <a:r>
+                        <a:rPr lang="uk-UA" sz="2400">
+                          <a:effectLst/>
+                        </a:rPr>
+                        <a:t>51</a:t>
+                      </a:r>
+                    </a:p>
+                  </a:txBody>
+                  <a:tcPr marL="82550" marR="82550" marT="38100" marB="38100" anchor="ctr">
+                    <a:lnL w="6350" cap="flat" cmpd="sng" algn="ctr">
+                      <a:solidFill>
+                        <a:srgbClr val="D6D6D6"/>
+                      </a:solidFill>
+                      <a:prstDash val="solid"/>
+                      <a:round/>
+                      <a:headEnd type="none" w="med" len="med"/>
+                      <a:tailEnd type="none" w="med" len="med"/>
+                    </a:lnL>
+                    <a:lnR w="6350" cap="flat" cmpd="sng" algn="ctr">
+                      <a:solidFill>
+                        <a:srgbClr val="D6D6D6"/>
+                      </a:solidFill>
+                      <a:prstDash val="solid"/>
+                      <a:round/>
+                      <a:headEnd type="none" w="med" len="med"/>
+                      <a:tailEnd type="none" w="med" len="med"/>
+                    </a:lnR>
+                    <a:lnT w="6350" cap="flat" cmpd="sng" algn="ctr">
+                      <a:solidFill>
+                        <a:srgbClr val="D6D6D6"/>
+                      </a:solidFill>
+                      <a:prstDash val="solid"/>
+                      <a:round/>
+                      <a:headEnd type="none" w="med" len="med"/>
+                      <a:tailEnd type="none" w="med" len="med"/>
+                    </a:lnT>
+                    <a:lnB w="6350" cap="flat" cmpd="sng" algn="ctr">
+                      <a:solidFill>
+                        <a:srgbClr val="D6D6D6"/>
+                      </a:solidFill>
+                      <a:prstDash val="solid"/>
+                      <a:round/>
+                      <a:headEnd type="none" w="med" len="med"/>
+                      <a:tailEnd type="none" w="med" len="med"/>
+                    </a:lnB>
+                    <a:solidFill>
+                      <a:srgbClr val="FFFFFF"/>
+                    </a:solidFill>
+                  </a:tcPr>
+                </a:tc>
+                <a:tc>
+                  <a:txBody>
+                    <a:bodyPr/>
+                    <a:lstStyle/>
+                    <a:p>
+                      <a:r>
+                        <a:rPr lang="is-IS" sz="2400">
+                          <a:effectLst/>
+                        </a:rPr>
+                        <a:t>37</a:t>
+                      </a:r>
+                    </a:p>
+                  </a:txBody>
+                  <a:tcPr marL="82550" marR="82550" marT="38100" marB="38100" anchor="ctr">
+                    <a:lnL w="6350" cap="flat" cmpd="sng" algn="ctr">
+                      <a:solidFill>
+                        <a:srgbClr val="D6D6D6"/>
+                      </a:solidFill>
+                      <a:prstDash val="solid"/>
+                      <a:round/>
+                      <a:headEnd type="none" w="med" len="med"/>
+                      <a:tailEnd type="none" w="med" len="med"/>
+                    </a:lnL>
+                    <a:lnR w="6350" cap="flat" cmpd="sng" algn="ctr">
+                      <a:solidFill>
+                        <a:srgbClr val="D6D6D6"/>
+                      </a:solidFill>
+                      <a:prstDash val="solid"/>
+                      <a:round/>
+                      <a:headEnd type="none" w="med" len="med"/>
+                      <a:tailEnd type="none" w="med" len="med"/>
+                    </a:lnR>
+                    <a:lnT w="6350" cap="flat" cmpd="sng" algn="ctr">
+                      <a:solidFill>
+                        <a:srgbClr val="D6D6D6"/>
+                      </a:solidFill>
+                      <a:prstDash val="solid"/>
+                      <a:round/>
+                      <a:headEnd type="none" w="med" len="med"/>
+                      <a:tailEnd type="none" w="med" len="med"/>
+                    </a:lnT>
+                    <a:lnB w="6350" cap="flat" cmpd="sng" algn="ctr">
+                      <a:solidFill>
+                        <a:srgbClr val="D6D6D6"/>
+                      </a:solidFill>
+                      <a:prstDash val="solid"/>
+                      <a:round/>
+                      <a:headEnd type="none" w="med" len="med"/>
+                      <a:tailEnd type="none" w="med" len="med"/>
+                    </a:lnB>
+                    <a:solidFill>
+                      <a:srgbClr val="FFFFFF"/>
+                    </a:solidFill>
+                  </a:tcPr>
+                </a:tc>
+                <a:tc>
+                  <a:txBody>
+                    <a:bodyPr/>
+                    <a:lstStyle/>
+                    <a:p>
+                      <a:r>
+                        <a:rPr lang="en-US" altLang="zh-CN" sz="2400" dirty="0">
+                          <a:effectLst/>
+                        </a:rPr>
+                        <a:t>150</a:t>
+                      </a:r>
+                    </a:p>
+                  </a:txBody>
+                  <a:tcPr marL="82550" marR="82550" marT="38100" marB="38100" anchor="ctr">
+                    <a:lnL w="6350" cap="flat" cmpd="sng" algn="ctr">
+                      <a:solidFill>
+                        <a:srgbClr val="D6D6D6"/>
+                      </a:solidFill>
+                      <a:prstDash val="solid"/>
+                      <a:round/>
+                      <a:headEnd type="none" w="med" len="med"/>
+                      <a:tailEnd type="none" w="med" len="med"/>
+                    </a:lnL>
+                    <a:lnR w="6350" cap="flat" cmpd="sng" algn="ctr">
+                      <a:solidFill>
+                        <a:srgbClr val="D6D6D6"/>
+                      </a:solidFill>
+                      <a:prstDash val="solid"/>
+                      <a:round/>
+                      <a:headEnd type="none" w="med" len="med"/>
+                      <a:tailEnd type="none" w="med" len="med"/>
+                    </a:lnR>
+                    <a:lnT w="6350" cap="flat" cmpd="sng" algn="ctr">
+                      <a:solidFill>
+                        <a:srgbClr val="D6D6D6"/>
+                      </a:solidFill>
+                      <a:prstDash val="solid"/>
+                      <a:round/>
+                      <a:headEnd type="none" w="med" len="med"/>
+                      <a:tailEnd type="none" w="med" len="med"/>
+                    </a:lnT>
+                    <a:lnB w="6350" cap="flat" cmpd="sng" algn="ctr">
+                      <a:solidFill>
+                        <a:srgbClr val="D6D6D6"/>
+                      </a:solidFill>
+                      <a:prstDash val="solid"/>
+                      <a:round/>
+                      <a:headEnd type="none" w="med" len="med"/>
+                      <a:tailEnd type="none" w="med" len="med"/>
+                    </a:lnB>
+                    <a:solidFill>
+                      <a:srgbClr val="FFFFFF"/>
+                    </a:solidFill>
+                  </a:tcPr>
+                </a:tc>
+              </a:tr>
+            </a:tbl>
+          </a:graphicData>
+        </a:graphic>
+      </p:graphicFrame>
+      <p:cxnSp>
+        <p:nvCxnSpPr>
+          <p:cNvPr id="6" name="直线箭头连接符 8"/>
+          <p:cNvCxnSpPr/>
+          <p:nvPr/>
+        </p:nvCxnSpPr>
+        <p:spPr>
+          <a:xfrm>
+            <a:off x="7488592" y="903374"/>
+            <a:ext cx="0" cy="1807535"/>
+          </a:xfrm>
+          <a:prstGeom prst="straightConnector1">
+            <a:avLst/>
+          </a:prstGeom>
+          <a:ln w="19050">
+            <a:solidFill>
+              <a:schemeClr val="tx1"/>
+            </a:solidFill>
+            <a:tailEnd type="triangle"/>
+          </a:ln>
+        </p:spPr>
+        <p:style>
+          <a:lnRef idx="1">
+            <a:schemeClr val="accent1"/>
+          </a:lnRef>
+          <a:fillRef idx="0">
+            <a:schemeClr val="accent1"/>
+          </a:fillRef>
+          <a:effectRef idx="0">
+            <a:schemeClr val="accent1"/>
+          </a:effectRef>
+          <a:fontRef idx="minor">
+            <a:schemeClr val="tx1"/>
+          </a:fontRef>
+        </p:style>
+      </p:cxnSp>
+      <p:cxnSp>
+        <p:nvCxnSpPr>
+          <p:cNvPr id="7" name="直线箭头连接符 9"/>
+          <p:cNvCxnSpPr/>
+          <p:nvPr/>
+        </p:nvCxnSpPr>
+        <p:spPr>
+          <a:xfrm>
+            <a:off x="6510397" y="1562592"/>
+            <a:ext cx="4086446" cy="2349"/>
+          </a:xfrm>
+          <a:prstGeom prst="straightConnector1">
+            <a:avLst/>
+          </a:prstGeom>
+          <a:ln w="19050">
+            <a:solidFill>
+              <a:schemeClr val="tx1"/>
+            </a:solidFill>
+            <a:tailEnd type="triangle"/>
+          </a:ln>
+        </p:spPr>
+        <p:style>
+          <a:lnRef idx="1">
+            <a:schemeClr val="accent1"/>
+          </a:lnRef>
+          <a:fillRef idx="0">
+            <a:schemeClr val="accent1"/>
+          </a:fillRef>
+          <a:effectRef idx="0">
+            <a:schemeClr val="accent1"/>
+          </a:effectRef>
+          <a:fontRef idx="minor">
+            <a:schemeClr val="tx1"/>
+          </a:fontRef>
+        </p:style>
+      </p:cxnSp>
+      <p:pic>
+        <p:nvPicPr>
+          <p:cNvPr id="8" name="图片 7"/>
+          <p:cNvPicPr>
+            <a:picLocks noChangeAspect="1"/>
+          </p:cNvPicPr>
+          <p:nvPr/>
+        </p:nvPicPr>
+        <p:blipFill>
+          <a:blip r:embed="rId2"/>
+          <a:stretch>
+            <a:fillRect/>
+          </a:stretch>
+        </p:blipFill>
+        <p:spPr>
+          <a:xfrm>
+            <a:off x="5446346" y="3061856"/>
+            <a:ext cx="6375400" cy="1041400"/>
+          </a:xfrm>
+          <a:prstGeom prst="rect">
+            <a:avLst/>
+          </a:prstGeom>
+        </p:spPr>
+      </p:pic>
+      <p:pic>
+        <p:nvPicPr>
+          <p:cNvPr id="9" name="图片 8"/>
+          <p:cNvPicPr>
+            <a:picLocks noChangeAspect="1"/>
+          </p:cNvPicPr>
+          <p:nvPr/>
+        </p:nvPicPr>
+        <p:blipFill>
+          <a:blip r:embed="rId3"/>
+          <a:stretch>
+            <a:fillRect/>
+          </a:stretch>
+        </p:blipFill>
+        <p:spPr>
+          <a:xfrm>
+            <a:off x="5446346" y="4341272"/>
+            <a:ext cx="2489200" cy="685800"/>
+          </a:xfrm>
+          <a:prstGeom prst="rect">
+            <a:avLst/>
+          </a:prstGeom>
+        </p:spPr>
+      </p:pic>
+      <p:pic>
+        <p:nvPicPr>
+          <p:cNvPr id="10" name="图片 9"/>
+          <p:cNvPicPr>
+            <a:picLocks noChangeAspect="1"/>
+          </p:cNvPicPr>
+          <p:nvPr/>
+        </p:nvPicPr>
+        <p:blipFill>
+          <a:blip r:embed="rId4"/>
+          <a:stretch>
+            <a:fillRect/>
+          </a:stretch>
+        </p:blipFill>
+        <p:spPr>
+          <a:xfrm>
+            <a:off x="1913792" y="3061856"/>
+            <a:ext cx="2189798" cy="714566"/>
+          </a:xfrm>
+          <a:prstGeom prst="rect">
+            <a:avLst/>
+          </a:prstGeom>
+        </p:spPr>
+      </p:pic>
+    </p:spTree>
+    <p:extLst>
+      <p:ext uri="{BB962C8B-B14F-4D97-AF65-F5344CB8AC3E}">
+        <p14:creationId xmlns:p14="http://schemas.microsoft.com/office/powerpoint/2010/main" val="3729819837"/>
+      </p:ext>
+    </p:extLst>
+  </p:cSld>
+  <p:clrMapOvr>
+    <a:masterClrMapping/>
+  </p:clrMapOvr>
+  <p:timing>
+    <p:tnLst>
+      <p:par>
+        <p:cTn id="1" dur="indefinite" restart="never" nodeType="tmRoot"/>
+      </p:par>
+    </p:tnLst>
+  </p:timing>
+</p:sld>
+</file>
+
+<file path=ppt/slides/slide26.xml><?xml version="1.0" encoding="utf-8"?>
+<p:sld xmlns:a="http://schemas.openxmlformats.org/drawingml/2006/main" xmlns:r="http://schemas.openxmlformats.org/officeDocument/2006/relationships" xmlns:p="http://schemas.openxmlformats.org/presentationml/2006/main">
+  <p:cSld>
+    <p:spTree>
+      <p:nvGrpSpPr>
+        <p:cNvPr id="1" name=""/>
+        <p:cNvGrpSpPr/>
+        <p:nvPr/>
+      </p:nvGrpSpPr>
+      <p:grpSpPr>
+        <a:xfrm>
+          <a:off x="0" y="0"/>
+          <a:ext cx="0" cy="0"/>
+          <a:chOff x="0" y="0"/>
+          <a:chExt cx="0" cy="0"/>
+        </a:xfrm>
+      </p:grpSpPr>
+      <p:sp>
+        <p:nvSpPr>
+          <p:cNvPr id="2" name="标题 1"/>
+          <p:cNvSpPr>
+            <a:spLocks noGrp="1"/>
+          </p:cNvSpPr>
+          <p:nvPr>
+            <p:ph type="title"/>
+          </p:nvPr>
+        </p:nvSpPr>
+        <p:spPr/>
+        <p:txBody>
+          <a:bodyPr/>
+          <a:lstStyle/>
+          <a:p>
+            <a:r>
+              <a:rPr lang="zh-CN" altLang="en-US" dirty="0" smtClean="0"/>
+              <a:t>得出结论</a:t>
+            </a:r>
+            <a:endParaRPr lang="zh-CN" altLang="en-US" dirty="0"/>
+          </a:p>
+        </p:txBody>
+      </p:sp>
+      <p:sp>
+        <p:nvSpPr>
+          <p:cNvPr id="3" name="内容占位符 2"/>
+          <p:cNvSpPr>
+            <a:spLocks noGrp="1"/>
+          </p:cNvSpPr>
+          <p:nvPr>
+            <p:ph idx="1"/>
+          </p:nvPr>
+        </p:nvSpPr>
+        <p:spPr/>
+        <p:txBody>
+          <a:bodyPr/>
+          <a:lstStyle/>
+          <a:p>
+            <a:r>
+              <a:rPr lang="en-US" altLang="zh-CN" dirty="0" smtClean="0"/>
+              <a:t>60.5</a:t>
+            </a:r>
+            <a:r>
+              <a:rPr lang="zh-CN" altLang="en-US" dirty="0" smtClean="0"/>
+              <a:t>大于临界值</a:t>
+            </a:r>
+            <a:r>
+              <a:rPr lang="en-US" altLang="zh-CN" dirty="0" smtClean="0"/>
+              <a:t>12.59</a:t>
+            </a:r>
+            <a:r>
+              <a:rPr lang="zh-CN" altLang="en-US" dirty="0" smtClean="0"/>
+              <a:t>，拒绝零假设，接受备择假设</a:t>
+            </a:r>
+            <a:endParaRPr lang="zh-CN" altLang="en-US" dirty="0"/>
+          </a:p>
+        </p:txBody>
+      </p:sp>
+    </p:spTree>
+    <p:extLst>
+      <p:ext uri="{BB962C8B-B14F-4D97-AF65-F5344CB8AC3E}">
+        <p14:creationId xmlns:p14="http://schemas.microsoft.com/office/powerpoint/2010/main" val="2004266371"/>
+      </p:ext>
+    </p:extLst>
+  </p:cSld>
+  <p:clrMapOvr>
+    <a:masterClrMapping/>
+  </p:clrMapOvr>
+</p:sld>
+</file>
+
+<file path=ppt/slides/slide27.xml><?xml version="1.0" encoding="utf-8"?>
+<p:sld xmlns:a="http://schemas.openxmlformats.org/drawingml/2006/main" xmlns:r="http://schemas.openxmlformats.org/officeDocument/2006/relationships" xmlns:p="http://schemas.openxmlformats.org/presentationml/2006/main">
+  <p:cSld>
+    <p:spTree>
+      <p:nvGrpSpPr>
+        <p:cNvPr id="1" name=""/>
+        <p:cNvGrpSpPr/>
+        <p:nvPr/>
+      </p:nvGrpSpPr>
+      <p:grpSpPr>
+        <a:xfrm>
+          <a:off x="0" y="0"/>
+          <a:ext cx="0" cy="0"/>
+          <a:chOff x="0" y="0"/>
+          <a:chExt cx="0" cy="0"/>
+        </a:xfrm>
+      </p:grpSpPr>
+      <p:sp>
+        <p:nvSpPr>
+          <p:cNvPr id="2" name="标题 1"/>
+          <p:cNvSpPr>
+            <a:spLocks noGrp="1"/>
+          </p:cNvSpPr>
+          <p:nvPr>
+            <p:ph type="title"/>
+          </p:nvPr>
+        </p:nvSpPr>
+        <p:spPr/>
+        <p:txBody>
+          <a:bodyPr/>
+          <a:lstStyle/>
+          <a:p>
+            <a:r>
+              <a:rPr lang="zh-CN" altLang="en-US" dirty="0" smtClean="0"/>
+              <a:t>练习题</a:t>
+            </a:r>
+            <a:endParaRPr lang="zh-CN" altLang="en-US" dirty="0"/>
+          </a:p>
+        </p:txBody>
+      </p:sp>
+      <p:sp>
+        <p:nvSpPr>
+          <p:cNvPr id="3" name="内容占位符 2"/>
+          <p:cNvSpPr>
+            <a:spLocks noGrp="1"/>
+          </p:cNvSpPr>
+          <p:nvPr>
+            <p:ph idx="1"/>
+          </p:nvPr>
+        </p:nvSpPr>
+        <p:spPr/>
+        <p:txBody>
+          <a:bodyPr/>
+          <a:lstStyle/>
+          <a:p>
+            <a:r>
+              <a:rPr lang="zh-CN" altLang="en-US" dirty="0"/>
+              <a:t>胰腺切除术是一个难度很高的手术</a:t>
+            </a:r>
+            <a:r>
+              <a:rPr lang="en-US" altLang="zh-CN" dirty="0"/>
+              <a:t>, </a:t>
+            </a:r>
+            <a:r>
+              <a:rPr lang="zh-CN" altLang="en-US" dirty="0"/>
+              <a:t>围手术期并发症众多</a:t>
+            </a:r>
+            <a:r>
+              <a:rPr lang="en-US" altLang="zh-CN" dirty="0"/>
+              <a:t>. </a:t>
+            </a:r>
+            <a:r>
+              <a:rPr lang="zh-CN" altLang="en-US" dirty="0"/>
+              <a:t>近期一个研究回顾分析了</a:t>
+            </a:r>
+            <a:r>
+              <a:rPr lang="en-US" altLang="zh-CN" dirty="0"/>
+              <a:t>553</a:t>
+            </a:r>
+            <a:r>
+              <a:rPr lang="zh-CN" altLang="en-US" dirty="0"/>
+              <a:t>例接受了胰腺切除术的患者</a:t>
+            </a:r>
+            <a:r>
+              <a:rPr lang="en-US" altLang="zh-CN" dirty="0"/>
+              <a:t>, </a:t>
+            </a:r>
+            <a:r>
+              <a:rPr lang="zh-CN" altLang="en-US" dirty="0"/>
+              <a:t>试图评估他们的</a:t>
+            </a:r>
+            <a:r>
+              <a:rPr lang="en-US" altLang="zh-CN" dirty="0"/>
+              <a:t>Apgar</a:t>
+            </a:r>
+            <a:r>
+              <a:rPr lang="zh-CN" altLang="en-US" dirty="0"/>
+              <a:t>评分</a:t>
+            </a:r>
+            <a:r>
+              <a:rPr lang="en-US" altLang="zh-CN" dirty="0"/>
+              <a:t>(SAS)</a:t>
+            </a:r>
+            <a:r>
+              <a:rPr lang="zh-CN" altLang="en-US" dirty="0"/>
+              <a:t>是否后</a:t>
+            </a:r>
+            <a:r>
+              <a:rPr lang="en-US" altLang="zh-CN" dirty="0"/>
+              <a:t>30</a:t>
+            </a:r>
+            <a:r>
+              <a:rPr lang="zh-CN" altLang="en-US" dirty="0"/>
+              <a:t>天围手术期并发症</a:t>
+            </a:r>
+            <a:r>
+              <a:rPr lang="en-US" altLang="zh-CN" dirty="0"/>
+              <a:t>/</a:t>
+            </a:r>
+            <a:r>
+              <a:rPr lang="zh-CN" altLang="en-US" dirty="0"/>
+              <a:t>死亡存在关联</a:t>
+            </a:r>
+            <a:endParaRPr lang="zh-CN" altLang="en-US" dirty="0"/>
+          </a:p>
+        </p:txBody>
+      </p:sp>
+      <p:pic>
+        <p:nvPicPr>
+          <p:cNvPr id="4" name="图片 3"/>
+          <p:cNvPicPr>
+            <a:picLocks noChangeAspect="1"/>
+          </p:cNvPicPr>
+          <p:nvPr/>
+        </p:nvPicPr>
+        <p:blipFill>
+          <a:blip r:embed="rId2"/>
+          <a:stretch>
+            <a:fillRect/>
+          </a:stretch>
+        </p:blipFill>
+        <p:spPr>
+          <a:xfrm>
+            <a:off x="3128485" y="3981483"/>
+            <a:ext cx="6087428" cy="2724150"/>
+          </a:xfrm>
+          <a:prstGeom prst="rect">
+            <a:avLst/>
+          </a:prstGeom>
+        </p:spPr>
+      </p:pic>
+    </p:spTree>
+    <p:extLst>
+      <p:ext uri="{BB962C8B-B14F-4D97-AF65-F5344CB8AC3E}">
+        <p14:creationId xmlns:p14="http://schemas.microsoft.com/office/powerpoint/2010/main" val="1523366828"/>
+      </p:ext>
+    </p:extLst>
+  </p:cSld>
+  <p:clrMapOvr>
+    <a:masterClrMapping/>
+  </p:clrMapOvr>
+  <p:timing>
+    <p:tnLst>
+      <p:par>
+        <p:cTn id="1" dur="indefinite" restart="never" nodeType="tmRoot"/>
+      </p:par>
+    </p:tnLst>
+  </p:timing>
+</p:sld>
+</file>
+
+<file path=ppt/slides/slide28.xml><?xml version="1.0" encoding="utf-8"?>
+<p:sld xmlns:a="http://schemas.openxmlformats.org/drawingml/2006/main" xmlns:r="http://schemas.openxmlformats.org/officeDocument/2006/relationships" xmlns:p="http://schemas.openxmlformats.org/presentationml/2006/main">
+  <p:cSld>
+    <p:spTree>
+      <p:nvGrpSpPr>
+        <p:cNvPr id="1" name=""/>
+        <p:cNvGrpSpPr/>
+        <p:nvPr/>
+      </p:nvGrpSpPr>
+      <p:grpSpPr>
+        <a:xfrm>
+          <a:off x="0" y="0"/>
+          <a:ext cx="0" cy="0"/>
+          <a:chOff x="0" y="0"/>
+          <a:chExt cx="0" cy="0"/>
+        </a:xfrm>
+      </p:grpSpPr>
+      <p:sp>
+        <p:nvSpPr>
+          <p:cNvPr id="2" name="标题 1"/>
+          <p:cNvSpPr>
+            <a:spLocks noGrp="1"/>
+          </p:cNvSpPr>
+          <p:nvPr>
+            <p:ph type="title"/>
+          </p:nvPr>
+        </p:nvSpPr>
+        <p:spPr/>
+        <p:txBody>
+          <a:bodyPr/>
+          <a:lstStyle/>
+          <a:p>
+            <a:r>
+              <a:rPr lang="zh-CN" altLang="en-US" dirty="0"/>
+              <a:t>卡方检验和二项分布检验的关系</a:t>
+            </a:r>
+            <a:r>
+              <a:rPr lang="en-US" altLang="zh-CN" dirty="0"/>
+              <a:t>-2</a:t>
+            </a:r>
+            <a:endParaRPr lang="zh-CN" altLang="en-US" dirty="0"/>
+          </a:p>
+        </p:txBody>
+      </p:sp>
+      <p:sp>
+        <p:nvSpPr>
+          <p:cNvPr id="3" name="内容占位符 2"/>
+          <p:cNvSpPr>
+            <a:spLocks noGrp="1"/>
+          </p:cNvSpPr>
+          <p:nvPr>
+            <p:ph idx="1"/>
+          </p:nvPr>
+        </p:nvSpPr>
+        <p:spPr/>
+        <p:txBody>
+          <a:bodyPr>
+            <a:normAutofit/>
+          </a:bodyPr>
+          <a:lstStyle/>
+          <a:p>
+            <a:r>
+              <a:rPr lang="zh-CN" altLang="en-US" dirty="0"/>
+              <a:t>之前我们在做两组</a:t>
+            </a:r>
+            <a:r>
+              <a:rPr lang="en-US" altLang="zh-CN" dirty="0"/>
+              <a:t>2</a:t>
+            </a:r>
+            <a:r>
+              <a:rPr lang="zh-CN" altLang="en-US" dirty="0"/>
+              <a:t>分类变量比较的时候使用的是二项分布的正态近似检验</a:t>
+            </a:r>
+            <a:r>
+              <a:rPr lang="en-US" altLang="zh-CN" dirty="0"/>
+              <a:t>. </a:t>
+            </a:r>
+            <a:r>
+              <a:rPr lang="zh-CN" altLang="en-US" dirty="0"/>
+              <a:t>实际上这种问题也属于计量变量的组间比较</a:t>
+            </a:r>
+            <a:r>
+              <a:rPr lang="en-US" altLang="zh-CN" dirty="0"/>
+              <a:t>, </a:t>
+            </a:r>
+            <a:r>
+              <a:rPr lang="zh-CN" altLang="en-US" dirty="0"/>
+              <a:t>所以当然也可以用卡方检验来做</a:t>
+            </a:r>
+            <a:r>
+              <a:rPr lang="en-US" altLang="zh-CN" dirty="0" smtClean="0"/>
+              <a:t>.</a:t>
+            </a:r>
+            <a:endParaRPr lang="en-US" altLang="zh-CN" dirty="0"/>
+          </a:p>
+        </p:txBody>
+      </p:sp>
+    </p:spTree>
+    <p:extLst>
+      <p:ext uri="{BB962C8B-B14F-4D97-AF65-F5344CB8AC3E}">
+        <p14:creationId xmlns:p14="http://schemas.microsoft.com/office/powerpoint/2010/main" val="2013545172"/>
+      </p:ext>
+    </p:extLst>
+  </p:cSld>
+  <p:clrMapOvr>
+    <a:masterClrMapping/>
+  </p:clrMapOvr>
+</p:sld>
+</file>
+
+<file path=ppt/slides/slide29.xml><?xml version="1.0" encoding="utf-8"?>
+<p:sld xmlns:a="http://schemas.openxmlformats.org/drawingml/2006/main" xmlns:r="http://schemas.openxmlformats.org/officeDocument/2006/relationships" xmlns:p="http://schemas.openxmlformats.org/presentationml/2006/main">
+  <p:cSld>
+    <p:spTree>
+      <p:nvGrpSpPr>
+        <p:cNvPr id="1" name=""/>
+        <p:cNvGrpSpPr/>
+        <p:nvPr/>
+      </p:nvGrpSpPr>
+      <p:grpSpPr>
+        <a:xfrm>
+          <a:off x="0" y="0"/>
+          <a:ext cx="0" cy="0"/>
+          <a:chOff x="0" y="0"/>
+          <a:chExt cx="0" cy="0"/>
+        </a:xfrm>
+      </p:grpSpPr>
+      <p:sp>
+        <p:nvSpPr>
+          <p:cNvPr id="2" name="标题 1"/>
+          <p:cNvSpPr>
+            <a:spLocks noGrp="1"/>
+          </p:cNvSpPr>
+          <p:nvPr>
+            <p:ph type="title"/>
+          </p:nvPr>
+        </p:nvSpPr>
+        <p:spPr/>
+        <p:txBody>
+          <a:bodyPr/>
+          <a:lstStyle/>
+          <a:p>
+            <a:r>
+              <a:rPr lang="zh-CN" altLang="en-US" dirty="0" smtClean="0"/>
+              <a:t>例题</a:t>
+            </a:r>
+            <a:endParaRPr lang="zh-CN" altLang="en-US" dirty="0"/>
+          </a:p>
+        </p:txBody>
+      </p:sp>
+      <p:sp>
+        <p:nvSpPr>
+          <p:cNvPr id="3" name="内容占位符 2"/>
+          <p:cNvSpPr>
+            <a:spLocks noGrp="1"/>
+          </p:cNvSpPr>
+          <p:nvPr>
+            <p:ph idx="1"/>
+          </p:nvPr>
+        </p:nvSpPr>
+        <p:spPr/>
+        <p:txBody>
+          <a:bodyPr/>
+          <a:lstStyle/>
+          <a:p>
+            <a:r>
+              <a:rPr lang="zh-CN" altLang="en-US" dirty="0"/>
+              <a:t>某</a:t>
+            </a:r>
+            <a:r>
+              <a:rPr lang="en-US" altLang="zh-CN" dirty="0"/>
+              <a:t>RCT</a:t>
+            </a:r>
+            <a:r>
+              <a:rPr lang="zh-CN" altLang="en-US" dirty="0"/>
+              <a:t>实验比较新药和一线止痛药物的治疗效果</a:t>
+            </a:r>
+            <a:r>
+              <a:rPr lang="en-US" altLang="zh-CN" dirty="0"/>
+              <a:t>. </a:t>
+            </a:r>
+            <a:r>
+              <a:rPr lang="zh-CN" altLang="en-US" dirty="0"/>
+              <a:t>治疗前和治疗后新药组与对照组都做了</a:t>
+            </a:r>
+            <a:r>
+              <a:rPr lang="en-US" altLang="zh-CN" dirty="0"/>
+              <a:t>VAS</a:t>
+            </a:r>
+            <a:r>
+              <a:rPr lang="zh-CN" altLang="en-US" dirty="0"/>
+              <a:t>评分</a:t>
+            </a:r>
+            <a:r>
+              <a:rPr lang="en-US" altLang="zh-CN" dirty="0"/>
+              <a:t>, </a:t>
+            </a:r>
+            <a:r>
+              <a:rPr lang="zh-CN" altLang="en-US" dirty="0"/>
+              <a:t>研究者记录了</a:t>
+            </a:r>
+            <a:r>
+              <a:rPr lang="en-US" altLang="zh-CN" dirty="0"/>
+              <a:t>VAS</a:t>
+            </a:r>
+            <a:r>
+              <a:rPr lang="zh-CN" altLang="en-US" dirty="0"/>
+              <a:t>评分降低超过</a:t>
+            </a:r>
+            <a:r>
+              <a:rPr lang="en-US" altLang="zh-CN" dirty="0"/>
+              <a:t>3</a:t>
+            </a:r>
+            <a:r>
+              <a:rPr lang="zh-CN" altLang="en-US" dirty="0"/>
+              <a:t>个单位的个数</a:t>
+            </a:r>
+            <a:r>
+              <a:rPr lang="en-US" altLang="zh-CN" dirty="0"/>
+              <a:t>, </a:t>
+            </a:r>
+            <a:r>
+              <a:rPr lang="zh-CN" altLang="en-US" dirty="0"/>
+              <a:t>如下表所示</a:t>
+            </a:r>
+            <a:endParaRPr lang="zh-CN" altLang="en-US" dirty="0"/>
+          </a:p>
+        </p:txBody>
+      </p:sp>
+      <p:pic>
+        <p:nvPicPr>
+          <p:cNvPr id="4" name="图片 3"/>
+          <p:cNvPicPr>
+            <a:picLocks noChangeAspect="1"/>
+          </p:cNvPicPr>
+          <p:nvPr/>
+        </p:nvPicPr>
+        <p:blipFill>
+          <a:blip r:embed="rId2"/>
+          <a:stretch>
+            <a:fillRect/>
+          </a:stretch>
+        </p:blipFill>
+        <p:spPr>
+          <a:xfrm>
+            <a:off x="2929413" y="3647992"/>
+            <a:ext cx="6485573" cy="2252663"/>
+          </a:xfrm>
+          <a:prstGeom prst="rect">
+            <a:avLst/>
+          </a:prstGeom>
+        </p:spPr>
+      </p:pic>
+    </p:spTree>
+    <p:extLst>
+      <p:ext uri="{BB962C8B-B14F-4D97-AF65-F5344CB8AC3E}">
+        <p14:creationId xmlns:p14="http://schemas.microsoft.com/office/powerpoint/2010/main" val="2458496343"/>
+      </p:ext>
+    </p:extLst>
+  </p:cSld>
+  <p:clrMapOvr>
+    <a:masterClrMapping/>
+  </p:clrMapOvr>
+</p:sld>
+</file>
+
 <file path=ppt/slides/slide3.xml><?xml version="1.0" encoding="utf-8"?>
 <p:sld xmlns:a="http://schemas.openxmlformats.org/drawingml/2006/main" xmlns:r="http://schemas.openxmlformats.org/officeDocument/2006/relationships" xmlns:p="http://schemas.openxmlformats.org/presentationml/2006/main">
   <p:cSld>
@@ -8518,6 +11759,2511 @@
     <p:extLst>
       <p:ext uri="{BB962C8B-B14F-4D97-AF65-F5344CB8AC3E}">
         <p14:creationId xmlns:p14="http://schemas.microsoft.com/office/powerpoint/2010/main" val="4015686334"/>
+      </p:ext>
+    </p:extLst>
+  </p:cSld>
+  <p:clrMapOvr>
+    <a:masterClrMapping/>
+  </p:clrMapOvr>
+  <p:timing>
+    <p:tnLst>
+      <p:par>
+        <p:cTn id="1" dur="indefinite" restart="never" nodeType="tmRoot"/>
+      </p:par>
+    </p:tnLst>
+  </p:timing>
+</p:sld>
+</file>
+
+<file path=ppt/slides/slide30.xml><?xml version="1.0" encoding="utf-8"?>
+<p:sld xmlns:a="http://schemas.openxmlformats.org/drawingml/2006/main" xmlns:r="http://schemas.openxmlformats.org/officeDocument/2006/relationships" xmlns:p="http://schemas.openxmlformats.org/presentationml/2006/main">
+  <p:cSld>
+    <p:spTree>
+      <p:nvGrpSpPr>
+        <p:cNvPr id="1" name=""/>
+        <p:cNvGrpSpPr/>
+        <p:nvPr/>
+      </p:nvGrpSpPr>
+      <p:grpSpPr>
+        <a:xfrm>
+          <a:off x="0" y="0"/>
+          <a:ext cx="0" cy="0"/>
+          <a:chOff x="0" y="0"/>
+          <a:chExt cx="0" cy="0"/>
+        </a:xfrm>
+      </p:grpSpPr>
+      <p:sp>
+        <p:nvSpPr>
+          <p:cNvPr id="2" name="标题 1"/>
+          <p:cNvSpPr>
+            <a:spLocks noGrp="1"/>
+          </p:cNvSpPr>
+          <p:nvPr>
+            <p:ph type="title"/>
+          </p:nvPr>
+        </p:nvSpPr>
+        <p:spPr/>
+        <p:txBody>
+          <a:bodyPr/>
+          <a:lstStyle/>
+          <a:p>
+            <a:r>
+              <a:rPr lang="zh-CN" altLang="en-US" dirty="0" smtClean="0"/>
+              <a:t>使用正态分布近似法</a:t>
+            </a:r>
+            <a:endParaRPr lang="zh-CN" altLang="en-US" dirty="0"/>
+          </a:p>
+        </p:txBody>
+      </p:sp>
+      <p:sp>
+        <p:nvSpPr>
+          <p:cNvPr id="3" name="内容占位符 2"/>
+          <p:cNvSpPr>
+            <a:spLocks noGrp="1"/>
+          </p:cNvSpPr>
+          <p:nvPr>
+            <p:ph idx="1"/>
+          </p:nvPr>
+        </p:nvSpPr>
+        <p:spPr/>
+        <p:txBody>
+          <a:bodyPr/>
+          <a:lstStyle/>
+          <a:p>
+            <a:r>
+              <a:rPr lang="zh-CN" altLang="en-US" dirty="0"/>
+              <a:t>确定统计假设和</a:t>
+            </a:r>
+            <a:r>
+              <a:rPr lang="zh-CN" altLang="en-US" dirty="0" smtClean="0"/>
+              <a:t>检验水平</a:t>
+            </a:r>
+            <a:endParaRPr lang="en-US" altLang="zh-CN" dirty="0" smtClean="0"/>
+          </a:p>
+          <a:p>
+            <a:pPr lvl="1"/>
+            <a:r>
+              <a:rPr lang="pt-BR" altLang="zh-CN" i="0" dirty="0"/>
+              <a:t>H0: p1=p2, H1:p1 ≠ p2, </a:t>
+            </a:r>
+            <a:r>
+              <a:rPr lang="pt-BR" altLang="zh-CN" dirty="0" smtClean="0"/>
+              <a:t>α</a:t>
+            </a:r>
+            <a:r>
+              <a:rPr lang="pt-BR" altLang="zh-CN" i="0" dirty="0" smtClean="0"/>
+              <a:t>=0.05</a:t>
+            </a:r>
+          </a:p>
+          <a:p>
+            <a:r>
+              <a:rPr lang="zh-CN" altLang="en-US" dirty="0" smtClean="0"/>
+              <a:t>选择合适的统计量</a:t>
+            </a:r>
+            <a:endParaRPr lang="en-US" altLang="zh-CN" dirty="0" smtClean="0"/>
+          </a:p>
+          <a:p>
+            <a:pPr lvl="1"/>
+            <a:endParaRPr lang="zh-CN" altLang="en-US" dirty="0"/>
+          </a:p>
+        </p:txBody>
+      </p:sp>
+      <p:pic>
+        <p:nvPicPr>
+          <p:cNvPr id="4" name="图片 3"/>
+          <p:cNvPicPr>
+            <a:picLocks noChangeAspect="1"/>
+          </p:cNvPicPr>
+          <p:nvPr/>
+        </p:nvPicPr>
+        <p:blipFill>
+          <a:blip r:embed="rId2"/>
+          <a:stretch>
+            <a:fillRect/>
+          </a:stretch>
+        </p:blipFill>
+        <p:spPr>
+          <a:xfrm>
+            <a:off x="2852928" y="3687380"/>
+            <a:ext cx="6638544" cy="726091"/>
+          </a:xfrm>
+          <a:prstGeom prst="rect">
+            <a:avLst/>
+          </a:prstGeom>
+        </p:spPr>
+      </p:pic>
+      <p:graphicFrame>
+        <p:nvGraphicFramePr>
+          <p:cNvPr id="5" name="表格 4"/>
+          <p:cNvGraphicFramePr>
+            <a:graphicFrameLocks noGrp="1"/>
+          </p:cNvGraphicFramePr>
+          <p:nvPr>
+            <p:extLst>
+              <p:ext uri="{D42A27DB-BD31-4B8C-83A1-F6EECF244321}">
+                <p14:modId xmlns:p14="http://schemas.microsoft.com/office/powerpoint/2010/main" val="3775552992"/>
+              </p:ext>
+            </p:extLst>
+          </p:nvPr>
+        </p:nvGraphicFramePr>
+        <p:xfrm>
+          <a:off x="2998176" y="4620971"/>
+          <a:ext cx="6348048" cy="2114550"/>
+        </p:xfrm>
+        <a:graphic>
+          <a:graphicData uri="http://schemas.openxmlformats.org/drawingml/2006/table">
+            <a:tbl>
+              <a:tblPr>
+                <a:tableStyleId>{9D7B26C5-4107-4FEC-AEDC-1716B250A1EF}</a:tableStyleId>
+              </a:tblPr>
+              <a:tblGrid>
+                <a:gridCol w="1587012"/>
+                <a:gridCol w="1587012"/>
+                <a:gridCol w="1587012"/>
+                <a:gridCol w="1587012"/>
+              </a:tblGrid>
+              <a:tr h="0">
+                <a:tc>
+                  <a:txBody>
+                    <a:bodyPr/>
+                    <a:lstStyle/>
+                    <a:p>
+                      <a:pPr algn="l"/>
+                      <a:r>
+                        <a:rPr lang="zh-CN" altLang="en-US" sz="2400" dirty="0">
+                          <a:effectLst/>
+                        </a:rPr>
+                        <a:t>治疗</a:t>
+                      </a:r>
+                    </a:p>
+                  </a:txBody>
+                  <a:tcPr marL="95250" marR="95250" marT="47625" marB="47625" anchor="ctr"/>
+                </a:tc>
+                <a:tc>
+                  <a:txBody>
+                    <a:bodyPr/>
+                    <a:lstStyle/>
+                    <a:p>
+                      <a:pPr algn="l"/>
+                      <a:r>
+                        <a:rPr lang="en-US" sz="2400">
+                          <a:effectLst/>
+                        </a:rPr>
+                        <a:t>n</a:t>
+                      </a:r>
+                    </a:p>
+                  </a:txBody>
+                  <a:tcPr marL="95250" marR="95250" marT="47625" marB="47625" anchor="ctr"/>
+                </a:tc>
+                <a:tc>
+                  <a:txBody>
+                    <a:bodyPr/>
+                    <a:lstStyle/>
+                    <a:p>
+                      <a:pPr algn="l"/>
+                      <a:r>
+                        <a:rPr lang="en-US" altLang="zh-CN" sz="2400">
+                          <a:effectLst/>
+                        </a:rPr>
+                        <a:t>VAS</a:t>
+                      </a:r>
+                      <a:r>
+                        <a:rPr lang="zh-CN" altLang="en-US" sz="2400">
+                          <a:effectLst/>
+                        </a:rPr>
+                        <a:t>降低超过</a:t>
+                      </a:r>
+                      <a:r>
+                        <a:rPr lang="en-US" altLang="zh-CN" sz="2400">
+                          <a:effectLst/>
+                        </a:rPr>
+                        <a:t>3</a:t>
+                      </a:r>
+                      <a:r>
+                        <a:rPr lang="zh-CN" altLang="en-US" sz="2400">
+                          <a:effectLst/>
+                        </a:rPr>
+                        <a:t>频数</a:t>
+                      </a:r>
+                    </a:p>
+                  </a:txBody>
+                  <a:tcPr marL="95250" marR="95250" marT="47625" marB="47625" anchor="ctr"/>
+                </a:tc>
+                <a:tc>
+                  <a:txBody>
+                    <a:bodyPr/>
+                    <a:lstStyle/>
+                    <a:p>
+                      <a:pPr algn="l"/>
+                      <a:r>
+                        <a:rPr lang="en-US" altLang="zh-CN" sz="2400">
+                          <a:effectLst/>
+                        </a:rPr>
+                        <a:t>VAS</a:t>
+                      </a:r>
+                      <a:r>
+                        <a:rPr lang="zh-CN" altLang="en-US" sz="2400">
+                          <a:effectLst/>
+                        </a:rPr>
+                        <a:t>降低小于等于</a:t>
+                      </a:r>
+                      <a:r>
+                        <a:rPr lang="en-US" altLang="zh-CN" sz="2400">
+                          <a:effectLst/>
+                        </a:rPr>
+                        <a:t>3</a:t>
+                      </a:r>
+                      <a:r>
+                        <a:rPr lang="zh-CN" altLang="en-US" sz="2400">
+                          <a:effectLst/>
+                        </a:rPr>
+                        <a:t>频数</a:t>
+                      </a:r>
+                    </a:p>
+                  </a:txBody>
+                  <a:tcPr marL="95250" marR="95250" marT="47625" marB="47625" anchor="ctr"/>
+                </a:tc>
+              </a:tr>
+              <a:tr h="0">
+                <a:tc>
+                  <a:txBody>
+                    <a:bodyPr/>
+                    <a:lstStyle/>
+                    <a:p>
+                      <a:r>
+                        <a:rPr lang="zh-CN" altLang="en-US" sz="2400">
+                          <a:effectLst/>
+                        </a:rPr>
+                        <a:t>新药</a:t>
+                      </a:r>
+                    </a:p>
+                  </a:txBody>
+                  <a:tcPr marL="95250" marR="95250" marT="47625" marB="47625" anchor="ctr"/>
+                </a:tc>
+                <a:tc>
+                  <a:txBody>
+                    <a:bodyPr/>
+                    <a:lstStyle/>
+                    <a:p>
+                      <a:r>
+                        <a:rPr lang="en-US" altLang="zh-CN" sz="2400">
+                          <a:effectLst/>
+                        </a:rPr>
+                        <a:t>50</a:t>
+                      </a:r>
+                    </a:p>
+                  </a:txBody>
+                  <a:tcPr marL="95250" marR="95250" marT="47625" marB="47625" anchor="ctr"/>
+                </a:tc>
+                <a:tc>
+                  <a:txBody>
+                    <a:bodyPr/>
+                    <a:lstStyle/>
+                    <a:p>
+                      <a:r>
+                        <a:rPr lang="en-US" altLang="zh-CN" sz="2400" dirty="0">
+                          <a:effectLst/>
+                        </a:rPr>
+                        <a:t>23</a:t>
+                      </a:r>
+                    </a:p>
+                  </a:txBody>
+                  <a:tcPr marL="95250" marR="95250" marT="47625" marB="47625" anchor="ctr">
+                    <a:solidFill>
+                      <a:schemeClr val="accent2"/>
+                    </a:solidFill>
+                  </a:tcPr>
+                </a:tc>
+                <a:tc>
+                  <a:txBody>
+                    <a:bodyPr/>
+                    <a:lstStyle/>
+                    <a:p>
+                      <a:r>
+                        <a:rPr lang="en-US" altLang="zh-CN" sz="2400" dirty="0">
+                          <a:effectLst/>
+                        </a:rPr>
+                        <a:t>27</a:t>
+                      </a:r>
+                    </a:p>
+                  </a:txBody>
+                  <a:tcPr marL="95250" marR="95250" marT="47625" marB="47625" anchor="ctr">
+                    <a:solidFill>
+                      <a:schemeClr val="accent2"/>
+                    </a:solidFill>
+                  </a:tcPr>
+                </a:tc>
+              </a:tr>
+              <a:tr h="0">
+                <a:tc>
+                  <a:txBody>
+                    <a:bodyPr/>
+                    <a:lstStyle/>
+                    <a:p>
+                      <a:r>
+                        <a:rPr lang="zh-CN" altLang="en-US" sz="2400">
+                          <a:effectLst/>
+                        </a:rPr>
+                        <a:t>对照</a:t>
+                      </a:r>
+                    </a:p>
+                  </a:txBody>
+                  <a:tcPr marL="95250" marR="95250" marT="47625" marB="47625" anchor="ctr"/>
+                </a:tc>
+                <a:tc>
+                  <a:txBody>
+                    <a:bodyPr/>
+                    <a:lstStyle/>
+                    <a:p>
+                      <a:r>
+                        <a:rPr lang="en-US" altLang="zh-CN" sz="2400">
+                          <a:effectLst/>
+                        </a:rPr>
+                        <a:t>50</a:t>
+                      </a:r>
+                    </a:p>
+                  </a:txBody>
+                  <a:tcPr marL="95250" marR="95250" marT="47625" marB="47625" anchor="ctr"/>
+                </a:tc>
+                <a:tc>
+                  <a:txBody>
+                    <a:bodyPr/>
+                    <a:lstStyle/>
+                    <a:p>
+                      <a:r>
+                        <a:rPr lang="en-US" altLang="zh-CN" sz="2400">
+                          <a:effectLst/>
+                        </a:rPr>
+                        <a:t>11</a:t>
+                      </a:r>
+                    </a:p>
+                  </a:txBody>
+                  <a:tcPr marL="95250" marR="95250" marT="47625" marB="47625" anchor="ctr">
+                    <a:solidFill>
+                      <a:schemeClr val="accent2"/>
+                    </a:solidFill>
+                  </a:tcPr>
+                </a:tc>
+                <a:tc>
+                  <a:txBody>
+                    <a:bodyPr/>
+                    <a:lstStyle/>
+                    <a:p>
+                      <a:r>
+                        <a:rPr lang="en-US" altLang="zh-CN" sz="2400" dirty="0">
+                          <a:effectLst/>
+                        </a:rPr>
+                        <a:t>39</a:t>
+                      </a:r>
+                    </a:p>
+                  </a:txBody>
+                  <a:tcPr marL="95250" marR="95250" marT="47625" marB="47625" anchor="ctr">
+                    <a:solidFill>
+                      <a:schemeClr val="accent2"/>
+                    </a:solidFill>
+                  </a:tcPr>
+                </a:tc>
+              </a:tr>
+            </a:tbl>
+          </a:graphicData>
+        </a:graphic>
+      </p:graphicFrame>
+    </p:spTree>
+    <p:extLst>
+      <p:ext uri="{BB962C8B-B14F-4D97-AF65-F5344CB8AC3E}">
+        <p14:creationId xmlns:p14="http://schemas.microsoft.com/office/powerpoint/2010/main" val="498722465"/>
+      </p:ext>
+    </p:extLst>
+  </p:cSld>
+  <p:clrMapOvr>
+    <a:masterClrMapping/>
+  </p:clrMapOvr>
+  <p:timing>
+    <p:tnLst>
+      <p:par>
+        <p:cTn id="1" dur="indefinite" restart="never" nodeType="tmRoot"/>
+      </p:par>
+    </p:tnLst>
+  </p:timing>
+</p:sld>
+</file>
+
+<file path=ppt/slides/slide31.xml><?xml version="1.0" encoding="utf-8"?>
+<p:sld xmlns:a="http://schemas.openxmlformats.org/drawingml/2006/main" xmlns:r="http://schemas.openxmlformats.org/officeDocument/2006/relationships" xmlns:p="http://schemas.openxmlformats.org/presentationml/2006/main">
+  <p:cSld>
+    <p:spTree>
+      <p:nvGrpSpPr>
+        <p:cNvPr id="1" name=""/>
+        <p:cNvGrpSpPr/>
+        <p:nvPr/>
+      </p:nvGrpSpPr>
+      <p:grpSpPr>
+        <a:xfrm>
+          <a:off x="0" y="0"/>
+          <a:ext cx="0" cy="0"/>
+          <a:chOff x="0" y="0"/>
+          <a:chExt cx="0" cy="0"/>
+        </a:xfrm>
+      </p:grpSpPr>
+      <p:pic>
+        <p:nvPicPr>
+          <p:cNvPr id="4" name="图片 3"/>
+          <p:cNvPicPr>
+            <a:picLocks noChangeAspect="1"/>
+          </p:cNvPicPr>
+          <p:nvPr/>
+        </p:nvPicPr>
+        <p:blipFill>
+          <a:blip r:embed="rId2"/>
+          <a:stretch>
+            <a:fillRect/>
+          </a:stretch>
+        </p:blipFill>
+        <p:spPr>
+          <a:xfrm>
+            <a:off x="3970127" y="1751173"/>
+            <a:ext cx="4404146" cy="2294881"/>
+          </a:xfrm>
+          <a:prstGeom prst="rect">
+            <a:avLst/>
+          </a:prstGeom>
+        </p:spPr>
+      </p:pic>
+      <p:sp>
+        <p:nvSpPr>
+          <p:cNvPr id="2" name="标题 1"/>
+          <p:cNvSpPr>
+            <a:spLocks noGrp="1"/>
+          </p:cNvSpPr>
+          <p:nvPr>
+            <p:ph type="title"/>
+          </p:nvPr>
+        </p:nvSpPr>
+        <p:spPr/>
+        <p:txBody>
+          <a:bodyPr/>
+          <a:lstStyle/>
+          <a:p>
+            <a:r>
+              <a:rPr lang="zh-CN" altLang="en-US" dirty="0" smtClean="0"/>
+              <a:t>统计量及判断标准</a:t>
+            </a:r>
+            <a:endParaRPr lang="zh-CN" altLang="en-US" dirty="0"/>
+          </a:p>
+        </p:txBody>
+      </p:sp>
+      <p:sp>
+        <p:nvSpPr>
+          <p:cNvPr id="3" name="内容占位符 2"/>
+          <p:cNvSpPr>
+            <a:spLocks noGrp="1"/>
+          </p:cNvSpPr>
+          <p:nvPr>
+            <p:ph idx="1"/>
+          </p:nvPr>
+        </p:nvSpPr>
+        <p:spPr>
+          <a:xfrm>
+            <a:off x="1371600" y="4343398"/>
+            <a:ext cx="9601200" cy="2514602"/>
+          </a:xfrm>
+        </p:spPr>
+        <p:txBody>
+          <a:bodyPr>
+            <a:normAutofit/>
+          </a:bodyPr>
+          <a:lstStyle/>
+          <a:p>
+            <a:r>
+              <a:rPr lang="zh-CN" altLang="en-US" dirty="0" smtClean="0"/>
+              <a:t>判断标准：</a:t>
+            </a:r>
+            <a:endParaRPr lang="en-US" altLang="zh-CN" dirty="0" smtClean="0"/>
+          </a:p>
+          <a:p>
+            <a:pPr lvl="1"/>
+            <a:r>
+              <a:rPr lang="zh-CN" altLang="en-US" dirty="0" smtClean="0"/>
+              <a:t>如果</a:t>
+            </a:r>
+            <a:r>
+              <a:rPr lang="en-US" altLang="zh-CN" dirty="0"/>
+              <a:t>z</a:t>
+            </a:r>
+            <a:r>
+              <a:rPr lang="zh-CN" altLang="en-US" dirty="0"/>
+              <a:t>大于等于</a:t>
+            </a:r>
+            <a:r>
+              <a:rPr lang="en-US" altLang="zh-CN" dirty="0"/>
+              <a:t>1.96</a:t>
+            </a:r>
+            <a:r>
+              <a:rPr lang="zh-CN" altLang="en-US" dirty="0"/>
+              <a:t>或者小于等于</a:t>
+            </a:r>
+            <a:r>
+              <a:rPr lang="en-US" altLang="zh-CN" dirty="0"/>
+              <a:t>-1.96</a:t>
+            </a:r>
+            <a:r>
+              <a:rPr lang="zh-CN" altLang="en-US" dirty="0"/>
+              <a:t>就拒绝</a:t>
+            </a:r>
+            <a:r>
+              <a:rPr lang="zh-CN" altLang="en-US" dirty="0" smtClean="0"/>
+              <a:t>零假设</a:t>
+            </a:r>
+            <a:endParaRPr lang="en-US" altLang="zh-CN" dirty="0" smtClean="0"/>
+          </a:p>
+          <a:p>
+            <a:r>
+              <a:rPr lang="zh-CN" altLang="en-US" dirty="0" smtClean="0"/>
+              <a:t>计算统计量及结论：</a:t>
+            </a:r>
+            <a:endParaRPr lang="en-US" altLang="zh-CN" dirty="0" smtClean="0"/>
+          </a:p>
+          <a:p>
+            <a:pPr lvl="1"/>
+            <a:r>
+              <a:rPr lang="en-US" altLang="zh-CN" dirty="0" smtClean="0"/>
+              <a:t>2.53</a:t>
+            </a:r>
+            <a:r>
+              <a:rPr lang="zh-CN" altLang="en-US" dirty="0" smtClean="0"/>
+              <a:t>大于</a:t>
+            </a:r>
+            <a:r>
+              <a:rPr lang="en-US" altLang="zh-CN" dirty="0" smtClean="0"/>
+              <a:t>1.96</a:t>
+            </a:r>
+            <a:r>
+              <a:rPr lang="zh-CN" altLang="en-US" dirty="0" smtClean="0"/>
+              <a:t>，拒绝</a:t>
+            </a:r>
+            <a:r>
+              <a:rPr lang="zh-CN" altLang="en-US" dirty="0"/>
+              <a:t>零假设</a:t>
+            </a:r>
+          </a:p>
+        </p:txBody>
+      </p:sp>
+    </p:spTree>
+    <p:extLst>
+      <p:ext uri="{BB962C8B-B14F-4D97-AF65-F5344CB8AC3E}">
+        <p14:creationId xmlns:p14="http://schemas.microsoft.com/office/powerpoint/2010/main" val="4044505640"/>
+      </p:ext>
+    </p:extLst>
+  </p:cSld>
+  <p:clrMapOvr>
+    <a:masterClrMapping/>
+  </p:clrMapOvr>
+  <p:timing>
+    <p:tnLst>
+      <p:par>
+        <p:cTn id="1" dur="indefinite" restart="never" nodeType="tmRoot">
+          <p:childTnLst>
+            <p:seq concurrent="1" nextAc="seek">
+              <p:cTn id="2" dur="indefinite" nodeType="mainSeq">
+                <p:childTnLst>
+                  <p:par>
+                    <p:cTn id="3" fill="hold">
+                      <p:stCondLst>
+                        <p:cond delay="indefinite"/>
+                      </p:stCondLst>
+                      <p:childTnLst>
+                        <p:par>
+                          <p:cTn id="4" fill="hold">
+                            <p:stCondLst>
+                              <p:cond delay="0"/>
+                            </p:stCondLst>
+                            <p:childTnLst>
+                              <p:par>
+                                <p:cTn id="5" presetID="1" presetClass="entr" presetSubtype="0" fill="hold" nodeType="clickEffect">
+                                  <p:stCondLst>
+                                    <p:cond delay="0"/>
+                                  </p:stCondLst>
+                                  <p:childTnLst>
+                                    <p:set>
+                                      <p:cBhvr>
+                                        <p:cTn id="6" dur="1" fill="hold">
+                                          <p:stCondLst>
+                                            <p:cond delay="0"/>
+                                          </p:stCondLst>
+                                        </p:cTn>
+                                        <p:tgtEl>
+                                          <p:spTgt spid="3">
+                                            <p:txEl>
+                                              <p:pRg st="2" end="2"/>
+                                            </p:txEl>
+                                          </p:spTgt>
+                                        </p:tgtEl>
+                                        <p:attrNameLst>
+                                          <p:attrName>style.visibility</p:attrName>
+                                        </p:attrNameLst>
+                                      </p:cBhvr>
+                                      <p:to>
+                                        <p:strVal val="visible"/>
+                                      </p:to>
+                                    </p:set>
+                                  </p:childTnLst>
+                                </p:cTn>
+                              </p:par>
+                              <p:par>
+                                <p:cTn id="7" presetID="1" presetClass="entr" presetSubtype="0" fill="hold" nodeType="withEffect">
+                                  <p:stCondLst>
+                                    <p:cond delay="0"/>
+                                  </p:stCondLst>
+                                  <p:childTnLst>
+                                    <p:set>
+                                      <p:cBhvr>
+                                        <p:cTn id="8" dur="1" fill="hold">
+                                          <p:stCondLst>
+                                            <p:cond delay="0"/>
+                                          </p:stCondLst>
+                                        </p:cTn>
+                                        <p:tgtEl>
+                                          <p:spTgt spid="3">
+                                            <p:txEl>
+                                              <p:pRg st="3" end="3"/>
+                                            </p:txEl>
+                                          </p:spTgt>
+                                        </p:tgtEl>
+                                        <p:attrNameLst>
+                                          <p:attrName>style.visibility</p:attrName>
+                                        </p:attrNameLst>
+                                      </p:cBhvr>
+                                      <p:to>
+                                        <p:strVal val="visible"/>
+                                      </p:to>
+                                    </p:set>
+                                  </p:childTnLst>
+                                </p:cTn>
+                              </p:par>
+                            </p:childTnLst>
+                          </p:cTn>
+                        </p:par>
+                      </p:childTnLst>
+                    </p:cTn>
+                  </p:par>
+                </p:childTnLst>
+              </p:cTn>
+              <p:prevCondLst>
+                <p:cond evt="onPrev" delay="0">
+                  <p:tgtEl>
+                    <p:sldTgt/>
+                  </p:tgtEl>
+                </p:cond>
+              </p:prevCondLst>
+              <p:nextCondLst>
+                <p:cond evt="onNext" delay="0">
+                  <p:tgtEl>
+                    <p:sldTgt/>
+                  </p:tgtEl>
+                </p:cond>
+              </p:nextCondLst>
+            </p:seq>
+          </p:childTnLst>
+        </p:cTn>
+      </p:par>
+    </p:tnLst>
+  </p:timing>
+</p:sld>
+</file>
+
+<file path=ppt/slides/slide32.xml><?xml version="1.0" encoding="utf-8"?>
+<p:sld xmlns:a="http://schemas.openxmlformats.org/drawingml/2006/main" xmlns:r="http://schemas.openxmlformats.org/officeDocument/2006/relationships" xmlns:p="http://schemas.openxmlformats.org/presentationml/2006/main">
+  <p:cSld>
+    <p:spTree>
+      <p:nvGrpSpPr>
+        <p:cNvPr id="1" name=""/>
+        <p:cNvGrpSpPr/>
+        <p:nvPr/>
+      </p:nvGrpSpPr>
+      <p:grpSpPr>
+        <a:xfrm>
+          <a:off x="0" y="0"/>
+          <a:ext cx="0" cy="0"/>
+          <a:chOff x="0" y="0"/>
+          <a:chExt cx="0" cy="0"/>
+        </a:xfrm>
+      </p:grpSpPr>
+      <p:sp>
+        <p:nvSpPr>
+          <p:cNvPr id="2" name="标题 1"/>
+          <p:cNvSpPr>
+            <a:spLocks noGrp="1"/>
+          </p:cNvSpPr>
+          <p:nvPr>
+            <p:ph type="title"/>
+          </p:nvPr>
+        </p:nvSpPr>
+        <p:spPr/>
+        <p:txBody>
+          <a:bodyPr/>
+          <a:lstStyle/>
+          <a:p>
+            <a:r>
+              <a:rPr lang="zh-CN" altLang="en-US" dirty="0" smtClean="0"/>
+              <a:t>卡方检验法</a:t>
+            </a:r>
+            <a:endParaRPr lang="zh-CN" altLang="en-US" dirty="0"/>
+          </a:p>
+        </p:txBody>
+      </p:sp>
+      <p:sp>
+        <p:nvSpPr>
+          <p:cNvPr id="3" name="内容占位符 2"/>
+          <p:cNvSpPr>
+            <a:spLocks noGrp="1"/>
+          </p:cNvSpPr>
+          <p:nvPr>
+            <p:ph idx="1"/>
+          </p:nvPr>
+        </p:nvSpPr>
+        <p:spPr>
+          <a:xfrm>
+            <a:off x="1371600" y="1529862"/>
+            <a:ext cx="9601200" cy="3782624"/>
+          </a:xfrm>
+        </p:spPr>
+        <p:txBody>
+          <a:bodyPr/>
+          <a:lstStyle/>
+          <a:p>
+            <a:r>
+              <a:rPr lang="zh-CN" altLang="en-US" dirty="0" smtClean="0"/>
+              <a:t>首先画出</a:t>
+            </a:r>
+            <a:r>
+              <a:rPr lang="zh-CN" altLang="en-US" dirty="0"/>
+              <a:t>交叉表</a:t>
+            </a:r>
+          </a:p>
+        </p:txBody>
+      </p:sp>
+      <p:graphicFrame>
+        <p:nvGraphicFramePr>
+          <p:cNvPr id="5" name="表格 4"/>
+          <p:cNvGraphicFramePr>
+            <a:graphicFrameLocks noGrp="1"/>
+          </p:cNvGraphicFramePr>
+          <p:nvPr>
+            <p:extLst>
+              <p:ext uri="{D42A27DB-BD31-4B8C-83A1-F6EECF244321}">
+                <p14:modId xmlns:p14="http://schemas.microsoft.com/office/powerpoint/2010/main" val="3552963989"/>
+              </p:ext>
+            </p:extLst>
+          </p:nvPr>
+        </p:nvGraphicFramePr>
+        <p:xfrm>
+          <a:off x="1371600" y="2528668"/>
+          <a:ext cx="9601200" cy="2514600"/>
+        </p:xfrm>
+        <a:graphic>
+          <a:graphicData uri="http://schemas.openxmlformats.org/drawingml/2006/table">
+            <a:tbl>
+              <a:tblPr>
+                <a:tableStyleId>{9D7B26C5-4107-4FEC-AEDC-1716B250A1EF}</a:tableStyleId>
+              </a:tblPr>
+              <a:tblGrid>
+                <a:gridCol w="2400300"/>
+                <a:gridCol w="2400300"/>
+                <a:gridCol w="2400300"/>
+                <a:gridCol w="2400300"/>
+              </a:tblGrid>
+              <a:tr h="0">
+                <a:tc>
+                  <a:txBody>
+                    <a:bodyPr/>
+                    <a:lstStyle/>
+                    <a:p>
+                      <a:pPr algn="l"/>
+                      <a:r>
+                        <a:rPr lang="zh-CN" altLang="en-US" sz="2800">
+                          <a:effectLst/>
+                        </a:rPr>
+                        <a:t>治疗</a:t>
+                      </a:r>
+                    </a:p>
+                  </a:txBody>
+                  <a:tcPr marL="95250" marR="95250" marT="47625" marB="47625" anchor="ctr"/>
+                </a:tc>
+                <a:tc>
+                  <a:txBody>
+                    <a:bodyPr/>
+                    <a:lstStyle/>
+                    <a:p>
+                      <a:pPr algn="l"/>
+                      <a:r>
+                        <a:rPr lang="en-US" sz="2800">
+                          <a:effectLst/>
+                        </a:rPr>
+                        <a:t>VAS</a:t>
+                      </a:r>
+                      <a:r>
+                        <a:rPr lang="zh-CN" altLang="en-US" sz="2800">
+                          <a:effectLst/>
+                        </a:rPr>
+                        <a:t>降低超过</a:t>
+                      </a:r>
+                      <a:r>
+                        <a:rPr lang="en-US" altLang="zh-CN" sz="2800">
+                          <a:effectLst/>
+                        </a:rPr>
+                        <a:t>3</a:t>
+                      </a:r>
+                    </a:p>
+                  </a:txBody>
+                  <a:tcPr marL="95250" marR="95250" marT="47625" marB="47625" anchor="ctr"/>
+                </a:tc>
+                <a:tc>
+                  <a:txBody>
+                    <a:bodyPr/>
+                    <a:lstStyle/>
+                    <a:p>
+                      <a:pPr algn="l"/>
+                      <a:r>
+                        <a:rPr lang="en-US" sz="2800">
+                          <a:effectLst/>
+                        </a:rPr>
+                        <a:t>VAS</a:t>
+                      </a:r>
+                      <a:r>
+                        <a:rPr lang="zh-CN" altLang="en-US" sz="2800">
+                          <a:effectLst/>
+                        </a:rPr>
+                        <a:t>降低小于等于</a:t>
+                      </a:r>
+                      <a:r>
+                        <a:rPr lang="en-US" altLang="zh-CN" sz="2800">
+                          <a:effectLst/>
+                        </a:rPr>
+                        <a:t>3</a:t>
+                      </a:r>
+                    </a:p>
+                  </a:txBody>
+                  <a:tcPr marL="95250" marR="95250" marT="47625" marB="47625" anchor="ctr"/>
+                </a:tc>
+                <a:tc>
+                  <a:txBody>
+                    <a:bodyPr/>
+                    <a:lstStyle/>
+                    <a:p>
+                      <a:pPr algn="l"/>
+                      <a:r>
+                        <a:rPr lang="zh-CN" altLang="en-US" sz="2800">
+                          <a:effectLst/>
+                        </a:rPr>
+                        <a:t>总和</a:t>
+                      </a:r>
+                    </a:p>
+                  </a:txBody>
+                  <a:tcPr marL="95250" marR="95250" marT="47625" marB="47625" anchor="ctr"/>
+                </a:tc>
+              </a:tr>
+              <a:tr h="0">
+                <a:tc>
+                  <a:txBody>
+                    <a:bodyPr/>
+                    <a:lstStyle/>
+                    <a:p>
+                      <a:r>
+                        <a:rPr lang="zh-CN" altLang="en-US" sz="2800">
+                          <a:effectLst/>
+                        </a:rPr>
+                        <a:t>新药</a:t>
+                      </a:r>
+                    </a:p>
+                  </a:txBody>
+                  <a:tcPr marL="95250" marR="95250" marT="47625" marB="47625" anchor="ctr"/>
+                </a:tc>
+                <a:tc>
+                  <a:txBody>
+                    <a:bodyPr/>
+                    <a:lstStyle/>
+                    <a:p>
+                      <a:r>
+                        <a:rPr lang="en-US" altLang="zh-CN" sz="2800">
+                          <a:effectLst/>
+                        </a:rPr>
+                        <a:t>23</a:t>
+                      </a:r>
+                    </a:p>
+                  </a:txBody>
+                  <a:tcPr marL="95250" marR="95250" marT="47625" marB="47625" anchor="ctr"/>
+                </a:tc>
+                <a:tc>
+                  <a:txBody>
+                    <a:bodyPr/>
+                    <a:lstStyle/>
+                    <a:p>
+                      <a:r>
+                        <a:rPr lang="en-US" altLang="zh-CN" sz="2800">
+                          <a:effectLst/>
+                        </a:rPr>
+                        <a:t>27</a:t>
+                      </a:r>
+                    </a:p>
+                  </a:txBody>
+                  <a:tcPr marL="95250" marR="95250" marT="47625" marB="47625" anchor="ctr"/>
+                </a:tc>
+                <a:tc>
+                  <a:txBody>
+                    <a:bodyPr/>
+                    <a:lstStyle/>
+                    <a:p>
+                      <a:r>
+                        <a:rPr lang="en-US" altLang="zh-CN" sz="2800">
+                          <a:effectLst/>
+                        </a:rPr>
+                        <a:t>50</a:t>
+                      </a:r>
+                    </a:p>
+                  </a:txBody>
+                  <a:tcPr marL="95250" marR="95250" marT="47625" marB="47625" anchor="ctr"/>
+                </a:tc>
+              </a:tr>
+              <a:tr h="0">
+                <a:tc>
+                  <a:txBody>
+                    <a:bodyPr/>
+                    <a:lstStyle/>
+                    <a:p>
+                      <a:r>
+                        <a:rPr lang="zh-CN" altLang="en-US" sz="2800">
+                          <a:effectLst/>
+                        </a:rPr>
+                        <a:t>对照</a:t>
+                      </a:r>
+                    </a:p>
+                  </a:txBody>
+                  <a:tcPr marL="95250" marR="95250" marT="47625" marB="47625" anchor="ctr"/>
+                </a:tc>
+                <a:tc>
+                  <a:txBody>
+                    <a:bodyPr/>
+                    <a:lstStyle/>
+                    <a:p>
+                      <a:r>
+                        <a:rPr lang="en-US" altLang="zh-CN" sz="2800">
+                          <a:effectLst/>
+                        </a:rPr>
+                        <a:t>11</a:t>
+                      </a:r>
+                    </a:p>
+                  </a:txBody>
+                  <a:tcPr marL="95250" marR="95250" marT="47625" marB="47625" anchor="ctr"/>
+                </a:tc>
+                <a:tc>
+                  <a:txBody>
+                    <a:bodyPr/>
+                    <a:lstStyle/>
+                    <a:p>
+                      <a:r>
+                        <a:rPr lang="en-US" altLang="zh-CN" sz="2800">
+                          <a:effectLst/>
+                        </a:rPr>
+                        <a:t>39</a:t>
+                      </a:r>
+                    </a:p>
+                  </a:txBody>
+                  <a:tcPr marL="95250" marR="95250" marT="47625" marB="47625" anchor="ctr"/>
+                </a:tc>
+                <a:tc>
+                  <a:txBody>
+                    <a:bodyPr/>
+                    <a:lstStyle/>
+                    <a:p>
+                      <a:r>
+                        <a:rPr lang="en-US" altLang="zh-CN" sz="2800">
+                          <a:effectLst/>
+                        </a:rPr>
+                        <a:t>50</a:t>
+                      </a:r>
+                    </a:p>
+                  </a:txBody>
+                  <a:tcPr marL="95250" marR="95250" marT="47625" marB="47625" anchor="ctr"/>
+                </a:tc>
+              </a:tr>
+              <a:tr h="0">
+                <a:tc>
+                  <a:txBody>
+                    <a:bodyPr/>
+                    <a:lstStyle/>
+                    <a:p>
+                      <a:r>
+                        <a:rPr lang="zh-CN" altLang="en-US" sz="2800">
+                          <a:effectLst/>
+                        </a:rPr>
+                        <a:t>总和</a:t>
+                      </a:r>
+                    </a:p>
+                  </a:txBody>
+                  <a:tcPr marL="95250" marR="95250" marT="47625" marB="47625" anchor="ctr"/>
+                </a:tc>
+                <a:tc>
+                  <a:txBody>
+                    <a:bodyPr/>
+                    <a:lstStyle/>
+                    <a:p>
+                      <a:r>
+                        <a:rPr lang="en-US" altLang="zh-CN" sz="2800">
+                          <a:effectLst/>
+                        </a:rPr>
+                        <a:t>44</a:t>
+                      </a:r>
+                    </a:p>
+                  </a:txBody>
+                  <a:tcPr marL="95250" marR="95250" marT="47625" marB="47625" anchor="ctr"/>
+                </a:tc>
+                <a:tc>
+                  <a:txBody>
+                    <a:bodyPr/>
+                    <a:lstStyle/>
+                    <a:p>
+                      <a:r>
+                        <a:rPr lang="en-US" altLang="zh-CN" sz="2800">
+                          <a:effectLst/>
+                        </a:rPr>
+                        <a:t>66</a:t>
+                      </a:r>
+                    </a:p>
+                  </a:txBody>
+                  <a:tcPr marL="95250" marR="95250" marT="47625" marB="47625" anchor="ctr"/>
+                </a:tc>
+                <a:tc>
+                  <a:txBody>
+                    <a:bodyPr/>
+                    <a:lstStyle/>
+                    <a:p>
+                      <a:r>
+                        <a:rPr lang="en-US" altLang="zh-CN" sz="2800" dirty="0">
+                          <a:effectLst/>
+                        </a:rPr>
+                        <a:t>100</a:t>
+                      </a:r>
+                    </a:p>
+                  </a:txBody>
+                  <a:tcPr marL="95250" marR="95250" marT="47625" marB="47625" anchor="ctr"/>
+                </a:tc>
+              </a:tr>
+            </a:tbl>
+          </a:graphicData>
+        </a:graphic>
+      </p:graphicFrame>
+    </p:spTree>
+    <p:extLst>
+      <p:ext uri="{BB962C8B-B14F-4D97-AF65-F5344CB8AC3E}">
+        <p14:creationId xmlns:p14="http://schemas.microsoft.com/office/powerpoint/2010/main" val="2586043658"/>
+      </p:ext>
+    </p:extLst>
+  </p:cSld>
+  <p:clrMapOvr>
+    <a:masterClrMapping/>
+  </p:clrMapOvr>
+  <p:timing>
+    <p:tnLst>
+      <p:par>
+        <p:cTn id="1" dur="indefinite" restart="never" nodeType="tmRoot"/>
+      </p:par>
+    </p:tnLst>
+  </p:timing>
+</p:sld>
+</file>
+
+<file path=ppt/slides/slide33.xml><?xml version="1.0" encoding="utf-8"?>
+<p:sld xmlns:a="http://schemas.openxmlformats.org/drawingml/2006/main" xmlns:r="http://schemas.openxmlformats.org/officeDocument/2006/relationships" xmlns:p="http://schemas.openxmlformats.org/presentationml/2006/main">
+  <p:cSld>
+    <p:spTree>
+      <p:nvGrpSpPr>
+        <p:cNvPr id="1" name=""/>
+        <p:cNvGrpSpPr/>
+        <p:nvPr/>
+      </p:nvGrpSpPr>
+      <p:grpSpPr>
+        <a:xfrm>
+          <a:off x="0" y="0"/>
+          <a:ext cx="0" cy="0"/>
+          <a:chOff x="0" y="0"/>
+          <a:chExt cx="0" cy="0"/>
+        </a:xfrm>
+      </p:grpSpPr>
+      <p:sp>
+        <p:nvSpPr>
+          <p:cNvPr id="2" name="标题 1"/>
+          <p:cNvSpPr>
+            <a:spLocks noGrp="1"/>
+          </p:cNvSpPr>
+          <p:nvPr>
+            <p:ph type="title"/>
+          </p:nvPr>
+        </p:nvSpPr>
+        <p:spPr/>
+        <p:txBody>
+          <a:bodyPr/>
+          <a:lstStyle/>
+          <a:p>
+            <a:r>
+              <a:rPr lang="zh-CN" altLang="en-US" dirty="0" smtClean="0"/>
+              <a:t>假设检验步骤</a:t>
+            </a:r>
+            <a:endParaRPr lang="zh-CN" altLang="en-US" dirty="0"/>
+          </a:p>
+        </p:txBody>
+      </p:sp>
+      <p:sp>
+        <p:nvSpPr>
+          <p:cNvPr id="3" name="内容占位符 2"/>
+          <p:cNvSpPr>
+            <a:spLocks noGrp="1"/>
+          </p:cNvSpPr>
+          <p:nvPr>
+            <p:ph idx="1"/>
+          </p:nvPr>
+        </p:nvSpPr>
+        <p:spPr/>
+        <p:txBody>
+          <a:bodyPr>
+            <a:normAutofit/>
+          </a:bodyPr>
+          <a:lstStyle/>
+          <a:p>
+            <a:r>
+              <a:rPr lang="en-US" altLang="zh-CN" dirty="0"/>
+              <a:t>1. </a:t>
+            </a:r>
+            <a:r>
+              <a:rPr lang="zh-CN" altLang="en-US" dirty="0"/>
+              <a:t>确定统计假设和检验水平</a:t>
+            </a:r>
+          </a:p>
+          <a:p>
+            <a:r>
+              <a:rPr lang="en-US" altLang="zh-CN" dirty="0"/>
+              <a:t>2. </a:t>
+            </a:r>
+            <a:r>
+              <a:rPr lang="zh-CN" altLang="en-US" dirty="0"/>
+              <a:t>选择合适的统计量</a:t>
+            </a:r>
+          </a:p>
+          <a:p>
+            <a:r>
+              <a:rPr lang="en-US" altLang="zh-CN" dirty="0"/>
+              <a:t>3. </a:t>
+            </a:r>
+            <a:r>
+              <a:rPr lang="zh-CN" altLang="en-US" dirty="0"/>
+              <a:t>确定判断标准</a:t>
+            </a:r>
+          </a:p>
+          <a:p>
+            <a:r>
+              <a:rPr lang="en-US" altLang="zh-CN" dirty="0"/>
+              <a:t>4. </a:t>
+            </a:r>
+            <a:r>
+              <a:rPr lang="zh-CN" altLang="en-US" dirty="0"/>
+              <a:t>计算统计量</a:t>
+            </a:r>
+          </a:p>
+          <a:p>
+            <a:r>
+              <a:rPr lang="en-US" altLang="zh-CN" dirty="0"/>
+              <a:t>5. </a:t>
+            </a:r>
+            <a:r>
+              <a:rPr lang="zh-CN" altLang="en-US" dirty="0"/>
+              <a:t>得出结论</a:t>
+            </a:r>
+          </a:p>
+        </p:txBody>
+      </p:sp>
+    </p:spTree>
+    <p:extLst>
+      <p:ext uri="{BB962C8B-B14F-4D97-AF65-F5344CB8AC3E}">
+        <p14:creationId xmlns:p14="http://schemas.microsoft.com/office/powerpoint/2010/main" val="2913617203"/>
+      </p:ext>
+    </p:extLst>
+  </p:cSld>
+  <p:clrMapOvr>
+    <a:masterClrMapping/>
+  </p:clrMapOvr>
+  <p:timing>
+    <p:tnLst>
+      <p:par>
+        <p:cTn id="1" dur="indefinite" restart="never" nodeType="tmRoot"/>
+      </p:par>
+    </p:tnLst>
+  </p:timing>
+</p:sld>
+</file>
+
+<file path=ppt/slides/slide34.xml><?xml version="1.0" encoding="utf-8"?>
+<p:sld xmlns:a="http://schemas.openxmlformats.org/drawingml/2006/main" xmlns:r="http://schemas.openxmlformats.org/officeDocument/2006/relationships" xmlns:p="http://schemas.openxmlformats.org/presentationml/2006/main">
+  <p:cSld>
+    <p:spTree>
+      <p:nvGrpSpPr>
+        <p:cNvPr id="1" name=""/>
+        <p:cNvGrpSpPr/>
+        <p:nvPr/>
+      </p:nvGrpSpPr>
+      <p:grpSpPr>
+        <a:xfrm>
+          <a:off x="0" y="0"/>
+          <a:ext cx="0" cy="0"/>
+          <a:chOff x="0" y="0"/>
+          <a:chExt cx="0" cy="0"/>
+        </a:xfrm>
+      </p:grpSpPr>
+      <p:sp>
+        <p:nvSpPr>
+          <p:cNvPr id="2" name="标题 1"/>
+          <p:cNvSpPr>
+            <a:spLocks noGrp="1"/>
+          </p:cNvSpPr>
+          <p:nvPr>
+            <p:ph type="title"/>
+          </p:nvPr>
+        </p:nvSpPr>
+        <p:spPr/>
+        <p:txBody>
+          <a:bodyPr/>
+          <a:lstStyle/>
+          <a:p>
+            <a:endParaRPr lang="zh-CN" altLang="en-US"/>
+          </a:p>
+        </p:txBody>
+      </p:sp>
+      <p:sp>
+        <p:nvSpPr>
+          <p:cNvPr id="3" name="内容占位符 2"/>
+          <p:cNvSpPr>
+            <a:spLocks noGrp="1"/>
+          </p:cNvSpPr>
+          <p:nvPr>
+            <p:ph idx="1"/>
+          </p:nvPr>
+        </p:nvSpPr>
+        <p:spPr>
+          <a:xfrm>
+            <a:off x="1371600" y="1731086"/>
+            <a:ext cx="9601200" cy="4740052"/>
+          </a:xfrm>
+        </p:spPr>
+        <p:txBody>
+          <a:bodyPr/>
+          <a:lstStyle/>
+          <a:p>
+            <a:r>
+              <a:rPr lang="en-US" altLang="zh-CN" dirty="0"/>
+              <a:t>H0</a:t>
+            </a:r>
+            <a:r>
+              <a:rPr lang="zh-CN" altLang="en-US" dirty="0"/>
+              <a:t>：治疗方法和疗效（疼痛较弱的情况）相互独立，备择假设</a:t>
+            </a:r>
+            <a:r>
+              <a:rPr lang="en-US" altLang="zh-CN" dirty="0"/>
+              <a:t>: </a:t>
+            </a:r>
+            <a:r>
+              <a:rPr lang="zh-CN" altLang="en-US" dirty="0"/>
+              <a:t>治疗方法和疗效彼此不独立</a:t>
+            </a:r>
+            <a:r>
+              <a:rPr lang="en-US" altLang="zh-CN" dirty="0"/>
+              <a:t>. </a:t>
+            </a:r>
+            <a:r>
+              <a:rPr lang="en-US" altLang="zh-CN" i="1" dirty="0" smtClean="0"/>
+              <a:t>α</a:t>
+            </a:r>
+            <a:r>
+              <a:rPr lang="en-US" altLang="zh-CN" dirty="0" smtClean="0"/>
+              <a:t>=0.05</a:t>
+            </a:r>
+          </a:p>
+          <a:p>
+            <a:r>
+              <a:rPr lang="zh-CN" altLang="en-US" dirty="0"/>
+              <a:t>四个格子都大于</a:t>
+            </a:r>
+            <a:r>
+              <a:rPr lang="en-US" altLang="zh-CN" dirty="0"/>
+              <a:t>5</a:t>
+            </a:r>
+            <a:r>
+              <a:rPr lang="zh-CN" altLang="en-US" dirty="0"/>
+              <a:t>，总体样本量</a:t>
+            </a:r>
+            <a:r>
+              <a:rPr lang="en-US" altLang="zh-CN" dirty="0"/>
+              <a:t>100</a:t>
+            </a:r>
+            <a:r>
+              <a:rPr lang="zh-CN" altLang="en-US" dirty="0"/>
+              <a:t>大于</a:t>
+            </a:r>
+            <a:r>
+              <a:rPr lang="en-US" altLang="zh-CN" dirty="0"/>
+              <a:t>40</a:t>
+            </a:r>
+            <a:r>
+              <a:rPr lang="zh-CN" altLang="en-US" dirty="0"/>
+              <a:t>，可以使用常规卡方值计算</a:t>
+            </a:r>
+            <a:r>
+              <a:rPr lang="zh-CN" altLang="en-US" dirty="0" smtClean="0"/>
+              <a:t>公式</a:t>
+            </a:r>
+            <a:endParaRPr lang="en-US" altLang="zh-CN" dirty="0" smtClean="0"/>
+          </a:p>
+          <a:p>
+            <a:endParaRPr lang="en-US" altLang="zh-CN" dirty="0"/>
+          </a:p>
+          <a:p>
+            <a:r>
+              <a:rPr lang="en-US" altLang="zh-CN" dirty="0" err="1"/>
+              <a:t>d.f.</a:t>
+            </a:r>
+            <a:r>
+              <a:rPr lang="en-US" altLang="zh-CN" dirty="0"/>
+              <a:t>= (2-1)*(2-1)=1, </a:t>
+            </a:r>
+            <a:r>
+              <a:rPr lang="zh-CN" altLang="en-US" dirty="0"/>
+              <a:t>卡方值是</a:t>
+            </a:r>
+            <a:r>
+              <a:rPr lang="en-US" altLang="zh-CN" dirty="0"/>
+              <a:t>3.84</a:t>
+            </a:r>
+            <a:r>
+              <a:rPr lang="zh-CN" altLang="en-US" dirty="0"/>
+              <a:t>（</a:t>
+            </a:r>
+            <a:r>
+              <a:rPr lang="zh-CN" altLang="en-US" dirty="0" smtClean="0"/>
+              <a:t>另外</a:t>
+            </a:r>
+            <a:r>
+              <a:rPr lang="en-US" altLang="zh-CN" dirty="0" smtClean="0"/>
+              <a:t>1.96</a:t>
+            </a:r>
+            <a:r>
+              <a:rPr lang="en-US" altLang="zh-CN" baseline="30000" dirty="0" smtClean="0"/>
+              <a:t>2</a:t>
+            </a:r>
+            <a:r>
+              <a:rPr lang="en-US" altLang="zh-CN" dirty="0" smtClean="0"/>
+              <a:t>=3.84</a:t>
+            </a:r>
+            <a:r>
+              <a:rPr lang="zh-CN" altLang="en-US" dirty="0"/>
+              <a:t>）</a:t>
+            </a:r>
+            <a:endParaRPr lang="en-US" altLang="zh-CN" dirty="0" smtClean="0"/>
+          </a:p>
+          <a:p>
+            <a:r>
+              <a:rPr lang="zh-CN" altLang="en-US" dirty="0" smtClean="0"/>
+              <a:t>卡方值计算为</a:t>
+            </a:r>
+            <a:r>
+              <a:rPr lang="en-US" altLang="zh-CN" dirty="0" smtClean="0"/>
+              <a:t>6.42</a:t>
+            </a:r>
+            <a:endParaRPr lang="zh-CN" altLang="en-US" dirty="0"/>
+          </a:p>
+        </p:txBody>
+      </p:sp>
+      <p:pic>
+        <p:nvPicPr>
+          <p:cNvPr id="4" name="图片 3"/>
+          <p:cNvPicPr>
+            <a:picLocks noChangeAspect="1"/>
+          </p:cNvPicPr>
+          <p:nvPr/>
+        </p:nvPicPr>
+        <p:blipFill>
+          <a:blip r:embed="rId2"/>
+          <a:stretch>
+            <a:fillRect/>
+          </a:stretch>
+        </p:blipFill>
+        <p:spPr>
+          <a:xfrm>
+            <a:off x="4885592" y="3521786"/>
+            <a:ext cx="2189798" cy="714566"/>
+          </a:xfrm>
+          <a:prstGeom prst="rect">
+            <a:avLst/>
+          </a:prstGeom>
+        </p:spPr>
+      </p:pic>
+    </p:spTree>
+    <p:extLst>
+      <p:ext uri="{BB962C8B-B14F-4D97-AF65-F5344CB8AC3E}">
+        <p14:creationId xmlns:p14="http://schemas.microsoft.com/office/powerpoint/2010/main" val="279745885"/>
+      </p:ext>
+    </p:extLst>
+  </p:cSld>
+  <p:clrMapOvr>
+    <a:masterClrMapping/>
+  </p:clrMapOvr>
+  <p:timing>
+    <p:tnLst>
+      <p:par>
+        <p:cTn id="1" dur="indefinite" restart="never" nodeType="tmRoot"/>
+      </p:par>
+    </p:tnLst>
+  </p:timing>
+</p:sld>
+</file>
+
+<file path=ppt/slides/slide35.xml><?xml version="1.0" encoding="utf-8"?>
+<p:sld xmlns:a="http://schemas.openxmlformats.org/drawingml/2006/main" xmlns:r="http://schemas.openxmlformats.org/officeDocument/2006/relationships" xmlns:p="http://schemas.openxmlformats.org/presentationml/2006/main">
+  <p:cSld>
+    <p:spTree>
+      <p:nvGrpSpPr>
+        <p:cNvPr id="1" name=""/>
+        <p:cNvGrpSpPr/>
+        <p:nvPr/>
+      </p:nvGrpSpPr>
+      <p:grpSpPr>
+        <a:xfrm>
+          <a:off x="0" y="0"/>
+          <a:ext cx="0" cy="0"/>
+          <a:chOff x="0" y="0"/>
+          <a:chExt cx="0" cy="0"/>
+        </a:xfrm>
+      </p:grpSpPr>
+      <p:sp>
+        <p:nvSpPr>
+          <p:cNvPr id="2" name="标题 1"/>
+          <p:cNvSpPr>
+            <a:spLocks noGrp="1"/>
+          </p:cNvSpPr>
+          <p:nvPr>
+            <p:ph type="title"/>
+          </p:nvPr>
+        </p:nvSpPr>
+        <p:spPr/>
+        <p:txBody>
+          <a:bodyPr/>
+          <a:lstStyle/>
+          <a:p>
+            <a:r>
+              <a:rPr lang="zh-CN" altLang="en-US" dirty="0" smtClean="0"/>
+              <a:t>作业题</a:t>
+            </a:r>
+            <a:r>
+              <a:rPr lang="en-US" altLang="zh-CN" dirty="0" smtClean="0"/>
+              <a:t>1</a:t>
+            </a:r>
+            <a:endParaRPr lang="zh-CN" altLang="en-US" dirty="0"/>
+          </a:p>
+        </p:txBody>
+      </p:sp>
+      <p:sp>
+        <p:nvSpPr>
+          <p:cNvPr id="3" name="内容占位符 2"/>
+          <p:cNvSpPr>
+            <a:spLocks noGrp="1"/>
+          </p:cNvSpPr>
+          <p:nvPr>
+            <p:ph idx="1"/>
+          </p:nvPr>
+        </p:nvSpPr>
+        <p:spPr>
+          <a:xfrm>
+            <a:off x="1371600" y="1731086"/>
+            <a:ext cx="9601200" cy="5126914"/>
+          </a:xfrm>
+        </p:spPr>
+        <p:txBody>
+          <a:bodyPr>
+            <a:normAutofit/>
+          </a:bodyPr>
+          <a:lstStyle/>
+          <a:p>
+            <a:r>
+              <a:rPr lang="zh-CN" altLang="en-US" dirty="0" smtClean="0"/>
+              <a:t>某研究调查男性与女性平均薪资水平，得出结果如下</a:t>
+            </a:r>
+            <a:endParaRPr lang="en-US" altLang="zh-CN" dirty="0" smtClean="0"/>
+          </a:p>
+          <a:p>
+            <a:endParaRPr lang="en-US" altLang="zh-CN" dirty="0"/>
+          </a:p>
+          <a:p>
+            <a:endParaRPr lang="en-US" altLang="zh-CN" dirty="0" smtClean="0"/>
+          </a:p>
+          <a:p>
+            <a:endParaRPr lang="en-US" altLang="zh-CN" dirty="0"/>
+          </a:p>
+          <a:p>
+            <a:endParaRPr lang="en-US" altLang="zh-CN" dirty="0" smtClean="0"/>
+          </a:p>
+          <a:p>
+            <a:r>
+              <a:rPr lang="zh-CN" altLang="en-US" dirty="0" smtClean="0"/>
+              <a:t>根据数据，请回答性别与月薪是否有关？</a:t>
+            </a:r>
+            <a:endParaRPr lang="en-US" altLang="zh-CN" dirty="0" smtClean="0"/>
+          </a:p>
+          <a:p>
+            <a:r>
+              <a:rPr lang="zh-CN" altLang="en-US" dirty="0" smtClean="0"/>
+              <a:t>请分别使用正态分布近似法（</a:t>
+            </a:r>
+            <a:r>
+              <a:rPr lang="en-US" altLang="zh-CN" dirty="0" smtClean="0"/>
+              <a:t>2</a:t>
+            </a:r>
+            <a:r>
+              <a:rPr lang="zh-CN" altLang="en-US" dirty="0" smtClean="0"/>
+              <a:t>独立样本的</a:t>
+            </a:r>
+            <a:r>
+              <a:rPr lang="en-US" altLang="zh-CN" dirty="0" smtClean="0"/>
+              <a:t>2</a:t>
+            </a:r>
+            <a:r>
+              <a:rPr lang="zh-CN" altLang="en-US" dirty="0" smtClean="0"/>
+              <a:t>分类变量假设检验）和卡方检验进行统计检验</a:t>
+            </a:r>
+            <a:endParaRPr lang="zh-CN" altLang="en-US" dirty="0"/>
+          </a:p>
+        </p:txBody>
+      </p:sp>
+      <p:graphicFrame>
+        <p:nvGraphicFramePr>
+          <p:cNvPr id="4" name="表格 3"/>
+          <p:cNvGraphicFramePr>
+            <a:graphicFrameLocks noGrp="1"/>
+          </p:cNvGraphicFramePr>
+          <p:nvPr>
+            <p:extLst>
+              <p:ext uri="{D42A27DB-BD31-4B8C-83A1-F6EECF244321}">
+                <p14:modId xmlns:p14="http://schemas.microsoft.com/office/powerpoint/2010/main" val="997884022"/>
+              </p:ext>
+            </p:extLst>
+          </p:nvPr>
+        </p:nvGraphicFramePr>
+        <p:xfrm>
+          <a:off x="2084754" y="2777067"/>
+          <a:ext cx="8127999" cy="1737360"/>
+        </p:xfrm>
+        <a:graphic>
+          <a:graphicData uri="http://schemas.openxmlformats.org/drawingml/2006/table">
+            <a:tbl>
+              <a:tblPr firstRow="1" bandRow="1">
+                <a:tableStyleId>{3B4B98B0-60AC-42C2-AFA5-B58CD77FA1E5}</a:tableStyleId>
+              </a:tblPr>
+              <a:tblGrid>
+                <a:gridCol w="2709333"/>
+                <a:gridCol w="2709333"/>
+                <a:gridCol w="2709333"/>
+              </a:tblGrid>
+              <a:tr h="370840">
+                <a:tc>
+                  <a:txBody>
+                    <a:bodyPr/>
+                    <a:lstStyle/>
+                    <a:p>
+                      <a:r>
+                        <a:rPr lang="zh-CN" altLang="en-US" sz="2400" dirty="0" smtClean="0"/>
+                        <a:t>性别</a:t>
+                      </a:r>
+                      <a:endParaRPr lang="zh-CN" altLang="en-US" sz="2400" dirty="0"/>
+                    </a:p>
+                  </a:txBody>
+                  <a:tcPr/>
+                </a:tc>
+                <a:tc>
+                  <a:txBody>
+                    <a:bodyPr/>
+                    <a:lstStyle/>
+                    <a:p>
+                      <a:pPr algn="ctr"/>
+                      <a:r>
+                        <a:rPr lang="zh-CN" altLang="en-US" sz="2400" dirty="0" smtClean="0"/>
+                        <a:t>月薪小于等于</a:t>
+                      </a:r>
+                      <a:r>
+                        <a:rPr lang="en-US" altLang="zh-CN" sz="2400" dirty="0" smtClean="0"/>
+                        <a:t>6000</a:t>
+                      </a:r>
+                      <a:endParaRPr lang="zh-CN" altLang="en-US" sz="2400" dirty="0"/>
+                    </a:p>
+                  </a:txBody>
+                  <a:tcPr/>
+                </a:tc>
+                <a:tc>
+                  <a:txBody>
+                    <a:bodyPr/>
+                    <a:lstStyle/>
+                    <a:p>
+                      <a:pPr algn="ctr"/>
+                      <a:r>
+                        <a:rPr lang="zh-CN" altLang="en-US" sz="2400" dirty="0" smtClean="0"/>
+                        <a:t>月薪大于</a:t>
+                      </a:r>
+                      <a:r>
+                        <a:rPr lang="en-US" altLang="zh-CN" sz="2400" dirty="0" smtClean="0"/>
+                        <a:t>6000</a:t>
+                      </a:r>
+                      <a:endParaRPr lang="zh-CN" altLang="en-US" sz="2400" dirty="0"/>
+                    </a:p>
+                  </a:txBody>
+                  <a:tcPr/>
+                </a:tc>
+              </a:tr>
+              <a:tr h="370840">
+                <a:tc>
+                  <a:txBody>
+                    <a:bodyPr/>
+                    <a:lstStyle/>
+                    <a:p>
+                      <a:r>
+                        <a:rPr lang="zh-CN" altLang="en-US" sz="2400" dirty="0" smtClean="0"/>
+                        <a:t>男</a:t>
+                      </a:r>
+                      <a:endParaRPr lang="zh-CN" altLang="en-US" sz="2400" dirty="0"/>
+                    </a:p>
+                  </a:txBody>
+                  <a:tcPr/>
+                </a:tc>
+                <a:tc>
+                  <a:txBody>
+                    <a:bodyPr/>
+                    <a:lstStyle/>
+                    <a:p>
+                      <a:pPr algn="ctr" fontAlgn="ctr"/>
+                      <a:r>
+                        <a:rPr lang="en-US" altLang="zh-CN" sz="2400" kern="1200" dirty="0" smtClean="0">
+                          <a:solidFill>
+                            <a:schemeClr val="tx1"/>
+                          </a:solidFill>
+                          <a:latin typeface="+mn-lt"/>
+                          <a:ea typeface="+mn-ea"/>
+                          <a:cs typeface="+mn-cs"/>
+                        </a:rPr>
+                        <a:t>40</a:t>
+                      </a:r>
+                      <a:endParaRPr lang="en-US" altLang="zh-CN" sz="2400" kern="1200" dirty="0">
+                        <a:solidFill>
+                          <a:schemeClr val="tx1"/>
+                        </a:solidFill>
+                        <a:latin typeface="+mn-lt"/>
+                        <a:ea typeface="+mn-ea"/>
+                        <a:cs typeface="+mn-cs"/>
+                      </a:endParaRPr>
+                    </a:p>
+                  </a:txBody>
+                  <a:tcPr marL="9525" marR="9525" marT="9525" marB="0" anchor="ctr"/>
+                </a:tc>
+                <a:tc>
+                  <a:txBody>
+                    <a:bodyPr/>
+                    <a:lstStyle/>
+                    <a:p>
+                      <a:pPr algn="ctr" fontAlgn="ctr"/>
+                      <a:r>
+                        <a:rPr lang="en-US" altLang="zh-CN" sz="2400" kern="1200" dirty="0">
+                          <a:solidFill>
+                            <a:schemeClr val="tx1"/>
+                          </a:solidFill>
+                          <a:latin typeface="+mn-lt"/>
+                          <a:ea typeface="+mn-ea"/>
+                          <a:cs typeface="+mn-cs"/>
+                        </a:rPr>
+                        <a:t>62</a:t>
+                      </a:r>
+                    </a:p>
+                  </a:txBody>
+                  <a:tcPr marL="9525" marR="9525" marT="9525" marB="0" anchor="ctr"/>
+                </a:tc>
+              </a:tr>
+              <a:tr h="370840">
+                <a:tc>
+                  <a:txBody>
+                    <a:bodyPr/>
+                    <a:lstStyle/>
+                    <a:p>
+                      <a:r>
+                        <a:rPr lang="zh-CN" altLang="en-US" sz="2400" dirty="0" smtClean="0"/>
+                        <a:t>女</a:t>
+                      </a:r>
+                      <a:endParaRPr lang="zh-CN" altLang="en-US" sz="2400" dirty="0"/>
+                    </a:p>
+                  </a:txBody>
+                  <a:tcPr/>
+                </a:tc>
+                <a:tc>
+                  <a:txBody>
+                    <a:bodyPr/>
+                    <a:lstStyle/>
+                    <a:p>
+                      <a:pPr algn="ctr" fontAlgn="ctr"/>
+                      <a:r>
+                        <a:rPr lang="en-US" altLang="zh-CN" sz="2400" kern="1200" dirty="0">
+                          <a:solidFill>
+                            <a:schemeClr val="tx1"/>
+                          </a:solidFill>
+                          <a:latin typeface="+mn-lt"/>
+                          <a:ea typeface="+mn-ea"/>
+                          <a:cs typeface="+mn-cs"/>
+                        </a:rPr>
+                        <a:t>51</a:t>
+                      </a:r>
+                    </a:p>
+                  </a:txBody>
+                  <a:tcPr marL="9525" marR="9525" marT="9525" marB="0" anchor="ctr"/>
+                </a:tc>
+                <a:tc>
+                  <a:txBody>
+                    <a:bodyPr/>
+                    <a:lstStyle/>
+                    <a:p>
+                      <a:pPr algn="ctr" fontAlgn="ctr"/>
+                      <a:r>
+                        <a:rPr lang="en-US" altLang="zh-CN" sz="2400" kern="1200" dirty="0">
+                          <a:solidFill>
+                            <a:schemeClr val="tx1"/>
+                          </a:solidFill>
+                          <a:latin typeface="+mn-lt"/>
+                          <a:ea typeface="+mn-ea"/>
+                          <a:cs typeface="+mn-cs"/>
+                        </a:rPr>
+                        <a:t>43</a:t>
+                      </a:r>
+                    </a:p>
+                  </a:txBody>
+                  <a:tcPr marL="9525" marR="9525" marT="9525" marB="0" anchor="ctr"/>
+                </a:tc>
+              </a:tr>
+            </a:tbl>
+          </a:graphicData>
+        </a:graphic>
+      </p:graphicFrame>
+    </p:spTree>
+    <p:extLst>
+      <p:ext uri="{BB962C8B-B14F-4D97-AF65-F5344CB8AC3E}">
+        <p14:creationId xmlns:p14="http://schemas.microsoft.com/office/powerpoint/2010/main" val="1149747899"/>
+      </p:ext>
+    </p:extLst>
+  </p:cSld>
+  <p:clrMapOvr>
+    <a:masterClrMapping/>
+  </p:clrMapOvr>
+  <p:timing>
+    <p:tnLst>
+      <p:par>
+        <p:cTn id="1" dur="indefinite" restart="never" nodeType="tmRoot"/>
+      </p:par>
+    </p:tnLst>
+  </p:timing>
+</p:sld>
+</file>
+
+<file path=ppt/slides/slide36.xml><?xml version="1.0" encoding="utf-8"?>
+<p:sld xmlns:a="http://schemas.openxmlformats.org/drawingml/2006/main" xmlns:r="http://schemas.openxmlformats.org/officeDocument/2006/relationships" xmlns:p="http://schemas.openxmlformats.org/presentationml/2006/main">
+  <p:cSld>
+    <p:spTree>
+      <p:nvGrpSpPr>
+        <p:cNvPr id="1" name=""/>
+        <p:cNvGrpSpPr/>
+        <p:nvPr/>
+      </p:nvGrpSpPr>
+      <p:grpSpPr>
+        <a:xfrm>
+          <a:off x="0" y="0"/>
+          <a:ext cx="0" cy="0"/>
+          <a:chOff x="0" y="0"/>
+          <a:chExt cx="0" cy="0"/>
+        </a:xfrm>
+      </p:grpSpPr>
+      <p:sp>
+        <p:nvSpPr>
+          <p:cNvPr id="4" name="标题 3"/>
+          <p:cNvSpPr>
+            <a:spLocks noGrp="1"/>
+          </p:cNvSpPr>
+          <p:nvPr>
+            <p:ph type="title"/>
+          </p:nvPr>
+        </p:nvSpPr>
+        <p:spPr/>
+        <p:txBody>
+          <a:bodyPr/>
+          <a:lstStyle/>
+          <a:p>
+            <a:r>
+              <a:rPr lang="zh-CN" altLang="en-US" dirty="0" smtClean="0"/>
+              <a:t>配对</a:t>
+            </a:r>
+            <a:r>
+              <a:rPr lang="en-US" altLang="zh-CN" dirty="0" smtClean="0"/>
+              <a:t>2x2</a:t>
+            </a:r>
+            <a:r>
+              <a:rPr lang="zh-CN" altLang="en-US" dirty="0" smtClean="0"/>
+              <a:t>表的检验</a:t>
+            </a:r>
+            <a:endParaRPr lang="zh-CN" altLang="en-US" dirty="0"/>
+          </a:p>
+        </p:txBody>
+      </p:sp>
+      <p:sp>
+        <p:nvSpPr>
+          <p:cNvPr id="5" name="文本占位符 4"/>
+          <p:cNvSpPr>
+            <a:spLocks noGrp="1"/>
+          </p:cNvSpPr>
+          <p:nvPr>
+            <p:ph type="body" idx="1"/>
+          </p:nvPr>
+        </p:nvSpPr>
+        <p:spPr/>
+        <p:txBody>
+          <a:bodyPr/>
+          <a:lstStyle/>
+          <a:p>
+            <a:endParaRPr lang="zh-CN" altLang="en-US"/>
+          </a:p>
+        </p:txBody>
+      </p:sp>
+    </p:spTree>
+    <p:extLst>
+      <p:ext uri="{BB962C8B-B14F-4D97-AF65-F5344CB8AC3E}">
+        <p14:creationId xmlns:p14="http://schemas.microsoft.com/office/powerpoint/2010/main" val="1744274738"/>
+      </p:ext>
+    </p:extLst>
+  </p:cSld>
+  <p:clrMapOvr>
+    <a:masterClrMapping/>
+  </p:clrMapOvr>
+  <p:timing>
+    <p:tnLst>
+      <p:par>
+        <p:cTn id="1" dur="indefinite" restart="never" nodeType="tmRoot"/>
+      </p:par>
+    </p:tnLst>
+  </p:timing>
+</p:sld>
+</file>
+
+<file path=ppt/slides/slide37.xml><?xml version="1.0" encoding="utf-8"?>
+<p:sld xmlns:a="http://schemas.openxmlformats.org/drawingml/2006/main" xmlns:r="http://schemas.openxmlformats.org/officeDocument/2006/relationships" xmlns:p="http://schemas.openxmlformats.org/presentationml/2006/main">
+  <p:cSld>
+    <p:spTree>
+      <p:nvGrpSpPr>
+        <p:cNvPr id="1" name=""/>
+        <p:cNvGrpSpPr/>
+        <p:nvPr/>
+      </p:nvGrpSpPr>
+      <p:grpSpPr>
+        <a:xfrm>
+          <a:off x="0" y="0"/>
+          <a:ext cx="0" cy="0"/>
+          <a:chOff x="0" y="0"/>
+          <a:chExt cx="0" cy="0"/>
+        </a:xfrm>
+      </p:grpSpPr>
+      <p:sp>
+        <p:nvSpPr>
+          <p:cNvPr id="4" name="标题 3"/>
+          <p:cNvSpPr>
+            <a:spLocks noGrp="1"/>
+          </p:cNvSpPr>
+          <p:nvPr>
+            <p:ph type="title"/>
+          </p:nvPr>
+        </p:nvSpPr>
+        <p:spPr/>
+        <p:txBody>
+          <a:bodyPr/>
+          <a:lstStyle/>
+          <a:p>
+            <a:r>
+              <a:rPr lang="zh-CN" altLang="en-US" dirty="0" smtClean="0"/>
+              <a:t>思考下面一个问题</a:t>
+            </a:r>
+            <a:endParaRPr lang="zh-CN" altLang="en-US" dirty="0"/>
+          </a:p>
+        </p:txBody>
+      </p:sp>
+      <p:sp>
+        <p:nvSpPr>
+          <p:cNvPr id="5" name="内容占位符 4"/>
+          <p:cNvSpPr>
+            <a:spLocks noGrp="1"/>
+          </p:cNvSpPr>
+          <p:nvPr>
+            <p:ph idx="1"/>
+          </p:nvPr>
+        </p:nvSpPr>
+        <p:spPr>
+          <a:xfrm>
+            <a:off x="1371600" y="1731086"/>
+            <a:ext cx="9601200" cy="1961683"/>
+          </a:xfrm>
+        </p:spPr>
+        <p:txBody>
+          <a:bodyPr>
+            <a:normAutofit/>
+          </a:bodyPr>
+          <a:lstStyle/>
+          <a:p>
+            <a:r>
+              <a:rPr lang="zh-CN" altLang="en-US" dirty="0" smtClean="0"/>
+              <a:t>目前检测</a:t>
+            </a:r>
+            <a:r>
+              <a:rPr lang="en-US" altLang="zh-CN" dirty="0" err="1" smtClean="0"/>
+              <a:t>HbsAg</a:t>
+            </a:r>
+            <a:r>
+              <a:rPr lang="zh-CN" altLang="en-US" dirty="0" smtClean="0"/>
+              <a:t>水平的常规手段是使用免疫沉淀法。研究者想评价某种新方法的检测水平，获取了</a:t>
+            </a:r>
+            <a:r>
+              <a:rPr lang="en-US" altLang="zh-CN" dirty="0" smtClean="0"/>
+              <a:t>76</a:t>
+            </a:r>
+            <a:r>
+              <a:rPr lang="zh-CN" altLang="en-US" dirty="0" smtClean="0"/>
+              <a:t>个血样，分别使用新方法和免疫沉淀法进行检测，获得了下面的</a:t>
+            </a:r>
+            <a:r>
+              <a:rPr lang="en-US" altLang="zh-CN" dirty="0" smtClean="0"/>
+              <a:t>2x2</a:t>
+            </a:r>
+            <a:r>
+              <a:rPr lang="zh-CN" altLang="en-US" dirty="0" smtClean="0"/>
+              <a:t>表</a:t>
+            </a:r>
+            <a:endParaRPr lang="zh-CN" altLang="en-US" dirty="0"/>
+          </a:p>
+        </p:txBody>
+      </p:sp>
+      <p:graphicFrame>
+        <p:nvGraphicFramePr>
+          <p:cNvPr id="6" name="表格 5"/>
+          <p:cNvGraphicFramePr>
+            <a:graphicFrameLocks noGrp="1"/>
+          </p:cNvGraphicFramePr>
+          <p:nvPr>
+            <p:extLst>
+              <p:ext uri="{D42A27DB-BD31-4B8C-83A1-F6EECF244321}">
+                <p14:modId xmlns:p14="http://schemas.microsoft.com/office/powerpoint/2010/main" val="2270257720"/>
+              </p:ext>
+            </p:extLst>
+          </p:nvPr>
+        </p:nvGraphicFramePr>
+        <p:xfrm>
+          <a:off x="2348524" y="3692769"/>
+          <a:ext cx="8128000" cy="2072640"/>
+        </p:xfrm>
+        <a:graphic>
+          <a:graphicData uri="http://schemas.openxmlformats.org/drawingml/2006/table">
+            <a:tbl>
+              <a:tblPr firstRow="1" bandRow="1">
+                <a:tableStyleId>{5C22544A-7EE6-4342-B048-85BDC9FD1C3A}</a:tableStyleId>
+              </a:tblPr>
+              <a:tblGrid>
+                <a:gridCol w="2032000"/>
+                <a:gridCol w="2032000"/>
+                <a:gridCol w="2032000"/>
+                <a:gridCol w="2032000"/>
+              </a:tblGrid>
+              <a:tr h="370840">
+                <a:tc>
+                  <a:txBody>
+                    <a:bodyPr/>
+                    <a:lstStyle/>
+                    <a:p>
+                      <a:endParaRPr lang="zh-CN" altLang="en-US" sz="2800" dirty="0"/>
+                    </a:p>
+                  </a:txBody>
+                  <a:tcPr/>
+                </a:tc>
+                <a:tc>
+                  <a:txBody>
+                    <a:bodyPr/>
+                    <a:lstStyle/>
+                    <a:p>
+                      <a:r>
+                        <a:rPr lang="zh-CN" altLang="en-US" sz="2800" dirty="0" smtClean="0"/>
+                        <a:t>免疫沉淀</a:t>
+                      </a:r>
+                      <a:r>
+                        <a:rPr lang="en-US" altLang="zh-CN" sz="2800" dirty="0" smtClean="0"/>
+                        <a:t>+</a:t>
+                      </a:r>
+                      <a:endParaRPr lang="zh-CN" altLang="en-US" sz="2800" dirty="0"/>
+                    </a:p>
+                  </a:txBody>
+                  <a:tcPr/>
+                </a:tc>
+                <a:tc>
+                  <a:txBody>
+                    <a:bodyPr/>
+                    <a:lstStyle/>
+                    <a:p>
+                      <a:r>
+                        <a:rPr lang="zh-CN" altLang="en-US" sz="2800" dirty="0" smtClean="0"/>
+                        <a:t>免疫沉淀</a:t>
+                      </a:r>
+                      <a:r>
+                        <a:rPr lang="en-US" altLang="zh-CN" sz="2800" dirty="0" smtClean="0"/>
+                        <a:t>-</a:t>
+                      </a:r>
+                      <a:endParaRPr lang="zh-CN" altLang="en-US" sz="2800" dirty="0"/>
+                    </a:p>
+                  </a:txBody>
+                  <a:tcPr/>
+                </a:tc>
+                <a:tc>
+                  <a:txBody>
+                    <a:bodyPr/>
+                    <a:lstStyle/>
+                    <a:p>
+                      <a:r>
+                        <a:rPr lang="zh-CN" altLang="en-US" sz="2800" dirty="0" smtClean="0"/>
+                        <a:t>总数</a:t>
+                      </a:r>
+                      <a:endParaRPr lang="zh-CN" altLang="en-US" sz="2800" dirty="0"/>
+                    </a:p>
+                  </a:txBody>
+                  <a:tcPr/>
+                </a:tc>
+              </a:tr>
+              <a:tr h="370840">
+                <a:tc>
+                  <a:txBody>
+                    <a:bodyPr/>
+                    <a:lstStyle/>
+                    <a:p>
+                      <a:r>
+                        <a:rPr lang="zh-CN" altLang="en-US" sz="2800" dirty="0" smtClean="0"/>
+                        <a:t>新方法</a:t>
+                      </a:r>
+                      <a:r>
+                        <a:rPr lang="en-US" altLang="zh-CN" sz="2800" dirty="0" smtClean="0"/>
+                        <a:t>+</a:t>
+                      </a:r>
+                      <a:endParaRPr lang="zh-CN" altLang="en-US" sz="2800" dirty="0"/>
+                    </a:p>
+                  </a:txBody>
+                  <a:tcPr/>
+                </a:tc>
+                <a:tc>
+                  <a:txBody>
+                    <a:bodyPr/>
+                    <a:lstStyle/>
+                    <a:p>
+                      <a:r>
+                        <a:rPr lang="en-US" altLang="zh-CN" sz="2800" dirty="0" smtClean="0"/>
+                        <a:t>25(a)</a:t>
+                      </a:r>
+                      <a:endParaRPr lang="zh-CN" altLang="en-US" sz="2800" dirty="0"/>
+                    </a:p>
+                  </a:txBody>
+                  <a:tcPr/>
+                </a:tc>
+                <a:tc>
+                  <a:txBody>
+                    <a:bodyPr/>
+                    <a:lstStyle/>
+                    <a:p>
+                      <a:r>
+                        <a:rPr lang="en-US" altLang="zh-CN" sz="2800" dirty="0" smtClean="0"/>
+                        <a:t>18(b)</a:t>
+                      </a:r>
+                      <a:endParaRPr lang="zh-CN" altLang="en-US" sz="2800" dirty="0"/>
+                    </a:p>
+                  </a:txBody>
+                  <a:tcPr/>
+                </a:tc>
+                <a:tc>
+                  <a:txBody>
+                    <a:bodyPr/>
+                    <a:lstStyle/>
+                    <a:p>
+                      <a:r>
+                        <a:rPr lang="en-US" altLang="zh-CN" sz="2800" dirty="0" smtClean="0"/>
+                        <a:t>37</a:t>
+                      </a:r>
+                      <a:endParaRPr lang="zh-CN" altLang="en-US" sz="2800" dirty="0"/>
+                    </a:p>
+                  </a:txBody>
+                  <a:tcPr/>
+                </a:tc>
+              </a:tr>
+              <a:tr h="370840">
+                <a:tc>
+                  <a:txBody>
+                    <a:bodyPr/>
+                    <a:lstStyle/>
+                    <a:p>
+                      <a:r>
+                        <a:rPr lang="zh-CN" altLang="en-US" sz="2800" dirty="0" smtClean="0"/>
+                        <a:t>新方法</a:t>
+                      </a:r>
+                      <a:r>
+                        <a:rPr lang="en-US" altLang="zh-CN" sz="2800" dirty="0" smtClean="0"/>
+                        <a:t>-</a:t>
+                      </a:r>
+                      <a:endParaRPr lang="zh-CN" altLang="en-US" sz="2800" dirty="0"/>
+                    </a:p>
+                  </a:txBody>
+                  <a:tcPr/>
+                </a:tc>
+                <a:tc>
+                  <a:txBody>
+                    <a:bodyPr/>
+                    <a:lstStyle/>
+                    <a:p>
+                      <a:r>
+                        <a:rPr lang="en-US" altLang="zh-CN" sz="2800" dirty="0" smtClean="0"/>
+                        <a:t>19(c)</a:t>
+                      </a:r>
+                      <a:endParaRPr lang="zh-CN" altLang="en-US" sz="2800" dirty="0"/>
+                    </a:p>
+                  </a:txBody>
+                  <a:tcPr/>
+                </a:tc>
+                <a:tc>
+                  <a:txBody>
+                    <a:bodyPr/>
+                    <a:lstStyle/>
+                    <a:p>
+                      <a:r>
+                        <a:rPr lang="en-US" altLang="zh-CN" sz="2800" dirty="0" smtClean="0"/>
+                        <a:t>20(d)</a:t>
+                      </a:r>
+                      <a:endParaRPr lang="zh-CN" altLang="en-US" sz="2800" dirty="0"/>
+                    </a:p>
+                  </a:txBody>
+                  <a:tcPr/>
+                </a:tc>
+                <a:tc>
+                  <a:txBody>
+                    <a:bodyPr/>
+                    <a:lstStyle/>
+                    <a:p>
+                      <a:r>
+                        <a:rPr lang="en-US" altLang="zh-CN" sz="2800" dirty="0" smtClean="0"/>
+                        <a:t>39</a:t>
+                      </a:r>
+                      <a:endParaRPr lang="zh-CN" altLang="en-US" sz="2800" dirty="0"/>
+                    </a:p>
+                  </a:txBody>
+                  <a:tcPr/>
+                </a:tc>
+              </a:tr>
+              <a:tr h="370840">
+                <a:tc>
+                  <a:txBody>
+                    <a:bodyPr/>
+                    <a:lstStyle/>
+                    <a:p>
+                      <a:r>
+                        <a:rPr lang="zh-CN" altLang="en-US" sz="2800" dirty="0" smtClean="0"/>
+                        <a:t>总数</a:t>
+                      </a:r>
+                      <a:endParaRPr lang="zh-CN" altLang="en-US" sz="2800" dirty="0"/>
+                    </a:p>
+                  </a:txBody>
+                  <a:tcPr/>
+                </a:tc>
+                <a:tc>
+                  <a:txBody>
+                    <a:bodyPr/>
+                    <a:lstStyle/>
+                    <a:p>
+                      <a:r>
+                        <a:rPr lang="en-US" altLang="zh-CN" sz="2800" dirty="0" smtClean="0"/>
+                        <a:t>44</a:t>
+                      </a:r>
+                      <a:endParaRPr lang="zh-CN" altLang="en-US" sz="2800" dirty="0"/>
+                    </a:p>
+                  </a:txBody>
+                  <a:tcPr/>
+                </a:tc>
+                <a:tc>
+                  <a:txBody>
+                    <a:bodyPr/>
+                    <a:lstStyle/>
+                    <a:p>
+                      <a:r>
+                        <a:rPr lang="en-US" altLang="zh-CN" sz="2800" dirty="0" smtClean="0"/>
+                        <a:t>32</a:t>
+                      </a:r>
+                      <a:endParaRPr lang="zh-CN" altLang="en-US" sz="2800" dirty="0"/>
+                    </a:p>
+                  </a:txBody>
+                  <a:tcPr/>
+                </a:tc>
+                <a:tc>
+                  <a:txBody>
+                    <a:bodyPr/>
+                    <a:lstStyle/>
+                    <a:p>
+                      <a:r>
+                        <a:rPr lang="en-US" altLang="zh-CN" sz="2800" dirty="0" smtClean="0"/>
+                        <a:t>76</a:t>
+                      </a:r>
+                      <a:endParaRPr lang="zh-CN" altLang="en-US" sz="2800" dirty="0"/>
+                    </a:p>
+                  </a:txBody>
+                  <a:tcPr/>
+                </a:tc>
+              </a:tr>
+            </a:tbl>
+          </a:graphicData>
+        </a:graphic>
+      </p:graphicFrame>
+    </p:spTree>
+    <p:extLst>
+      <p:ext uri="{BB962C8B-B14F-4D97-AF65-F5344CB8AC3E}">
+        <p14:creationId xmlns:p14="http://schemas.microsoft.com/office/powerpoint/2010/main" val="282490509"/>
+      </p:ext>
+    </p:extLst>
+  </p:cSld>
+  <p:clrMapOvr>
+    <a:masterClrMapping/>
+  </p:clrMapOvr>
+  <p:timing>
+    <p:tnLst>
+      <p:par>
+        <p:cTn id="1" dur="indefinite" restart="never" nodeType="tmRoot"/>
+      </p:par>
+    </p:tnLst>
+  </p:timing>
+</p:sld>
+</file>
+
+<file path=ppt/slides/slide38.xml><?xml version="1.0" encoding="utf-8"?>
+<p:sld xmlns:a="http://schemas.openxmlformats.org/drawingml/2006/main" xmlns:r="http://schemas.openxmlformats.org/officeDocument/2006/relationships" xmlns:p="http://schemas.openxmlformats.org/presentationml/2006/main">
+  <p:cSld>
+    <p:spTree>
+      <p:nvGrpSpPr>
+        <p:cNvPr id="1" name=""/>
+        <p:cNvGrpSpPr/>
+        <p:nvPr/>
+      </p:nvGrpSpPr>
+      <p:grpSpPr>
+        <a:xfrm>
+          <a:off x="0" y="0"/>
+          <a:ext cx="0" cy="0"/>
+          <a:chOff x="0" y="0"/>
+          <a:chExt cx="0" cy="0"/>
+        </a:xfrm>
+      </p:grpSpPr>
+      <p:sp>
+        <p:nvSpPr>
+          <p:cNvPr id="2" name="标题 1"/>
+          <p:cNvSpPr>
+            <a:spLocks noGrp="1"/>
+          </p:cNvSpPr>
+          <p:nvPr>
+            <p:ph type="title"/>
+          </p:nvPr>
+        </p:nvSpPr>
+        <p:spPr/>
+        <p:txBody>
+          <a:bodyPr/>
+          <a:lstStyle/>
+          <a:p>
+            <a:r>
+              <a:rPr lang="zh-CN" altLang="en-US" dirty="0" smtClean="0"/>
+              <a:t>配对二分类变量数据的假设检验</a:t>
+            </a:r>
+            <a:endParaRPr lang="zh-CN" altLang="en-US" dirty="0"/>
+          </a:p>
+        </p:txBody>
+      </p:sp>
+      <p:sp>
+        <p:nvSpPr>
+          <p:cNvPr id="3" name="内容占位符 2"/>
+          <p:cNvSpPr>
+            <a:spLocks noGrp="1"/>
+          </p:cNvSpPr>
+          <p:nvPr>
+            <p:ph idx="1"/>
+          </p:nvPr>
+        </p:nvSpPr>
+        <p:spPr/>
+        <p:txBody>
+          <a:bodyPr/>
+          <a:lstStyle/>
+          <a:p>
+            <a:r>
+              <a:rPr lang="zh-CN" altLang="en-US" dirty="0" smtClean="0"/>
+              <a:t>二分类变量的假设检验我们讲了单样本，</a:t>
+            </a:r>
+            <a:r>
+              <a:rPr lang="en-US" altLang="zh-CN" dirty="0" smtClean="0"/>
+              <a:t>2</a:t>
+            </a:r>
+            <a:r>
+              <a:rPr lang="zh-CN" altLang="en-US" dirty="0" smtClean="0"/>
+              <a:t>独立样本</a:t>
+            </a:r>
+            <a:endParaRPr lang="en-US" altLang="zh-CN" dirty="0" smtClean="0"/>
+          </a:p>
+          <a:p>
+            <a:r>
+              <a:rPr lang="zh-CN" altLang="en-US" dirty="0" smtClean="0"/>
+              <a:t>使用卡方检验，除了可以作二分类变量的单样本，</a:t>
+            </a:r>
+            <a:r>
+              <a:rPr lang="en-US" altLang="zh-CN" dirty="0" smtClean="0"/>
+              <a:t>2</a:t>
+            </a:r>
+            <a:r>
+              <a:rPr lang="zh-CN" altLang="en-US" dirty="0" smtClean="0"/>
+              <a:t>独立样本假设检验，还可以做多样本多分类计量资料（</a:t>
+            </a:r>
+            <a:r>
+              <a:rPr lang="en-US" altLang="zh-CN" dirty="0" err="1" smtClean="0"/>
+              <a:t>RxC</a:t>
+            </a:r>
+            <a:r>
+              <a:rPr lang="zh-CN" altLang="en-US" dirty="0" smtClean="0"/>
+              <a:t>）假设检验</a:t>
+            </a:r>
+            <a:endParaRPr lang="en-US" altLang="zh-CN" dirty="0" smtClean="0"/>
+          </a:p>
+          <a:p>
+            <a:r>
+              <a:rPr lang="zh-CN" altLang="en-US" dirty="0" smtClean="0"/>
+              <a:t>但是配对</a:t>
+            </a:r>
+            <a:r>
+              <a:rPr lang="en-US" altLang="zh-CN" dirty="0" smtClean="0"/>
+              <a:t>2</a:t>
+            </a:r>
+            <a:r>
+              <a:rPr lang="zh-CN" altLang="en-US" dirty="0" smtClean="0"/>
+              <a:t>分类变量假设检验现在还没有讲</a:t>
+            </a:r>
+            <a:endParaRPr lang="zh-CN" altLang="en-US" dirty="0"/>
+          </a:p>
+        </p:txBody>
+      </p:sp>
+    </p:spTree>
+    <p:extLst>
+      <p:ext uri="{BB962C8B-B14F-4D97-AF65-F5344CB8AC3E}">
+        <p14:creationId xmlns:p14="http://schemas.microsoft.com/office/powerpoint/2010/main" val="910355404"/>
+      </p:ext>
+    </p:extLst>
+  </p:cSld>
+  <p:clrMapOvr>
+    <a:masterClrMapping/>
+  </p:clrMapOvr>
+  <p:timing>
+    <p:tnLst>
+      <p:par>
+        <p:cTn id="1" dur="indefinite" restart="never" nodeType="tmRoot"/>
+      </p:par>
+    </p:tnLst>
+  </p:timing>
+</p:sld>
+</file>
+
+<file path=ppt/slides/slide39.xml><?xml version="1.0" encoding="utf-8"?>
+<p:sld xmlns:a="http://schemas.openxmlformats.org/drawingml/2006/main" xmlns:r="http://schemas.openxmlformats.org/officeDocument/2006/relationships" xmlns:p="http://schemas.openxmlformats.org/presentationml/2006/main">
+  <p:cSld>
+    <p:spTree>
+      <p:nvGrpSpPr>
+        <p:cNvPr id="1" name=""/>
+        <p:cNvGrpSpPr/>
+        <p:nvPr/>
+      </p:nvGrpSpPr>
+      <p:grpSpPr>
+        <a:xfrm>
+          <a:off x="0" y="0"/>
+          <a:ext cx="0" cy="0"/>
+          <a:chOff x="0" y="0"/>
+          <a:chExt cx="0" cy="0"/>
+        </a:xfrm>
+      </p:grpSpPr>
+      <p:sp>
+        <p:nvSpPr>
+          <p:cNvPr id="2" name="标题 1"/>
+          <p:cNvSpPr>
+            <a:spLocks noGrp="1"/>
+          </p:cNvSpPr>
+          <p:nvPr>
+            <p:ph type="title"/>
+          </p:nvPr>
+        </p:nvSpPr>
+        <p:spPr/>
+        <p:txBody>
+          <a:bodyPr/>
+          <a:lstStyle/>
+          <a:p>
+            <a:r>
+              <a:rPr lang="zh-CN" altLang="en-US" dirty="0"/>
+              <a:t>确定统计假设和检验水平</a:t>
+            </a:r>
+          </a:p>
+        </p:txBody>
+      </p:sp>
+      <p:sp>
+        <p:nvSpPr>
+          <p:cNvPr id="3" name="内容占位符 2"/>
+          <p:cNvSpPr>
+            <a:spLocks noGrp="1"/>
+          </p:cNvSpPr>
+          <p:nvPr>
+            <p:ph idx="1"/>
+          </p:nvPr>
+        </p:nvSpPr>
+        <p:spPr/>
+        <p:txBody>
+          <a:bodyPr/>
+          <a:lstStyle/>
+          <a:p>
+            <a:r>
+              <a:rPr lang="en-US" altLang="zh-CN" dirty="0" smtClean="0"/>
+              <a:t>H0</a:t>
+            </a:r>
+            <a:r>
+              <a:rPr lang="zh-CN" altLang="en-US" dirty="0" smtClean="0"/>
+              <a:t>：两种检验方式的阳性率没有差别，</a:t>
+            </a:r>
+            <a:r>
+              <a:rPr lang="en-US" altLang="zh-CN" dirty="0" smtClean="0"/>
+              <a:t>H1</a:t>
+            </a:r>
+            <a:r>
+              <a:rPr lang="zh-CN" altLang="en-US" dirty="0" smtClean="0"/>
+              <a:t>：两种检验方式的阳性率有差别，</a:t>
+            </a:r>
+            <a:r>
+              <a:rPr lang="pt-BR" altLang="zh-CN" dirty="0" smtClean="0"/>
+              <a:t>α</a:t>
+            </a:r>
+            <a:r>
+              <a:rPr lang="en-US" altLang="zh-CN" dirty="0" smtClean="0"/>
+              <a:t>=0.05</a:t>
+            </a:r>
+            <a:endParaRPr lang="zh-CN" altLang="en-US" dirty="0"/>
+          </a:p>
+        </p:txBody>
+      </p:sp>
+    </p:spTree>
+    <p:extLst>
+      <p:ext uri="{BB962C8B-B14F-4D97-AF65-F5344CB8AC3E}">
+        <p14:creationId xmlns:p14="http://schemas.microsoft.com/office/powerpoint/2010/main" val="842922678"/>
       </p:ext>
     </p:extLst>
   </p:cSld>
@@ -8603,6 +14349,565 @@
   <p:clrMapOvr>
     <a:masterClrMapping/>
   </p:clrMapOvr>
+</p:sld>
+</file>
+
+<file path=ppt/slides/slide40.xml><?xml version="1.0" encoding="utf-8"?>
+<p:sld xmlns:a="http://schemas.openxmlformats.org/drawingml/2006/main" xmlns:r="http://schemas.openxmlformats.org/officeDocument/2006/relationships" xmlns:p="http://schemas.openxmlformats.org/presentationml/2006/main">
+  <p:cSld>
+    <p:spTree>
+      <p:nvGrpSpPr>
+        <p:cNvPr id="1" name=""/>
+        <p:cNvGrpSpPr/>
+        <p:nvPr/>
+      </p:nvGrpSpPr>
+      <p:grpSpPr>
+        <a:xfrm>
+          <a:off x="0" y="0"/>
+          <a:ext cx="0" cy="0"/>
+          <a:chOff x="0" y="0"/>
+          <a:chExt cx="0" cy="0"/>
+        </a:xfrm>
+      </p:grpSpPr>
+      <p:sp>
+        <p:nvSpPr>
+          <p:cNvPr id="2" name="标题 1"/>
+          <p:cNvSpPr>
+            <a:spLocks noGrp="1"/>
+          </p:cNvSpPr>
+          <p:nvPr>
+            <p:ph type="title"/>
+          </p:nvPr>
+        </p:nvSpPr>
+        <p:spPr/>
+        <p:txBody>
+          <a:bodyPr/>
+          <a:lstStyle/>
+          <a:p>
+            <a:r>
+              <a:rPr lang="zh-CN" altLang="en-US" dirty="0"/>
+              <a:t>选择合适的统计量</a:t>
+            </a:r>
+          </a:p>
+        </p:txBody>
+      </p:sp>
+      <p:sp>
+        <p:nvSpPr>
+          <p:cNvPr id="3" name="内容占位符 2"/>
+          <p:cNvSpPr>
+            <a:spLocks noGrp="1"/>
+          </p:cNvSpPr>
+          <p:nvPr>
+            <p:ph idx="1"/>
+          </p:nvPr>
+        </p:nvSpPr>
+        <p:spPr/>
+        <p:txBody>
+          <a:bodyPr/>
+          <a:lstStyle/>
+          <a:p>
+            <a:r>
+              <a:rPr lang="zh-CN" altLang="en-US" dirty="0" smtClean="0"/>
+              <a:t>本例</a:t>
+            </a:r>
+            <a:r>
+              <a:rPr lang="en-US" altLang="zh-CN" dirty="0" err="1" smtClean="0"/>
+              <a:t>b+c</a:t>
+            </a:r>
+            <a:r>
+              <a:rPr lang="en-US" altLang="zh-CN" dirty="0" smtClean="0"/>
+              <a:t>=37</a:t>
+            </a:r>
+          </a:p>
+          <a:p>
+            <a:r>
+              <a:rPr lang="zh-CN" altLang="en-US" dirty="0" smtClean="0"/>
+              <a:t>判定标准</a:t>
+            </a:r>
+            <a:endParaRPr lang="en-US" altLang="zh-CN" dirty="0" smtClean="0"/>
+          </a:p>
+          <a:p>
+            <a:pPr lvl="1"/>
+            <a:r>
+              <a:rPr lang="zh-CN" altLang="en-US" dirty="0"/>
+              <a:t>此</a:t>
+            </a:r>
+            <a:r>
+              <a:rPr lang="zh-CN" altLang="en-US" dirty="0" smtClean="0"/>
+              <a:t>类</a:t>
+            </a:r>
+            <a:r>
+              <a:rPr lang="en-US" altLang="zh-CN" dirty="0" smtClean="0"/>
+              <a:t>2x2</a:t>
+            </a:r>
+            <a:r>
+              <a:rPr lang="zh-CN" altLang="en-US" dirty="0" smtClean="0"/>
+              <a:t>配对卡方检验自由度为</a:t>
+            </a:r>
+            <a:r>
+              <a:rPr lang="en-US" altLang="zh-CN" dirty="0" smtClean="0"/>
+              <a:t>1</a:t>
+            </a:r>
+          </a:p>
+          <a:p>
+            <a:pPr lvl="1"/>
+            <a:r>
+              <a:rPr lang="zh-CN" altLang="en-US" dirty="0" smtClean="0"/>
+              <a:t>查表可得卡方值为</a:t>
+            </a:r>
+            <a:r>
+              <a:rPr lang="en-US" altLang="zh-CN" dirty="0" smtClean="0"/>
+              <a:t>3.84</a:t>
+            </a:r>
+          </a:p>
+        </p:txBody>
+      </p:sp>
+      <p:pic>
+        <p:nvPicPr>
+          <p:cNvPr id="4" name="图片 3"/>
+          <p:cNvPicPr>
+            <a:picLocks noChangeAspect="1"/>
+          </p:cNvPicPr>
+          <p:nvPr/>
+        </p:nvPicPr>
+        <p:blipFill>
+          <a:blip r:embed="rId2"/>
+          <a:stretch>
+            <a:fillRect/>
+          </a:stretch>
+        </p:blipFill>
+        <p:spPr>
+          <a:xfrm>
+            <a:off x="8226921" y="1611942"/>
+            <a:ext cx="2745879" cy="3819688"/>
+          </a:xfrm>
+          <a:prstGeom prst="rect">
+            <a:avLst/>
+          </a:prstGeom>
+        </p:spPr>
+      </p:pic>
+    </p:spTree>
+    <p:extLst>
+      <p:ext uri="{BB962C8B-B14F-4D97-AF65-F5344CB8AC3E}">
+        <p14:creationId xmlns:p14="http://schemas.microsoft.com/office/powerpoint/2010/main" val="3595513259"/>
+      </p:ext>
+    </p:extLst>
+  </p:cSld>
+  <p:clrMapOvr>
+    <a:masterClrMapping/>
+  </p:clrMapOvr>
+  <p:timing>
+    <p:tnLst>
+      <p:par>
+        <p:cTn id="1" dur="indefinite" restart="never" nodeType="tmRoot"/>
+      </p:par>
+    </p:tnLst>
+  </p:timing>
+</p:sld>
+</file>
+
+<file path=ppt/slides/slide41.xml><?xml version="1.0" encoding="utf-8"?>
+<p:sld xmlns:a="http://schemas.openxmlformats.org/drawingml/2006/main" xmlns:r="http://schemas.openxmlformats.org/officeDocument/2006/relationships" xmlns:p="http://schemas.openxmlformats.org/presentationml/2006/main">
+  <p:cSld>
+    <p:spTree>
+      <p:nvGrpSpPr>
+        <p:cNvPr id="1" name=""/>
+        <p:cNvGrpSpPr/>
+        <p:nvPr/>
+      </p:nvGrpSpPr>
+      <p:grpSpPr>
+        <a:xfrm>
+          <a:off x="0" y="0"/>
+          <a:ext cx="0" cy="0"/>
+          <a:chOff x="0" y="0"/>
+          <a:chExt cx="0" cy="0"/>
+        </a:xfrm>
+      </p:grpSpPr>
+      <p:sp>
+        <p:nvSpPr>
+          <p:cNvPr id="2" name="标题 1"/>
+          <p:cNvSpPr>
+            <a:spLocks noGrp="1"/>
+          </p:cNvSpPr>
+          <p:nvPr>
+            <p:ph type="title"/>
+          </p:nvPr>
+        </p:nvSpPr>
+        <p:spPr/>
+        <p:txBody>
+          <a:bodyPr/>
+          <a:lstStyle/>
+          <a:p>
+            <a:r>
+              <a:rPr lang="zh-CN" altLang="en-US" dirty="0" smtClean="0"/>
+              <a:t>练习题</a:t>
+            </a:r>
+            <a:endParaRPr lang="zh-CN" altLang="en-US" dirty="0"/>
+          </a:p>
+        </p:txBody>
+      </p:sp>
+      <p:sp>
+        <p:nvSpPr>
+          <p:cNvPr id="3" name="内容占位符 2"/>
+          <p:cNvSpPr>
+            <a:spLocks noGrp="1"/>
+          </p:cNvSpPr>
+          <p:nvPr>
+            <p:ph idx="1"/>
+          </p:nvPr>
+        </p:nvSpPr>
+        <p:spPr>
+          <a:xfrm>
+            <a:off x="1371600" y="1731086"/>
+            <a:ext cx="9601200" cy="4986237"/>
+          </a:xfrm>
+        </p:spPr>
+        <p:txBody>
+          <a:bodyPr/>
+          <a:lstStyle/>
+          <a:p>
+            <a:r>
+              <a:rPr lang="zh-CN" altLang="en-US" dirty="0" smtClean="0"/>
+              <a:t>某位研究者调查一种止痛药的止痛效果，分别在治疗前和治疗后评估患者</a:t>
+            </a:r>
+            <a:r>
+              <a:rPr lang="en-US" altLang="zh-CN" dirty="0" smtClean="0"/>
+              <a:t>VAS</a:t>
+            </a:r>
+            <a:r>
+              <a:rPr lang="zh-CN" altLang="en-US" dirty="0" smtClean="0"/>
+              <a:t>评分，有下表所示数据</a:t>
+            </a:r>
+            <a:endParaRPr lang="en-US" altLang="zh-CN" dirty="0" smtClean="0"/>
+          </a:p>
+          <a:p>
+            <a:endParaRPr lang="en-US" altLang="zh-CN" dirty="0"/>
+          </a:p>
+          <a:p>
+            <a:endParaRPr lang="en-US" altLang="zh-CN" dirty="0" smtClean="0"/>
+          </a:p>
+          <a:p>
+            <a:endParaRPr lang="en-US" altLang="zh-CN" dirty="0"/>
+          </a:p>
+          <a:p>
+            <a:endParaRPr lang="en-US" altLang="zh-CN" dirty="0" smtClean="0"/>
+          </a:p>
+          <a:p>
+            <a:r>
+              <a:rPr lang="zh-CN" altLang="en-US" dirty="0" smtClean="0"/>
+              <a:t>请评价治疗是否有效？</a:t>
+            </a:r>
+            <a:endParaRPr lang="en-US" altLang="zh-CN" dirty="0"/>
+          </a:p>
+        </p:txBody>
+      </p:sp>
+      <p:graphicFrame>
+        <p:nvGraphicFramePr>
+          <p:cNvPr id="4" name="表格 3"/>
+          <p:cNvGraphicFramePr>
+            <a:graphicFrameLocks noGrp="1"/>
+          </p:cNvGraphicFramePr>
+          <p:nvPr>
+            <p:extLst>
+              <p:ext uri="{D42A27DB-BD31-4B8C-83A1-F6EECF244321}">
+                <p14:modId xmlns:p14="http://schemas.microsoft.com/office/powerpoint/2010/main" val="1792971934"/>
+              </p:ext>
+            </p:extLst>
+          </p:nvPr>
+        </p:nvGraphicFramePr>
+        <p:xfrm>
+          <a:off x="2207846" y="3196303"/>
+          <a:ext cx="8128000" cy="2194560"/>
+        </p:xfrm>
+        <a:graphic>
+          <a:graphicData uri="http://schemas.openxmlformats.org/drawingml/2006/table">
+            <a:tbl>
+              <a:tblPr firstRow="1" bandRow="1">
+                <a:tableStyleId>{5C22544A-7EE6-4342-B048-85BDC9FD1C3A}</a:tableStyleId>
+              </a:tblPr>
+              <a:tblGrid>
+                <a:gridCol w="2032000"/>
+                <a:gridCol w="2032000"/>
+                <a:gridCol w="2590800"/>
+                <a:gridCol w="1473200"/>
+              </a:tblGrid>
+              <a:tr h="370840">
+                <a:tc>
+                  <a:txBody>
+                    <a:bodyPr/>
+                    <a:lstStyle/>
+                    <a:p>
+                      <a:endParaRPr lang="zh-CN" altLang="en-US" sz="2400" dirty="0"/>
+                    </a:p>
+                  </a:txBody>
+                  <a:tcPr/>
+                </a:tc>
+                <a:tc>
+                  <a:txBody>
+                    <a:bodyPr/>
+                    <a:lstStyle/>
+                    <a:p>
+                      <a:pPr algn="ctr"/>
+                      <a:r>
+                        <a:rPr lang="zh-CN" altLang="en-US" sz="2400" dirty="0" smtClean="0"/>
+                        <a:t>治疗后</a:t>
+                      </a:r>
+                      <a:r>
+                        <a:rPr lang="en-US" altLang="zh-CN" sz="2400" dirty="0" smtClean="0"/>
+                        <a:t>VAS&gt;5</a:t>
+                      </a:r>
+                      <a:endParaRPr lang="zh-CN" altLang="en-US" sz="2400" dirty="0"/>
+                    </a:p>
+                  </a:txBody>
+                  <a:tcPr/>
+                </a:tc>
+                <a:tc>
+                  <a:txBody>
+                    <a:bodyPr/>
+                    <a:lstStyle/>
+                    <a:p>
+                      <a:pPr algn="ctr"/>
+                      <a:r>
+                        <a:rPr lang="zh-CN" altLang="en-US" sz="2400" dirty="0" smtClean="0"/>
+                        <a:t>治疗后</a:t>
+                      </a:r>
+                      <a:r>
+                        <a:rPr lang="en-US" altLang="zh-CN" sz="2400" dirty="0" smtClean="0"/>
+                        <a:t>VAS&lt;=5</a:t>
+                      </a:r>
+                      <a:endParaRPr lang="zh-CN" altLang="en-US" sz="2400" dirty="0"/>
+                    </a:p>
+                  </a:txBody>
+                  <a:tcPr/>
+                </a:tc>
+                <a:tc>
+                  <a:txBody>
+                    <a:bodyPr/>
+                    <a:lstStyle/>
+                    <a:p>
+                      <a:pPr algn="ctr"/>
+                      <a:r>
+                        <a:rPr lang="zh-CN" altLang="en-US" sz="2400" dirty="0" smtClean="0"/>
+                        <a:t>总数</a:t>
+                      </a:r>
+                      <a:endParaRPr lang="zh-CN" altLang="en-US" sz="2400" dirty="0"/>
+                    </a:p>
+                  </a:txBody>
+                  <a:tcPr/>
+                </a:tc>
+              </a:tr>
+              <a:tr h="370840">
+                <a:tc>
+                  <a:txBody>
+                    <a:bodyPr/>
+                    <a:lstStyle/>
+                    <a:p>
+                      <a:r>
+                        <a:rPr lang="zh-CN" altLang="en-US" sz="2400" dirty="0" smtClean="0"/>
+                        <a:t>治疗前</a:t>
+                      </a:r>
+                      <a:r>
+                        <a:rPr lang="en-US" altLang="zh-CN" sz="2400" dirty="0" smtClean="0"/>
+                        <a:t>VAS&gt;5</a:t>
+                      </a:r>
+                      <a:endParaRPr lang="zh-CN" altLang="en-US" sz="2400" dirty="0"/>
+                    </a:p>
+                  </a:txBody>
+                  <a:tcPr/>
+                </a:tc>
+                <a:tc>
+                  <a:txBody>
+                    <a:bodyPr/>
+                    <a:lstStyle/>
+                    <a:p>
+                      <a:pPr algn="ctr"/>
+                      <a:r>
+                        <a:rPr lang="en-US" altLang="zh-CN" sz="2400" dirty="0" smtClean="0"/>
+                        <a:t>101</a:t>
+                      </a:r>
+                      <a:endParaRPr lang="zh-CN" altLang="en-US" sz="2400" dirty="0"/>
+                    </a:p>
+                  </a:txBody>
+                  <a:tcPr/>
+                </a:tc>
+                <a:tc>
+                  <a:txBody>
+                    <a:bodyPr/>
+                    <a:lstStyle/>
+                    <a:p>
+                      <a:pPr algn="ctr"/>
+                      <a:r>
+                        <a:rPr lang="en-US" altLang="zh-CN" sz="2400" dirty="0" smtClean="0"/>
+                        <a:t>121</a:t>
+                      </a:r>
+                      <a:endParaRPr lang="zh-CN" altLang="en-US" sz="2400" dirty="0"/>
+                    </a:p>
+                  </a:txBody>
+                  <a:tcPr/>
+                </a:tc>
+                <a:tc>
+                  <a:txBody>
+                    <a:bodyPr/>
+                    <a:lstStyle/>
+                    <a:p>
+                      <a:pPr algn="ctr"/>
+                      <a:r>
+                        <a:rPr lang="en-US" altLang="zh-CN" sz="2400" dirty="0" smtClean="0"/>
+                        <a:t>222</a:t>
+                      </a:r>
+                      <a:endParaRPr lang="zh-CN" altLang="en-US" sz="2400" dirty="0"/>
+                    </a:p>
+                  </a:txBody>
+                  <a:tcPr/>
+                </a:tc>
+              </a:tr>
+              <a:tr h="370840">
+                <a:tc>
+                  <a:txBody>
+                    <a:bodyPr/>
+                    <a:lstStyle/>
+                    <a:p>
+                      <a:r>
+                        <a:rPr lang="zh-CN" altLang="en-US" sz="2400" dirty="0" smtClean="0"/>
+                        <a:t>治疗前</a:t>
+                      </a:r>
+                      <a:r>
+                        <a:rPr lang="en-US" altLang="zh-CN" sz="2400" dirty="0" smtClean="0"/>
+                        <a:t>VAS&lt;=5</a:t>
+                      </a:r>
+                      <a:endParaRPr lang="zh-CN" altLang="en-US" sz="2400" dirty="0"/>
+                    </a:p>
+                  </a:txBody>
+                  <a:tcPr/>
+                </a:tc>
+                <a:tc>
+                  <a:txBody>
+                    <a:bodyPr/>
+                    <a:lstStyle/>
+                    <a:p>
+                      <a:pPr algn="ctr"/>
+                      <a:r>
+                        <a:rPr lang="en-US" altLang="zh-CN" sz="2400" dirty="0" smtClean="0"/>
+                        <a:t>59</a:t>
+                      </a:r>
+                      <a:endParaRPr lang="zh-CN" altLang="en-US" sz="2400" dirty="0"/>
+                    </a:p>
+                  </a:txBody>
+                  <a:tcPr/>
+                </a:tc>
+                <a:tc>
+                  <a:txBody>
+                    <a:bodyPr/>
+                    <a:lstStyle/>
+                    <a:p>
+                      <a:pPr algn="ctr"/>
+                      <a:r>
+                        <a:rPr lang="en-US" altLang="zh-CN" sz="2400" dirty="0" smtClean="0"/>
+                        <a:t>33</a:t>
+                      </a:r>
+                      <a:endParaRPr lang="zh-CN" altLang="en-US" sz="2400" dirty="0"/>
+                    </a:p>
+                  </a:txBody>
+                  <a:tcPr/>
+                </a:tc>
+                <a:tc>
+                  <a:txBody>
+                    <a:bodyPr/>
+                    <a:lstStyle/>
+                    <a:p>
+                      <a:pPr algn="ctr"/>
+                      <a:r>
+                        <a:rPr lang="en-US" altLang="zh-CN" sz="2400" dirty="0" smtClean="0"/>
+                        <a:t>92</a:t>
+                      </a:r>
+                      <a:endParaRPr lang="zh-CN" altLang="en-US" sz="2400" dirty="0"/>
+                    </a:p>
+                  </a:txBody>
+                  <a:tcPr/>
+                </a:tc>
+              </a:tr>
+              <a:tr h="370840">
+                <a:tc>
+                  <a:txBody>
+                    <a:bodyPr/>
+                    <a:lstStyle/>
+                    <a:p>
+                      <a:r>
+                        <a:rPr lang="zh-CN" altLang="en-US" sz="2400" dirty="0" smtClean="0"/>
+                        <a:t>总数</a:t>
+                      </a:r>
+                      <a:endParaRPr lang="zh-CN" altLang="en-US" sz="2400" dirty="0"/>
+                    </a:p>
+                  </a:txBody>
+                  <a:tcPr/>
+                </a:tc>
+                <a:tc>
+                  <a:txBody>
+                    <a:bodyPr/>
+                    <a:lstStyle/>
+                    <a:p>
+                      <a:pPr algn="ctr"/>
+                      <a:r>
+                        <a:rPr lang="en-US" altLang="zh-CN" sz="2400" dirty="0" smtClean="0"/>
+                        <a:t>160</a:t>
+                      </a:r>
+                      <a:endParaRPr lang="zh-CN" altLang="en-US" sz="2400" dirty="0"/>
+                    </a:p>
+                  </a:txBody>
+                  <a:tcPr/>
+                </a:tc>
+                <a:tc>
+                  <a:txBody>
+                    <a:bodyPr/>
+                    <a:lstStyle/>
+                    <a:p>
+                      <a:pPr algn="ctr"/>
+                      <a:r>
+                        <a:rPr lang="en-US" altLang="zh-CN" sz="2400" dirty="0" smtClean="0"/>
+                        <a:t>154</a:t>
+                      </a:r>
+                      <a:endParaRPr lang="zh-CN" altLang="en-US" sz="2400" dirty="0"/>
+                    </a:p>
+                  </a:txBody>
+                  <a:tcPr/>
+                </a:tc>
+                <a:tc>
+                  <a:txBody>
+                    <a:bodyPr/>
+                    <a:lstStyle/>
+                    <a:p>
+                      <a:pPr algn="ctr"/>
+                      <a:r>
+                        <a:rPr lang="en-US" altLang="zh-CN" sz="2400" dirty="0" smtClean="0"/>
+                        <a:t>314</a:t>
+                      </a:r>
+                      <a:endParaRPr lang="zh-CN" altLang="en-US" sz="2400" dirty="0"/>
+                    </a:p>
+                  </a:txBody>
+                  <a:tcPr/>
+                </a:tc>
+              </a:tr>
+            </a:tbl>
+          </a:graphicData>
+        </a:graphic>
+      </p:graphicFrame>
+    </p:spTree>
+    <p:extLst>
+      <p:ext uri="{BB962C8B-B14F-4D97-AF65-F5344CB8AC3E}">
+        <p14:creationId xmlns:p14="http://schemas.microsoft.com/office/powerpoint/2010/main" val="1442735295"/>
+      </p:ext>
+    </p:extLst>
+  </p:cSld>
+  <p:clrMapOvr>
+    <a:masterClrMapping/>
+  </p:clrMapOvr>
+  <p:timing>
+    <p:tnLst>
+      <p:par>
+        <p:cTn id="1" dur="indefinite" restart="never" nodeType="tmRoot"/>
+      </p:par>
+    </p:tnLst>
+  </p:timing>
 </p:sld>
 </file>
 

--- a/lect-7/卡方检验.pptx
+++ b/lect-7/卡方检验.pptx
@@ -321,7 +321,7 @@
           <a:p>
             <a:fld id="{D8E0950C-EF3C-4712-8EE4-5F7FAA755B56}" type="datetimeFigureOut">
               <a:rPr lang="zh-CN" altLang="en-US" smtClean="0"/>
-              <a:t>2019-3-31</a:t>
+              <a:t>2019-4-1</a:t>
             </a:fld>
             <a:endParaRPr lang="zh-CN" altLang="en-US"/>
           </a:p>
@@ -651,7 +651,7 @@
           <a:p>
             <a:fld id="{D8E0950C-EF3C-4712-8EE4-5F7FAA755B56}" type="datetimeFigureOut">
               <a:rPr lang="zh-CN" altLang="en-US" smtClean="0"/>
-              <a:t>2019-3-31</a:t>
+              <a:t>2019-4-1</a:t>
             </a:fld>
             <a:endParaRPr lang="zh-CN" altLang="en-US"/>
           </a:p>
@@ -831,7 +831,7 @@
           <a:p>
             <a:fld id="{D8E0950C-EF3C-4712-8EE4-5F7FAA755B56}" type="datetimeFigureOut">
               <a:rPr lang="zh-CN" altLang="en-US" smtClean="0"/>
-              <a:t>2019-3-31</a:t>
+              <a:t>2019-4-1</a:t>
             </a:fld>
             <a:endParaRPr lang="zh-CN" altLang="en-US"/>
           </a:p>
@@ -1029,7 +1029,7 @@
           <a:p>
             <a:fld id="{D8E0950C-EF3C-4712-8EE4-5F7FAA755B56}" type="datetimeFigureOut">
               <a:rPr lang="zh-CN" altLang="en-US" smtClean="0"/>
-              <a:t>2019-3-31</a:t>
+              <a:t>2019-4-1</a:t>
             </a:fld>
             <a:endParaRPr lang="zh-CN" altLang="en-US"/>
           </a:p>
@@ -1306,7 +1306,7 @@
           <a:p>
             <a:fld id="{D8E0950C-EF3C-4712-8EE4-5F7FAA755B56}" type="datetimeFigureOut">
               <a:rPr lang="zh-CN" altLang="en-US" smtClean="0"/>
-              <a:t>2019-3-31</a:t>
+              <a:t>2019-4-1</a:t>
             </a:fld>
             <a:endParaRPr lang="zh-CN" altLang="en-US"/>
           </a:p>
@@ -1700,7 +1700,7 @@
           <a:p>
             <a:fld id="{D8E0950C-EF3C-4712-8EE4-5F7FAA755B56}" type="datetimeFigureOut">
               <a:rPr lang="zh-CN" altLang="en-US" smtClean="0"/>
-              <a:t>2019-3-31</a:t>
+              <a:t>2019-4-1</a:t>
             </a:fld>
             <a:endParaRPr lang="zh-CN" altLang="en-US"/>
           </a:p>
@@ -2177,7 +2177,7 @@
           <a:p>
             <a:fld id="{D8E0950C-EF3C-4712-8EE4-5F7FAA755B56}" type="datetimeFigureOut">
               <a:rPr lang="zh-CN" altLang="en-US" smtClean="0"/>
-              <a:t>2019-3-31</a:t>
+              <a:t>2019-4-1</a:t>
             </a:fld>
             <a:endParaRPr lang="zh-CN" altLang="en-US"/>
           </a:p>
@@ -2295,7 +2295,7 @@
           <a:p>
             <a:fld id="{D8E0950C-EF3C-4712-8EE4-5F7FAA755B56}" type="datetimeFigureOut">
               <a:rPr lang="zh-CN" altLang="en-US" smtClean="0"/>
-              <a:t>2019-3-31</a:t>
+              <a:t>2019-4-1</a:t>
             </a:fld>
             <a:endParaRPr lang="zh-CN" altLang="en-US"/>
           </a:p>
@@ -2390,7 +2390,7 @@
           <a:p>
             <a:fld id="{D8E0950C-EF3C-4712-8EE4-5F7FAA755B56}" type="datetimeFigureOut">
               <a:rPr lang="zh-CN" altLang="en-US" smtClean="0"/>
-              <a:t>2019-3-31</a:t>
+              <a:t>2019-4-1</a:t>
             </a:fld>
             <a:endParaRPr lang="zh-CN" altLang="en-US"/>
           </a:p>
@@ -2736,7 +2736,7 @@
           <a:p>
             <a:fld id="{D8E0950C-EF3C-4712-8EE4-5F7FAA755B56}" type="datetimeFigureOut">
               <a:rPr lang="zh-CN" altLang="en-US" smtClean="0"/>
-              <a:t>2019-3-31</a:t>
+              <a:t>2019-4-1</a:t>
             </a:fld>
             <a:endParaRPr lang="zh-CN" altLang="en-US"/>
           </a:p>
@@ -3124,7 +3124,7 @@
           <a:p>
             <a:fld id="{D8E0950C-EF3C-4712-8EE4-5F7FAA755B56}" type="datetimeFigureOut">
               <a:rPr lang="zh-CN" altLang="en-US" smtClean="0"/>
-              <a:t>2019-3-31</a:t>
+              <a:t>2019-4-1</a:t>
             </a:fld>
             <a:endParaRPr lang="zh-CN" altLang="en-US"/>
           </a:p>
@@ -3402,7 +3402,7 @@
           <a:p>
             <a:fld id="{D8E0950C-EF3C-4712-8EE4-5F7FAA755B56}" type="datetimeFigureOut">
               <a:rPr lang="zh-CN" altLang="en-US" smtClean="0"/>
-              <a:t>2019-3-31</a:t>
+              <a:t>2019-4-1</a:t>
             </a:fld>
             <a:endParaRPr lang="zh-CN" altLang="en-US"/>
           </a:p>
@@ -11364,7 +11364,6 @@
               <a:rPr lang="zh-CN" altLang="en-US" dirty="0"/>
               <a:t>死亡存在关联</a:t>
             </a:r>
-            <a:endParaRPr lang="zh-CN" altLang="en-US" dirty="0"/>
           </a:p>
         </p:txBody>
       </p:sp>
@@ -11637,7 +11636,6 @@
               <a:rPr lang="zh-CN" altLang="en-US" dirty="0"/>
               <a:t>如下表所示</a:t>
             </a:r>
-            <a:endParaRPr lang="zh-CN" altLang="en-US" dirty="0"/>
           </a:p>
         </p:txBody>
       </p:sp>
